--- a/docs/Why Prism for Xamarin.Forms.pptx
+++ b/docs/Why Prism for Xamarin.Forms.pptx
@@ -1,45 +1,45 @@
 
 <file path=ppt/presentation.xml><?xml version="1.0" encoding="utf-8"?>
-<p:presentation xmlns:a="http://schemas.openxmlformats.org/drawingml/2006/main" xmlns:r="http://schemas.openxmlformats.org/officeDocument/2006/relationships" xmlns:p="http://schemas.openxmlformats.org/presentationml/2006/main" saveSubsetFonts="1" autoCompressPictures="0">
+<p:presentation xmlns:a="http://schemas.openxmlformats.org/drawingml/2006/main" xmlns:r="http://schemas.openxmlformats.org/officeDocument/2006/relationships" xmlns:p="http://schemas.openxmlformats.org/presentationml/2006/main" removePersonalInfoOnSave="1" saveSubsetFonts="1" autoCompressPictures="0">
   <p:sldMasterIdLst>
-    <p:sldMasterId id="2147484339" r:id="rId4"/>
+    <p:sldMasterId id="2147484339" r:id="rId1"/>
   </p:sldMasterIdLst>
   <p:notesMasterIdLst>
-    <p:notesMasterId r:id="rId34"/>
+    <p:notesMasterId r:id="rId31"/>
   </p:notesMasterIdLst>
   <p:handoutMasterIdLst>
-    <p:handoutMasterId r:id="rId35"/>
+    <p:handoutMasterId r:id="rId32"/>
   </p:handoutMasterIdLst>
   <p:sldIdLst>
-    <p:sldId id="1508" r:id="rId5"/>
-    <p:sldId id="1637" r:id="rId6"/>
-    <p:sldId id="1607" r:id="rId7"/>
-    <p:sldId id="1608" r:id="rId8"/>
-    <p:sldId id="1651" r:id="rId9"/>
-    <p:sldId id="1652" r:id="rId10"/>
-    <p:sldId id="1653" r:id="rId11"/>
-    <p:sldId id="1665" r:id="rId12"/>
-    <p:sldId id="1649" r:id="rId13"/>
-    <p:sldId id="1650" r:id="rId14"/>
-    <p:sldId id="1666" r:id="rId15"/>
-    <p:sldId id="1626" r:id="rId16"/>
-    <p:sldId id="1627" r:id="rId17"/>
-    <p:sldId id="1619" r:id="rId18"/>
-    <p:sldId id="1616" r:id="rId19"/>
-    <p:sldId id="1657" r:id="rId20"/>
-    <p:sldId id="1658" r:id="rId21"/>
-    <p:sldId id="1659" r:id="rId22"/>
-    <p:sldId id="1660" r:id="rId23"/>
-    <p:sldId id="1661" r:id="rId24"/>
-    <p:sldId id="1664" r:id="rId25"/>
-    <p:sldId id="1645" r:id="rId26"/>
-    <p:sldId id="1673" r:id="rId27"/>
-    <p:sldId id="1671" r:id="rId28"/>
-    <p:sldId id="1672" r:id="rId29"/>
-    <p:sldId id="1674" r:id="rId30"/>
-    <p:sldId id="1647" r:id="rId31"/>
-    <p:sldId id="1525" r:id="rId32"/>
-    <p:sldId id="1648" r:id="rId33"/>
+    <p:sldId id="1508" r:id="rId2"/>
+    <p:sldId id="1637" r:id="rId3"/>
+    <p:sldId id="1607" r:id="rId4"/>
+    <p:sldId id="1608" r:id="rId5"/>
+    <p:sldId id="1651" r:id="rId6"/>
+    <p:sldId id="1652" r:id="rId7"/>
+    <p:sldId id="1653" r:id="rId8"/>
+    <p:sldId id="1665" r:id="rId9"/>
+    <p:sldId id="1649" r:id="rId10"/>
+    <p:sldId id="1650" r:id="rId11"/>
+    <p:sldId id="1666" r:id="rId12"/>
+    <p:sldId id="1626" r:id="rId13"/>
+    <p:sldId id="1627" r:id="rId14"/>
+    <p:sldId id="1619" r:id="rId15"/>
+    <p:sldId id="1616" r:id="rId16"/>
+    <p:sldId id="1657" r:id="rId17"/>
+    <p:sldId id="1658" r:id="rId18"/>
+    <p:sldId id="1659" r:id="rId19"/>
+    <p:sldId id="1660" r:id="rId20"/>
+    <p:sldId id="1661" r:id="rId21"/>
+    <p:sldId id="1664" r:id="rId22"/>
+    <p:sldId id="1645" r:id="rId23"/>
+    <p:sldId id="1673" r:id="rId24"/>
+    <p:sldId id="1671" r:id="rId25"/>
+    <p:sldId id="1672" r:id="rId26"/>
+    <p:sldId id="1674" r:id="rId27"/>
+    <p:sldId id="1647" r:id="rId28"/>
+    <p:sldId id="1525" r:id="rId29"/>
+    <p:sldId id="1648" r:id="rId30"/>
   </p:sldIdLst>
   <p:sldSz cx="12436475" cy="6994525"/>
   <p:notesSz cx="6858000" cy="9144000"/>
@@ -162,14 +162,7 @@
 
 <file path=ppt/commentAuthors.xml><?xml version="1.0" encoding="utf-8"?>
 <p:cmAuthorLst xmlns:a="http://schemas.openxmlformats.org/drawingml/2006/main" xmlns:r="http://schemas.openxmlformats.org/officeDocument/2006/relationships" xmlns:p="http://schemas.openxmlformats.org/presentationml/2006/main">
-  <p:cmAuthor id="0" name="Saku Uchikawa" initials="SU" lastIdx="11" clrIdx="0"/>
-  <p:cmAuthor id="1" name="Mary Feil-Jacobs" initials="MFJ" lastIdx="43" clrIdx="1"/>
-  <p:cmAuthor id="2" name="Monica Lueder" initials="ML" lastIdx="22" clrIdx="2">
-    <p:extLst/>
-  </p:cmAuthor>
-  <p:cmAuthor id="3" name="Mary Feil-Jacobs" initials="MF" lastIdx="22" clrIdx="3">
-    <p:extLst/>
-  </p:cmAuthor>
+  <p:cmAuthor id="4" name="作成者" initials="A" lastIdx="0" clrIdx="4"/>
 </p:cmAuthorLst>
 </file>
 
@@ -226,7 +219,7 @@
               <a:rPr lang="en-US" altLang="ja-JP" smtClean="0">
                 <a:latin typeface="Segoe UI" pitchFamily="34" charset="0"/>
               </a:rPr>
-              <a:t>11/1/2016 5:40 PM</a:t>
+              <a:t>11/1/2016 5:53 PM</a:t>
             </a:fld>
             <a:endParaRPr lang="en-US" dirty="0">
               <a:latin typeface="Segoe UI" pitchFamily="34" charset="0"/>
@@ -471,7 +464,7 @@
           <a:p>
             <a:fld id="{35F63945-09EF-4D56-AA6D-C1F6374BA98A}" type="datetime8">
               <a:rPr lang="en-US" altLang="ja-JP" smtClean="0"/>
-              <a:t>11/1/2016 5:40 PM</a:t>
+              <a:t>11/1/2016 5:53 PM</a:t>
             </a:fld>
             <a:endParaRPr lang="en-US" dirty="0"/>
           </a:p>
@@ -835,7 +828,7 @@
           <a:p>
             <a:fld id="{35F63945-09EF-4D56-AA6D-C1F6374BA98A}" type="datetime8">
               <a:rPr lang="en-US" altLang="ja-JP" smtClean="0"/>
-              <a:t>11/1/2016 5:40 PM</a:t>
+              <a:t>11/1/2016 5:53 PM</a:t>
             </a:fld>
             <a:endParaRPr lang="en-US" dirty="0"/>
           </a:p>
@@ -1112,7 +1105,7 @@
           <a:p>
             <a:fld id="{35F63945-09EF-4D56-AA6D-C1F6374BA98A}" type="datetime8">
               <a:rPr lang="en-US" altLang="ja-JP" smtClean="0"/>
-              <a:t>11/1/2016 5:40 PM</a:t>
+              <a:t>11/1/2016 5:53 PM</a:t>
             </a:fld>
             <a:endParaRPr lang="en-US" dirty="0"/>
           </a:p>
@@ -1567,7 +1560,7 @@
           <a:p>
             <a:fld id="{35F63945-09EF-4D56-AA6D-C1F6374BA98A}" type="datetime8">
               <a:rPr lang="en-US" altLang="ja-JP" smtClean="0"/>
-              <a:t>11/1/2016 5:40 PM</a:t>
+              <a:t>11/1/2016 5:53 PM</a:t>
             </a:fld>
             <a:endParaRPr lang="en-US" dirty="0"/>
           </a:p>
@@ -1773,7 +1766,7 @@
           <a:p>
             <a:fld id="{35F63945-09EF-4D56-AA6D-C1F6374BA98A}" type="datetime8">
               <a:rPr lang="en-US" altLang="ja-JP" smtClean="0"/>
-              <a:t>11/1/2016 5:40 PM</a:t>
+              <a:t>11/1/2016 5:53 PM</a:t>
             </a:fld>
             <a:endParaRPr lang="en-US" dirty="0"/>
           </a:p>
@@ -2092,7 +2085,7 @@
           <a:p>
             <a:fld id="{35F63945-09EF-4D56-AA6D-C1F6374BA98A}" type="datetime8">
               <a:rPr lang="en-US" altLang="ja-JP" smtClean="0"/>
-              <a:t>11/1/2016 5:40 PM</a:t>
+              <a:t>11/1/2016 5:53 PM</a:t>
             </a:fld>
             <a:endParaRPr lang="en-US" dirty="0"/>
           </a:p>
@@ -2319,7 +2312,7 @@
           <a:p>
             <a:fld id="{35F63945-09EF-4D56-AA6D-C1F6374BA98A}" type="datetime8">
               <a:rPr lang="en-US" altLang="ja-JP" smtClean="0"/>
-              <a:t>11/1/2016 5:40 PM</a:t>
+              <a:t>11/1/2016 5:53 PM</a:t>
             </a:fld>
             <a:endParaRPr lang="en-US" dirty="0"/>
           </a:p>
@@ -2528,7 +2521,7 @@
           <a:p>
             <a:fld id="{35F63945-09EF-4D56-AA6D-C1F6374BA98A}" type="datetime8">
               <a:rPr lang="en-US" altLang="ja-JP" smtClean="0"/>
-              <a:t>11/1/2016 5:40 PM</a:t>
+              <a:t>11/1/2016 5:53 PM</a:t>
             </a:fld>
             <a:endParaRPr lang="en-US" dirty="0"/>
           </a:p>
@@ -2798,7 +2791,6 @@
               <a:rPr kumimoji="1" lang="ja-JP" altLang="en-US" dirty="0"/>
               <a:t>も設計原則でもあります。</a:t>
             </a:r>
-            <a:endParaRPr kumimoji="1" lang="ja-JP" altLang="en-US" dirty="0"/>
           </a:p>
         </p:txBody>
       </p:sp>
@@ -2873,7 +2865,7 @@
           <a:p>
             <a:fld id="{35F63945-09EF-4D56-AA6D-C1F6374BA98A}" type="datetime8">
               <a:rPr lang="en-US" altLang="ja-JP" smtClean="0"/>
-              <a:t>11/1/2016 5:42 PM</a:t>
+              <a:t>11/1/2016 5:53 PM</a:t>
             </a:fld>
             <a:endParaRPr lang="en-US" dirty="0"/>
           </a:p>
@@ -3082,7 +3074,7 @@
           <a:p>
             <a:fld id="{35F63945-09EF-4D56-AA6D-C1F6374BA98A}" type="datetime8">
               <a:rPr lang="en-US" altLang="ja-JP" smtClean="0"/>
-              <a:t>11/1/2016 5:40 PM</a:t>
+              <a:t>11/1/2016 5:53 PM</a:t>
             </a:fld>
             <a:endParaRPr lang="en-US" dirty="0"/>
           </a:p>
@@ -3327,7 +3319,7 @@
           <a:p>
             <a:fld id="{35F63945-09EF-4D56-AA6D-C1F6374BA98A}" type="datetime8">
               <a:rPr lang="en-US" altLang="ja-JP" smtClean="0"/>
-              <a:t>11/1/2016 5:40 PM</a:t>
+              <a:t>11/1/2016 5:53 PM</a:t>
             </a:fld>
             <a:endParaRPr lang="en-US" dirty="0"/>
           </a:p>
@@ -3536,7 +3528,7 @@
           <a:p>
             <a:fld id="{35F63945-09EF-4D56-AA6D-C1F6374BA98A}" type="datetime8">
               <a:rPr lang="en-US" altLang="ja-JP" smtClean="0"/>
-              <a:t>11/1/2016 5:40 PM</a:t>
+              <a:t>11/1/2016 5:53 PM</a:t>
             </a:fld>
             <a:endParaRPr lang="en-US" dirty="0"/>
           </a:p>
@@ -3728,7 +3720,7 @@
           <a:p>
             <a:fld id="{35F63945-09EF-4D56-AA6D-C1F6374BA98A}" type="datetime8">
               <a:rPr lang="en-US" altLang="ja-JP" smtClean="0"/>
-              <a:t>11/1/2016 5:40 PM</a:t>
+              <a:t>11/1/2016 5:53 PM</a:t>
             </a:fld>
             <a:endParaRPr lang="en-US" dirty="0"/>
           </a:p>
@@ -3957,7 +3949,7 @@
           <a:p>
             <a:fld id="{35F63945-09EF-4D56-AA6D-C1F6374BA98A}" type="datetime8">
               <a:rPr lang="en-US" altLang="ja-JP" smtClean="0"/>
-              <a:t>11/1/2016 5:40 PM</a:t>
+              <a:t>11/1/2016 5:53 PM</a:t>
             </a:fld>
             <a:endParaRPr lang="en-US" dirty="0"/>
           </a:p>
@@ -4126,7 +4118,7 @@
           <a:p>
             <a:fld id="{35F63945-09EF-4D56-AA6D-C1F6374BA98A}" type="datetime8">
               <a:rPr lang="en-US" altLang="ja-JP" smtClean="0"/>
-              <a:t>11/1/2016 5:40 PM</a:t>
+              <a:t>11/1/2016 5:53 PM</a:t>
             </a:fld>
             <a:endParaRPr lang="en-US" dirty="0"/>
           </a:p>
@@ -4387,7 +4379,7 @@
           <a:p>
             <a:fld id="{35F63945-09EF-4D56-AA6D-C1F6374BA98A}" type="datetime8">
               <a:rPr lang="en-US" altLang="ja-JP" smtClean="0"/>
-              <a:t>11/1/2016 5:40 PM</a:t>
+              <a:t>11/1/2016 5:53 PM</a:t>
             </a:fld>
             <a:endParaRPr lang="en-US" dirty="0"/>
           </a:p>
@@ -4633,7 +4625,6 @@
               <a:rPr kumimoji="1" lang="ja-JP" altLang="en-US" dirty="0"/>
               <a:t>それでは実際にコードを見ていきましょう。</a:t>
             </a:r>
-            <a:endParaRPr kumimoji="1" lang="ja-JP" altLang="en-US" dirty="0"/>
           </a:p>
         </p:txBody>
       </p:sp>
@@ -4708,7 +4699,7 @@
           <a:p>
             <a:fld id="{35F63945-09EF-4D56-AA6D-C1F6374BA98A}" type="datetime8">
               <a:rPr lang="en-US" altLang="ja-JP" smtClean="0"/>
-              <a:t>11/1/2016 5:46 PM</a:t>
+              <a:t>11/1/2016 5:53 PM</a:t>
             </a:fld>
             <a:endParaRPr lang="en-US" dirty="0"/>
           </a:p>
@@ -4899,7 +4890,7 @@
           <a:p>
             <a:fld id="{35F63945-09EF-4D56-AA6D-C1F6374BA98A}" type="datetime8">
               <a:rPr lang="en-US" altLang="ja-JP" smtClean="0"/>
-              <a:t>11/1/2016 5:40 PM</a:t>
+              <a:t>11/1/2016 5:53 PM</a:t>
             </a:fld>
             <a:endParaRPr lang="en-US" dirty="0"/>
           </a:p>
@@ -5061,7 +5052,7 @@
           <a:p>
             <a:fld id="{35F63945-09EF-4D56-AA6D-C1F6374BA98A}" type="datetime8">
               <a:rPr lang="en-US" altLang="ja-JP" smtClean="0"/>
-              <a:t>11/1/2016 5:40 PM</a:t>
+              <a:t>11/1/2016 5:53 PM</a:t>
             </a:fld>
             <a:endParaRPr lang="en-US" dirty="0"/>
           </a:p>
@@ -5445,7 +5436,7 @@
           <a:p>
             <a:fld id="{35F63945-09EF-4D56-AA6D-C1F6374BA98A}" type="datetime8">
               <a:rPr lang="en-US" altLang="ja-JP" smtClean="0"/>
-              <a:t>11/1/2016 5:40 PM</a:t>
+              <a:t>11/1/2016 5:53 PM</a:t>
             </a:fld>
             <a:endParaRPr lang="en-US" dirty="0"/>
           </a:p>
@@ -5633,7 +5624,7 @@
           <a:p>
             <a:fld id="{35F63945-09EF-4D56-AA6D-C1F6374BA98A}" type="datetime8">
               <a:rPr lang="en-US" altLang="ja-JP" smtClean="0"/>
-              <a:t>11/1/2016 5:40 PM</a:t>
+              <a:t>11/1/2016 5:53 PM</a:t>
             </a:fld>
             <a:endParaRPr lang="en-US" dirty="0"/>
           </a:p>
@@ -5882,7 +5873,7 @@
           <a:p>
             <a:fld id="{35F63945-09EF-4D56-AA6D-C1F6374BA98A}" type="datetime8">
               <a:rPr lang="en-US" altLang="ja-JP" smtClean="0"/>
-              <a:t>11/1/2016 5:40 PM</a:t>
+              <a:t>11/1/2016 5:53 PM</a:t>
             </a:fld>
             <a:endParaRPr lang="en-US" dirty="0"/>
           </a:p>
@@ -6281,7 +6272,7 @@
           <a:p>
             <a:fld id="{35F63945-09EF-4D56-AA6D-C1F6374BA98A}" type="datetime8">
               <a:rPr lang="en-US" altLang="ja-JP" smtClean="0"/>
-              <a:t>11/1/2016 5:40 PM</a:t>
+              <a:t>11/1/2016 5:53 PM</a:t>
             </a:fld>
             <a:endParaRPr lang="en-US" dirty="0"/>
           </a:p>
@@ -6671,7 +6662,7 @@
           <a:p>
             <a:fld id="{35F63945-09EF-4D56-AA6D-C1F6374BA98A}" type="datetime8">
               <a:rPr lang="en-US" altLang="ja-JP" smtClean="0"/>
-              <a:t>11/1/2016 5:40 PM</a:t>
+              <a:t>11/1/2016 5:53 PM</a:t>
             </a:fld>
             <a:endParaRPr lang="en-US" dirty="0"/>
           </a:p>
@@ -16137,209 +16128,4 @@
   <a:objectDefaults/>
   <a:extraClrSchemeLst/>
 </a:theme>
-</file>
-
-<file path=customXml/item1.xml><?xml version="1.0" encoding="utf-8"?>
-<?mso-contentType ?>
-<FormTemplates xmlns="http://schemas.microsoft.com/sharepoint/v3/contenttype/forms">
-  <Display>DocumentLibraryForm</Display>
-  <Edit>DocumentLibraryForm</Edit>
-  <New>DocumentLibraryForm</New>
-</FormTemplates>
-</file>
-
-<file path=customXml/item2.xml><?xml version="1.0" encoding="utf-8"?>
-<p:properties xmlns:p="http://schemas.microsoft.com/office/2006/metadata/properties" xmlns:xsi="http://www.w3.org/2001/XMLSchema-instance" xmlns:pc="http://schemas.microsoft.com/office/infopath/2007/PartnerControls">
-  <documentManagement/>
-</p:properties>
-</file>
-
-<file path=customXml/item3.xml><?xml version="1.0" encoding="utf-8"?>
-<ct:contentTypeSchema xmlns:ct="http://schemas.microsoft.com/office/2006/metadata/contentType" xmlns:ma="http://schemas.microsoft.com/office/2006/metadata/properties/metaAttributes" ct:_="" ma:_="" ma:contentTypeName="ドキュメント" ma:contentTypeID="0x01010067B8B9102A81F64C8F9F09937C628587" ma:contentTypeVersion="2" ma:contentTypeDescription="新しいドキュメントを作成します。" ma:contentTypeScope="" ma:versionID="e781a4d8ccec06c5b42b1493ab7a10db">
-  <xsd:schema xmlns:xsd="http://www.w3.org/2001/XMLSchema" xmlns:xs="http://www.w3.org/2001/XMLSchema" xmlns:p="http://schemas.microsoft.com/office/2006/metadata/properties" xmlns:ns2="3c0f7343-c375-4729-9c6e-3010c795816b" targetNamespace="http://schemas.microsoft.com/office/2006/metadata/properties" ma:root="true" ma:fieldsID="1ca49d870aadf0cb365d63c7d4b01c16" ns2:_="">
-    <xsd:import namespace="3c0f7343-c375-4729-9c6e-3010c795816b"/>
-    <xsd:element name="properties">
-      <xsd:complexType>
-        <xsd:sequence>
-          <xsd:element name="documentManagement">
-            <xsd:complexType>
-              <xsd:all>
-                <xsd:element ref="ns2:SharedWithUsers" minOccurs="0"/>
-                <xsd:element ref="ns2:SharedWithDetails" minOccurs="0"/>
-              </xsd:all>
-            </xsd:complexType>
-          </xsd:element>
-        </xsd:sequence>
-      </xsd:complexType>
-    </xsd:element>
-  </xsd:schema>
-  <xsd:schema xmlns:xsd="http://www.w3.org/2001/XMLSchema" xmlns:xs="http://www.w3.org/2001/XMLSchema" xmlns:dms="http://schemas.microsoft.com/office/2006/documentManagement/types" xmlns:pc="http://schemas.microsoft.com/office/infopath/2007/PartnerControls" targetNamespace="3c0f7343-c375-4729-9c6e-3010c795816b" elementFormDefault="qualified">
-    <xsd:import namespace="http://schemas.microsoft.com/office/2006/documentManagement/types"/>
-    <xsd:import namespace="http://schemas.microsoft.com/office/infopath/2007/PartnerControls"/>
-    <xsd:element name="SharedWithUsers" ma:index="8" nillable="true" ma:displayName="共有相手" ma:description="" ma:internalName="SharedWithUsers" ma:readOnly="true">
-      <xsd:complexType>
-        <xsd:complexContent>
-          <xsd:extension base="dms:UserMulti">
-            <xsd:sequence>
-              <xsd:element name="UserInfo" minOccurs="0" maxOccurs="unbounded">
-                <xsd:complexType>
-                  <xsd:sequence>
-                    <xsd:element name="DisplayName" type="xsd:string" minOccurs="0"/>
-                    <xsd:element name="AccountId" type="dms:UserId" minOccurs="0" nillable="true"/>
-                    <xsd:element name="AccountType" type="xsd:string" minOccurs="0"/>
-                  </xsd:sequence>
-                </xsd:complexType>
-              </xsd:element>
-            </xsd:sequence>
-          </xsd:extension>
-        </xsd:complexContent>
-      </xsd:complexType>
-    </xsd:element>
-    <xsd:element name="SharedWithDetails" ma:index="9" nillable="true" ma:displayName="共有相手の詳細情報" ma:description="" ma:internalName="SharedWithDetails" ma:readOnly="true">
-      <xsd:simpleType>
-        <xsd:restriction base="dms:Note">
-          <xsd:maxLength value="255"/>
-        </xsd:restriction>
-      </xsd:simpleType>
-    </xsd:element>
-  </xsd:schema>
-  <xsd:schema xmlns="http://schemas.openxmlformats.org/package/2006/metadata/core-properties" xmlns:xsd="http://www.w3.org/2001/XMLSchema" xmlns:xsi="http://www.w3.org/2001/XMLSchema-instance" xmlns:dc="http://purl.org/dc/elements/1.1/" xmlns:dcterms="http://purl.org/dc/terms/" xmlns:odoc="http://schemas.microsoft.com/internal/obd" targetNamespace="http://schemas.openxmlformats.org/package/2006/metadata/core-properties" elementFormDefault="qualified" attributeFormDefault="unqualified" blockDefault="#all">
-    <xsd:import namespace="http://purl.org/dc/elements/1.1/" schemaLocation="http://dublincore.org/schemas/xmls/qdc/2003/04/02/dc.xsd"/>
-    <xsd:import namespace="http://purl.org/dc/terms/" schemaLocation="http://dublincore.org/schemas/xmls/qdc/2003/04/02/dcterms.xsd"/>
-    <xsd:element name="coreProperties" type="CT_coreProperties"/>
-    <xsd:complexType name="CT_coreProperties">
-      <xsd:all>
-        <xsd:element ref="dc:creator" minOccurs="0" maxOccurs="1"/>
-        <xsd:element ref="dcterms:created" minOccurs="0" maxOccurs="1"/>
-        <xsd:element ref="dc:identifier" minOccurs="0" maxOccurs="1"/>
-        <xsd:element name="contentType" minOccurs="0" maxOccurs="1" type="xsd:string" ma:index="0" ma:displayName="コンテンツ タイプ"/>
-        <xsd:element ref="dc:title" minOccurs="0" maxOccurs="1" ma:index="4" ma:displayName="Title"/>
-        <xsd:element ref="dc:subject" minOccurs="0" maxOccurs="1"/>
-        <xsd:element ref="dc:description" minOccurs="0" maxOccurs="1"/>
-        <xsd:element name="keywords" minOccurs="0" maxOccurs="1" type="xsd:string"/>
-        <xsd:element ref="dc:language" minOccurs="0" maxOccurs="1"/>
-        <xsd:element name="category" minOccurs="0" maxOccurs="1" type="xsd:string"/>
-        <xsd:element name="version" minOccurs="0" maxOccurs="1" type="xsd:string"/>
-        <xsd:element name="revision" minOccurs="0" maxOccurs="1" type="xsd:string">
-          <xsd:annotation>
-            <xsd:documentation>
-                        This value indicates the number of saves or revisions. The application is responsible for updating this value after each revision.
-                    </xsd:documentation>
-          </xsd:annotation>
-        </xsd:element>
-        <xsd:element name="lastModifiedBy" minOccurs="0" maxOccurs="1" type="xsd:string"/>
-        <xsd:element ref="dcterms:modified" minOccurs="0" maxOccurs="1"/>
-        <xsd:element name="contentStatus" minOccurs="0" maxOccurs="1" type="xsd:string"/>
-      </xsd:all>
-    </xsd:complexType>
-  </xsd:schema>
-  <xs:schema xmlns:pc="http://schemas.microsoft.com/office/infopath/2007/PartnerControls" xmlns:xs="http://www.w3.org/2001/XMLSchema" targetNamespace="http://schemas.microsoft.com/office/infopath/2007/PartnerControls" elementFormDefault="qualified" attributeFormDefault="unqualified">
-    <xs:element name="Person">
-      <xs:complexType>
-        <xs:sequence>
-          <xs:element ref="pc:DisplayName" minOccurs="0"/>
-          <xs:element ref="pc:AccountId" minOccurs="0"/>
-          <xs:element ref="pc:AccountType" minOccurs="0"/>
-        </xs:sequence>
-      </xs:complexType>
-    </xs:element>
-    <xs:element name="DisplayName" type="xs:string"/>
-    <xs:element name="AccountId" type="xs:string"/>
-    <xs:element name="AccountType" type="xs:string"/>
-    <xs:element name="BDCAssociatedEntity">
-      <xs:complexType>
-        <xs:sequence>
-          <xs:element ref="pc:BDCEntity" minOccurs="0" maxOccurs="unbounded"/>
-        </xs:sequence>
-        <xs:attribute ref="pc:EntityNamespace"/>
-        <xs:attribute ref="pc:EntityName"/>
-        <xs:attribute ref="pc:SystemInstanceName"/>
-        <xs:attribute ref="pc:AssociationName"/>
-      </xs:complexType>
-    </xs:element>
-    <xs:attribute name="EntityNamespace" type="xs:string"/>
-    <xs:attribute name="EntityName" type="xs:string"/>
-    <xs:attribute name="SystemInstanceName" type="xs:string"/>
-    <xs:attribute name="AssociationName" type="xs:string"/>
-    <xs:element name="BDCEntity">
-      <xs:complexType>
-        <xs:sequence>
-          <xs:element ref="pc:EntityDisplayName" minOccurs="0"/>
-          <xs:element ref="pc:EntityInstanceReference" minOccurs="0"/>
-          <xs:element ref="pc:EntityId1" minOccurs="0"/>
-          <xs:element ref="pc:EntityId2" minOccurs="0"/>
-          <xs:element ref="pc:EntityId3" minOccurs="0"/>
-          <xs:element ref="pc:EntityId4" minOccurs="0"/>
-          <xs:element ref="pc:EntityId5" minOccurs="0"/>
-        </xs:sequence>
-      </xs:complexType>
-    </xs:element>
-    <xs:element name="EntityDisplayName" type="xs:string"/>
-    <xs:element name="EntityInstanceReference" type="xs:string"/>
-    <xs:element name="EntityId1" type="xs:string"/>
-    <xs:element name="EntityId2" type="xs:string"/>
-    <xs:element name="EntityId3" type="xs:string"/>
-    <xs:element name="EntityId4" type="xs:string"/>
-    <xs:element name="EntityId5" type="xs:string"/>
-    <xs:element name="Terms">
-      <xs:complexType>
-        <xs:sequence>
-          <xs:element ref="pc:TermInfo" minOccurs="0" maxOccurs="unbounded"/>
-        </xs:sequence>
-      </xs:complexType>
-    </xs:element>
-    <xs:element name="TermInfo">
-      <xs:complexType>
-        <xs:sequence>
-          <xs:element ref="pc:TermName" minOccurs="0"/>
-          <xs:element ref="pc:TermId" minOccurs="0"/>
-        </xs:sequence>
-      </xs:complexType>
-    </xs:element>
-    <xs:element name="TermName" type="xs:string"/>
-    <xs:element name="TermId" type="xs:string"/>
-  </xs:schema>
-</ct:contentTypeSchema>
-</file>
-
-<file path=customXml/itemProps1.xml><?xml version="1.0" encoding="utf-8"?>
-<ds:datastoreItem xmlns:ds="http://schemas.openxmlformats.org/officeDocument/2006/customXml" ds:itemID="{758FDAC0-319D-4A54-8D8E-1D42CB1F8004}">
-  <ds:schemaRefs>
-    <ds:schemaRef ds:uri="http://schemas.microsoft.com/sharepoint/v3/contenttype/forms"/>
-  </ds:schemaRefs>
-</ds:datastoreItem>
-</file>
-
-<file path=customXml/itemProps2.xml><?xml version="1.0" encoding="utf-8"?>
-<ds:datastoreItem xmlns:ds="http://schemas.openxmlformats.org/officeDocument/2006/customXml" ds:itemID="{F990F116-B58F-4255-B05B-DA3808E0E5C6}">
-  <ds:schemaRefs>
-    <ds:schemaRef ds:uri="http://schemas.microsoft.com/office/2006/documentManagement/types"/>
-    <ds:schemaRef ds:uri="http://purl.org/dc/terms/"/>
-    <ds:schemaRef ds:uri="http://schemas.openxmlformats.org/package/2006/metadata/core-properties"/>
-    <ds:schemaRef ds:uri="http://purl.org/dc/dcmitype/"/>
-    <ds:schemaRef ds:uri="http://schemas.microsoft.com/office/infopath/2007/PartnerControls"/>
-    <ds:schemaRef ds:uri="http://purl.org/dc/elements/1.1/"/>
-    <ds:schemaRef ds:uri="http://schemas.microsoft.com/office/2006/metadata/properties"/>
-    <ds:schemaRef ds:uri="3c0f7343-c375-4729-9c6e-3010c795816b"/>
-    <ds:schemaRef ds:uri="http://www.w3.org/XML/1998/namespace"/>
-  </ds:schemaRefs>
-</ds:datastoreItem>
-</file>
-
-<file path=customXml/itemProps3.xml><?xml version="1.0" encoding="utf-8"?>
-<ds:datastoreItem xmlns:ds="http://schemas.openxmlformats.org/officeDocument/2006/customXml" ds:itemID="{43FAB8BC-E1C7-4980-86EA-608513CB92AB}">
-  <ds:schemaRefs>
-    <ds:schemaRef ds:uri="http://schemas.microsoft.com/office/2006/metadata/contentType"/>
-    <ds:schemaRef ds:uri="http://schemas.microsoft.com/office/2006/metadata/properties/metaAttributes"/>
-    <ds:schemaRef ds:uri="http://www.w3.org/2001/XMLSchema"/>
-    <ds:schemaRef ds:uri="http://schemas.microsoft.com/office/2006/metadata/properties"/>
-    <ds:schemaRef ds:uri="3c0f7343-c375-4729-9c6e-3010c795816b"/>
-    <ds:schemaRef ds:uri="http://schemas.microsoft.com/office/2006/documentManagement/types"/>
-    <ds:schemaRef ds:uri="http://schemas.microsoft.com/office/infopath/2007/PartnerControls"/>
-    <ds:schemaRef ds:uri="http://schemas.openxmlformats.org/package/2006/metadata/core-properties"/>
-    <ds:schemaRef ds:uri="http://purl.org/dc/elements/1.1/"/>
-    <ds:schemaRef ds:uri="http://purl.org/dc/terms/"/>
-    <ds:schemaRef ds:uri="http://schemas.microsoft.com/internal/obd"/>
-  </ds:schemaRefs>
-</ds:datastoreItem>
 </file>
--- a/docs/Why Prism for Xamarin.Forms.pptx
+++ b/docs/Why Prism for Xamarin.Forms.pptx
@@ -5,10 +5,10 @@
     <p:sldMasterId id="2147484339" r:id="rId1"/>
   </p:sldMasterIdLst>
   <p:notesMasterIdLst>
-    <p:notesMasterId r:id="rId31"/>
+    <p:notesMasterId r:id="rId36"/>
   </p:notesMasterIdLst>
   <p:handoutMasterIdLst>
-    <p:handoutMasterId r:id="rId32"/>
+    <p:handoutMasterId r:id="rId37"/>
   </p:handoutMasterIdLst>
   <p:sldIdLst>
     <p:sldId id="1508" r:id="rId2"/>
@@ -30,16 +30,21 @@
     <p:sldId id="1658" r:id="rId18"/>
     <p:sldId id="1659" r:id="rId19"/>
     <p:sldId id="1660" r:id="rId20"/>
-    <p:sldId id="1661" r:id="rId21"/>
-    <p:sldId id="1664" r:id="rId22"/>
-    <p:sldId id="1645" r:id="rId23"/>
-    <p:sldId id="1673" r:id="rId24"/>
-    <p:sldId id="1671" r:id="rId25"/>
-    <p:sldId id="1672" r:id="rId26"/>
-    <p:sldId id="1674" r:id="rId27"/>
-    <p:sldId id="1647" r:id="rId28"/>
-    <p:sldId id="1525" r:id="rId29"/>
-    <p:sldId id="1648" r:id="rId30"/>
+    <p:sldId id="1675" r:id="rId21"/>
+    <p:sldId id="1676" r:id="rId22"/>
+    <p:sldId id="1677" r:id="rId23"/>
+    <p:sldId id="1678" r:id="rId24"/>
+    <p:sldId id="1661" r:id="rId25"/>
+    <p:sldId id="1664" r:id="rId26"/>
+    <p:sldId id="1645" r:id="rId27"/>
+    <p:sldId id="1673" r:id="rId28"/>
+    <p:sldId id="1671" r:id="rId29"/>
+    <p:sldId id="1679" r:id="rId30"/>
+    <p:sldId id="1680" r:id="rId31"/>
+    <p:sldId id="1674" r:id="rId32"/>
+    <p:sldId id="1647" r:id="rId33"/>
+    <p:sldId id="1525" r:id="rId34"/>
+    <p:sldId id="1648" r:id="rId35"/>
   </p:sldIdLst>
   <p:sldSz cx="12436475" cy="6994525"/>
   <p:notesSz cx="6858000" cy="9144000"/>
@@ -219,7 +224,7 @@
               <a:rPr lang="en-US" altLang="ja-JP" smtClean="0">
                 <a:latin typeface="Segoe UI" pitchFamily="34" charset="0"/>
               </a:rPr>
-              <a:t>11/1/2016 5:53 PM</a:t>
+              <a:t>11/4/2016 3:31 PM</a:t>
             </a:fld>
             <a:endParaRPr lang="en-US" dirty="0">
               <a:latin typeface="Segoe UI" pitchFamily="34" charset="0"/>
@@ -464,7 +469,7 @@
           <a:p>
             <a:fld id="{35F63945-09EF-4D56-AA6D-C1F6374BA98A}" type="datetime8">
               <a:rPr lang="en-US" altLang="ja-JP" smtClean="0"/>
-              <a:t>11/1/2016 5:53 PM</a:t>
+              <a:t>11/4/2016 3:31 PM</a:t>
             </a:fld>
             <a:endParaRPr lang="en-US" dirty="0"/>
           </a:p>
@@ -828,7 +833,7 @@
           <a:p>
             <a:fld id="{35F63945-09EF-4D56-AA6D-C1F6374BA98A}" type="datetime8">
               <a:rPr lang="en-US" altLang="ja-JP" smtClean="0"/>
-              <a:t>11/1/2016 5:53 PM</a:t>
+              <a:t>11/4/2016 3:31 PM</a:t>
             </a:fld>
             <a:endParaRPr lang="en-US" dirty="0"/>
           </a:p>
@@ -1105,7 +1110,7 @@
           <a:p>
             <a:fld id="{35F63945-09EF-4D56-AA6D-C1F6374BA98A}" type="datetime8">
               <a:rPr lang="en-US" altLang="ja-JP" smtClean="0"/>
-              <a:t>11/1/2016 5:53 PM</a:t>
+              <a:t>11/4/2016 3:31 PM</a:t>
             </a:fld>
             <a:endParaRPr lang="en-US" dirty="0"/>
           </a:p>
@@ -1314,7 +1319,7 @@
           <a:p>
             <a:fld id="{D9D3C64A-CFB4-4980-8828-24F416B1C84A}" type="datetime1">
               <a:rPr kumimoji="1" lang="ja-JP" altLang="en-US" smtClean="0"/>
-              <a:t>2016/11/1</a:t>
+              <a:t>2016/11/4</a:t>
             </a:fld>
             <a:endParaRPr kumimoji="1" lang="ja-JP" altLang="en-US" dirty="0"/>
           </a:p>
@@ -1560,7 +1565,7 @@
           <a:p>
             <a:fld id="{35F63945-09EF-4D56-AA6D-C1F6374BA98A}" type="datetime8">
               <a:rPr lang="en-US" altLang="ja-JP" smtClean="0"/>
-              <a:t>11/1/2016 5:53 PM</a:t>
+              <a:t>11/4/2016 3:31 PM</a:t>
             </a:fld>
             <a:endParaRPr lang="en-US" dirty="0"/>
           </a:p>
@@ -1766,7 +1771,7 @@
           <a:p>
             <a:fld id="{35F63945-09EF-4D56-AA6D-C1F6374BA98A}" type="datetime8">
               <a:rPr lang="en-US" altLang="ja-JP" smtClean="0"/>
-              <a:t>11/1/2016 5:53 PM</a:t>
+              <a:t>11/4/2016 3:31 PM</a:t>
             </a:fld>
             <a:endParaRPr lang="en-US" dirty="0"/>
           </a:p>
@@ -2085,7 +2090,7 @@
           <a:p>
             <a:fld id="{35F63945-09EF-4D56-AA6D-C1F6374BA98A}" type="datetime8">
               <a:rPr lang="en-US" altLang="ja-JP" smtClean="0"/>
-              <a:t>11/1/2016 5:53 PM</a:t>
+              <a:t>11/4/2016 3:31 PM</a:t>
             </a:fld>
             <a:endParaRPr lang="en-US" dirty="0"/>
           </a:p>
@@ -2312,7 +2317,7 @@
           <a:p>
             <a:fld id="{35F63945-09EF-4D56-AA6D-C1F6374BA98A}" type="datetime8">
               <a:rPr lang="en-US" altLang="ja-JP" smtClean="0"/>
-              <a:t>11/1/2016 5:53 PM</a:t>
+              <a:t>11/4/2016 3:31 PM</a:t>
             </a:fld>
             <a:endParaRPr lang="en-US" dirty="0"/>
           </a:p>
@@ -2521,7 +2526,7 @@
           <a:p>
             <a:fld id="{35F63945-09EF-4D56-AA6D-C1F6374BA98A}" type="datetime8">
               <a:rPr lang="en-US" altLang="ja-JP" smtClean="0"/>
-              <a:t>11/1/2016 5:53 PM</a:t>
+              <a:t>11/4/2016 3:31 PM</a:t>
             </a:fld>
             <a:endParaRPr lang="en-US" dirty="0"/>
           </a:p>
@@ -2865,7 +2870,7 @@
           <a:p>
             <a:fld id="{35F63945-09EF-4D56-AA6D-C1F6374BA98A}" type="datetime8">
               <a:rPr lang="en-US" altLang="ja-JP" smtClean="0"/>
-              <a:t>11/1/2016 5:53 PM</a:t>
+              <a:t>11/4/2016 3:31 PM</a:t>
             </a:fld>
             <a:endParaRPr lang="en-US" dirty="0"/>
           </a:p>
@@ -3074,7 +3079,7 @@
           <a:p>
             <a:fld id="{35F63945-09EF-4D56-AA6D-C1F6374BA98A}" type="datetime8">
               <a:rPr lang="en-US" altLang="ja-JP" smtClean="0"/>
-              <a:t>11/1/2016 5:53 PM</a:t>
+              <a:t>11/4/2016 3:31 PM</a:t>
             </a:fld>
             <a:endParaRPr lang="en-US" dirty="0"/>
           </a:p>
@@ -3319,7 +3324,7 @@
           <a:p>
             <a:fld id="{35F63945-09EF-4D56-AA6D-C1F6374BA98A}" type="datetime8">
               <a:rPr lang="en-US" altLang="ja-JP" smtClean="0"/>
-              <a:t>11/1/2016 5:53 PM</a:t>
+              <a:t>11/4/2016 3:31 PM</a:t>
             </a:fld>
             <a:endParaRPr lang="en-US" dirty="0"/>
           </a:p>
@@ -3528,7 +3533,7 @@
           <a:p>
             <a:fld id="{35F63945-09EF-4D56-AA6D-C1F6374BA98A}" type="datetime8">
               <a:rPr lang="en-US" altLang="ja-JP" smtClean="0"/>
-              <a:t>11/1/2016 5:53 PM</a:t>
+              <a:t>11/4/2016 3:31 PM</a:t>
             </a:fld>
             <a:endParaRPr lang="en-US" dirty="0"/>
           </a:p>
@@ -3616,12 +3621,8 @@
           <a:lstStyle/>
           <a:p>
             <a:r>
-              <a:rPr kumimoji="1" lang="en-US" altLang="ja-JP" dirty="0"/>
-              <a:t>Prism</a:t>
-            </a:r>
-            <a:r>
-              <a:rPr kumimoji="1" lang="ja-JP" altLang="en-US" dirty="0"/>
-              <a:t>は単純に</a:t>
+              <a:rPr kumimoji="1" lang="ja-JP" altLang="en-US" dirty="0"/>
+              <a:t>そもそも</a:t>
             </a:r>
             <a:r>
               <a:rPr kumimoji="1" lang="en-US" altLang="ja-JP" dirty="0"/>
@@ -3629,23 +3630,34 @@
             </a:r>
             <a:r>
               <a:rPr kumimoji="1" lang="ja-JP" altLang="en-US" dirty="0"/>
-              <a:t>をサポートするだけでなく</a:t>
+              <a:t>は</a:t>
+            </a:r>
+            <a:r>
+              <a:rPr kumimoji="1" lang="en-US" altLang="ja-JP" dirty="0"/>
+              <a:t>XAML</a:t>
+            </a:r>
+            <a:r>
+              <a:rPr kumimoji="1" lang="ja-JP" altLang="en-US" dirty="0"/>
+              <a:t>アプリケーションを構築する</a:t>
             </a:r>
             <a:endParaRPr kumimoji="1" lang="en-US" altLang="ja-JP" dirty="0"/>
           </a:p>
           <a:p>
             <a:r>
               <a:rPr kumimoji="1" lang="ja-JP" altLang="en-US" dirty="0"/>
-              <a:t>こういった課題を解決する</a:t>
+              <a:t>神器みたいに言われていますが</a:t>
             </a:r>
             <a:endParaRPr kumimoji="1" lang="en-US" altLang="ja-JP" dirty="0"/>
           </a:p>
           <a:p>
             <a:r>
-              <a:rPr kumimoji="1" lang="ja-JP" altLang="en-US" dirty="0"/>
-              <a:t>パターンやプラクティスが包含されています。</a:t>
-            </a:r>
-            <a:endParaRPr kumimoji="1" lang="en-US" altLang="ja-JP" dirty="0"/>
+              <a:rPr kumimoji="1" lang="en-US" altLang="ja-JP" dirty="0"/>
+              <a:t>MVVM</a:t>
+            </a:r>
+            <a:r>
+              <a:rPr kumimoji="1" lang="ja-JP" altLang="en-US" dirty="0"/>
+              <a:t>とはなんでしょう？</a:t>
+            </a:r>
           </a:p>
         </p:txBody>
       </p:sp>
@@ -3720,7 +3732,7 @@
           <a:p>
             <a:fld id="{35F63945-09EF-4D56-AA6D-C1F6374BA98A}" type="datetime8">
               <a:rPr lang="en-US" altLang="ja-JP" smtClean="0"/>
-              <a:t>11/1/2016 5:53 PM</a:t>
+              <a:t>11/4/2016 3:49 PM</a:t>
             </a:fld>
             <a:endParaRPr lang="en-US" dirty="0"/>
           </a:p>
@@ -3753,7 +3765,7 @@
     </p:spTree>
     <p:extLst>
       <p:ext uri="{BB962C8B-B14F-4D97-AF65-F5344CB8AC3E}">
-        <p14:creationId xmlns:p14="http://schemas.microsoft.com/office/powerpoint/2010/main" val="2562656652"/>
+        <p14:creationId xmlns:p14="http://schemas.microsoft.com/office/powerpoint/2010/main" val="1010359466"/>
       </p:ext>
     </p:extLst>
   </p:cSld>
@@ -3807,74 +3819,7 @@
           <a:bodyPr/>
           <a:lstStyle/>
           <a:p>
-            <a:r>
-              <a:rPr kumimoji="1" lang="ja-JP" altLang="en-US" dirty="0"/>
-              <a:t>だからこそ、私は</a:t>
-            </a:r>
-            <a:r>
-              <a:rPr kumimoji="1" lang="en-US" altLang="ja-JP" dirty="0"/>
-              <a:t>MVVM</a:t>
-            </a:r>
-            <a:r>
-              <a:rPr kumimoji="1" lang="ja-JP" altLang="en-US" dirty="0"/>
-              <a:t>初心者の方にこそ</a:t>
-            </a:r>
-          </a:p>
-          <a:p>
-            <a:r>
-              <a:rPr kumimoji="1" lang="en-US" altLang="ja-JP" dirty="0"/>
-              <a:t>Prism</a:t>
-            </a:r>
-            <a:r>
-              <a:rPr kumimoji="1" lang="ja-JP" altLang="en-US" dirty="0"/>
-              <a:t>を使って欲しいと考えています。</a:t>
-            </a:r>
-          </a:p>
-          <a:p>
-            <a:endParaRPr kumimoji="1" lang="en-US" altLang="ja-JP" dirty="0"/>
-          </a:p>
-          <a:p>
-            <a:r>
-              <a:rPr kumimoji="1" lang="en-US" altLang="ja-JP" dirty="0"/>
-              <a:t>MVVM Light</a:t>
-            </a:r>
-            <a:r>
-              <a:rPr kumimoji="1" lang="ja-JP" altLang="en-US" dirty="0"/>
-              <a:t>は確かにライトで取り組みやすいです。</a:t>
-            </a:r>
-          </a:p>
-          <a:p>
-            <a:r>
-              <a:rPr kumimoji="1" lang="ja-JP" altLang="en-US" dirty="0"/>
-              <a:t>しかし、その分、自分で決定し解決しないといけない問題も多数あります。</a:t>
-            </a:r>
-          </a:p>
-          <a:p>
             <a:endParaRPr kumimoji="1" lang="ja-JP" altLang="en-US" dirty="0"/>
-          </a:p>
-          <a:p>
-            <a:r>
-              <a:rPr kumimoji="1" lang="en-US" altLang="ja-JP" dirty="0"/>
-              <a:t>Forms</a:t>
-            </a:r>
-            <a:r>
-              <a:rPr kumimoji="1" lang="ja-JP" altLang="en-US" dirty="0"/>
-              <a:t>を触ってみて、感触を理解できたら</a:t>
-            </a:r>
-          </a:p>
-          <a:p>
-            <a:r>
-              <a:rPr kumimoji="1" lang="ja-JP" altLang="en-US" dirty="0"/>
-              <a:t>次のステップとして、私は</a:t>
-            </a:r>
-            <a:r>
-              <a:rPr kumimoji="1" lang="en-US" altLang="ja-JP" dirty="0"/>
-              <a:t>Prism</a:t>
-            </a:r>
-            <a:r>
-              <a:rPr kumimoji="1" lang="ja-JP" altLang="en-US" dirty="0"/>
-              <a:t>をお勧めします。</a:t>
-            </a:r>
           </a:p>
         </p:txBody>
       </p:sp>
@@ -3949,7 +3894,7 @@
           <a:p>
             <a:fld id="{35F63945-09EF-4D56-AA6D-C1F6374BA98A}" type="datetime8">
               <a:rPr lang="en-US" altLang="ja-JP" smtClean="0"/>
-              <a:t>11/1/2016 5:53 PM</a:t>
+              <a:t>11/4/2016 3:49 PM</a:t>
             </a:fld>
             <a:endParaRPr lang="en-US" dirty="0"/>
           </a:p>
@@ -3982,7 +3927,7 @@
     </p:spTree>
     <p:extLst>
       <p:ext uri="{BB962C8B-B14F-4D97-AF65-F5344CB8AC3E}">
-        <p14:creationId xmlns:p14="http://schemas.microsoft.com/office/powerpoint/2010/main" val="1505328551"/>
+        <p14:creationId xmlns:p14="http://schemas.microsoft.com/office/powerpoint/2010/main" val="2154256561"/>
       </p:ext>
     </p:extLst>
   </p:cSld>
@@ -4036,13 +3981,6 @@
           <a:bodyPr/>
           <a:lstStyle/>
           <a:p>
-            <a:r>
-              <a:rPr kumimoji="1" lang="ja-JP" altLang="en-US" dirty="0"/>
-              <a:t>というわけで、デモに行きます</a:t>
-            </a:r>
-            <a:endParaRPr kumimoji="1" lang="en-US" altLang="ja-JP" dirty="0"/>
-          </a:p>
-          <a:p>
             <a:endParaRPr kumimoji="1" lang="ja-JP" altLang="en-US" dirty="0"/>
           </a:p>
         </p:txBody>
@@ -4118,7 +4056,7 @@
           <a:p>
             <a:fld id="{35F63945-09EF-4D56-AA6D-C1F6374BA98A}" type="datetime8">
               <a:rPr lang="en-US" altLang="ja-JP" smtClean="0"/>
-              <a:t>11/1/2016 5:53 PM</a:t>
+              <a:t>11/4/2016 3:49 PM</a:t>
             </a:fld>
             <a:endParaRPr lang="en-US" dirty="0"/>
           </a:p>
@@ -4151,7 +4089,7 @@
     </p:spTree>
     <p:extLst>
       <p:ext uri="{BB962C8B-B14F-4D97-AF65-F5344CB8AC3E}">
-        <p14:creationId xmlns:p14="http://schemas.microsoft.com/office/powerpoint/2010/main" val="137008745"/>
+        <p14:creationId xmlns:p14="http://schemas.microsoft.com/office/powerpoint/2010/main" val="2848902219"/>
       </p:ext>
     </p:extLst>
   </p:cSld>
@@ -4205,106 +4143,7 @@
           <a:bodyPr/>
           <a:lstStyle/>
           <a:p>
-            <a:r>
-              <a:rPr kumimoji="1" lang="ja-JP" altLang="en-US" dirty="0"/>
-              <a:t>本日のデモですが</a:t>
-            </a:r>
-          </a:p>
-          <a:p>
-            <a:r>
-              <a:rPr kumimoji="1" lang="ja-JP" altLang="en-US" dirty="0"/>
-              <a:t>素の</a:t>
-            </a:r>
-            <a:r>
-              <a:rPr kumimoji="1" lang="en-US" altLang="ja-JP" dirty="0" err="1"/>
-              <a:t>Xamarin.Forms</a:t>
-            </a:r>
-            <a:r>
-              <a:rPr kumimoji="1" lang="ja-JP" altLang="en-US" dirty="0"/>
-              <a:t>のみで作ったアプリを</a:t>
-            </a:r>
-            <a:br>
-              <a:rPr lang="en-US" altLang="ja-JP" dirty="0"/>
-            </a:br>
-            <a:r>
-              <a:rPr lang="en-US" altLang="ja-JP" dirty="0"/>
-              <a:t>Prism</a:t>
-            </a:r>
-            <a:r>
-              <a:rPr lang="ja-JP" altLang="en-US" dirty="0"/>
-              <a:t>を適用してリファクタリングします。</a:t>
-            </a:r>
-            <a:endParaRPr lang="en-US" altLang="ja-JP" dirty="0"/>
-          </a:p>
-          <a:p>
-            <a:r>
-              <a:rPr lang="ja-JP" altLang="en-US" dirty="0"/>
-              <a:t>その際、</a:t>
-            </a:r>
-            <a:r>
-              <a:rPr lang="en-US" altLang="ja-JP" dirty="0"/>
-              <a:t>Test</a:t>
-            </a:r>
-            <a:r>
-              <a:rPr lang="ja-JP" altLang="en-US" dirty="0"/>
-              <a:t> </a:t>
-            </a:r>
-            <a:r>
-              <a:rPr lang="en-US" altLang="ja-JP" dirty="0"/>
-              <a:t>First</a:t>
-            </a:r>
-            <a:r>
-              <a:rPr lang="ja-JP" altLang="en-US" dirty="0"/>
-              <a:t>でいきます。</a:t>
-            </a:r>
-            <a:endParaRPr lang="en-US" altLang="ja-JP" dirty="0"/>
-          </a:p>
-          <a:p>
-            <a:r>
-              <a:rPr kumimoji="1" lang="ja-JP" altLang="en-US" dirty="0"/>
-              <a:t>また</a:t>
-            </a:r>
-            <a:r>
-              <a:rPr kumimoji="1" lang="en-US" altLang="ja-JP" dirty="0"/>
-              <a:t>Test</a:t>
-            </a:r>
-            <a:r>
-              <a:rPr kumimoji="1" lang="ja-JP" altLang="en-US" dirty="0"/>
-              <a:t>では</a:t>
-            </a:r>
-            <a:r>
-              <a:rPr kumimoji="1" lang="en-US" altLang="ja-JP" dirty="0" err="1"/>
-              <a:t>Moq</a:t>
-            </a:r>
-            <a:r>
-              <a:rPr kumimoji="1" lang="ja-JP" altLang="en-US" dirty="0"/>
-              <a:t>というライブラリを利用します</a:t>
-            </a:r>
-          </a:p>
-          <a:p>
-            <a:r>
-              <a:rPr kumimoji="1" lang="ja-JP" altLang="en-US" dirty="0"/>
-              <a:t>これが非常に良くできたライブラリなので</a:t>
-            </a:r>
-          </a:p>
-          <a:p>
-            <a:r>
-              <a:rPr kumimoji="1" lang="ja-JP" altLang="en-US" dirty="0"/>
-              <a:t>ぜひ皆さんに紹介したいと思います。</a:t>
-            </a:r>
-            <a:endParaRPr kumimoji="1" lang="en-US" altLang="ja-JP" dirty="0"/>
-          </a:p>
-          <a:p>
-            <a:endParaRPr kumimoji="1" lang="en-US" altLang="ja-JP" dirty="0"/>
-          </a:p>
-          <a:p>
-            <a:endParaRPr kumimoji="1" lang="en-US" altLang="ja-JP" dirty="0"/>
-          </a:p>
-          <a:p>
-            <a:r>
-              <a:rPr kumimoji="1" lang="ja-JP" altLang="en-US" dirty="0"/>
-              <a:t>＜ここで軽くアプリの動作を見せて、もう一度スライドへ戻る＞</a:t>
-            </a:r>
+            <a:endParaRPr kumimoji="1" lang="ja-JP" altLang="en-US" dirty="0"/>
           </a:p>
         </p:txBody>
       </p:sp>
@@ -4379,7 +4218,7 @@
           <a:p>
             <a:fld id="{35F63945-09EF-4D56-AA6D-C1F6374BA98A}" type="datetime8">
               <a:rPr lang="en-US" altLang="ja-JP" smtClean="0"/>
-              <a:t>11/1/2016 5:53 PM</a:t>
+              <a:t>11/4/2016 3:49 PM</a:t>
             </a:fld>
             <a:endParaRPr lang="en-US" dirty="0"/>
           </a:p>
@@ -4412,7 +4251,7 @@
     </p:spTree>
     <p:extLst>
       <p:ext uri="{BB962C8B-B14F-4D97-AF65-F5344CB8AC3E}">
-        <p14:creationId xmlns:p14="http://schemas.microsoft.com/office/powerpoint/2010/main" val="1948619205"/>
+        <p14:creationId xmlns:p14="http://schemas.microsoft.com/office/powerpoint/2010/main" val="3459035547"/>
       </p:ext>
     </p:extLst>
   </p:cSld>
@@ -4467,164 +4306,36 @@
           <a:lstStyle/>
           <a:p>
             <a:r>
-              <a:rPr kumimoji="1" lang="ja-JP" altLang="en-US" dirty="0"/>
-              <a:t>まずアプリケーションには３つの</a:t>
-            </a:r>
-            <a:r>
               <a:rPr kumimoji="1" lang="en-US" altLang="ja-JP" dirty="0"/>
-              <a:t>View</a:t>
-            </a:r>
-            <a:r>
-              <a:rPr kumimoji="1" lang="ja-JP" altLang="en-US" dirty="0"/>
-              <a:t>があります。</a:t>
+              <a:t>Prism</a:t>
+            </a:r>
+            <a:r>
+              <a:rPr kumimoji="1" lang="ja-JP" altLang="en-US" dirty="0"/>
+              <a:t>は単純に</a:t>
+            </a:r>
+            <a:r>
+              <a:rPr kumimoji="1" lang="en-US" altLang="ja-JP" dirty="0"/>
+              <a:t>MVVM</a:t>
+            </a:r>
+            <a:r>
+              <a:rPr kumimoji="1" lang="ja-JP" altLang="en-US" dirty="0"/>
+              <a:t>をサポートするだけでなく</a:t>
             </a:r>
             <a:endParaRPr kumimoji="1" lang="en-US" altLang="ja-JP" dirty="0"/>
           </a:p>
           <a:p>
             <a:r>
               <a:rPr kumimoji="1" lang="ja-JP" altLang="en-US" dirty="0"/>
-              <a:t>画面遷移に</a:t>
-            </a:r>
-            <a:r>
-              <a:rPr kumimoji="1" lang="en-US" altLang="ja-JP" dirty="0" err="1"/>
-              <a:t>NavigationPage</a:t>
-            </a:r>
-            <a:r>
-              <a:rPr kumimoji="1" lang="ja-JP" altLang="en-US" dirty="0"/>
-              <a:t>を利用するため、</a:t>
-            </a:r>
-            <a:r>
-              <a:rPr kumimoji="1" lang="en-US" altLang="ja-JP" dirty="0" err="1"/>
-              <a:t>Xamarin.Forms</a:t>
-            </a:r>
-            <a:r>
-              <a:rPr kumimoji="1" lang="ja-JP" altLang="en-US" dirty="0" err="1"/>
-              <a:t>の提</a:t>
-            </a:r>
-            <a:r>
-              <a:rPr kumimoji="1" lang="ja-JP" altLang="en-US" dirty="0"/>
-              <a:t>供する</a:t>
-            </a:r>
-            <a:r>
-              <a:rPr kumimoji="1" lang="en-US" altLang="ja-JP" dirty="0" err="1"/>
-              <a:t>NavigationPage</a:t>
-            </a:r>
-            <a:r>
-              <a:rPr kumimoji="1" lang="ja-JP" altLang="en-US" dirty="0"/>
-              <a:t>が一つ。</a:t>
+              <a:t>こういった課題を解決する</a:t>
             </a:r>
             <a:endParaRPr kumimoji="1" lang="en-US" altLang="ja-JP" dirty="0"/>
           </a:p>
           <a:p>
             <a:r>
               <a:rPr kumimoji="1" lang="ja-JP" altLang="en-US" dirty="0"/>
-              <a:t>さらにメニューに該当する</a:t>
-            </a:r>
-            <a:r>
-              <a:rPr kumimoji="1" lang="en-US" altLang="ja-JP" dirty="0" err="1"/>
-              <a:t>MainPage</a:t>
-            </a:r>
-            <a:r>
-              <a:rPr kumimoji="1" lang="ja-JP" altLang="en-US" dirty="0"/>
-              <a:t>と、</a:t>
-            </a:r>
-            <a:r>
-              <a:rPr kumimoji="1" lang="en-US" altLang="ja-JP" dirty="0" err="1"/>
-              <a:t>TextSpeechPage</a:t>
-            </a:r>
-            <a:r>
-              <a:rPr kumimoji="1" lang="ja-JP" altLang="en-US" dirty="0"/>
-              <a:t>です。</a:t>
+              <a:t>パターンやプラクティスが包含されています。</a:t>
             </a:r>
             <a:endParaRPr kumimoji="1" lang="en-US" altLang="ja-JP" dirty="0"/>
-          </a:p>
-          <a:p>
-            <a:r>
-              <a:rPr kumimoji="1" lang="ja-JP" altLang="en-US" dirty="0"/>
-              <a:t>そしてそれぞれに該当する</a:t>
-            </a:r>
-            <a:r>
-              <a:rPr kumimoji="1" lang="en-US" altLang="ja-JP" dirty="0" err="1"/>
-              <a:t>ViewModel</a:t>
-            </a:r>
-            <a:r>
-              <a:rPr kumimoji="1" lang="ja-JP" altLang="en-US" dirty="0" err="1"/>
-              <a:t>が存</a:t>
-            </a:r>
-            <a:r>
-              <a:rPr kumimoji="1" lang="ja-JP" altLang="en-US" dirty="0"/>
-              <a:t>在し、</a:t>
-            </a:r>
-            <a:r>
-              <a:rPr kumimoji="1" lang="en-US" altLang="ja-JP" dirty="0" err="1"/>
-              <a:t>TextSpeechPage</a:t>
-            </a:r>
-            <a:r>
-              <a:rPr kumimoji="1" lang="ja-JP" altLang="en-US" dirty="0"/>
-              <a:t>からは</a:t>
-            </a:r>
-            <a:r>
-              <a:rPr kumimoji="1" lang="en-US" altLang="ja-JP" dirty="0" err="1"/>
-              <a:t>ITextSpeechService</a:t>
-            </a:r>
-            <a:r>
-              <a:rPr kumimoji="1" lang="ja-JP" altLang="en-US" dirty="0"/>
-              <a:t>を通して</a:t>
-            </a:r>
-            <a:endParaRPr kumimoji="1" lang="en-US" altLang="ja-JP" dirty="0"/>
-          </a:p>
-          <a:p>
-            <a:r>
-              <a:rPr kumimoji="1" lang="ja-JP" altLang="en-US" dirty="0"/>
-              <a:t>文字列から音声に変換します。</a:t>
-            </a:r>
-            <a:endParaRPr kumimoji="1" lang="en-US" altLang="ja-JP" dirty="0"/>
-          </a:p>
-          <a:p>
-            <a:r>
-              <a:rPr kumimoji="1" lang="en-US" altLang="ja-JP" dirty="0" err="1"/>
-              <a:t>ITextSpeechService</a:t>
-            </a:r>
-            <a:r>
-              <a:rPr kumimoji="1" lang="ja-JP" altLang="en-US" dirty="0"/>
-              <a:t>の実態は、個々のプラットフォーム別に実装されており、</a:t>
-            </a:r>
-            <a:r>
-              <a:rPr kumimoji="1" lang="en-US" altLang="ja-JP" dirty="0" err="1"/>
-              <a:t>ViewModel</a:t>
-            </a:r>
-            <a:r>
-              <a:rPr kumimoji="1" lang="ja-JP" altLang="en-US" dirty="0"/>
-              <a:t>から</a:t>
-            </a:r>
-            <a:endParaRPr kumimoji="1" lang="en-US" altLang="ja-JP" dirty="0"/>
-          </a:p>
-          <a:p>
-            <a:r>
-              <a:rPr kumimoji="1" lang="en-US" altLang="ja-JP" dirty="0" err="1"/>
-              <a:t>DependencyService</a:t>
-            </a:r>
-            <a:r>
-              <a:rPr kumimoji="1" lang="ja-JP" altLang="en-US" dirty="0"/>
-              <a:t>を通して利用しています。</a:t>
-            </a:r>
-            <a:endParaRPr kumimoji="1" lang="en-US" altLang="ja-JP" dirty="0"/>
-          </a:p>
-          <a:p>
-            <a:endParaRPr kumimoji="1" lang="en-US" altLang="ja-JP" dirty="0"/>
-          </a:p>
-          <a:p>
-            <a:r>
-              <a:rPr kumimoji="1" lang="ja-JP" altLang="en-US" dirty="0"/>
-              <a:t>一見、問題ないように見えますが、二つの設計上の課題があります。</a:t>
-            </a:r>
-            <a:endParaRPr kumimoji="1" lang="en-US" altLang="ja-JP" dirty="0"/>
-          </a:p>
-          <a:p>
-            <a:r>
-              <a:rPr kumimoji="1" lang="ja-JP" altLang="en-US" dirty="0"/>
-              <a:t>それでは実際にコードを見ていきましょう。</a:t>
-            </a:r>
           </a:p>
         </p:txBody>
       </p:sp>
@@ -4699,7 +4410,7 @@
           <a:p>
             <a:fld id="{35F63945-09EF-4D56-AA6D-C1F6374BA98A}" type="datetime8">
               <a:rPr lang="en-US" altLang="ja-JP" smtClean="0"/>
-              <a:t>11/1/2016 5:53 PM</a:t>
+              <a:t>11/4/2016 3:31 PM</a:t>
             </a:fld>
             <a:endParaRPr lang="en-US" dirty="0"/>
           </a:p>
@@ -4732,7 +4443,7 @@
     </p:spTree>
     <p:extLst>
       <p:ext uri="{BB962C8B-B14F-4D97-AF65-F5344CB8AC3E}">
-        <p14:creationId xmlns:p14="http://schemas.microsoft.com/office/powerpoint/2010/main" val="574317740"/>
+        <p14:creationId xmlns:p14="http://schemas.microsoft.com/office/powerpoint/2010/main" val="2562656652"/>
       </p:ext>
     </p:extLst>
   </p:cSld>
@@ -4788,34 +4499,72 @@
           <a:p>
             <a:r>
               <a:rPr kumimoji="1" lang="ja-JP" altLang="en-US" dirty="0"/>
-              <a:t>さて、ここまでずっと話してきましたが</a:t>
-            </a:r>
-            <a:endParaRPr kumimoji="1" lang="en-US" altLang="ja-JP" dirty="0"/>
-          </a:p>
-          <a:p>
-            <a:r>
-              <a:rPr kumimoji="1" lang="ja-JP" altLang="en-US" dirty="0"/>
-              <a:t>やはりなかなか話だけでは理解できない点も多いと思います。</a:t>
-            </a:r>
-            <a:endParaRPr kumimoji="1" lang="en-US" altLang="ja-JP" dirty="0"/>
-          </a:p>
-          <a:p>
-            <a:r>
-              <a:rPr kumimoji="1" lang="ja-JP" altLang="en-US" dirty="0"/>
-              <a:t>ということで、ここからはデモを通して、</a:t>
-            </a:r>
+              <a:t>だからこそ、私は</a:t>
+            </a:r>
+            <a:r>
+              <a:rPr kumimoji="1" lang="en-US" altLang="ja-JP" dirty="0"/>
+              <a:t>MVVM</a:t>
+            </a:r>
+            <a:r>
+              <a:rPr kumimoji="1" lang="ja-JP" altLang="en-US" dirty="0"/>
+              <a:t>初心者の方にこそ</a:t>
+            </a:r>
+          </a:p>
+          <a:p>
             <a:r>
               <a:rPr kumimoji="1" lang="en-US" altLang="ja-JP" dirty="0"/>
               <a:t>Prism</a:t>
             </a:r>
             <a:r>
               <a:rPr kumimoji="1" lang="ja-JP" altLang="en-US" dirty="0"/>
-              <a:t>の特徴をお見せしたいと思います。</a:t>
-            </a:r>
+              <a:t>を使って欲しいと考えています。</a:t>
+            </a:r>
+          </a:p>
+          <a:p>
             <a:endParaRPr kumimoji="1" lang="en-US" altLang="ja-JP" dirty="0"/>
           </a:p>
           <a:p>
+            <a:r>
+              <a:rPr kumimoji="1" lang="en-US" altLang="ja-JP" dirty="0"/>
+              <a:t>MVVM Light</a:t>
+            </a:r>
+            <a:r>
+              <a:rPr kumimoji="1" lang="ja-JP" altLang="en-US" dirty="0"/>
+              <a:t>は確かにライトで取り組みやすいです。</a:t>
+            </a:r>
+          </a:p>
+          <a:p>
+            <a:r>
+              <a:rPr kumimoji="1" lang="ja-JP" altLang="en-US" dirty="0"/>
+              <a:t>しかし、その分、自分で決定し解決しないといけない問題も多数あります。</a:t>
+            </a:r>
+          </a:p>
+          <a:p>
             <a:endParaRPr kumimoji="1" lang="ja-JP" altLang="en-US" dirty="0"/>
+          </a:p>
+          <a:p>
+            <a:r>
+              <a:rPr kumimoji="1" lang="en-US" altLang="ja-JP" dirty="0"/>
+              <a:t>Forms</a:t>
+            </a:r>
+            <a:r>
+              <a:rPr kumimoji="1" lang="ja-JP" altLang="en-US" dirty="0"/>
+              <a:t>を触ってみて、感触を理解できたら</a:t>
+            </a:r>
+          </a:p>
+          <a:p>
+            <a:r>
+              <a:rPr kumimoji="1" lang="ja-JP" altLang="en-US" dirty="0"/>
+              <a:t>次のステップとして、私は</a:t>
+            </a:r>
+            <a:r>
+              <a:rPr kumimoji="1" lang="en-US" altLang="ja-JP" dirty="0"/>
+              <a:t>Prism</a:t>
+            </a:r>
+            <a:r>
+              <a:rPr kumimoji="1" lang="ja-JP" altLang="en-US" dirty="0"/>
+              <a:t>をお勧めします。</a:t>
+            </a:r>
           </a:p>
         </p:txBody>
       </p:sp>
@@ -4890,7 +4639,7 @@
           <a:p>
             <a:fld id="{35F63945-09EF-4D56-AA6D-C1F6374BA98A}" type="datetime8">
               <a:rPr lang="en-US" altLang="ja-JP" smtClean="0"/>
-              <a:t>11/1/2016 5:53 PM</a:t>
+              <a:t>11/4/2016 3:31 PM</a:t>
             </a:fld>
             <a:endParaRPr lang="en-US" dirty="0"/>
           </a:p>
@@ -4923,7 +4672,7 @@
     </p:spTree>
     <p:extLst>
       <p:ext uri="{BB962C8B-B14F-4D97-AF65-F5344CB8AC3E}">
-        <p14:creationId xmlns:p14="http://schemas.microsoft.com/office/powerpoint/2010/main" val="1096805847"/>
+        <p14:creationId xmlns:p14="http://schemas.microsoft.com/office/powerpoint/2010/main" val="1505328551"/>
       </p:ext>
     </p:extLst>
   </p:cSld>
@@ -4977,6 +4726,13 @@
           <a:bodyPr/>
           <a:lstStyle/>
           <a:p>
+            <a:r>
+              <a:rPr kumimoji="1" lang="ja-JP" altLang="en-US" dirty="0"/>
+              <a:t>というわけで、デモに行きます</a:t>
+            </a:r>
+            <a:endParaRPr kumimoji="1" lang="en-US" altLang="ja-JP" dirty="0"/>
+          </a:p>
+          <a:p>
             <a:endParaRPr kumimoji="1" lang="ja-JP" altLang="en-US" dirty="0"/>
           </a:p>
         </p:txBody>
@@ -5052,7 +4808,268 @@
           <a:p>
             <a:fld id="{35F63945-09EF-4D56-AA6D-C1F6374BA98A}" type="datetime8">
               <a:rPr lang="en-US" altLang="ja-JP" smtClean="0"/>
-              <a:t>11/1/2016 5:53 PM</a:t>
+              <a:t>11/4/2016 3:31 PM</a:t>
+            </a:fld>
+            <a:endParaRPr lang="en-US" dirty="0"/>
+          </a:p>
+        </p:txBody>
+      </p:sp>
+      <p:sp>
+        <p:nvSpPr>
+          <p:cNvPr id="6" name="スライド番号プレースホルダー 5"/>
+          <p:cNvSpPr>
+            <a:spLocks noGrp="1"/>
+          </p:cNvSpPr>
+          <p:nvPr>
+            <p:ph type="sldNum" sz="quarter" idx="12"/>
+          </p:nvPr>
+        </p:nvSpPr>
+        <p:spPr/>
+        <p:txBody>
+          <a:bodyPr/>
+          <a:lstStyle/>
+          <a:p>
+            <a:fld id="{B4008EB6-D09E-4580-8CD6-DDB14511944F}" type="slidenum">
+              <a:rPr lang="en-US" smtClean="0"/>
+              <a:pPr/>
+              <a:t>26</a:t>
+            </a:fld>
+            <a:endParaRPr lang="en-US" dirty="0"/>
+          </a:p>
+        </p:txBody>
+      </p:sp>
+    </p:spTree>
+    <p:extLst>
+      <p:ext uri="{BB962C8B-B14F-4D97-AF65-F5344CB8AC3E}">
+        <p14:creationId xmlns:p14="http://schemas.microsoft.com/office/powerpoint/2010/main" val="137008745"/>
+      </p:ext>
+    </p:extLst>
+  </p:cSld>
+  <p:clrMapOvr>
+    <a:masterClrMapping/>
+  </p:clrMapOvr>
+</p:notes>
+</file>
+
+<file path=ppt/notesSlides/notesSlide27.xml><?xml version="1.0" encoding="utf-8"?>
+<p:notes xmlns:a="http://schemas.openxmlformats.org/drawingml/2006/main" xmlns:r="http://schemas.openxmlformats.org/officeDocument/2006/relationships" xmlns:p="http://schemas.openxmlformats.org/presentationml/2006/main">
+  <p:cSld>
+    <p:spTree>
+      <p:nvGrpSpPr>
+        <p:cNvPr id="1" name=""/>
+        <p:cNvGrpSpPr/>
+        <p:nvPr/>
+      </p:nvGrpSpPr>
+      <p:grpSpPr>
+        <a:xfrm>
+          <a:off x="0" y="0"/>
+          <a:ext cx="0" cy="0"/>
+          <a:chOff x="0" y="0"/>
+          <a:chExt cx="0" cy="0"/>
+        </a:xfrm>
+      </p:grpSpPr>
+      <p:sp>
+        <p:nvSpPr>
+          <p:cNvPr id="2" name="スライド イメージ プレースホルダー 1"/>
+          <p:cNvSpPr>
+            <a:spLocks noGrp="1" noRot="1" noChangeAspect="1"/>
+          </p:cNvSpPr>
+          <p:nvPr>
+            <p:ph type="sldImg"/>
+          </p:nvPr>
+        </p:nvSpPr>
+        <p:spPr/>
+      </p:sp>
+      <p:sp>
+        <p:nvSpPr>
+          <p:cNvPr id="3" name="ノート プレースホルダー 2"/>
+          <p:cNvSpPr>
+            <a:spLocks noGrp="1"/>
+          </p:cNvSpPr>
+          <p:nvPr>
+            <p:ph type="body" idx="1"/>
+          </p:nvPr>
+        </p:nvSpPr>
+        <p:spPr/>
+        <p:txBody>
+          <a:bodyPr/>
+          <a:lstStyle/>
+          <a:p>
+            <a:r>
+              <a:rPr kumimoji="1" lang="ja-JP" altLang="en-US" dirty="0"/>
+              <a:t>本日のデモですが</a:t>
+            </a:r>
+          </a:p>
+          <a:p>
+            <a:r>
+              <a:rPr kumimoji="1" lang="ja-JP" altLang="en-US" dirty="0"/>
+              <a:t>素の</a:t>
+            </a:r>
+            <a:r>
+              <a:rPr kumimoji="1" lang="en-US" altLang="ja-JP" dirty="0" err="1"/>
+              <a:t>Xamarin.Forms</a:t>
+            </a:r>
+            <a:r>
+              <a:rPr kumimoji="1" lang="ja-JP" altLang="en-US" dirty="0"/>
+              <a:t>のみで作ったアプリを</a:t>
+            </a:r>
+            <a:br>
+              <a:rPr lang="en-US" altLang="ja-JP" dirty="0"/>
+            </a:br>
+            <a:r>
+              <a:rPr lang="en-US" altLang="ja-JP" dirty="0"/>
+              <a:t>Prism</a:t>
+            </a:r>
+            <a:r>
+              <a:rPr lang="ja-JP" altLang="en-US" dirty="0"/>
+              <a:t>を適用してリファクタリングします。</a:t>
+            </a:r>
+            <a:endParaRPr lang="en-US" altLang="ja-JP" dirty="0"/>
+          </a:p>
+          <a:p>
+            <a:r>
+              <a:rPr lang="ja-JP" altLang="en-US" dirty="0"/>
+              <a:t>その際、</a:t>
+            </a:r>
+            <a:r>
+              <a:rPr lang="en-US" altLang="ja-JP" dirty="0"/>
+              <a:t>Test</a:t>
+            </a:r>
+            <a:r>
+              <a:rPr lang="ja-JP" altLang="en-US" dirty="0"/>
+              <a:t> </a:t>
+            </a:r>
+            <a:r>
+              <a:rPr lang="en-US" altLang="ja-JP" dirty="0"/>
+              <a:t>First</a:t>
+            </a:r>
+            <a:r>
+              <a:rPr lang="ja-JP" altLang="en-US" dirty="0"/>
+              <a:t>でいきます。</a:t>
+            </a:r>
+            <a:endParaRPr lang="en-US" altLang="ja-JP" dirty="0"/>
+          </a:p>
+          <a:p>
+            <a:r>
+              <a:rPr kumimoji="1" lang="ja-JP" altLang="en-US" dirty="0"/>
+              <a:t>また</a:t>
+            </a:r>
+            <a:r>
+              <a:rPr kumimoji="1" lang="en-US" altLang="ja-JP" dirty="0"/>
+              <a:t>Test</a:t>
+            </a:r>
+            <a:r>
+              <a:rPr kumimoji="1" lang="ja-JP" altLang="en-US" dirty="0"/>
+              <a:t>では</a:t>
+            </a:r>
+            <a:r>
+              <a:rPr kumimoji="1" lang="en-US" altLang="ja-JP" dirty="0" err="1"/>
+              <a:t>Moq</a:t>
+            </a:r>
+            <a:r>
+              <a:rPr kumimoji="1" lang="ja-JP" altLang="en-US" dirty="0"/>
+              <a:t>というライブラリを利用します</a:t>
+            </a:r>
+          </a:p>
+          <a:p>
+            <a:r>
+              <a:rPr kumimoji="1" lang="ja-JP" altLang="en-US" dirty="0"/>
+              <a:t>これが非常に良くできたライブラリなので</a:t>
+            </a:r>
+          </a:p>
+          <a:p>
+            <a:r>
+              <a:rPr kumimoji="1" lang="ja-JP" altLang="en-US" dirty="0"/>
+              <a:t>ぜひ皆さんに紹介したいと思います。</a:t>
+            </a:r>
+            <a:endParaRPr kumimoji="1" lang="en-US" altLang="ja-JP" dirty="0"/>
+          </a:p>
+          <a:p>
+            <a:endParaRPr kumimoji="1" lang="en-US" altLang="ja-JP" dirty="0"/>
+          </a:p>
+          <a:p>
+            <a:endParaRPr kumimoji="1" lang="en-US" altLang="ja-JP" dirty="0"/>
+          </a:p>
+          <a:p>
+            <a:r>
+              <a:rPr kumimoji="1" lang="ja-JP" altLang="en-US" dirty="0"/>
+              <a:t>＜ここで軽くアプリの動作を見せて、もう一度スライドへ戻る＞</a:t>
+            </a:r>
+          </a:p>
+        </p:txBody>
+      </p:sp>
+      <p:sp>
+        <p:nvSpPr>
+          <p:cNvPr id="4" name="フッター プレースホルダー 3"/>
+          <p:cNvSpPr>
+            <a:spLocks noGrp="1"/>
+          </p:cNvSpPr>
+          <p:nvPr>
+            <p:ph type="ftr" sz="quarter" idx="10"/>
+          </p:nvPr>
+        </p:nvSpPr>
+        <p:spPr/>
+        <p:txBody>
+          <a:bodyPr/>
+          <a:lstStyle/>
+          <a:p>
+            <a:pPr defTabSz="914099" eaLnBrk="0" hangingPunct="0"/>
+            <a:r>
+              <a:rPr lang="en-US" sz="400">
+                <a:gradFill>
+                  <a:gsLst>
+                    <a:gs pos="0">
+                      <a:prstClr val="black"/>
+                    </a:gs>
+                    <a:gs pos="100000">
+                      <a:prstClr val="black"/>
+                    </a:gs>
+                  </a:gsLst>
+                  <a:lin ang="5400000" scaled="0"/>
+                </a:gradFill>
+                <a:latin typeface="Segoe UI" pitchFamily="34" charset="0"/>
+                <a:ea typeface="Segoe UI" pitchFamily="34" charset="0"/>
+                <a:cs typeface="Segoe UI" pitchFamily="34" charset="0"/>
+              </a:rPr>
+              <a:t>© 2016 Microsoft Corporation. All rights reserved. MICROSOFT MAKES NO WARRANTIES, EXPRESS, IMPLIED OR STATUTORY, AS TO THE INFORMATION IN THIS PRESENTATION.</a:t>
+            </a:r>
+            <a:endParaRPr lang="en-US" sz="400" dirty="0">
+              <a:gradFill>
+                <a:gsLst>
+                  <a:gs pos="0">
+                    <a:prstClr val="black"/>
+                  </a:gs>
+                  <a:gs pos="100000">
+                    <a:prstClr val="black"/>
+                  </a:gs>
+                </a:gsLst>
+                <a:lin ang="5400000" scaled="0"/>
+              </a:gradFill>
+              <a:latin typeface="Segoe UI" pitchFamily="34" charset="0"/>
+              <a:ea typeface="Segoe UI" pitchFamily="34" charset="0"/>
+              <a:cs typeface="Segoe UI" pitchFamily="34" charset="0"/>
+            </a:endParaRPr>
+          </a:p>
+        </p:txBody>
+      </p:sp>
+      <p:sp>
+        <p:nvSpPr>
+          <p:cNvPr id="5" name="日付プレースホルダー 4"/>
+          <p:cNvSpPr>
+            <a:spLocks noGrp="1"/>
+          </p:cNvSpPr>
+          <p:nvPr>
+            <p:ph type="dt" idx="11"/>
+          </p:nvPr>
+        </p:nvSpPr>
+        <p:spPr/>
+        <p:txBody>
+          <a:bodyPr/>
+          <a:lstStyle/>
+          <a:p>
+            <a:fld id="{35F63945-09EF-4D56-AA6D-C1F6374BA98A}" type="datetime8">
+              <a:rPr lang="en-US" altLang="ja-JP" smtClean="0"/>
+              <a:t>11/4/2016 3:31 PM</a:t>
             </a:fld>
             <a:endParaRPr lang="en-US" dirty="0"/>
           </a:p>
@@ -5085,7 +5102,496 @@
     </p:spTree>
     <p:extLst>
       <p:ext uri="{BB962C8B-B14F-4D97-AF65-F5344CB8AC3E}">
-        <p14:creationId xmlns:p14="http://schemas.microsoft.com/office/powerpoint/2010/main" val="1107105000"/>
+        <p14:creationId xmlns:p14="http://schemas.microsoft.com/office/powerpoint/2010/main" val="1948619205"/>
+      </p:ext>
+    </p:extLst>
+  </p:cSld>
+  <p:clrMapOvr>
+    <a:masterClrMapping/>
+  </p:clrMapOvr>
+</p:notes>
+</file>
+
+<file path=ppt/notesSlides/notesSlide28.xml><?xml version="1.0" encoding="utf-8"?>
+<p:notes xmlns:a="http://schemas.openxmlformats.org/drawingml/2006/main" xmlns:r="http://schemas.openxmlformats.org/officeDocument/2006/relationships" xmlns:p="http://schemas.openxmlformats.org/presentationml/2006/main">
+  <p:cSld>
+    <p:spTree>
+      <p:nvGrpSpPr>
+        <p:cNvPr id="1" name=""/>
+        <p:cNvGrpSpPr/>
+        <p:nvPr/>
+      </p:nvGrpSpPr>
+      <p:grpSpPr>
+        <a:xfrm>
+          <a:off x="0" y="0"/>
+          <a:ext cx="0" cy="0"/>
+          <a:chOff x="0" y="0"/>
+          <a:chExt cx="0" cy="0"/>
+        </a:xfrm>
+      </p:grpSpPr>
+      <p:sp>
+        <p:nvSpPr>
+          <p:cNvPr id="2" name="スライド イメージ プレースホルダー 1"/>
+          <p:cNvSpPr>
+            <a:spLocks noGrp="1" noRot="1" noChangeAspect="1"/>
+          </p:cNvSpPr>
+          <p:nvPr>
+            <p:ph type="sldImg"/>
+          </p:nvPr>
+        </p:nvSpPr>
+        <p:spPr/>
+      </p:sp>
+      <p:sp>
+        <p:nvSpPr>
+          <p:cNvPr id="3" name="ノート プレースホルダー 2"/>
+          <p:cNvSpPr>
+            <a:spLocks noGrp="1"/>
+          </p:cNvSpPr>
+          <p:nvPr>
+            <p:ph type="body" idx="1"/>
+          </p:nvPr>
+        </p:nvSpPr>
+        <p:spPr/>
+        <p:txBody>
+          <a:bodyPr/>
+          <a:lstStyle/>
+          <a:p>
+            <a:r>
+              <a:rPr kumimoji="1" lang="ja-JP" altLang="en-US" dirty="0"/>
+              <a:t>まずアプリケーションには３つの</a:t>
+            </a:r>
+            <a:r>
+              <a:rPr kumimoji="1" lang="en-US" altLang="ja-JP" dirty="0"/>
+              <a:t>View</a:t>
+            </a:r>
+            <a:r>
+              <a:rPr kumimoji="1" lang="ja-JP" altLang="en-US" dirty="0"/>
+              <a:t>があります。</a:t>
+            </a:r>
+            <a:endParaRPr kumimoji="1" lang="en-US" altLang="ja-JP" dirty="0"/>
+          </a:p>
+          <a:p>
+            <a:r>
+              <a:rPr kumimoji="1" lang="ja-JP" altLang="en-US" dirty="0"/>
+              <a:t>画面遷移に</a:t>
+            </a:r>
+            <a:r>
+              <a:rPr kumimoji="1" lang="en-US" altLang="ja-JP" dirty="0" err="1"/>
+              <a:t>NavigationPage</a:t>
+            </a:r>
+            <a:r>
+              <a:rPr kumimoji="1" lang="ja-JP" altLang="en-US" dirty="0"/>
+              <a:t>を利用するため、</a:t>
+            </a:r>
+            <a:r>
+              <a:rPr kumimoji="1" lang="en-US" altLang="ja-JP" dirty="0" err="1"/>
+              <a:t>Xamarin.Forms</a:t>
+            </a:r>
+            <a:r>
+              <a:rPr kumimoji="1" lang="ja-JP" altLang="en-US" dirty="0" err="1"/>
+              <a:t>の提</a:t>
+            </a:r>
+            <a:r>
+              <a:rPr kumimoji="1" lang="ja-JP" altLang="en-US" dirty="0"/>
+              <a:t>供する</a:t>
+            </a:r>
+            <a:r>
+              <a:rPr kumimoji="1" lang="en-US" altLang="ja-JP" dirty="0" err="1"/>
+              <a:t>NavigationPage</a:t>
+            </a:r>
+            <a:r>
+              <a:rPr kumimoji="1" lang="ja-JP" altLang="en-US" dirty="0"/>
+              <a:t>が一つ。</a:t>
+            </a:r>
+            <a:endParaRPr kumimoji="1" lang="en-US" altLang="ja-JP" dirty="0"/>
+          </a:p>
+          <a:p>
+            <a:r>
+              <a:rPr kumimoji="1" lang="ja-JP" altLang="en-US" dirty="0"/>
+              <a:t>さらにメニューに該当する</a:t>
+            </a:r>
+            <a:r>
+              <a:rPr kumimoji="1" lang="en-US" altLang="ja-JP" dirty="0" err="1"/>
+              <a:t>MainPage</a:t>
+            </a:r>
+            <a:r>
+              <a:rPr kumimoji="1" lang="ja-JP" altLang="en-US" dirty="0"/>
+              <a:t>と、</a:t>
+            </a:r>
+            <a:r>
+              <a:rPr kumimoji="1" lang="en-US" altLang="ja-JP" dirty="0" err="1"/>
+              <a:t>TextSpeechPage</a:t>
+            </a:r>
+            <a:r>
+              <a:rPr kumimoji="1" lang="ja-JP" altLang="en-US" dirty="0"/>
+              <a:t>です。</a:t>
+            </a:r>
+            <a:endParaRPr kumimoji="1" lang="en-US" altLang="ja-JP" dirty="0"/>
+          </a:p>
+          <a:p>
+            <a:r>
+              <a:rPr kumimoji="1" lang="ja-JP" altLang="en-US" dirty="0"/>
+              <a:t>そしてそれぞれに該当する</a:t>
+            </a:r>
+            <a:r>
+              <a:rPr kumimoji="1" lang="en-US" altLang="ja-JP" dirty="0" err="1"/>
+              <a:t>ViewModel</a:t>
+            </a:r>
+            <a:r>
+              <a:rPr kumimoji="1" lang="ja-JP" altLang="en-US" dirty="0" err="1"/>
+              <a:t>が存</a:t>
+            </a:r>
+            <a:r>
+              <a:rPr kumimoji="1" lang="ja-JP" altLang="en-US" dirty="0"/>
+              <a:t>在し、</a:t>
+            </a:r>
+            <a:r>
+              <a:rPr kumimoji="1" lang="en-US" altLang="ja-JP" dirty="0" err="1"/>
+              <a:t>TextSpeechPage</a:t>
+            </a:r>
+            <a:r>
+              <a:rPr kumimoji="1" lang="ja-JP" altLang="en-US" dirty="0"/>
+              <a:t>からは</a:t>
+            </a:r>
+            <a:r>
+              <a:rPr kumimoji="1" lang="en-US" altLang="ja-JP" dirty="0" err="1"/>
+              <a:t>ITextSpeechService</a:t>
+            </a:r>
+            <a:r>
+              <a:rPr kumimoji="1" lang="ja-JP" altLang="en-US" dirty="0"/>
+              <a:t>を通して</a:t>
+            </a:r>
+            <a:endParaRPr kumimoji="1" lang="en-US" altLang="ja-JP" dirty="0"/>
+          </a:p>
+          <a:p>
+            <a:r>
+              <a:rPr kumimoji="1" lang="ja-JP" altLang="en-US" dirty="0"/>
+              <a:t>文字列から音声に変換します。</a:t>
+            </a:r>
+            <a:endParaRPr kumimoji="1" lang="en-US" altLang="ja-JP" dirty="0"/>
+          </a:p>
+          <a:p>
+            <a:r>
+              <a:rPr kumimoji="1" lang="en-US" altLang="ja-JP" dirty="0" err="1"/>
+              <a:t>ITextSpeechService</a:t>
+            </a:r>
+            <a:r>
+              <a:rPr kumimoji="1" lang="ja-JP" altLang="en-US" dirty="0"/>
+              <a:t>の実態は、個々のプラットフォーム別に実装されており、</a:t>
+            </a:r>
+            <a:r>
+              <a:rPr kumimoji="1" lang="en-US" altLang="ja-JP" dirty="0" err="1"/>
+              <a:t>ViewModel</a:t>
+            </a:r>
+            <a:r>
+              <a:rPr kumimoji="1" lang="ja-JP" altLang="en-US" dirty="0"/>
+              <a:t>から</a:t>
+            </a:r>
+            <a:endParaRPr kumimoji="1" lang="en-US" altLang="ja-JP" dirty="0"/>
+          </a:p>
+          <a:p>
+            <a:r>
+              <a:rPr kumimoji="1" lang="en-US" altLang="ja-JP" dirty="0" err="1"/>
+              <a:t>DependencyService</a:t>
+            </a:r>
+            <a:r>
+              <a:rPr kumimoji="1" lang="ja-JP" altLang="en-US" dirty="0"/>
+              <a:t>を通して利用しています。</a:t>
+            </a:r>
+            <a:endParaRPr kumimoji="1" lang="en-US" altLang="ja-JP" dirty="0"/>
+          </a:p>
+          <a:p>
+            <a:endParaRPr kumimoji="1" lang="en-US" altLang="ja-JP" dirty="0"/>
+          </a:p>
+          <a:p>
+            <a:r>
+              <a:rPr kumimoji="1" lang="ja-JP" altLang="en-US" dirty="0"/>
+              <a:t>一見、問題ないように見えますが、二つの設計上の課題があります。</a:t>
+            </a:r>
+            <a:endParaRPr kumimoji="1" lang="en-US" altLang="ja-JP" dirty="0"/>
+          </a:p>
+          <a:p>
+            <a:r>
+              <a:rPr kumimoji="1" lang="ja-JP" altLang="en-US" dirty="0"/>
+              <a:t>それでは実際にコードを見ていきましょう。</a:t>
+            </a:r>
+          </a:p>
+        </p:txBody>
+      </p:sp>
+      <p:sp>
+        <p:nvSpPr>
+          <p:cNvPr id="4" name="フッター プレースホルダー 3"/>
+          <p:cNvSpPr>
+            <a:spLocks noGrp="1"/>
+          </p:cNvSpPr>
+          <p:nvPr>
+            <p:ph type="ftr" sz="quarter" idx="10"/>
+          </p:nvPr>
+        </p:nvSpPr>
+        <p:spPr/>
+        <p:txBody>
+          <a:bodyPr/>
+          <a:lstStyle/>
+          <a:p>
+            <a:pPr defTabSz="914099" eaLnBrk="0" hangingPunct="0"/>
+            <a:r>
+              <a:rPr lang="en-US" sz="400">
+                <a:gradFill>
+                  <a:gsLst>
+                    <a:gs pos="0">
+                      <a:prstClr val="black"/>
+                    </a:gs>
+                    <a:gs pos="100000">
+                      <a:prstClr val="black"/>
+                    </a:gs>
+                  </a:gsLst>
+                  <a:lin ang="5400000" scaled="0"/>
+                </a:gradFill>
+                <a:latin typeface="Segoe UI" pitchFamily="34" charset="0"/>
+                <a:ea typeface="Segoe UI" pitchFamily="34" charset="0"/>
+                <a:cs typeface="Segoe UI" pitchFamily="34" charset="0"/>
+              </a:rPr>
+              <a:t>© 2016 Microsoft Corporation. All rights reserved. MICROSOFT MAKES NO WARRANTIES, EXPRESS, IMPLIED OR STATUTORY, AS TO THE INFORMATION IN THIS PRESENTATION.</a:t>
+            </a:r>
+            <a:endParaRPr lang="en-US" sz="400" dirty="0">
+              <a:gradFill>
+                <a:gsLst>
+                  <a:gs pos="0">
+                    <a:prstClr val="black"/>
+                  </a:gs>
+                  <a:gs pos="100000">
+                    <a:prstClr val="black"/>
+                  </a:gs>
+                </a:gsLst>
+                <a:lin ang="5400000" scaled="0"/>
+              </a:gradFill>
+              <a:latin typeface="Segoe UI" pitchFamily="34" charset="0"/>
+              <a:ea typeface="Segoe UI" pitchFamily="34" charset="0"/>
+              <a:cs typeface="Segoe UI" pitchFamily="34" charset="0"/>
+            </a:endParaRPr>
+          </a:p>
+        </p:txBody>
+      </p:sp>
+      <p:sp>
+        <p:nvSpPr>
+          <p:cNvPr id="5" name="日付プレースホルダー 4"/>
+          <p:cNvSpPr>
+            <a:spLocks noGrp="1"/>
+          </p:cNvSpPr>
+          <p:nvPr>
+            <p:ph type="dt" idx="11"/>
+          </p:nvPr>
+        </p:nvSpPr>
+        <p:spPr/>
+        <p:txBody>
+          <a:bodyPr/>
+          <a:lstStyle/>
+          <a:p>
+            <a:fld id="{35F63945-09EF-4D56-AA6D-C1F6374BA98A}" type="datetime8">
+              <a:rPr lang="en-US" altLang="ja-JP" smtClean="0"/>
+              <a:t>11/4/2016 3:31 PM</a:t>
+            </a:fld>
+            <a:endParaRPr lang="en-US" dirty="0"/>
+          </a:p>
+        </p:txBody>
+      </p:sp>
+      <p:sp>
+        <p:nvSpPr>
+          <p:cNvPr id="6" name="スライド番号プレースホルダー 5"/>
+          <p:cNvSpPr>
+            <a:spLocks noGrp="1"/>
+          </p:cNvSpPr>
+          <p:nvPr>
+            <p:ph type="sldNum" sz="quarter" idx="12"/>
+          </p:nvPr>
+        </p:nvSpPr>
+        <p:spPr/>
+        <p:txBody>
+          <a:bodyPr/>
+          <a:lstStyle/>
+          <a:p>
+            <a:fld id="{B4008EB6-D09E-4580-8CD6-DDB14511944F}" type="slidenum">
+              <a:rPr lang="en-US" smtClean="0"/>
+              <a:pPr/>
+              <a:t>28</a:t>
+            </a:fld>
+            <a:endParaRPr lang="en-US" dirty="0"/>
+          </a:p>
+        </p:txBody>
+      </p:sp>
+    </p:spTree>
+    <p:extLst>
+      <p:ext uri="{BB962C8B-B14F-4D97-AF65-F5344CB8AC3E}">
+        <p14:creationId xmlns:p14="http://schemas.microsoft.com/office/powerpoint/2010/main" val="574317740"/>
+      </p:ext>
+    </p:extLst>
+  </p:cSld>
+  <p:clrMapOvr>
+    <a:masterClrMapping/>
+  </p:clrMapOvr>
+</p:notes>
+</file>
+
+<file path=ppt/notesSlides/notesSlide29.xml><?xml version="1.0" encoding="utf-8"?>
+<p:notes xmlns:a="http://schemas.openxmlformats.org/drawingml/2006/main" xmlns:r="http://schemas.openxmlformats.org/officeDocument/2006/relationships" xmlns:p="http://schemas.openxmlformats.org/presentationml/2006/main">
+  <p:cSld>
+    <p:spTree>
+      <p:nvGrpSpPr>
+        <p:cNvPr id="1" name=""/>
+        <p:cNvGrpSpPr/>
+        <p:nvPr/>
+      </p:nvGrpSpPr>
+      <p:grpSpPr>
+        <a:xfrm>
+          <a:off x="0" y="0"/>
+          <a:ext cx="0" cy="0"/>
+          <a:chOff x="0" y="0"/>
+          <a:chExt cx="0" cy="0"/>
+        </a:xfrm>
+      </p:grpSpPr>
+      <p:sp>
+        <p:nvSpPr>
+          <p:cNvPr id="2" name="スライド イメージ プレースホルダー 1"/>
+          <p:cNvSpPr>
+            <a:spLocks noGrp="1" noRot="1" noChangeAspect="1"/>
+          </p:cNvSpPr>
+          <p:nvPr>
+            <p:ph type="sldImg"/>
+          </p:nvPr>
+        </p:nvSpPr>
+        <p:spPr/>
+      </p:sp>
+      <p:sp>
+        <p:nvSpPr>
+          <p:cNvPr id="3" name="ノート プレースホルダー 2"/>
+          <p:cNvSpPr>
+            <a:spLocks noGrp="1"/>
+          </p:cNvSpPr>
+          <p:nvPr>
+            <p:ph type="body" idx="1"/>
+          </p:nvPr>
+        </p:nvSpPr>
+        <p:spPr/>
+        <p:txBody>
+          <a:bodyPr/>
+          <a:lstStyle/>
+          <a:p>
+            <a:r>
+              <a:rPr kumimoji="1" lang="ja-JP" altLang="en-US" dirty="0"/>
+              <a:t>というわけで、デモに行きます</a:t>
+            </a:r>
+            <a:endParaRPr kumimoji="1" lang="en-US" altLang="ja-JP" dirty="0"/>
+          </a:p>
+          <a:p>
+            <a:endParaRPr kumimoji="1" lang="ja-JP" altLang="en-US" dirty="0"/>
+          </a:p>
+        </p:txBody>
+      </p:sp>
+      <p:sp>
+        <p:nvSpPr>
+          <p:cNvPr id="4" name="フッター プレースホルダー 3"/>
+          <p:cNvSpPr>
+            <a:spLocks noGrp="1"/>
+          </p:cNvSpPr>
+          <p:nvPr>
+            <p:ph type="ftr" sz="quarter" idx="10"/>
+          </p:nvPr>
+        </p:nvSpPr>
+        <p:spPr/>
+        <p:txBody>
+          <a:bodyPr/>
+          <a:lstStyle/>
+          <a:p>
+            <a:pPr defTabSz="914099" eaLnBrk="0" hangingPunct="0"/>
+            <a:r>
+              <a:rPr lang="en-US" sz="400">
+                <a:gradFill>
+                  <a:gsLst>
+                    <a:gs pos="0">
+                      <a:prstClr val="black"/>
+                    </a:gs>
+                    <a:gs pos="100000">
+                      <a:prstClr val="black"/>
+                    </a:gs>
+                  </a:gsLst>
+                  <a:lin ang="5400000" scaled="0"/>
+                </a:gradFill>
+                <a:latin typeface="Segoe UI" pitchFamily="34" charset="0"/>
+                <a:ea typeface="Segoe UI" pitchFamily="34" charset="0"/>
+                <a:cs typeface="Segoe UI" pitchFamily="34" charset="0"/>
+              </a:rPr>
+              <a:t>© 2016 Microsoft Corporation. All rights reserved. MICROSOFT MAKES NO WARRANTIES, EXPRESS, IMPLIED OR STATUTORY, AS TO THE INFORMATION IN THIS PRESENTATION.</a:t>
+            </a:r>
+            <a:endParaRPr lang="en-US" sz="400" dirty="0">
+              <a:gradFill>
+                <a:gsLst>
+                  <a:gs pos="0">
+                    <a:prstClr val="black"/>
+                  </a:gs>
+                  <a:gs pos="100000">
+                    <a:prstClr val="black"/>
+                  </a:gs>
+                </a:gsLst>
+                <a:lin ang="5400000" scaled="0"/>
+              </a:gradFill>
+              <a:latin typeface="Segoe UI" pitchFamily="34" charset="0"/>
+              <a:ea typeface="Segoe UI" pitchFamily="34" charset="0"/>
+              <a:cs typeface="Segoe UI" pitchFamily="34" charset="0"/>
+            </a:endParaRPr>
+          </a:p>
+        </p:txBody>
+      </p:sp>
+      <p:sp>
+        <p:nvSpPr>
+          <p:cNvPr id="5" name="日付プレースホルダー 4"/>
+          <p:cNvSpPr>
+            <a:spLocks noGrp="1"/>
+          </p:cNvSpPr>
+          <p:nvPr>
+            <p:ph type="dt" idx="11"/>
+          </p:nvPr>
+        </p:nvSpPr>
+        <p:spPr/>
+        <p:txBody>
+          <a:bodyPr/>
+          <a:lstStyle/>
+          <a:p>
+            <a:fld id="{35F63945-09EF-4D56-AA6D-C1F6374BA98A}" type="datetime8">
+              <a:rPr lang="en-US" altLang="ja-JP" smtClean="0"/>
+              <a:t>11/4/2016 3:52 PM</a:t>
+            </a:fld>
+            <a:endParaRPr lang="en-US" dirty="0"/>
+          </a:p>
+        </p:txBody>
+      </p:sp>
+      <p:sp>
+        <p:nvSpPr>
+          <p:cNvPr id="6" name="スライド番号プレースホルダー 5"/>
+          <p:cNvSpPr>
+            <a:spLocks noGrp="1"/>
+          </p:cNvSpPr>
+          <p:nvPr>
+            <p:ph type="sldNum" sz="quarter" idx="12"/>
+          </p:nvPr>
+        </p:nvSpPr>
+        <p:spPr/>
+        <p:txBody>
+          <a:bodyPr/>
+          <a:lstStyle/>
+          <a:p>
+            <a:fld id="{B4008EB6-D09E-4580-8CD6-DDB14511944F}" type="slidenum">
+              <a:rPr lang="en-US" smtClean="0"/>
+              <a:pPr/>
+              <a:t>29</a:t>
+            </a:fld>
+            <a:endParaRPr lang="en-US" dirty="0"/>
+          </a:p>
+        </p:txBody>
+      </p:sp>
+    </p:spTree>
+    <p:extLst>
+      <p:ext uri="{BB962C8B-B14F-4D97-AF65-F5344CB8AC3E}">
+        <p14:creationId xmlns:p14="http://schemas.microsoft.com/office/powerpoint/2010/main" val="1699318393"/>
       </p:ext>
     </p:extLst>
   </p:cSld>
@@ -5211,7 +5717,7 @@
           <a:p>
             <a:fld id="{D9D3C64A-CFB4-4980-8828-24F416B1C84A}" type="datetime1">
               <a:rPr kumimoji="1" lang="ja-JP" altLang="en-US" smtClean="0"/>
-              <a:t>2016/11/1</a:t>
+              <a:t>2016/11/4</a:t>
             </a:fld>
             <a:endParaRPr kumimoji="1" lang="ja-JP" altLang="en-US" dirty="0"/>
           </a:p>
@@ -5266,6 +5772,337 @@
     <p:extLst>
       <p:ext uri="{BB962C8B-B14F-4D97-AF65-F5344CB8AC3E}">
         <p14:creationId xmlns:p14="http://schemas.microsoft.com/office/powerpoint/2010/main" val="3726365878"/>
+      </p:ext>
+    </p:extLst>
+  </p:cSld>
+  <p:clrMapOvr>
+    <a:masterClrMapping/>
+  </p:clrMapOvr>
+</p:notes>
+</file>
+
+<file path=ppt/notesSlides/notesSlide30.xml><?xml version="1.0" encoding="utf-8"?>
+<p:notes xmlns:a="http://schemas.openxmlformats.org/drawingml/2006/main" xmlns:r="http://schemas.openxmlformats.org/officeDocument/2006/relationships" xmlns:p="http://schemas.openxmlformats.org/presentationml/2006/main">
+  <p:cSld>
+    <p:spTree>
+      <p:nvGrpSpPr>
+        <p:cNvPr id="1" name=""/>
+        <p:cNvGrpSpPr/>
+        <p:nvPr/>
+      </p:nvGrpSpPr>
+      <p:grpSpPr>
+        <a:xfrm>
+          <a:off x="0" y="0"/>
+          <a:ext cx="0" cy="0"/>
+          <a:chOff x="0" y="0"/>
+          <a:chExt cx="0" cy="0"/>
+        </a:xfrm>
+      </p:grpSpPr>
+      <p:sp>
+        <p:nvSpPr>
+          <p:cNvPr id="2" name="スライド イメージ プレースホルダー 1"/>
+          <p:cNvSpPr>
+            <a:spLocks noGrp="1" noRot="1" noChangeAspect="1"/>
+          </p:cNvSpPr>
+          <p:nvPr>
+            <p:ph type="sldImg"/>
+          </p:nvPr>
+        </p:nvSpPr>
+        <p:spPr/>
+      </p:sp>
+      <p:sp>
+        <p:nvSpPr>
+          <p:cNvPr id="3" name="ノート プレースホルダー 2"/>
+          <p:cNvSpPr>
+            <a:spLocks noGrp="1"/>
+          </p:cNvSpPr>
+          <p:nvPr>
+            <p:ph type="body" idx="1"/>
+          </p:nvPr>
+        </p:nvSpPr>
+        <p:spPr/>
+        <p:txBody>
+          <a:bodyPr/>
+          <a:lstStyle/>
+          <a:p>
+            <a:r>
+              <a:rPr kumimoji="1" lang="ja-JP" altLang="en-US" dirty="0"/>
+              <a:t>というわけで、デモに行きます</a:t>
+            </a:r>
+            <a:endParaRPr kumimoji="1" lang="en-US" altLang="ja-JP" dirty="0"/>
+          </a:p>
+          <a:p>
+            <a:endParaRPr kumimoji="1" lang="ja-JP" altLang="en-US" dirty="0"/>
+          </a:p>
+        </p:txBody>
+      </p:sp>
+      <p:sp>
+        <p:nvSpPr>
+          <p:cNvPr id="4" name="フッター プレースホルダー 3"/>
+          <p:cNvSpPr>
+            <a:spLocks noGrp="1"/>
+          </p:cNvSpPr>
+          <p:nvPr>
+            <p:ph type="ftr" sz="quarter" idx="10"/>
+          </p:nvPr>
+        </p:nvSpPr>
+        <p:spPr/>
+        <p:txBody>
+          <a:bodyPr/>
+          <a:lstStyle/>
+          <a:p>
+            <a:pPr defTabSz="914099" eaLnBrk="0" hangingPunct="0"/>
+            <a:r>
+              <a:rPr lang="en-US" sz="400">
+                <a:gradFill>
+                  <a:gsLst>
+                    <a:gs pos="0">
+                      <a:prstClr val="black"/>
+                    </a:gs>
+                    <a:gs pos="100000">
+                      <a:prstClr val="black"/>
+                    </a:gs>
+                  </a:gsLst>
+                  <a:lin ang="5400000" scaled="0"/>
+                </a:gradFill>
+                <a:latin typeface="Segoe UI" pitchFamily="34" charset="0"/>
+                <a:ea typeface="Segoe UI" pitchFamily="34" charset="0"/>
+                <a:cs typeface="Segoe UI" pitchFamily="34" charset="0"/>
+              </a:rPr>
+              <a:t>© 2016 Microsoft Corporation. All rights reserved. MICROSOFT MAKES NO WARRANTIES, EXPRESS, IMPLIED OR STATUTORY, AS TO THE INFORMATION IN THIS PRESENTATION.</a:t>
+            </a:r>
+            <a:endParaRPr lang="en-US" sz="400" dirty="0">
+              <a:gradFill>
+                <a:gsLst>
+                  <a:gs pos="0">
+                    <a:prstClr val="black"/>
+                  </a:gs>
+                  <a:gs pos="100000">
+                    <a:prstClr val="black"/>
+                  </a:gs>
+                </a:gsLst>
+                <a:lin ang="5400000" scaled="0"/>
+              </a:gradFill>
+              <a:latin typeface="Segoe UI" pitchFamily="34" charset="0"/>
+              <a:ea typeface="Segoe UI" pitchFamily="34" charset="0"/>
+              <a:cs typeface="Segoe UI" pitchFamily="34" charset="0"/>
+            </a:endParaRPr>
+          </a:p>
+        </p:txBody>
+      </p:sp>
+      <p:sp>
+        <p:nvSpPr>
+          <p:cNvPr id="5" name="日付プレースホルダー 4"/>
+          <p:cNvSpPr>
+            <a:spLocks noGrp="1"/>
+          </p:cNvSpPr>
+          <p:nvPr>
+            <p:ph type="dt" idx="11"/>
+          </p:nvPr>
+        </p:nvSpPr>
+        <p:spPr/>
+        <p:txBody>
+          <a:bodyPr/>
+          <a:lstStyle/>
+          <a:p>
+            <a:fld id="{35F63945-09EF-4D56-AA6D-C1F6374BA98A}" type="datetime8">
+              <a:rPr lang="en-US" altLang="ja-JP" smtClean="0"/>
+              <a:t>11/4/2016 3:52 PM</a:t>
+            </a:fld>
+            <a:endParaRPr lang="en-US" dirty="0"/>
+          </a:p>
+        </p:txBody>
+      </p:sp>
+      <p:sp>
+        <p:nvSpPr>
+          <p:cNvPr id="6" name="スライド番号プレースホルダー 5"/>
+          <p:cNvSpPr>
+            <a:spLocks noGrp="1"/>
+          </p:cNvSpPr>
+          <p:nvPr>
+            <p:ph type="sldNum" sz="quarter" idx="12"/>
+          </p:nvPr>
+        </p:nvSpPr>
+        <p:spPr/>
+        <p:txBody>
+          <a:bodyPr/>
+          <a:lstStyle/>
+          <a:p>
+            <a:fld id="{B4008EB6-D09E-4580-8CD6-DDB14511944F}" type="slidenum">
+              <a:rPr lang="en-US" smtClean="0"/>
+              <a:pPr/>
+              <a:t>30</a:t>
+            </a:fld>
+            <a:endParaRPr lang="en-US" dirty="0"/>
+          </a:p>
+        </p:txBody>
+      </p:sp>
+    </p:spTree>
+    <p:extLst>
+      <p:ext uri="{BB962C8B-B14F-4D97-AF65-F5344CB8AC3E}">
+        <p14:creationId xmlns:p14="http://schemas.microsoft.com/office/powerpoint/2010/main" val="67219607"/>
+      </p:ext>
+    </p:extLst>
+  </p:cSld>
+  <p:clrMapOvr>
+    <a:masterClrMapping/>
+  </p:clrMapOvr>
+</p:notes>
+</file>
+
+<file path=ppt/notesSlides/notesSlide31.xml><?xml version="1.0" encoding="utf-8"?>
+<p:notes xmlns:a="http://schemas.openxmlformats.org/drawingml/2006/main" xmlns:r="http://schemas.openxmlformats.org/officeDocument/2006/relationships" xmlns:p="http://schemas.openxmlformats.org/presentationml/2006/main">
+  <p:cSld>
+    <p:spTree>
+      <p:nvGrpSpPr>
+        <p:cNvPr id="1" name=""/>
+        <p:cNvGrpSpPr/>
+        <p:nvPr/>
+      </p:nvGrpSpPr>
+      <p:grpSpPr>
+        <a:xfrm>
+          <a:off x="0" y="0"/>
+          <a:ext cx="0" cy="0"/>
+          <a:chOff x="0" y="0"/>
+          <a:chExt cx="0" cy="0"/>
+        </a:xfrm>
+      </p:grpSpPr>
+      <p:sp>
+        <p:nvSpPr>
+          <p:cNvPr id="2" name="スライド イメージ プレースホルダー 1"/>
+          <p:cNvSpPr>
+            <a:spLocks noGrp="1" noRot="1" noChangeAspect="1"/>
+          </p:cNvSpPr>
+          <p:nvPr>
+            <p:ph type="sldImg"/>
+          </p:nvPr>
+        </p:nvSpPr>
+        <p:spPr/>
+      </p:sp>
+      <p:sp>
+        <p:nvSpPr>
+          <p:cNvPr id="3" name="ノート プレースホルダー 2"/>
+          <p:cNvSpPr>
+            <a:spLocks noGrp="1"/>
+          </p:cNvSpPr>
+          <p:nvPr>
+            <p:ph type="body" idx="1"/>
+          </p:nvPr>
+        </p:nvSpPr>
+        <p:spPr/>
+        <p:txBody>
+          <a:bodyPr/>
+          <a:lstStyle/>
+          <a:p>
+            <a:endParaRPr kumimoji="1" lang="ja-JP" altLang="en-US" dirty="0"/>
+          </a:p>
+        </p:txBody>
+      </p:sp>
+      <p:sp>
+        <p:nvSpPr>
+          <p:cNvPr id="4" name="フッター プレースホルダー 3"/>
+          <p:cNvSpPr>
+            <a:spLocks noGrp="1"/>
+          </p:cNvSpPr>
+          <p:nvPr>
+            <p:ph type="ftr" sz="quarter" idx="10"/>
+          </p:nvPr>
+        </p:nvSpPr>
+        <p:spPr/>
+        <p:txBody>
+          <a:bodyPr/>
+          <a:lstStyle/>
+          <a:p>
+            <a:pPr defTabSz="914099" eaLnBrk="0" hangingPunct="0"/>
+            <a:r>
+              <a:rPr lang="en-US" sz="400">
+                <a:gradFill>
+                  <a:gsLst>
+                    <a:gs pos="0">
+                      <a:prstClr val="black"/>
+                    </a:gs>
+                    <a:gs pos="100000">
+                      <a:prstClr val="black"/>
+                    </a:gs>
+                  </a:gsLst>
+                  <a:lin ang="5400000" scaled="0"/>
+                </a:gradFill>
+                <a:latin typeface="Segoe UI" pitchFamily="34" charset="0"/>
+                <a:ea typeface="Segoe UI" pitchFamily="34" charset="0"/>
+                <a:cs typeface="Segoe UI" pitchFamily="34" charset="0"/>
+              </a:rPr>
+              <a:t>© 2016 Microsoft Corporation. All rights reserved. MICROSOFT MAKES NO WARRANTIES, EXPRESS, IMPLIED OR STATUTORY, AS TO THE INFORMATION IN THIS PRESENTATION.</a:t>
+            </a:r>
+            <a:endParaRPr lang="en-US" sz="400" dirty="0">
+              <a:gradFill>
+                <a:gsLst>
+                  <a:gs pos="0">
+                    <a:prstClr val="black"/>
+                  </a:gs>
+                  <a:gs pos="100000">
+                    <a:prstClr val="black"/>
+                  </a:gs>
+                </a:gsLst>
+                <a:lin ang="5400000" scaled="0"/>
+              </a:gradFill>
+              <a:latin typeface="Segoe UI" pitchFamily="34" charset="0"/>
+              <a:ea typeface="Segoe UI" pitchFamily="34" charset="0"/>
+              <a:cs typeface="Segoe UI" pitchFamily="34" charset="0"/>
+            </a:endParaRPr>
+          </a:p>
+        </p:txBody>
+      </p:sp>
+      <p:sp>
+        <p:nvSpPr>
+          <p:cNvPr id="5" name="日付プレースホルダー 4"/>
+          <p:cNvSpPr>
+            <a:spLocks noGrp="1"/>
+          </p:cNvSpPr>
+          <p:nvPr>
+            <p:ph type="dt" idx="11"/>
+          </p:nvPr>
+        </p:nvSpPr>
+        <p:spPr/>
+        <p:txBody>
+          <a:bodyPr/>
+          <a:lstStyle/>
+          <a:p>
+            <a:fld id="{35F63945-09EF-4D56-AA6D-C1F6374BA98A}" type="datetime8">
+              <a:rPr lang="en-US" altLang="ja-JP" smtClean="0"/>
+              <a:t>11/4/2016 3:31 PM</a:t>
+            </a:fld>
+            <a:endParaRPr lang="en-US" dirty="0"/>
+          </a:p>
+        </p:txBody>
+      </p:sp>
+      <p:sp>
+        <p:nvSpPr>
+          <p:cNvPr id="6" name="スライド番号プレースホルダー 5"/>
+          <p:cNvSpPr>
+            <a:spLocks noGrp="1"/>
+          </p:cNvSpPr>
+          <p:nvPr>
+            <p:ph type="sldNum" sz="quarter" idx="12"/>
+          </p:nvPr>
+        </p:nvSpPr>
+        <p:spPr/>
+        <p:txBody>
+          <a:bodyPr/>
+          <a:lstStyle/>
+          <a:p>
+            <a:fld id="{B4008EB6-D09E-4580-8CD6-DDB14511944F}" type="slidenum">
+              <a:rPr lang="en-US" smtClean="0"/>
+              <a:pPr/>
+              <a:t>32</a:t>
+            </a:fld>
+            <a:endParaRPr lang="en-US" dirty="0"/>
+          </a:p>
+        </p:txBody>
+      </p:sp>
+    </p:spTree>
+    <p:extLst>
+      <p:ext uri="{BB962C8B-B14F-4D97-AF65-F5344CB8AC3E}">
+        <p14:creationId xmlns:p14="http://schemas.microsoft.com/office/powerpoint/2010/main" val="1107105000"/>
       </p:ext>
     </p:extLst>
   </p:cSld>
@@ -5436,7 +6273,7 @@
           <a:p>
             <a:fld id="{35F63945-09EF-4D56-AA6D-C1F6374BA98A}" type="datetime8">
               <a:rPr lang="en-US" altLang="ja-JP" smtClean="0"/>
-              <a:t>11/1/2016 5:53 PM</a:t>
+              <a:t>11/4/2016 3:31 PM</a:t>
             </a:fld>
             <a:endParaRPr lang="en-US" dirty="0"/>
           </a:p>
@@ -5624,7 +6461,7 @@
           <a:p>
             <a:fld id="{35F63945-09EF-4D56-AA6D-C1F6374BA98A}" type="datetime8">
               <a:rPr lang="en-US" altLang="ja-JP" smtClean="0"/>
-              <a:t>11/1/2016 5:53 PM</a:t>
+              <a:t>11/4/2016 3:31 PM</a:t>
             </a:fld>
             <a:endParaRPr lang="en-US" dirty="0"/>
           </a:p>
@@ -5873,7 +6710,7 @@
           <a:p>
             <a:fld id="{35F63945-09EF-4D56-AA6D-C1F6374BA98A}" type="datetime8">
               <a:rPr lang="en-US" altLang="ja-JP" smtClean="0"/>
-              <a:t>11/1/2016 5:53 PM</a:t>
+              <a:t>11/4/2016 3:31 PM</a:t>
             </a:fld>
             <a:endParaRPr lang="en-US" dirty="0"/>
           </a:p>
@@ -6272,7 +7109,7 @@
           <a:p>
             <a:fld id="{35F63945-09EF-4D56-AA6D-C1F6374BA98A}" type="datetime8">
               <a:rPr lang="en-US" altLang="ja-JP" smtClean="0"/>
-              <a:t>11/1/2016 5:53 PM</a:t>
+              <a:t>11/4/2016 3:31 PM</a:t>
             </a:fld>
             <a:endParaRPr lang="en-US" dirty="0"/>
           </a:p>
@@ -6425,7 +7262,7 @@
           <a:p>
             <a:fld id="{D9D3C64A-CFB4-4980-8828-24F416B1C84A}" type="datetime1">
               <a:rPr kumimoji="1" lang="ja-JP" altLang="en-US" smtClean="0"/>
-              <a:t>2016/11/1</a:t>
+              <a:t>2016/11/4</a:t>
             </a:fld>
             <a:endParaRPr kumimoji="1" lang="ja-JP" altLang="en-US" dirty="0"/>
           </a:p>
@@ -6662,7 +7499,7 @@
           <a:p>
             <a:fld id="{35F63945-09EF-4D56-AA6D-C1F6374BA98A}" type="datetime8">
               <a:rPr lang="en-US" altLang="ja-JP" smtClean="0"/>
-              <a:t>11/1/2016 5:53 PM</a:t>
+              <a:t>11/4/2016 3:31 PM</a:t>
             </a:fld>
             <a:endParaRPr lang="en-US" dirty="0"/>
           </a:p>
@@ -11995,101 +12832,152 @@
       </p:grpSpPr>
       <p:sp>
         <p:nvSpPr>
-          <p:cNvPr id="5" name="テキスト プレースホルダー 4"/>
-          <p:cNvSpPr>
-            <a:spLocks noGrp="1"/>
-          </p:cNvSpPr>
-          <p:nvPr>
-            <p:ph type="body" sz="quarter" idx="10"/>
-          </p:nvPr>
-        </p:nvSpPr>
-        <p:spPr/>
-        <p:txBody>
-          <a:bodyPr>
-            <a:normAutofit/>
+          <p:cNvPr id="3" name="スライド番号プレースホルダー 2"/>
+          <p:cNvSpPr>
+            <a:spLocks noGrp="1"/>
+          </p:cNvSpPr>
+          <p:nvPr>
+            <p:ph type="sldNum" sz="quarter" idx="4"/>
+          </p:nvPr>
+        </p:nvSpPr>
+        <p:spPr/>
+        <p:txBody>
+          <a:bodyPr/>
+          <a:lstStyle/>
+          <a:p>
+            <a:fld id="{BA547519-0BEB-4367-A945-810145453CE0}" type="slidenum">
+              <a:rPr kumimoji="1" lang="ja-JP" altLang="en-US" smtClean="0"/>
+              <a:pPr/>
+              <a:t>20</a:t>
+            </a:fld>
+            <a:endParaRPr kumimoji="1" lang="ja-JP" altLang="en-US" dirty="0"/>
+          </a:p>
+        </p:txBody>
+      </p:sp>
+      <p:sp>
+        <p:nvSpPr>
+          <p:cNvPr id="4" name="タイトル 3"/>
+          <p:cNvSpPr>
+            <a:spLocks noGrp="1"/>
+          </p:cNvSpPr>
+          <p:nvPr>
+            <p:ph type="title"/>
+          </p:nvPr>
+        </p:nvSpPr>
+        <p:spPr/>
+        <p:txBody>
+          <a:bodyPr/>
+          <a:lstStyle/>
+          <a:p>
+            <a:r>
+              <a:rPr kumimoji="1" lang="en-US" altLang="ja-JP" dirty="0"/>
+              <a:t>MVVM is </a:t>
+            </a:r>
+            <a:r>
+              <a:rPr kumimoji="1" lang="ja-JP" altLang="en-US" dirty="0"/>
+              <a:t>何？</a:t>
+            </a:r>
+          </a:p>
+        </p:txBody>
+      </p:sp>
+      <p:sp>
+        <p:nvSpPr>
+          <p:cNvPr id="5" name="楕円 4"/>
+          <p:cNvSpPr/>
+          <p:nvPr/>
+        </p:nvSpPr>
+        <p:spPr bwMode="auto">
+          <a:xfrm>
+            <a:off x="5750185" y="3843476"/>
+            <a:ext cx="1944216" cy="1944216"/>
+          </a:xfrm>
+          <a:prstGeom prst="ellipse">
+            <a:avLst/>
+          </a:prstGeom>
+          <a:solidFill>
+            <a:schemeClr val="accent1"/>
+          </a:solidFill>
+          <a:ln>
+            <a:noFill/>
+            <a:headEnd type="none" w="med" len="med"/>
+            <a:tailEnd type="none" w="med" len="med"/>
+          </a:ln>
+          <a:effectLst/>
+        </p:spPr>
+        <p:style>
+          <a:lnRef idx="1">
+            <a:schemeClr val="accent2"/>
+          </a:lnRef>
+          <a:fillRef idx="3">
+            <a:schemeClr val="accent2"/>
+          </a:fillRef>
+          <a:effectRef idx="2">
+            <a:schemeClr val="accent2"/>
+          </a:effectRef>
+          <a:fontRef idx="minor">
+            <a:schemeClr val="lt1"/>
+          </a:fontRef>
+        </p:style>
+        <p:txBody>
+          <a:bodyPr rot="0" spcFirstLastPara="0" vertOverflow="overflow" horzOverflow="overflow" vert="horz" wrap="square" lIns="182880" tIns="146304" rIns="182880" bIns="146304" numCol="1" spcCol="0" rtlCol="0" fromWordArt="0" anchor="ctr" anchorCtr="0" forceAA="0" compatLnSpc="1">
+            <a:prstTxWarp prst="textNoShape">
+              <a:avLst/>
+            </a:prstTxWarp>
+            <a:noAutofit/>
           </a:bodyPr>
           <a:lstStyle/>
           <a:p>
-            <a:pPr marL="571500" indent="-571500"/>
-            <a:r>
-              <a:rPr lang="en-US" altLang="ja-JP" dirty="0"/>
-              <a:t>Prism</a:t>
-            </a:r>
-            <a:r>
-              <a:rPr lang="ja-JP" altLang="en-US" dirty="0"/>
-              <a:t>は</a:t>
-            </a:r>
-            <a:r>
-              <a:rPr lang="en-US" altLang="ja-JP" dirty="0"/>
+            <a:pPr algn="ctr" defTabSz="932472" fontAlgn="base">
+              <a:lnSpc>
+                <a:spcPct val="90000"/>
+              </a:lnSpc>
+              <a:spcBef>
+                <a:spcPct val="0"/>
+              </a:spcBef>
+              <a:spcAft>
+                <a:spcPct val="0"/>
+              </a:spcAft>
+            </a:pPr>
+            <a:r>
+              <a:rPr kumimoji="1" lang="en-US" altLang="ja-JP" sz="2400" dirty="0">
+                <a:gradFill>
+                  <a:gsLst>
+                    <a:gs pos="0">
+                      <a:srgbClr val="FFFFFF"/>
+                    </a:gs>
+                    <a:gs pos="100000">
+                      <a:srgbClr val="FFFFFF"/>
+                    </a:gs>
+                  </a:gsLst>
+                  <a:lin ang="5400000" scaled="0"/>
+                </a:gradFill>
+                <a:ea typeface="Segoe UI" pitchFamily="34" charset="0"/>
+                <a:cs typeface="Segoe UI" pitchFamily="34" charset="0"/>
+              </a:rPr>
               <a:t>MVVM</a:t>
             </a:r>
-            <a:r>
-              <a:rPr lang="ja-JP" altLang="en-US" dirty="0"/>
-              <a:t>の課題だけでなく、これらの課題に対しても、ガイダンスを提供します</a:t>
-            </a:r>
-            <a:endParaRPr lang="en-US" altLang="ja-JP" dirty="0"/>
-          </a:p>
-          <a:p>
-            <a:pPr marL="571500" indent="-571500"/>
-            <a:r>
-              <a:rPr lang="en-US" altLang="ja-JP" dirty="0"/>
-              <a:t>Prism</a:t>
-            </a:r>
-            <a:r>
-              <a:rPr lang="ja-JP" altLang="en-US" dirty="0"/>
-              <a:t>はアプリケーションを開発する上での、パターンとプラクティスの集合です</a:t>
-            </a:r>
-            <a:endParaRPr lang="en-US" altLang="ja-JP" dirty="0"/>
-          </a:p>
-          <a:p>
-            <a:pPr marL="571500" indent="-571500"/>
-            <a:r>
-              <a:rPr lang="ja-JP" altLang="en-US" dirty="0"/>
-              <a:t>そしてこれらは、テスト容易性と保守容易性を提供します</a:t>
-            </a:r>
-            <a:endParaRPr lang="en-US" altLang="ja-JP" dirty="0"/>
-          </a:p>
-        </p:txBody>
-      </p:sp>
-      <p:sp>
-        <p:nvSpPr>
-          <p:cNvPr id="4" name="タイトル 3"/>
-          <p:cNvSpPr>
-            <a:spLocks noGrp="1"/>
-          </p:cNvSpPr>
-          <p:nvPr>
-            <p:ph type="title"/>
-          </p:nvPr>
-        </p:nvSpPr>
-        <p:spPr/>
-        <p:txBody>
-          <a:bodyPr/>
-          <a:lstStyle/>
-          <a:p>
-            <a:r>
-              <a:rPr kumimoji="1" lang="en-US" altLang="ja-JP" dirty="0"/>
-              <a:t>Why</a:t>
-            </a:r>
-            <a:r>
-              <a:rPr kumimoji="1" lang="ja-JP" altLang="en-US" dirty="0"/>
-              <a:t> </a:t>
-            </a:r>
-            <a:r>
-              <a:rPr lang="en-US" altLang="ja-JP" dirty="0"/>
-              <a:t>Prism for </a:t>
-            </a:r>
-            <a:r>
-              <a:rPr lang="en-US" altLang="ja-JP" dirty="0" err="1"/>
-              <a:t>Xamarin.Forms</a:t>
-            </a:r>
-            <a:endParaRPr kumimoji="1" lang="ja-JP" altLang="en-US" dirty="0"/>
+            <a:endParaRPr kumimoji="1" lang="ja-JP" altLang="en-US" sz="2400" dirty="0" err="1">
+              <a:gradFill>
+                <a:gsLst>
+                  <a:gs pos="0">
+                    <a:srgbClr val="FFFFFF"/>
+                  </a:gs>
+                  <a:gs pos="100000">
+                    <a:srgbClr val="FFFFFF"/>
+                  </a:gs>
+                </a:gsLst>
+                <a:lin ang="5400000" scaled="0"/>
+              </a:gradFill>
+              <a:ea typeface="Segoe UI" pitchFamily="34" charset="0"/>
+              <a:cs typeface="Segoe UI" pitchFamily="34" charset="0"/>
+            </a:endParaRPr>
           </a:p>
         </p:txBody>
       </p:sp>
     </p:spTree>
     <p:extLst>
       <p:ext uri="{BB962C8B-B14F-4D97-AF65-F5344CB8AC3E}">
-        <p14:creationId xmlns:p14="http://schemas.microsoft.com/office/powerpoint/2010/main" val="2684657390"/>
+        <p14:creationId xmlns:p14="http://schemas.microsoft.com/office/powerpoint/2010/main" val="3349482456"/>
       </p:ext>
     </p:extLst>
   </p:cSld>
@@ -12121,97 +13009,475 @@
       </p:grpSpPr>
       <p:sp>
         <p:nvSpPr>
-          <p:cNvPr id="5" name="テキスト プレースホルダー 4"/>
-          <p:cNvSpPr>
-            <a:spLocks noGrp="1"/>
-          </p:cNvSpPr>
-          <p:nvPr>
-            <p:ph type="body" sz="quarter" idx="10"/>
-          </p:nvPr>
-        </p:nvSpPr>
-        <p:spPr/>
-        <p:txBody>
-          <a:bodyPr lIns="147600">
-            <a:normAutofit/>
-          </a:bodyPr>
-          <a:lstStyle/>
-          <a:p>
-            <a:pPr marL="0" indent="0">
-              <a:buNone/>
-            </a:pPr>
-            <a:r>
-              <a:rPr lang="ja-JP" altLang="en-US" dirty="0"/>
-              <a:t>「</a:t>
-            </a:r>
+          <p:cNvPr id="3" name="スライド番号プレースホルダー 2"/>
+          <p:cNvSpPr>
+            <a:spLocks noGrp="1"/>
+          </p:cNvSpPr>
+          <p:nvPr>
+            <p:ph type="sldNum" sz="quarter" idx="4"/>
+          </p:nvPr>
+        </p:nvSpPr>
+        <p:spPr/>
+        <p:txBody>
+          <a:bodyPr/>
+          <a:lstStyle/>
+          <a:p>
+            <a:fld id="{BA547519-0BEB-4367-A945-810145453CE0}" type="slidenum">
+              <a:rPr kumimoji="1" lang="ja-JP" altLang="en-US" smtClean="0"/>
+              <a:pPr/>
+              <a:t>21</a:t>
+            </a:fld>
+            <a:endParaRPr kumimoji="1" lang="ja-JP" altLang="en-US" dirty="0"/>
+          </a:p>
+        </p:txBody>
+      </p:sp>
+      <p:sp>
+        <p:nvSpPr>
+          <p:cNvPr id="4" name="タイトル 3"/>
+          <p:cNvSpPr>
+            <a:spLocks noGrp="1"/>
+          </p:cNvSpPr>
+          <p:nvPr>
+            <p:ph type="title"/>
+          </p:nvPr>
+        </p:nvSpPr>
+        <p:spPr/>
+        <p:txBody>
+          <a:bodyPr/>
+          <a:lstStyle/>
+          <a:p>
             <a:r>
               <a:rPr lang="en-US" altLang="ja-JP" dirty="0"/>
               <a:t>MVVM</a:t>
             </a:r>
             <a:r>
+              <a:rPr kumimoji="1" lang="en-US" altLang="ja-JP" dirty="0"/>
+              <a:t> is</a:t>
+            </a:r>
+            <a:r>
               <a:rPr lang="ja-JP" altLang="en-US" dirty="0"/>
-              <a:t>初めてやるけど、</a:t>
+              <a:t> </a:t>
             </a:r>
             <a:r>
               <a:rPr lang="en-US" altLang="ja-JP" dirty="0"/>
-              <a:t>Prism</a:t>
-            </a:r>
-            <a:r>
-              <a:rPr lang="ja-JP" altLang="en-US" dirty="0" err="1"/>
-              <a:t>って</a:t>
-            </a:r>
-            <a:r>
-              <a:rPr lang="ja-JP" altLang="en-US" dirty="0"/>
-              <a:t>難しそう」</a:t>
-            </a:r>
-            <a:endParaRPr lang="en-US" altLang="ja-JP" dirty="0"/>
-          </a:p>
-          <a:p>
-            <a:pPr marL="0" indent="0">
-              <a:buNone/>
+              <a:t>PDS</a:t>
+            </a:r>
+            <a:endParaRPr kumimoji="1" lang="ja-JP" altLang="en-US" dirty="0"/>
+          </a:p>
+        </p:txBody>
+      </p:sp>
+      <p:sp>
+        <p:nvSpPr>
+          <p:cNvPr id="5" name="楕円 4"/>
+          <p:cNvSpPr/>
+          <p:nvPr/>
+        </p:nvSpPr>
+        <p:spPr bwMode="auto">
+          <a:xfrm>
+            <a:off x="5750185" y="3843476"/>
+            <a:ext cx="1944216" cy="1944216"/>
+          </a:xfrm>
+          <a:prstGeom prst="ellipse">
+            <a:avLst/>
+          </a:prstGeom>
+          <a:solidFill>
+            <a:schemeClr val="accent1"/>
+          </a:solidFill>
+          <a:ln>
+            <a:noFill/>
+            <a:headEnd type="none" w="med" len="med"/>
+            <a:tailEnd type="none" w="med" len="med"/>
+          </a:ln>
+          <a:effectLst/>
+        </p:spPr>
+        <p:style>
+          <a:lnRef idx="1">
+            <a:schemeClr val="accent2"/>
+          </a:lnRef>
+          <a:fillRef idx="3">
+            <a:schemeClr val="accent2"/>
+          </a:fillRef>
+          <a:effectRef idx="2">
+            <a:schemeClr val="accent2"/>
+          </a:effectRef>
+          <a:fontRef idx="minor">
+            <a:schemeClr val="lt1"/>
+          </a:fontRef>
+        </p:style>
+        <p:txBody>
+          <a:bodyPr rot="0" spcFirstLastPara="0" vertOverflow="overflow" horzOverflow="overflow" vert="horz" wrap="square" lIns="182880" tIns="146304" rIns="182880" bIns="146304" numCol="1" spcCol="0" rtlCol="0" fromWordArt="0" anchor="ctr" anchorCtr="0" forceAA="0" compatLnSpc="1">
+            <a:prstTxWarp prst="textNoShape">
+              <a:avLst/>
+            </a:prstTxWarp>
+            <a:noAutofit/>
+          </a:bodyPr>
+          <a:lstStyle/>
+          <a:p>
+            <a:pPr algn="ctr" defTabSz="932472" fontAlgn="base">
+              <a:lnSpc>
+                <a:spcPct val="90000"/>
+              </a:lnSpc>
+              <a:spcBef>
+                <a:spcPct val="0"/>
+              </a:spcBef>
+              <a:spcAft>
+                <a:spcPct val="0"/>
+              </a:spcAft>
             </a:pPr>
             <a:r>
-              <a:rPr lang="ja-JP" altLang="en-US" dirty="0"/>
-              <a:t>という人ほど、使うべきです。</a:t>
-            </a:r>
-            <a:endParaRPr lang="en-US" altLang="ja-JP" dirty="0"/>
-          </a:p>
-        </p:txBody>
-      </p:sp>
-      <p:sp>
-        <p:nvSpPr>
-          <p:cNvPr id="4" name="タイトル 3"/>
-          <p:cNvSpPr>
-            <a:spLocks noGrp="1"/>
-          </p:cNvSpPr>
-          <p:nvPr>
-            <p:ph type="title"/>
-          </p:nvPr>
-        </p:nvSpPr>
-        <p:spPr/>
-        <p:txBody>
-          <a:bodyPr/>
-          <a:lstStyle/>
-          <a:p>
-            <a:r>
-              <a:rPr lang="ja-JP" altLang="en-US" dirty="0"/>
-              <a:t>だれが</a:t>
-            </a:r>
-            <a:r>
-              <a:rPr lang="en-US" altLang="ja-JP" dirty="0"/>
-              <a:t>Prism</a:t>
-            </a:r>
-            <a:r>
-              <a:rPr lang="ja-JP" altLang="en-US" dirty="0"/>
-              <a:t>を使うべきか？</a:t>
-            </a:r>
-            <a:endParaRPr kumimoji="1" lang="ja-JP" altLang="en-US" dirty="0"/>
+              <a:rPr kumimoji="1" lang="en-US" altLang="ja-JP" sz="2400" dirty="0">
+                <a:gradFill>
+                  <a:gsLst>
+                    <a:gs pos="0">
+                      <a:srgbClr val="FFFFFF"/>
+                    </a:gs>
+                    <a:gs pos="100000">
+                      <a:srgbClr val="FFFFFF"/>
+                    </a:gs>
+                  </a:gsLst>
+                  <a:lin ang="5400000" scaled="0"/>
+                </a:gradFill>
+                <a:ea typeface="Segoe UI" pitchFamily="34" charset="0"/>
+                <a:cs typeface="Segoe UI" pitchFamily="34" charset="0"/>
+              </a:rPr>
+              <a:t>MVVM</a:t>
+            </a:r>
+            <a:endParaRPr kumimoji="1" lang="ja-JP" altLang="en-US" sz="2400" dirty="0" err="1">
+              <a:gradFill>
+                <a:gsLst>
+                  <a:gs pos="0">
+                    <a:srgbClr val="FFFFFF"/>
+                  </a:gs>
+                  <a:gs pos="100000">
+                    <a:srgbClr val="FFFFFF"/>
+                  </a:gs>
+                </a:gsLst>
+                <a:lin ang="5400000" scaled="0"/>
+              </a:gradFill>
+              <a:ea typeface="Segoe UI" pitchFamily="34" charset="0"/>
+              <a:cs typeface="Segoe UI" pitchFamily="34" charset="0"/>
+            </a:endParaRPr>
+          </a:p>
+        </p:txBody>
+      </p:sp>
+      <p:sp>
+        <p:nvSpPr>
+          <p:cNvPr id="6" name="楕円 5"/>
+          <p:cNvSpPr/>
+          <p:nvPr/>
+        </p:nvSpPr>
+        <p:spPr bwMode="auto">
+          <a:xfrm>
+            <a:off x="7802413" y="3793684"/>
+            <a:ext cx="1944216" cy="1944216"/>
+          </a:xfrm>
+          <a:prstGeom prst="ellipse">
+            <a:avLst/>
+          </a:prstGeom>
+          <a:solidFill>
+            <a:schemeClr val="accent1"/>
+          </a:solidFill>
+          <a:ln>
+            <a:noFill/>
+            <a:headEnd type="none" w="med" len="med"/>
+            <a:tailEnd type="none" w="med" len="med"/>
+          </a:ln>
+          <a:effectLst/>
+        </p:spPr>
+        <p:style>
+          <a:lnRef idx="1">
+            <a:schemeClr val="accent2"/>
+          </a:lnRef>
+          <a:fillRef idx="3">
+            <a:schemeClr val="accent2"/>
+          </a:fillRef>
+          <a:effectRef idx="2">
+            <a:schemeClr val="accent2"/>
+          </a:effectRef>
+          <a:fontRef idx="minor">
+            <a:schemeClr val="lt1"/>
+          </a:fontRef>
+        </p:style>
+        <p:txBody>
+          <a:bodyPr rot="0" spcFirstLastPara="0" vertOverflow="overflow" horzOverflow="overflow" vert="horz" wrap="square" lIns="182880" tIns="146304" rIns="182880" bIns="146304" numCol="1" spcCol="0" rtlCol="0" fromWordArt="0" anchor="ctr" anchorCtr="0" forceAA="0" compatLnSpc="1">
+            <a:prstTxWarp prst="textNoShape">
+              <a:avLst/>
+            </a:prstTxWarp>
+            <a:noAutofit/>
+          </a:bodyPr>
+          <a:lstStyle/>
+          <a:p>
+            <a:pPr algn="ctr" defTabSz="932472" fontAlgn="base">
+              <a:lnSpc>
+                <a:spcPct val="90000"/>
+              </a:lnSpc>
+              <a:spcBef>
+                <a:spcPct val="0"/>
+              </a:spcBef>
+              <a:spcAft>
+                <a:spcPct val="0"/>
+              </a:spcAft>
+            </a:pPr>
+            <a:r>
+              <a:rPr kumimoji="1" lang="en-US" altLang="ja-JP" sz="2000" dirty="0">
+                <a:gradFill>
+                  <a:gsLst>
+                    <a:gs pos="0">
+                      <a:srgbClr val="FFFFFF"/>
+                    </a:gs>
+                    <a:gs pos="100000">
+                      <a:srgbClr val="FFFFFF"/>
+                    </a:gs>
+                  </a:gsLst>
+                  <a:lin ang="5400000" scaled="0"/>
+                </a:gradFill>
+                <a:ea typeface="Segoe UI" pitchFamily="34" charset="0"/>
+                <a:cs typeface="Segoe UI" pitchFamily="34" charset="0"/>
+              </a:rPr>
+              <a:t>MVPVM</a:t>
+            </a:r>
+            <a:endParaRPr kumimoji="1" lang="ja-JP" altLang="en-US" sz="2000" dirty="0" err="1">
+              <a:gradFill>
+                <a:gsLst>
+                  <a:gs pos="0">
+                    <a:srgbClr val="FFFFFF"/>
+                  </a:gs>
+                  <a:gs pos="100000">
+                    <a:srgbClr val="FFFFFF"/>
+                  </a:gs>
+                </a:gsLst>
+                <a:lin ang="5400000" scaled="0"/>
+              </a:gradFill>
+              <a:ea typeface="Segoe UI" pitchFamily="34" charset="0"/>
+              <a:cs typeface="Segoe UI" pitchFamily="34" charset="0"/>
+            </a:endParaRPr>
+          </a:p>
+        </p:txBody>
+      </p:sp>
+      <p:sp>
+        <p:nvSpPr>
+          <p:cNvPr id="7" name="楕円 6"/>
+          <p:cNvSpPr/>
+          <p:nvPr/>
+        </p:nvSpPr>
+        <p:spPr bwMode="auto">
+          <a:xfrm>
+            <a:off x="9854641" y="3793684"/>
+            <a:ext cx="1944216" cy="1944216"/>
+          </a:xfrm>
+          <a:prstGeom prst="ellipse">
+            <a:avLst/>
+          </a:prstGeom>
+          <a:solidFill>
+            <a:schemeClr val="accent1"/>
+          </a:solidFill>
+          <a:ln>
+            <a:noFill/>
+            <a:headEnd type="none" w="med" len="med"/>
+            <a:tailEnd type="none" w="med" len="med"/>
+          </a:ln>
+          <a:effectLst/>
+        </p:spPr>
+        <p:style>
+          <a:lnRef idx="1">
+            <a:schemeClr val="accent2"/>
+          </a:lnRef>
+          <a:fillRef idx="3">
+            <a:schemeClr val="accent2"/>
+          </a:fillRef>
+          <a:effectRef idx="2">
+            <a:schemeClr val="accent2"/>
+          </a:effectRef>
+          <a:fontRef idx="minor">
+            <a:schemeClr val="lt1"/>
+          </a:fontRef>
+        </p:style>
+        <p:txBody>
+          <a:bodyPr rot="0" spcFirstLastPara="0" vertOverflow="overflow" horzOverflow="overflow" vert="horz" wrap="square" lIns="182880" tIns="146304" rIns="182880" bIns="146304" numCol="1" spcCol="0" rtlCol="0" fromWordArt="0" anchor="ctr" anchorCtr="0" forceAA="0" compatLnSpc="1">
+            <a:prstTxWarp prst="textNoShape">
+              <a:avLst/>
+            </a:prstTxWarp>
+            <a:noAutofit/>
+          </a:bodyPr>
+          <a:lstStyle/>
+          <a:p>
+            <a:pPr algn="ctr" defTabSz="932472" fontAlgn="base">
+              <a:lnSpc>
+                <a:spcPct val="90000"/>
+              </a:lnSpc>
+              <a:spcBef>
+                <a:spcPct val="0"/>
+              </a:spcBef>
+              <a:spcAft>
+                <a:spcPct val="0"/>
+              </a:spcAft>
+            </a:pPr>
+            <a:r>
+              <a:rPr kumimoji="1" lang="en-US" altLang="ja-JP" sz="2400" dirty="0">
+                <a:gradFill>
+                  <a:gsLst>
+                    <a:gs pos="0">
+                      <a:srgbClr val="FFFFFF"/>
+                    </a:gs>
+                    <a:gs pos="100000">
+                      <a:srgbClr val="FFFFFF"/>
+                    </a:gs>
+                  </a:gsLst>
+                  <a:lin ang="5400000" scaled="0"/>
+                </a:gradFill>
+                <a:ea typeface="Segoe UI" pitchFamily="34" charset="0"/>
+                <a:cs typeface="Segoe UI" pitchFamily="34" charset="0"/>
+              </a:rPr>
+              <a:t>MVC</a:t>
+            </a:r>
+            <a:endParaRPr kumimoji="1" lang="ja-JP" altLang="en-US" sz="2400" dirty="0" err="1">
+              <a:gradFill>
+                <a:gsLst>
+                  <a:gs pos="0">
+                    <a:srgbClr val="FFFFFF"/>
+                  </a:gs>
+                  <a:gs pos="100000">
+                    <a:srgbClr val="FFFFFF"/>
+                  </a:gs>
+                </a:gsLst>
+                <a:lin ang="5400000" scaled="0"/>
+              </a:gradFill>
+              <a:ea typeface="Segoe UI" pitchFamily="34" charset="0"/>
+              <a:cs typeface="Segoe UI" pitchFamily="34" charset="0"/>
+            </a:endParaRPr>
+          </a:p>
+        </p:txBody>
+      </p:sp>
+      <p:sp>
+        <p:nvSpPr>
+          <p:cNvPr id="10" name="四角形: 角を丸くする 9"/>
+          <p:cNvSpPr/>
+          <p:nvPr/>
+        </p:nvSpPr>
+        <p:spPr bwMode="auto">
+          <a:xfrm>
+            <a:off x="5570165" y="2489150"/>
+            <a:ext cx="6408712" cy="3600400"/>
+          </a:xfrm>
+          <a:prstGeom prst="roundRect">
+            <a:avLst/>
+          </a:prstGeom>
+          <a:noFill/>
+          <a:ln w="38100">
+            <a:solidFill>
+              <a:schemeClr val="accent1"/>
+            </a:solidFill>
+            <a:headEnd type="none" w="med" len="med"/>
+            <a:tailEnd type="none" w="med" len="med"/>
+          </a:ln>
+          <a:effectLst/>
+        </p:spPr>
+        <p:style>
+          <a:lnRef idx="1">
+            <a:schemeClr val="accent2"/>
+          </a:lnRef>
+          <a:fillRef idx="3">
+            <a:schemeClr val="accent2"/>
+          </a:fillRef>
+          <a:effectRef idx="2">
+            <a:schemeClr val="accent2"/>
+          </a:effectRef>
+          <a:fontRef idx="minor">
+            <a:schemeClr val="lt1"/>
+          </a:fontRef>
+        </p:style>
+        <p:txBody>
+          <a:bodyPr rot="0" spcFirstLastPara="0" vertOverflow="overflow" horzOverflow="overflow" vert="horz" wrap="square" lIns="182880" tIns="146304" rIns="182880" bIns="146304" numCol="1" spcCol="0" rtlCol="0" fromWordArt="0" anchor="t" anchorCtr="0" forceAA="0" compatLnSpc="1">
+            <a:prstTxWarp prst="textNoShape">
+              <a:avLst/>
+            </a:prstTxWarp>
+            <a:noAutofit/>
+          </a:bodyPr>
+          <a:lstStyle/>
+          <a:p>
+            <a:pPr algn="ctr" defTabSz="932472" fontAlgn="base">
+              <a:lnSpc>
+                <a:spcPct val="90000"/>
+              </a:lnSpc>
+              <a:spcBef>
+                <a:spcPct val="0"/>
+              </a:spcBef>
+              <a:spcAft>
+                <a:spcPct val="0"/>
+              </a:spcAft>
+            </a:pPr>
+            <a:r>
+              <a:rPr kumimoji="1" lang="en-US" altLang="ja-JP" sz="2400">
+                <a:solidFill>
+                  <a:srgbClr val="4F81BD"/>
+                </a:solidFill>
+                <a:ea typeface="Segoe UI" pitchFamily="34" charset="0"/>
+                <a:cs typeface="Segoe UI" pitchFamily="34" charset="0"/>
+              </a:rPr>
+              <a:t>Presentaion</a:t>
+            </a:r>
+            <a:r>
+              <a:rPr kumimoji="1" lang="ja-JP" altLang="en-US" sz="2400">
+                <a:solidFill>
+                  <a:srgbClr val="4F81BD"/>
+                </a:solidFill>
+                <a:ea typeface="Segoe UI" pitchFamily="34" charset="0"/>
+                <a:cs typeface="Segoe UI" pitchFamily="34" charset="0"/>
+              </a:rPr>
+              <a:t> </a:t>
+            </a:r>
+            <a:r>
+              <a:rPr kumimoji="1" lang="en-US" altLang="ja-JP" sz="2400">
+                <a:solidFill>
+                  <a:srgbClr val="4F81BD"/>
+                </a:solidFill>
+                <a:ea typeface="Segoe UI" pitchFamily="34" charset="0"/>
+                <a:cs typeface="Segoe UI" pitchFamily="34" charset="0"/>
+              </a:rPr>
+              <a:t>Domain Separation</a:t>
+            </a:r>
+            <a:r>
+              <a:rPr kumimoji="1" lang="ja-JP" altLang="en-US" sz="2400">
+                <a:solidFill>
+                  <a:srgbClr val="4F81BD"/>
+                </a:solidFill>
+                <a:ea typeface="Segoe UI" pitchFamily="34" charset="0"/>
+                <a:cs typeface="Segoe UI" pitchFamily="34" charset="0"/>
+              </a:rPr>
+              <a:t>：</a:t>
+            </a:r>
+            <a:r>
+              <a:rPr kumimoji="1" lang="en-US" altLang="ja-JP" sz="2400">
+                <a:solidFill>
+                  <a:srgbClr val="4F81BD"/>
+                </a:solidFill>
+                <a:ea typeface="Segoe UI" pitchFamily="34" charset="0"/>
+                <a:cs typeface="Segoe UI" pitchFamily="34" charset="0"/>
+              </a:rPr>
+              <a:t>PDS</a:t>
+            </a:r>
+            <a:endParaRPr kumimoji="1" lang="ja-JP" altLang="en-US" sz="2400" dirty="0" err="1">
+              <a:gradFill>
+                <a:gsLst>
+                  <a:gs pos="0">
+                    <a:srgbClr val="FFFFFF"/>
+                  </a:gs>
+                  <a:gs pos="100000">
+                    <a:srgbClr val="FFFFFF"/>
+                  </a:gs>
+                </a:gsLst>
+                <a:lin ang="5400000" scaled="0"/>
+              </a:gradFill>
+              <a:ea typeface="Segoe UI" pitchFamily="34" charset="0"/>
+              <a:cs typeface="Segoe UI" pitchFamily="34" charset="0"/>
+            </a:endParaRPr>
           </a:p>
         </p:txBody>
       </p:sp>
     </p:spTree>
     <p:extLst>
       <p:ext uri="{BB962C8B-B14F-4D97-AF65-F5344CB8AC3E}">
-        <p14:creationId xmlns:p14="http://schemas.microsoft.com/office/powerpoint/2010/main" val="297195703"/>
+        <p14:creationId xmlns:p14="http://schemas.microsoft.com/office/powerpoint/2010/main" val="3997589151"/>
       </p:ext>
     </p:extLst>
   </p:cSld>
@@ -12243,43 +13509,15 @@
       </p:grpSpPr>
       <p:sp>
         <p:nvSpPr>
-          <p:cNvPr id="10" name="タイトル 9"/>
-          <p:cNvSpPr>
-            <a:spLocks noGrp="1"/>
-          </p:cNvSpPr>
-          <p:nvPr>
-            <p:ph type="title"/>
-          </p:nvPr>
-        </p:nvSpPr>
-        <p:spPr/>
-        <p:txBody>
-          <a:bodyPr/>
-          <a:lstStyle/>
-          <a:p>
-            <a:r>
-              <a:rPr lang="en-US" altLang="ja-JP" dirty="0"/>
-              <a:t>#DEMO</a:t>
-            </a:r>
-            <a:endParaRPr lang="ja-JP" altLang="en-US" dirty="0"/>
-          </a:p>
-        </p:txBody>
-      </p:sp>
-      <p:sp>
-        <p:nvSpPr>
           <p:cNvPr id="3" name="スライド番号プレースホルダー 2"/>
           <p:cNvSpPr>
             <a:spLocks noGrp="1"/>
           </p:cNvSpPr>
           <p:nvPr>
-            <p:ph type="sldNum" sz="quarter" idx="4294967295"/>
-          </p:nvPr>
-        </p:nvSpPr>
-        <p:spPr>
-          <a:xfrm>
-            <a:off x="10875963" y="6376988"/>
-            <a:ext cx="1560512" cy="371475"/>
-          </a:xfrm>
-        </p:spPr>
+            <p:ph type="sldNum" sz="quarter" idx="4"/>
+          </p:nvPr>
+        </p:nvSpPr>
+        <p:spPr/>
         <p:txBody>
           <a:bodyPr/>
           <a:lstStyle/>
@@ -12293,10 +13531,551 @@
           </a:p>
         </p:txBody>
       </p:sp>
+      <p:sp>
+        <p:nvSpPr>
+          <p:cNvPr id="4" name="タイトル 3"/>
+          <p:cNvSpPr>
+            <a:spLocks noGrp="1"/>
+          </p:cNvSpPr>
+          <p:nvPr>
+            <p:ph type="title"/>
+          </p:nvPr>
+        </p:nvSpPr>
+        <p:spPr/>
+        <p:txBody>
+          <a:bodyPr/>
+          <a:lstStyle/>
+          <a:p>
+            <a:r>
+              <a:rPr lang="en-US" altLang="ja-JP" dirty="0"/>
+              <a:t>PDS</a:t>
+            </a:r>
+            <a:r>
+              <a:rPr kumimoji="1" lang="en-US" altLang="ja-JP" dirty="0"/>
+              <a:t> is</a:t>
+            </a:r>
+            <a:r>
+              <a:rPr kumimoji="1" lang="ja-JP" altLang="en-US" dirty="0"/>
+              <a:t> </a:t>
+            </a:r>
+            <a:r>
+              <a:rPr kumimoji="1" lang="en-US" altLang="ja-JP" dirty="0"/>
+              <a:t>SoC</a:t>
+            </a:r>
+            <a:endParaRPr kumimoji="1" lang="ja-JP" altLang="en-US" dirty="0"/>
+          </a:p>
+        </p:txBody>
+      </p:sp>
+      <p:sp>
+        <p:nvSpPr>
+          <p:cNvPr id="5" name="楕円 4"/>
+          <p:cNvSpPr/>
+          <p:nvPr/>
+        </p:nvSpPr>
+        <p:spPr bwMode="auto">
+          <a:xfrm>
+            <a:off x="5750185" y="3843476"/>
+            <a:ext cx="1944216" cy="1944216"/>
+          </a:xfrm>
+          <a:prstGeom prst="ellipse">
+            <a:avLst/>
+          </a:prstGeom>
+          <a:solidFill>
+            <a:schemeClr val="accent1"/>
+          </a:solidFill>
+          <a:ln>
+            <a:noFill/>
+            <a:headEnd type="none" w="med" len="med"/>
+            <a:tailEnd type="none" w="med" len="med"/>
+          </a:ln>
+          <a:effectLst/>
+        </p:spPr>
+        <p:style>
+          <a:lnRef idx="1">
+            <a:schemeClr val="accent2"/>
+          </a:lnRef>
+          <a:fillRef idx="3">
+            <a:schemeClr val="accent2"/>
+          </a:fillRef>
+          <a:effectRef idx="2">
+            <a:schemeClr val="accent2"/>
+          </a:effectRef>
+          <a:fontRef idx="minor">
+            <a:schemeClr val="lt1"/>
+          </a:fontRef>
+        </p:style>
+        <p:txBody>
+          <a:bodyPr rot="0" spcFirstLastPara="0" vertOverflow="overflow" horzOverflow="overflow" vert="horz" wrap="square" lIns="182880" tIns="146304" rIns="182880" bIns="146304" numCol="1" spcCol="0" rtlCol="0" fromWordArt="0" anchor="ctr" anchorCtr="0" forceAA="0" compatLnSpc="1">
+            <a:prstTxWarp prst="textNoShape">
+              <a:avLst/>
+            </a:prstTxWarp>
+            <a:noAutofit/>
+          </a:bodyPr>
+          <a:lstStyle/>
+          <a:p>
+            <a:pPr algn="ctr" defTabSz="932472" fontAlgn="base">
+              <a:lnSpc>
+                <a:spcPct val="90000"/>
+              </a:lnSpc>
+              <a:spcBef>
+                <a:spcPct val="0"/>
+              </a:spcBef>
+              <a:spcAft>
+                <a:spcPct val="0"/>
+              </a:spcAft>
+            </a:pPr>
+            <a:r>
+              <a:rPr kumimoji="1" lang="en-US" altLang="ja-JP" sz="2400" dirty="0">
+                <a:gradFill>
+                  <a:gsLst>
+                    <a:gs pos="0">
+                      <a:srgbClr val="FFFFFF"/>
+                    </a:gs>
+                    <a:gs pos="100000">
+                      <a:srgbClr val="FFFFFF"/>
+                    </a:gs>
+                  </a:gsLst>
+                  <a:lin ang="5400000" scaled="0"/>
+                </a:gradFill>
+                <a:ea typeface="Segoe UI" pitchFamily="34" charset="0"/>
+                <a:cs typeface="Segoe UI" pitchFamily="34" charset="0"/>
+              </a:rPr>
+              <a:t>MVVM</a:t>
+            </a:r>
+            <a:endParaRPr kumimoji="1" lang="ja-JP" altLang="en-US" sz="2400" dirty="0" err="1">
+              <a:gradFill>
+                <a:gsLst>
+                  <a:gs pos="0">
+                    <a:srgbClr val="FFFFFF"/>
+                  </a:gs>
+                  <a:gs pos="100000">
+                    <a:srgbClr val="FFFFFF"/>
+                  </a:gs>
+                </a:gsLst>
+                <a:lin ang="5400000" scaled="0"/>
+              </a:gradFill>
+              <a:ea typeface="Segoe UI" pitchFamily="34" charset="0"/>
+              <a:cs typeface="Segoe UI" pitchFamily="34" charset="0"/>
+            </a:endParaRPr>
+          </a:p>
+        </p:txBody>
+      </p:sp>
+      <p:sp>
+        <p:nvSpPr>
+          <p:cNvPr id="6" name="楕円 5"/>
+          <p:cNvSpPr/>
+          <p:nvPr/>
+        </p:nvSpPr>
+        <p:spPr bwMode="auto">
+          <a:xfrm>
+            <a:off x="7802413" y="3793684"/>
+            <a:ext cx="1944216" cy="1944216"/>
+          </a:xfrm>
+          <a:prstGeom prst="ellipse">
+            <a:avLst/>
+          </a:prstGeom>
+          <a:solidFill>
+            <a:schemeClr val="accent1"/>
+          </a:solidFill>
+          <a:ln>
+            <a:noFill/>
+            <a:headEnd type="none" w="med" len="med"/>
+            <a:tailEnd type="none" w="med" len="med"/>
+          </a:ln>
+          <a:effectLst/>
+        </p:spPr>
+        <p:style>
+          <a:lnRef idx="1">
+            <a:schemeClr val="accent2"/>
+          </a:lnRef>
+          <a:fillRef idx="3">
+            <a:schemeClr val="accent2"/>
+          </a:fillRef>
+          <a:effectRef idx="2">
+            <a:schemeClr val="accent2"/>
+          </a:effectRef>
+          <a:fontRef idx="minor">
+            <a:schemeClr val="lt1"/>
+          </a:fontRef>
+        </p:style>
+        <p:txBody>
+          <a:bodyPr rot="0" spcFirstLastPara="0" vertOverflow="overflow" horzOverflow="overflow" vert="horz" wrap="square" lIns="182880" tIns="146304" rIns="182880" bIns="146304" numCol="1" spcCol="0" rtlCol="0" fromWordArt="0" anchor="ctr" anchorCtr="0" forceAA="0" compatLnSpc="1">
+            <a:prstTxWarp prst="textNoShape">
+              <a:avLst/>
+            </a:prstTxWarp>
+            <a:noAutofit/>
+          </a:bodyPr>
+          <a:lstStyle/>
+          <a:p>
+            <a:pPr algn="ctr" defTabSz="932472" fontAlgn="base">
+              <a:lnSpc>
+                <a:spcPct val="90000"/>
+              </a:lnSpc>
+              <a:spcBef>
+                <a:spcPct val="0"/>
+              </a:spcBef>
+              <a:spcAft>
+                <a:spcPct val="0"/>
+              </a:spcAft>
+            </a:pPr>
+            <a:r>
+              <a:rPr kumimoji="1" lang="en-US" altLang="ja-JP" sz="2000" dirty="0">
+                <a:gradFill>
+                  <a:gsLst>
+                    <a:gs pos="0">
+                      <a:srgbClr val="FFFFFF"/>
+                    </a:gs>
+                    <a:gs pos="100000">
+                      <a:srgbClr val="FFFFFF"/>
+                    </a:gs>
+                  </a:gsLst>
+                  <a:lin ang="5400000" scaled="0"/>
+                </a:gradFill>
+                <a:ea typeface="Segoe UI" pitchFamily="34" charset="0"/>
+                <a:cs typeface="Segoe UI" pitchFamily="34" charset="0"/>
+              </a:rPr>
+              <a:t>MVPVM</a:t>
+            </a:r>
+            <a:endParaRPr kumimoji="1" lang="ja-JP" altLang="en-US" sz="2000" dirty="0" err="1">
+              <a:gradFill>
+                <a:gsLst>
+                  <a:gs pos="0">
+                    <a:srgbClr val="FFFFFF"/>
+                  </a:gs>
+                  <a:gs pos="100000">
+                    <a:srgbClr val="FFFFFF"/>
+                  </a:gs>
+                </a:gsLst>
+                <a:lin ang="5400000" scaled="0"/>
+              </a:gradFill>
+              <a:ea typeface="Segoe UI" pitchFamily="34" charset="0"/>
+              <a:cs typeface="Segoe UI" pitchFamily="34" charset="0"/>
+            </a:endParaRPr>
+          </a:p>
+        </p:txBody>
+      </p:sp>
+      <p:sp>
+        <p:nvSpPr>
+          <p:cNvPr id="7" name="楕円 6"/>
+          <p:cNvSpPr/>
+          <p:nvPr/>
+        </p:nvSpPr>
+        <p:spPr bwMode="auto">
+          <a:xfrm>
+            <a:off x="9854641" y="3793684"/>
+            <a:ext cx="1944216" cy="1944216"/>
+          </a:xfrm>
+          <a:prstGeom prst="ellipse">
+            <a:avLst/>
+          </a:prstGeom>
+          <a:solidFill>
+            <a:schemeClr val="accent1"/>
+          </a:solidFill>
+          <a:ln>
+            <a:noFill/>
+            <a:headEnd type="none" w="med" len="med"/>
+            <a:tailEnd type="none" w="med" len="med"/>
+          </a:ln>
+          <a:effectLst/>
+        </p:spPr>
+        <p:style>
+          <a:lnRef idx="1">
+            <a:schemeClr val="accent2"/>
+          </a:lnRef>
+          <a:fillRef idx="3">
+            <a:schemeClr val="accent2"/>
+          </a:fillRef>
+          <a:effectRef idx="2">
+            <a:schemeClr val="accent2"/>
+          </a:effectRef>
+          <a:fontRef idx="minor">
+            <a:schemeClr val="lt1"/>
+          </a:fontRef>
+        </p:style>
+        <p:txBody>
+          <a:bodyPr rot="0" spcFirstLastPara="0" vertOverflow="overflow" horzOverflow="overflow" vert="horz" wrap="square" lIns="182880" tIns="146304" rIns="182880" bIns="146304" numCol="1" spcCol="0" rtlCol="0" fromWordArt="0" anchor="ctr" anchorCtr="0" forceAA="0" compatLnSpc="1">
+            <a:prstTxWarp prst="textNoShape">
+              <a:avLst/>
+            </a:prstTxWarp>
+            <a:noAutofit/>
+          </a:bodyPr>
+          <a:lstStyle/>
+          <a:p>
+            <a:pPr algn="ctr" defTabSz="932472" fontAlgn="base">
+              <a:lnSpc>
+                <a:spcPct val="90000"/>
+              </a:lnSpc>
+              <a:spcBef>
+                <a:spcPct val="0"/>
+              </a:spcBef>
+              <a:spcAft>
+                <a:spcPct val="0"/>
+              </a:spcAft>
+            </a:pPr>
+            <a:r>
+              <a:rPr kumimoji="1" lang="en-US" altLang="ja-JP" sz="2400" dirty="0">
+                <a:gradFill>
+                  <a:gsLst>
+                    <a:gs pos="0">
+                      <a:srgbClr val="FFFFFF"/>
+                    </a:gs>
+                    <a:gs pos="100000">
+                      <a:srgbClr val="FFFFFF"/>
+                    </a:gs>
+                  </a:gsLst>
+                  <a:lin ang="5400000" scaled="0"/>
+                </a:gradFill>
+                <a:ea typeface="Segoe UI" pitchFamily="34" charset="0"/>
+                <a:cs typeface="Segoe UI" pitchFamily="34" charset="0"/>
+              </a:rPr>
+              <a:t>MVC</a:t>
+            </a:r>
+            <a:endParaRPr kumimoji="1" lang="ja-JP" altLang="en-US" sz="2400" dirty="0" err="1">
+              <a:gradFill>
+                <a:gsLst>
+                  <a:gs pos="0">
+                    <a:srgbClr val="FFFFFF"/>
+                  </a:gs>
+                  <a:gs pos="100000">
+                    <a:srgbClr val="FFFFFF"/>
+                  </a:gs>
+                </a:gsLst>
+                <a:lin ang="5400000" scaled="0"/>
+              </a:gradFill>
+              <a:ea typeface="Segoe UI" pitchFamily="34" charset="0"/>
+              <a:cs typeface="Segoe UI" pitchFamily="34" charset="0"/>
+            </a:endParaRPr>
+          </a:p>
+        </p:txBody>
+      </p:sp>
+      <p:sp>
+        <p:nvSpPr>
+          <p:cNvPr id="9" name="四角形: 角を丸くする 8"/>
+          <p:cNvSpPr/>
+          <p:nvPr/>
+        </p:nvSpPr>
+        <p:spPr bwMode="auto">
+          <a:xfrm>
+            <a:off x="529605" y="1481038"/>
+            <a:ext cx="11737304" cy="4968552"/>
+          </a:xfrm>
+          <a:prstGeom prst="roundRect">
+            <a:avLst/>
+          </a:prstGeom>
+          <a:noFill/>
+          <a:ln w="38100">
+            <a:solidFill>
+              <a:schemeClr val="accent1"/>
+            </a:solidFill>
+            <a:headEnd type="none" w="med" len="med"/>
+            <a:tailEnd type="none" w="med" len="med"/>
+          </a:ln>
+          <a:effectLst/>
+        </p:spPr>
+        <p:style>
+          <a:lnRef idx="1">
+            <a:schemeClr val="accent2"/>
+          </a:lnRef>
+          <a:fillRef idx="3">
+            <a:schemeClr val="accent2"/>
+          </a:fillRef>
+          <a:effectRef idx="2">
+            <a:schemeClr val="accent2"/>
+          </a:effectRef>
+          <a:fontRef idx="minor">
+            <a:schemeClr val="lt1"/>
+          </a:fontRef>
+        </p:style>
+        <p:txBody>
+          <a:bodyPr rot="0" spcFirstLastPara="0" vertOverflow="overflow" horzOverflow="overflow" vert="horz" wrap="square" lIns="182880" tIns="146304" rIns="182880" bIns="146304" numCol="1" spcCol="0" rtlCol="0" fromWordArt="0" anchor="t" anchorCtr="0" forceAA="0" compatLnSpc="1">
+            <a:prstTxWarp prst="textNoShape">
+              <a:avLst/>
+            </a:prstTxWarp>
+            <a:noAutofit/>
+          </a:bodyPr>
+          <a:lstStyle/>
+          <a:p>
+            <a:pPr algn="ctr" defTabSz="932472" fontAlgn="base">
+              <a:lnSpc>
+                <a:spcPct val="90000"/>
+              </a:lnSpc>
+              <a:spcBef>
+                <a:spcPct val="0"/>
+              </a:spcBef>
+              <a:spcAft>
+                <a:spcPct val="0"/>
+              </a:spcAft>
+            </a:pPr>
+            <a:r>
+              <a:rPr kumimoji="1" lang="en-US" altLang="ja-JP" sz="2400">
+                <a:solidFill>
+                  <a:srgbClr val="4F81BD"/>
+                </a:solidFill>
+                <a:ea typeface="Segoe UI" pitchFamily="34" charset="0"/>
+                <a:cs typeface="Segoe UI" pitchFamily="34" charset="0"/>
+              </a:rPr>
+              <a:t>Separation of Concerns</a:t>
+            </a:r>
+            <a:r>
+              <a:rPr kumimoji="1" lang="ja-JP" altLang="en-US" sz="2400">
+                <a:solidFill>
+                  <a:srgbClr val="4F81BD"/>
+                </a:solidFill>
+                <a:ea typeface="Segoe UI" pitchFamily="34" charset="0"/>
+                <a:cs typeface="Segoe UI" pitchFamily="34" charset="0"/>
+              </a:rPr>
+              <a:t>：</a:t>
+            </a:r>
+            <a:r>
+              <a:rPr kumimoji="1" lang="en-US" altLang="ja-JP" sz="2400">
+                <a:solidFill>
+                  <a:srgbClr val="4F81BD"/>
+                </a:solidFill>
+                <a:ea typeface="Segoe UI" pitchFamily="34" charset="0"/>
+                <a:cs typeface="Segoe UI" pitchFamily="34" charset="0"/>
+              </a:rPr>
+              <a:t>SoC</a:t>
+            </a:r>
+            <a:endParaRPr kumimoji="1" lang="ja-JP" altLang="en-US" sz="2400" dirty="0" err="1">
+              <a:solidFill>
+                <a:srgbClr val="4F81BD"/>
+              </a:solidFill>
+              <a:ea typeface="Segoe UI" pitchFamily="34" charset="0"/>
+              <a:cs typeface="Segoe UI" pitchFamily="34" charset="0"/>
+            </a:endParaRPr>
+          </a:p>
+        </p:txBody>
+      </p:sp>
+      <p:sp>
+        <p:nvSpPr>
+          <p:cNvPr id="10" name="四角形: 角を丸くする 9"/>
+          <p:cNvSpPr/>
+          <p:nvPr/>
+        </p:nvSpPr>
+        <p:spPr bwMode="auto">
+          <a:xfrm>
+            <a:off x="5570165" y="2489150"/>
+            <a:ext cx="6408712" cy="3600400"/>
+          </a:xfrm>
+          <a:prstGeom prst="roundRect">
+            <a:avLst/>
+          </a:prstGeom>
+          <a:noFill/>
+          <a:ln w="38100">
+            <a:solidFill>
+              <a:schemeClr val="accent1"/>
+            </a:solidFill>
+            <a:headEnd type="none" w="med" len="med"/>
+            <a:tailEnd type="none" w="med" len="med"/>
+          </a:ln>
+          <a:effectLst/>
+        </p:spPr>
+        <p:style>
+          <a:lnRef idx="1">
+            <a:schemeClr val="accent2"/>
+          </a:lnRef>
+          <a:fillRef idx="3">
+            <a:schemeClr val="accent2"/>
+          </a:fillRef>
+          <a:effectRef idx="2">
+            <a:schemeClr val="accent2"/>
+          </a:effectRef>
+          <a:fontRef idx="minor">
+            <a:schemeClr val="lt1"/>
+          </a:fontRef>
+        </p:style>
+        <p:txBody>
+          <a:bodyPr rot="0" spcFirstLastPara="0" vertOverflow="overflow" horzOverflow="overflow" vert="horz" wrap="square" lIns="182880" tIns="146304" rIns="182880" bIns="146304" numCol="1" spcCol="0" rtlCol="0" fromWordArt="0" anchor="t" anchorCtr="0" forceAA="0" compatLnSpc="1">
+            <a:prstTxWarp prst="textNoShape">
+              <a:avLst/>
+            </a:prstTxWarp>
+            <a:noAutofit/>
+          </a:bodyPr>
+          <a:lstStyle/>
+          <a:p>
+            <a:pPr algn="ctr" defTabSz="932472" fontAlgn="base">
+              <a:lnSpc>
+                <a:spcPct val="90000"/>
+              </a:lnSpc>
+              <a:spcBef>
+                <a:spcPct val="0"/>
+              </a:spcBef>
+              <a:spcAft>
+                <a:spcPct val="0"/>
+              </a:spcAft>
+            </a:pPr>
+            <a:r>
+              <a:rPr kumimoji="1" lang="en-US" altLang="ja-JP" sz="2400">
+                <a:solidFill>
+                  <a:srgbClr val="4F81BD"/>
+                </a:solidFill>
+                <a:ea typeface="Segoe UI" pitchFamily="34" charset="0"/>
+                <a:cs typeface="Segoe UI" pitchFamily="34" charset="0"/>
+              </a:rPr>
+              <a:t>Presentaion</a:t>
+            </a:r>
+            <a:r>
+              <a:rPr kumimoji="1" lang="ja-JP" altLang="en-US" sz="2400">
+                <a:solidFill>
+                  <a:srgbClr val="4F81BD"/>
+                </a:solidFill>
+                <a:ea typeface="Segoe UI" pitchFamily="34" charset="0"/>
+                <a:cs typeface="Segoe UI" pitchFamily="34" charset="0"/>
+              </a:rPr>
+              <a:t> </a:t>
+            </a:r>
+            <a:r>
+              <a:rPr kumimoji="1" lang="en-US" altLang="ja-JP" sz="2400">
+                <a:solidFill>
+                  <a:srgbClr val="4F81BD"/>
+                </a:solidFill>
+                <a:ea typeface="Segoe UI" pitchFamily="34" charset="0"/>
+                <a:cs typeface="Segoe UI" pitchFamily="34" charset="0"/>
+              </a:rPr>
+              <a:t>Domain Separation</a:t>
+            </a:r>
+            <a:r>
+              <a:rPr kumimoji="1" lang="ja-JP" altLang="en-US" sz="2400">
+                <a:solidFill>
+                  <a:srgbClr val="4F81BD"/>
+                </a:solidFill>
+                <a:ea typeface="Segoe UI" pitchFamily="34" charset="0"/>
+                <a:cs typeface="Segoe UI" pitchFamily="34" charset="0"/>
+              </a:rPr>
+              <a:t>：</a:t>
+            </a:r>
+            <a:r>
+              <a:rPr kumimoji="1" lang="en-US" altLang="ja-JP" sz="2400">
+                <a:solidFill>
+                  <a:srgbClr val="4F81BD"/>
+                </a:solidFill>
+                <a:ea typeface="Segoe UI" pitchFamily="34" charset="0"/>
+                <a:cs typeface="Segoe UI" pitchFamily="34" charset="0"/>
+              </a:rPr>
+              <a:t>PDS</a:t>
+            </a:r>
+            <a:endParaRPr kumimoji="1" lang="ja-JP" altLang="en-US" sz="2400" dirty="0" err="1">
+              <a:gradFill>
+                <a:gsLst>
+                  <a:gs pos="0">
+                    <a:srgbClr val="FFFFFF"/>
+                  </a:gs>
+                  <a:gs pos="100000">
+                    <a:srgbClr val="FFFFFF"/>
+                  </a:gs>
+                </a:gsLst>
+                <a:lin ang="5400000" scaled="0"/>
+              </a:gradFill>
+              <a:ea typeface="Segoe UI" pitchFamily="34" charset="0"/>
+              <a:cs typeface="Segoe UI" pitchFamily="34" charset="0"/>
+            </a:endParaRPr>
+          </a:p>
+        </p:txBody>
+      </p:sp>
     </p:spTree>
     <p:extLst>
       <p:ext uri="{BB962C8B-B14F-4D97-AF65-F5344CB8AC3E}">
-        <p14:creationId xmlns:p14="http://schemas.microsoft.com/office/powerpoint/2010/main" val="3635632334"/>
+        <p14:creationId xmlns:p14="http://schemas.microsoft.com/office/powerpoint/2010/main" val="1406728112"/>
       </p:ext>
     </p:extLst>
   </p:cSld>
@@ -12328,117 +14107,951 @@
       </p:grpSpPr>
       <p:sp>
         <p:nvSpPr>
-          <p:cNvPr id="4" name="テキスト プレースホルダー 3"/>
-          <p:cNvSpPr>
-            <a:spLocks noGrp="1"/>
-          </p:cNvSpPr>
-          <p:nvPr>
-            <p:ph type="body" sz="quarter" idx="10"/>
-          </p:nvPr>
-        </p:nvSpPr>
-        <p:spPr/>
-        <p:txBody>
-          <a:bodyPr/>
-          <a:lstStyle/>
-          <a:p>
-            <a:r>
-              <a:rPr kumimoji="1" lang="ja-JP" altLang="en-US" dirty="0"/>
-              <a:t>素の</a:t>
-            </a:r>
-            <a:r>
-              <a:rPr kumimoji="1" lang="en-US" altLang="ja-JP" dirty="0" err="1"/>
-              <a:t>Xamarin.Forms</a:t>
-            </a:r>
-            <a:r>
-              <a:rPr kumimoji="1" lang="ja-JP" altLang="en-US" dirty="0"/>
-              <a:t>のみで作ったアプリを</a:t>
-            </a:r>
-            <a:br>
-              <a:rPr lang="en-US" altLang="ja-JP" dirty="0"/>
-            </a:br>
-            <a:r>
-              <a:rPr lang="ja-JP" altLang="en-US" dirty="0"/>
-              <a:t>  </a:t>
-            </a:r>
-            <a:r>
-              <a:rPr lang="en-US" altLang="ja-JP" dirty="0"/>
-              <a:t>Prism</a:t>
-            </a:r>
-            <a:r>
-              <a:rPr lang="ja-JP" altLang="en-US" dirty="0"/>
-              <a:t>を適用してリファクタリングします</a:t>
-            </a:r>
-            <a:endParaRPr lang="en-US" altLang="ja-JP" dirty="0"/>
-          </a:p>
-          <a:p>
-            <a:r>
-              <a:rPr lang="en-US" altLang="ja-JP" dirty="0"/>
-              <a:t>TDD</a:t>
-            </a:r>
-            <a:r>
-              <a:rPr lang="ja-JP" altLang="en-US" dirty="0"/>
+          <p:cNvPr id="3" name="スライド番号プレースホルダー 2"/>
+          <p:cNvSpPr>
+            <a:spLocks noGrp="1"/>
+          </p:cNvSpPr>
+          <p:nvPr>
+            <p:ph type="sldNum" sz="quarter" idx="4"/>
+          </p:nvPr>
+        </p:nvSpPr>
+        <p:spPr/>
+        <p:txBody>
+          <a:bodyPr/>
+          <a:lstStyle/>
+          <a:p>
+            <a:fld id="{BA547519-0BEB-4367-A945-810145453CE0}" type="slidenum">
+              <a:rPr kumimoji="1" lang="ja-JP" altLang="en-US" smtClean="0"/>
+              <a:pPr/>
+              <a:t>23</a:t>
+            </a:fld>
+            <a:endParaRPr kumimoji="1" lang="ja-JP" altLang="en-US" dirty="0"/>
+          </a:p>
+        </p:txBody>
+      </p:sp>
+      <p:sp>
+        <p:nvSpPr>
+          <p:cNvPr id="4" name="タイトル 3"/>
+          <p:cNvSpPr>
+            <a:spLocks noGrp="1"/>
+          </p:cNvSpPr>
+          <p:nvPr>
+            <p:ph type="title"/>
+          </p:nvPr>
+        </p:nvSpPr>
+        <p:spPr/>
+        <p:txBody>
+          <a:bodyPr/>
+          <a:lstStyle/>
+          <a:p>
+            <a:r>
+              <a:rPr kumimoji="1" lang="en-US" altLang="ja-JP" dirty="0"/>
+              <a:t>MVVM is </a:t>
+            </a:r>
+            <a:r>
+              <a:rPr kumimoji="1" lang="ja-JP" altLang="en-US" dirty="0"/>
+              <a:t>何？</a:t>
+            </a:r>
+          </a:p>
+        </p:txBody>
+      </p:sp>
+      <p:sp>
+        <p:nvSpPr>
+          <p:cNvPr id="5" name="楕円 4"/>
+          <p:cNvSpPr/>
+          <p:nvPr/>
+        </p:nvSpPr>
+        <p:spPr bwMode="auto">
+          <a:xfrm>
+            <a:off x="5750185" y="3843476"/>
+            <a:ext cx="1944216" cy="1944216"/>
+          </a:xfrm>
+          <a:prstGeom prst="ellipse">
+            <a:avLst/>
+          </a:prstGeom>
+          <a:solidFill>
+            <a:schemeClr val="accent1"/>
+          </a:solidFill>
+          <a:ln>
+            <a:noFill/>
+            <a:headEnd type="none" w="med" len="med"/>
+            <a:tailEnd type="none" w="med" len="med"/>
+          </a:ln>
+          <a:effectLst/>
+        </p:spPr>
+        <p:style>
+          <a:lnRef idx="1">
+            <a:schemeClr val="accent2"/>
+          </a:lnRef>
+          <a:fillRef idx="3">
+            <a:schemeClr val="accent2"/>
+          </a:fillRef>
+          <a:effectRef idx="2">
+            <a:schemeClr val="accent2"/>
+          </a:effectRef>
+          <a:fontRef idx="minor">
+            <a:schemeClr val="lt1"/>
+          </a:fontRef>
+        </p:style>
+        <p:txBody>
+          <a:bodyPr rot="0" spcFirstLastPara="0" vertOverflow="overflow" horzOverflow="overflow" vert="horz" wrap="square" lIns="182880" tIns="146304" rIns="182880" bIns="146304" numCol="1" spcCol="0" rtlCol="0" fromWordArt="0" anchor="ctr" anchorCtr="0" forceAA="0" compatLnSpc="1">
+            <a:prstTxWarp prst="textNoShape">
+              <a:avLst/>
+            </a:prstTxWarp>
+            <a:noAutofit/>
+          </a:bodyPr>
+          <a:lstStyle/>
+          <a:p>
+            <a:pPr algn="ctr" defTabSz="932472" fontAlgn="base">
+              <a:lnSpc>
+                <a:spcPct val="90000"/>
+              </a:lnSpc>
+              <a:spcBef>
+                <a:spcPct val="0"/>
+              </a:spcBef>
+              <a:spcAft>
+                <a:spcPct val="0"/>
+              </a:spcAft>
+            </a:pPr>
+            <a:r>
+              <a:rPr kumimoji="1" lang="en-US" altLang="ja-JP" sz="2400" dirty="0">
+                <a:gradFill>
+                  <a:gsLst>
+                    <a:gs pos="0">
+                      <a:srgbClr val="FFFFFF"/>
+                    </a:gs>
+                    <a:gs pos="100000">
+                      <a:srgbClr val="FFFFFF"/>
+                    </a:gs>
+                  </a:gsLst>
+                  <a:lin ang="5400000" scaled="0"/>
+                </a:gradFill>
+                <a:ea typeface="Segoe UI" pitchFamily="34" charset="0"/>
+                <a:cs typeface="Segoe UI" pitchFamily="34" charset="0"/>
+              </a:rPr>
+              <a:t>MVVM</a:t>
+            </a:r>
+            <a:endParaRPr kumimoji="1" lang="ja-JP" altLang="en-US" sz="2400" dirty="0" err="1">
+              <a:gradFill>
+                <a:gsLst>
+                  <a:gs pos="0">
+                    <a:srgbClr val="FFFFFF"/>
+                  </a:gs>
+                  <a:gs pos="100000">
+                    <a:srgbClr val="FFFFFF"/>
+                  </a:gs>
+                </a:gsLst>
+                <a:lin ang="5400000" scaled="0"/>
+              </a:gradFill>
+              <a:ea typeface="Segoe UI" pitchFamily="34" charset="0"/>
+              <a:cs typeface="Segoe UI" pitchFamily="34" charset="0"/>
+            </a:endParaRPr>
+          </a:p>
+        </p:txBody>
+      </p:sp>
+      <p:sp>
+        <p:nvSpPr>
+          <p:cNvPr id="6" name="楕円 5"/>
+          <p:cNvSpPr/>
+          <p:nvPr/>
+        </p:nvSpPr>
+        <p:spPr bwMode="auto">
+          <a:xfrm>
+            <a:off x="7802413" y="3793684"/>
+            <a:ext cx="1944216" cy="1944216"/>
+          </a:xfrm>
+          <a:prstGeom prst="ellipse">
+            <a:avLst/>
+          </a:prstGeom>
+          <a:solidFill>
+            <a:schemeClr val="accent1"/>
+          </a:solidFill>
+          <a:ln>
+            <a:noFill/>
+            <a:headEnd type="none" w="med" len="med"/>
+            <a:tailEnd type="none" w="med" len="med"/>
+          </a:ln>
+          <a:effectLst/>
+        </p:spPr>
+        <p:style>
+          <a:lnRef idx="1">
+            <a:schemeClr val="accent2"/>
+          </a:lnRef>
+          <a:fillRef idx="3">
+            <a:schemeClr val="accent2"/>
+          </a:fillRef>
+          <a:effectRef idx="2">
+            <a:schemeClr val="accent2"/>
+          </a:effectRef>
+          <a:fontRef idx="minor">
+            <a:schemeClr val="lt1"/>
+          </a:fontRef>
+        </p:style>
+        <p:txBody>
+          <a:bodyPr rot="0" spcFirstLastPara="0" vertOverflow="overflow" horzOverflow="overflow" vert="horz" wrap="square" lIns="182880" tIns="146304" rIns="182880" bIns="146304" numCol="1" spcCol="0" rtlCol="0" fromWordArt="0" anchor="ctr" anchorCtr="0" forceAA="0" compatLnSpc="1">
+            <a:prstTxWarp prst="textNoShape">
+              <a:avLst/>
+            </a:prstTxWarp>
+            <a:noAutofit/>
+          </a:bodyPr>
+          <a:lstStyle/>
+          <a:p>
+            <a:pPr algn="ctr" defTabSz="932472" fontAlgn="base">
+              <a:lnSpc>
+                <a:spcPct val="90000"/>
+              </a:lnSpc>
+              <a:spcBef>
+                <a:spcPct val="0"/>
+              </a:spcBef>
+              <a:spcAft>
+                <a:spcPct val="0"/>
+              </a:spcAft>
+            </a:pPr>
+            <a:r>
+              <a:rPr kumimoji="1" lang="en-US" altLang="ja-JP" sz="2000" dirty="0">
+                <a:gradFill>
+                  <a:gsLst>
+                    <a:gs pos="0">
+                      <a:srgbClr val="FFFFFF"/>
+                    </a:gs>
+                    <a:gs pos="100000">
+                      <a:srgbClr val="FFFFFF"/>
+                    </a:gs>
+                  </a:gsLst>
+                  <a:lin ang="5400000" scaled="0"/>
+                </a:gradFill>
+                <a:ea typeface="Segoe UI" pitchFamily="34" charset="0"/>
+                <a:cs typeface="Segoe UI" pitchFamily="34" charset="0"/>
+              </a:rPr>
+              <a:t>MVPVM</a:t>
+            </a:r>
+            <a:endParaRPr kumimoji="1" lang="ja-JP" altLang="en-US" sz="2000" dirty="0" err="1">
+              <a:gradFill>
+                <a:gsLst>
+                  <a:gs pos="0">
+                    <a:srgbClr val="FFFFFF"/>
+                  </a:gs>
+                  <a:gs pos="100000">
+                    <a:srgbClr val="FFFFFF"/>
+                  </a:gs>
+                </a:gsLst>
+                <a:lin ang="5400000" scaled="0"/>
+              </a:gradFill>
+              <a:ea typeface="Segoe UI" pitchFamily="34" charset="0"/>
+              <a:cs typeface="Segoe UI" pitchFamily="34" charset="0"/>
+            </a:endParaRPr>
+          </a:p>
+        </p:txBody>
+      </p:sp>
+      <p:sp>
+        <p:nvSpPr>
+          <p:cNvPr id="7" name="楕円 6"/>
+          <p:cNvSpPr/>
+          <p:nvPr/>
+        </p:nvSpPr>
+        <p:spPr bwMode="auto">
+          <a:xfrm>
+            <a:off x="9854641" y="3793684"/>
+            <a:ext cx="1944216" cy="1944216"/>
+          </a:xfrm>
+          <a:prstGeom prst="ellipse">
+            <a:avLst/>
+          </a:prstGeom>
+          <a:solidFill>
+            <a:schemeClr val="accent1"/>
+          </a:solidFill>
+          <a:ln>
+            <a:noFill/>
+            <a:headEnd type="none" w="med" len="med"/>
+            <a:tailEnd type="none" w="med" len="med"/>
+          </a:ln>
+          <a:effectLst/>
+        </p:spPr>
+        <p:style>
+          <a:lnRef idx="1">
+            <a:schemeClr val="accent2"/>
+          </a:lnRef>
+          <a:fillRef idx="3">
+            <a:schemeClr val="accent2"/>
+          </a:fillRef>
+          <a:effectRef idx="2">
+            <a:schemeClr val="accent2"/>
+          </a:effectRef>
+          <a:fontRef idx="minor">
+            <a:schemeClr val="lt1"/>
+          </a:fontRef>
+        </p:style>
+        <p:txBody>
+          <a:bodyPr rot="0" spcFirstLastPara="0" vertOverflow="overflow" horzOverflow="overflow" vert="horz" wrap="square" lIns="182880" tIns="146304" rIns="182880" bIns="146304" numCol="1" spcCol="0" rtlCol="0" fromWordArt="0" anchor="ctr" anchorCtr="0" forceAA="0" compatLnSpc="1">
+            <a:prstTxWarp prst="textNoShape">
+              <a:avLst/>
+            </a:prstTxWarp>
+            <a:noAutofit/>
+          </a:bodyPr>
+          <a:lstStyle/>
+          <a:p>
+            <a:pPr algn="ctr" defTabSz="932472" fontAlgn="base">
+              <a:lnSpc>
+                <a:spcPct val="90000"/>
+              </a:lnSpc>
+              <a:spcBef>
+                <a:spcPct val="0"/>
+              </a:spcBef>
+              <a:spcAft>
+                <a:spcPct val="0"/>
+              </a:spcAft>
+            </a:pPr>
+            <a:r>
+              <a:rPr kumimoji="1" lang="en-US" altLang="ja-JP" sz="2400" dirty="0">
+                <a:gradFill>
+                  <a:gsLst>
+                    <a:gs pos="0">
+                      <a:srgbClr val="FFFFFF"/>
+                    </a:gs>
+                    <a:gs pos="100000">
+                      <a:srgbClr val="FFFFFF"/>
+                    </a:gs>
+                  </a:gsLst>
+                  <a:lin ang="5400000" scaled="0"/>
+                </a:gradFill>
+                <a:ea typeface="Segoe UI" pitchFamily="34" charset="0"/>
+                <a:cs typeface="Segoe UI" pitchFamily="34" charset="0"/>
+              </a:rPr>
+              <a:t>MVC</a:t>
+            </a:r>
+            <a:endParaRPr kumimoji="1" lang="ja-JP" altLang="en-US" sz="2400" dirty="0" err="1">
+              <a:gradFill>
+                <a:gsLst>
+                  <a:gs pos="0">
+                    <a:srgbClr val="FFFFFF"/>
+                  </a:gs>
+                  <a:gs pos="100000">
+                    <a:srgbClr val="FFFFFF"/>
+                  </a:gs>
+                </a:gsLst>
+                <a:lin ang="5400000" scaled="0"/>
+              </a:gradFill>
+              <a:ea typeface="Segoe UI" pitchFamily="34" charset="0"/>
+              <a:cs typeface="Segoe UI" pitchFamily="34" charset="0"/>
+            </a:endParaRPr>
+          </a:p>
+        </p:txBody>
+      </p:sp>
+      <p:sp>
+        <p:nvSpPr>
+          <p:cNvPr id="9" name="四角形: 角を丸くする 8"/>
+          <p:cNvSpPr/>
+          <p:nvPr/>
+        </p:nvSpPr>
+        <p:spPr bwMode="auto">
+          <a:xfrm>
+            <a:off x="529605" y="1481038"/>
+            <a:ext cx="11737304" cy="4968552"/>
+          </a:xfrm>
+          <a:prstGeom prst="roundRect">
+            <a:avLst/>
+          </a:prstGeom>
+          <a:noFill/>
+          <a:ln w="38100">
+            <a:solidFill>
+              <a:schemeClr val="accent1"/>
+            </a:solidFill>
+            <a:headEnd type="none" w="med" len="med"/>
+            <a:tailEnd type="none" w="med" len="med"/>
+          </a:ln>
+          <a:effectLst/>
+        </p:spPr>
+        <p:style>
+          <a:lnRef idx="1">
+            <a:schemeClr val="accent2"/>
+          </a:lnRef>
+          <a:fillRef idx="3">
+            <a:schemeClr val="accent2"/>
+          </a:fillRef>
+          <a:effectRef idx="2">
+            <a:schemeClr val="accent2"/>
+          </a:effectRef>
+          <a:fontRef idx="minor">
+            <a:schemeClr val="lt1"/>
+          </a:fontRef>
+        </p:style>
+        <p:txBody>
+          <a:bodyPr rot="0" spcFirstLastPara="0" vertOverflow="overflow" horzOverflow="overflow" vert="horz" wrap="square" lIns="182880" tIns="146304" rIns="182880" bIns="146304" numCol="1" spcCol="0" rtlCol="0" fromWordArt="0" anchor="t" anchorCtr="0" forceAA="0" compatLnSpc="1">
+            <a:prstTxWarp prst="textNoShape">
+              <a:avLst/>
+            </a:prstTxWarp>
+            <a:noAutofit/>
+          </a:bodyPr>
+          <a:lstStyle/>
+          <a:p>
+            <a:pPr algn="ctr" defTabSz="932472" fontAlgn="base">
+              <a:lnSpc>
+                <a:spcPct val="90000"/>
+              </a:lnSpc>
+              <a:spcBef>
+                <a:spcPct val="0"/>
+              </a:spcBef>
+              <a:spcAft>
+                <a:spcPct val="0"/>
+              </a:spcAft>
+            </a:pPr>
+            <a:r>
+              <a:rPr kumimoji="1" lang="en-US" altLang="ja-JP" sz="2400">
+                <a:solidFill>
+                  <a:srgbClr val="4F81BD"/>
+                </a:solidFill>
+                <a:ea typeface="Segoe UI" pitchFamily="34" charset="0"/>
+                <a:cs typeface="Segoe UI" pitchFamily="34" charset="0"/>
+              </a:rPr>
+              <a:t>Separation of Concerns</a:t>
+            </a:r>
+            <a:r>
+              <a:rPr kumimoji="1" lang="ja-JP" altLang="en-US" sz="2400">
+                <a:solidFill>
+                  <a:srgbClr val="4F81BD"/>
+                </a:solidFill>
+                <a:ea typeface="Segoe UI" pitchFamily="34" charset="0"/>
+                <a:cs typeface="Segoe UI" pitchFamily="34" charset="0"/>
+              </a:rPr>
+              <a:t>：</a:t>
+            </a:r>
+            <a:r>
+              <a:rPr kumimoji="1" lang="en-US" altLang="ja-JP" sz="2400">
+                <a:solidFill>
+                  <a:srgbClr val="4F81BD"/>
+                </a:solidFill>
+                <a:ea typeface="Segoe UI" pitchFamily="34" charset="0"/>
+                <a:cs typeface="Segoe UI" pitchFamily="34" charset="0"/>
+              </a:rPr>
+              <a:t>SoC</a:t>
+            </a:r>
+            <a:endParaRPr kumimoji="1" lang="ja-JP" altLang="en-US" sz="2400" dirty="0" err="1">
+              <a:solidFill>
+                <a:srgbClr val="4F81BD"/>
+              </a:solidFill>
+              <a:ea typeface="Segoe UI" pitchFamily="34" charset="0"/>
+              <a:cs typeface="Segoe UI" pitchFamily="34" charset="0"/>
+            </a:endParaRPr>
+          </a:p>
+        </p:txBody>
+      </p:sp>
+      <p:sp>
+        <p:nvSpPr>
+          <p:cNvPr id="10" name="四角形: 角を丸くする 9"/>
+          <p:cNvSpPr/>
+          <p:nvPr/>
+        </p:nvSpPr>
+        <p:spPr bwMode="auto">
+          <a:xfrm>
+            <a:off x="5570165" y="2489150"/>
+            <a:ext cx="6408712" cy="3600400"/>
+          </a:xfrm>
+          <a:prstGeom prst="roundRect">
+            <a:avLst/>
+          </a:prstGeom>
+          <a:noFill/>
+          <a:ln w="38100">
+            <a:solidFill>
+              <a:schemeClr val="accent1"/>
+            </a:solidFill>
+            <a:headEnd type="none" w="med" len="med"/>
+            <a:tailEnd type="none" w="med" len="med"/>
+          </a:ln>
+          <a:effectLst/>
+        </p:spPr>
+        <p:style>
+          <a:lnRef idx="1">
+            <a:schemeClr val="accent2"/>
+          </a:lnRef>
+          <a:fillRef idx="3">
+            <a:schemeClr val="accent2"/>
+          </a:fillRef>
+          <a:effectRef idx="2">
+            <a:schemeClr val="accent2"/>
+          </a:effectRef>
+          <a:fontRef idx="minor">
+            <a:schemeClr val="lt1"/>
+          </a:fontRef>
+        </p:style>
+        <p:txBody>
+          <a:bodyPr rot="0" spcFirstLastPara="0" vertOverflow="overflow" horzOverflow="overflow" vert="horz" wrap="square" lIns="182880" tIns="146304" rIns="182880" bIns="146304" numCol="1" spcCol="0" rtlCol="0" fromWordArt="0" anchor="t" anchorCtr="0" forceAA="0" compatLnSpc="1">
+            <a:prstTxWarp prst="textNoShape">
+              <a:avLst/>
+            </a:prstTxWarp>
+            <a:noAutofit/>
+          </a:bodyPr>
+          <a:lstStyle/>
+          <a:p>
+            <a:pPr algn="ctr" defTabSz="932472" fontAlgn="base">
+              <a:lnSpc>
+                <a:spcPct val="90000"/>
+              </a:lnSpc>
+              <a:spcBef>
+                <a:spcPct val="0"/>
+              </a:spcBef>
+              <a:spcAft>
+                <a:spcPct val="0"/>
+              </a:spcAft>
+            </a:pPr>
+            <a:r>
+              <a:rPr kumimoji="1" lang="en-US" altLang="ja-JP" sz="2400">
+                <a:solidFill>
+                  <a:srgbClr val="4F81BD"/>
+                </a:solidFill>
+                <a:ea typeface="Segoe UI" pitchFamily="34" charset="0"/>
+                <a:cs typeface="Segoe UI" pitchFamily="34" charset="0"/>
+              </a:rPr>
+              <a:t>Presentaion</a:t>
+            </a:r>
+            <a:r>
+              <a:rPr kumimoji="1" lang="ja-JP" altLang="en-US" sz="2400">
+                <a:solidFill>
+                  <a:srgbClr val="4F81BD"/>
+                </a:solidFill>
+                <a:ea typeface="Segoe UI" pitchFamily="34" charset="0"/>
+                <a:cs typeface="Segoe UI" pitchFamily="34" charset="0"/>
+              </a:rPr>
+              <a:t> </a:t>
+            </a:r>
+            <a:r>
+              <a:rPr kumimoji="1" lang="en-US" altLang="ja-JP" sz="2400">
+                <a:solidFill>
+                  <a:srgbClr val="4F81BD"/>
+                </a:solidFill>
+                <a:ea typeface="Segoe UI" pitchFamily="34" charset="0"/>
+                <a:cs typeface="Segoe UI" pitchFamily="34" charset="0"/>
+              </a:rPr>
+              <a:t>Domain Separation</a:t>
+            </a:r>
+            <a:r>
+              <a:rPr kumimoji="1" lang="ja-JP" altLang="en-US" sz="2400">
+                <a:solidFill>
+                  <a:srgbClr val="4F81BD"/>
+                </a:solidFill>
+                <a:ea typeface="Segoe UI" pitchFamily="34" charset="0"/>
+                <a:cs typeface="Segoe UI" pitchFamily="34" charset="0"/>
+              </a:rPr>
+              <a:t>：</a:t>
+            </a:r>
+            <a:r>
+              <a:rPr kumimoji="1" lang="en-US" altLang="ja-JP" sz="2400">
+                <a:solidFill>
+                  <a:srgbClr val="4F81BD"/>
+                </a:solidFill>
+                <a:ea typeface="Segoe UI" pitchFamily="34" charset="0"/>
+                <a:cs typeface="Segoe UI" pitchFamily="34" charset="0"/>
+              </a:rPr>
+              <a:t>PDS</a:t>
+            </a:r>
+            <a:endParaRPr kumimoji="1" lang="ja-JP" altLang="en-US" sz="2400" dirty="0" err="1">
+              <a:gradFill>
+                <a:gsLst>
+                  <a:gs pos="0">
+                    <a:srgbClr val="FFFFFF"/>
+                  </a:gs>
+                  <a:gs pos="100000">
+                    <a:srgbClr val="FFFFFF"/>
+                  </a:gs>
+                </a:gsLst>
+                <a:lin ang="5400000" scaled="0"/>
+              </a:gradFill>
+              <a:ea typeface="Segoe UI" pitchFamily="34" charset="0"/>
+              <a:cs typeface="Segoe UI" pitchFamily="34" charset="0"/>
+            </a:endParaRPr>
+          </a:p>
+        </p:txBody>
+      </p:sp>
+      <p:sp>
+        <p:nvSpPr>
+          <p:cNvPr id="14" name="四角形: 角を丸くする 13"/>
+          <p:cNvSpPr/>
+          <p:nvPr/>
+        </p:nvSpPr>
+        <p:spPr bwMode="auto">
+          <a:xfrm>
+            <a:off x="817637" y="2489150"/>
+            <a:ext cx="4572508" cy="3629311"/>
+          </a:xfrm>
+          <a:prstGeom prst="roundRect">
+            <a:avLst/>
+          </a:prstGeom>
+          <a:noFill/>
+          <a:ln w="38100">
+            <a:solidFill>
+              <a:schemeClr val="accent1"/>
+            </a:solidFill>
+            <a:headEnd type="none" w="med" len="med"/>
+            <a:tailEnd type="none" w="med" len="med"/>
+          </a:ln>
+          <a:effectLst/>
+        </p:spPr>
+        <p:style>
+          <a:lnRef idx="1">
+            <a:schemeClr val="accent2"/>
+          </a:lnRef>
+          <a:fillRef idx="3">
+            <a:schemeClr val="accent2"/>
+          </a:fillRef>
+          <a:effectRef idx="2">
+            <a:schemeClr val="accent2"/>
+          </a:effectRef>
+          <a:fontRef idx="minor">
+            <a:schemeClr val="lt1"/>
+          </a:fontRef>
+        </p:style>
+        <p:txBody>
+          <a:bodyPr rot="0" spcFirstLastPara="0" vertOverflow="overflow" horzOverflow="overflow" vert="horz" wrap="square" lIns="182880" tIns="146304" rIns="182880" bIns="146304" numCol="1" spcCol="0" rtlCol="0" fromWordArt="0" anchor="t" anchorCtr="0" forceAA="0" compatLnSpc="1">
+            <a:prstTxWarp prst="textNoShape">
+              <a:avLst/>
+            </a:prstTxWarp>
+            <a:noAutofit/>
+          </a:bodyPr>
+          <a:lstStyle/>
+          <a:p>
+            <a:pPr algn="ctr" defTabSz="932472" fontAlgn="base">
+              <a:lnSpc>
+                <a:spcPct val="90000"/>
+              </a:lnSpc>
+              <a:spcBef>
+                <a:spcPct val="0"/>
+              </a:spcBef>
+              <a:spcAft>
+                <a:spcPct val="0"/>
+              </a:spcAft>
+            </a:pPr>
+            <a:r>
+              <a:rPr kumimoji="1" lang="en-US" altLang="ja-JP" sz="2400" dirty="0">
+                <a:solidFill>
+                  <a:srgbClr val="4F81BD"/>
+                </a:solidFill>
+                <a:ea typeface="Segoe UI" pitchFamily="34" charset="0"/>
+                <a:cs typeface="Segoe UI" pitchFamily="34" charset="0"/>
+              </a:rPr>
+              <a:t>Inversion of Control</a:t>
+            </a:r>
+            <a:r>
+              <a:rPr kumimoji="1" lang="ja-JP" altLang="en-US" sz="2400" dirty="0">
+                <a:solidFill>
+                  <a:srgbClr val="4F81BD"/>
+                </a:solidFill>
+                <a:ea typeface="Segoe UI" pitchFamily="34" charset="0"/>
+                <a:cs typeface="Segoe UI" pitchFamily="34" charset="0"/>
+              </a:rPr>
+              <a:t>：</a:t>
+            </a:r>
+            <a:r>
+              <a:rPr kumimoji="1" lang="en-US" altLang="ja-JP" sz="2400" dirty="0" err="1">
+                <a:solidFill>
+                  <a:srgbClr val="4F81BD"/>
+                </a:solidFill>
+                <a:ea typeface="Segoe UI" pitchFamily="34" charset="0"/>
+                <a:cs typeface="Segoe UI" pitchFamily="34" charset="0"/>
+              </a:rPr>
+              <a:t>IoC</a:t>
+            </a:r>
+            <a:endParaRPr kumimoji="1" lang="ja-JP" altLang="en-US" sz="2400" dirty="0" err="1">
+              <a:gradFill>
+                <a:gsLst>
+                  <a:gs pos="0">
+                    <a:srgbClr val="FFFFFF"/>
+                  </a:gs>
+                  <a:gs pos="100000">
+                    <a:srgbClr val="FFFFFF"/>
+                  </a:gs>
+                </a:gsLst>
+                <a:lin ang="5400000" scaled="0"/>
+              </a:gradFill>
+              <a:ea typeface="Segoe UI" pitchFamily="34" charset="0"/>
+              <a:cs typeface="Segoe UI" pitchFamily="34" charset="0"/>
+            </a:endParaRPr>
+          </a:p>
+        </p:txBody>
+      </p:sp>
+      <p:sp>
+        <p:nvSpPr>
+          <p:cNvPr id="15" name="正方形/長方形 14"/>
+          <p:cNvSpPr/>
+          <p:nvPr/>
+        </p:nvSpPr>
+        <p:spPr bwMode="auto">
+          <a:xfrm>
+            <a:off x="1321693" y="3365954"/>
+            <a:ext cx="3600400" cy="1224136"/>
+          </a:xfrm>
+          <a:prstGeom prst="rect">
+            <a:avLst/>
+          </a:prstGeom>
+          <a:solidFill>
+            <a:schemeClr val="accent1"/>
+          </a:solidFill>
+          <a:ln>
+            <a:noFill/>
+            <a:headEnd type="none" w="med" len="med"/>
+            <a:tailEnd type="none" w="med" len="med"/>
+          </a:ln>
+          <a:effectLst/>
+        </p:spPr>
+        <p:style>
+          <a:lnRef idx="1">
+            <a:schemeClr val="accent2"/>
+          </a:lnRef>
+          <a:fillRef idx="3">
+            <a:schemeClr val="accent2"/>
+          </a:fillRef>
+          <a:effectRef idx="2">
+            <a:schemeClr val="accent2"/>
+          </a:effectRef>
+          <a:fontRef idx="minor">
+            <a:schemeClr val="lt1"/>
+          </a:fontRef>
+        </p:style>
+        <p:txBody>
+          <a:bodyPr rot="0" spcFirstLastPara="0" vertOverflow="overflow" horzOverflow="overflow" vert="horz" wrap="square" lIns="182880" tIns="146304" rIns="182880" bIns="146304" numCol="1" spcCol="0" rtlCol="0" fromWordArt="0" anchor="ctr" anchorCtr="0" forceAA="0" compatLnSpc="1">
+            <a:prstTxWarp prst="textNoShape">
+              <a:avLst/>
+            </a:prstTxWarp>
+            <a:noAutofit/>
+          </a:bodyPr>
+          <a:lstStyle/>
+          <a:p>
+            <a:pPr algn="ctr" defTabSz="932472" fontAlgn="base">
+              <a:lnSpc>
+                <a:spcPct val="90000"/>
+              </a:lnSpc>
+              <a:spcBef>
+                <a:spcPct val="0"/>
+              </a:spcBef>
+              <a:spcAft>
+                <a:spcPct val="0"/>
+              </a:spcAft>
+            </a:pPr>
+            <a:r>
+              <a:rPr kumimoji="1" lang="en-US" altLang="ja-JP" sz="2400" dirty="0">
+                <a:gradFill>
+                  <a:gsLst>
+                    <a:gs pos="0">
+                      <a:srgbClr val="FFFFFF"/>
+                    </a:gs>
+                    <a:gs pos="100000">
+                      <a:srgbClr val="FFFFFF"/>
+                    </a:gs>
+                  </a:gsLst>
+                  <a:lin ang="5400000" scaled="0"/>
+                </a:gradFill>
+                <a:ea typeface="Segoe UI" pitchFamily="34" charset="0"/>
+                <a:cs typeface="Segoe UI" pitchFamily="34" charset="0"/>
+              </a:rPr>
+              <a:t>Dependency Injection</a:t>
+            </a:r>
+          </a:p>
+          <a:p>
+            <a:pPr algn="ctr" defTabSz="932472" fontAlgn="base">
+              <a:lnSpc>
+                <a:spcPct val="90000"/>
+              </a:lnSpc>
+              <a:spcBef>
+                <a:spcPct val="0"/>
+              </a:spcBef>
+              <a:spcAft>
+                <a:spcPct val="0"/>
+              </a:spcAft>
+            </a:pPr>
+            <a:r>
+              <a:rPr kumimoji="1" lang="ja-JP" altLang="en-US" sz="2400" dirty="0">
+                <a:gradFill>
+                  <a:gsLst>
+                    <a:gs pos="0">
+                      <a:srgbClr val="FFFFFF"/>
+                    </a:gs>
+                    <a:gs pos="100000">
+                      <a:srgbClr val="FFFFFF"/>
+                    </a:gs>
+                  </a:gsLst>
+                  <a:lin ang="5400000" scaled="0"/>
+                </a:gradFill>
+                <a:ea typeface="Segoe UI" pitchFamily="34" charset="0"/>
+                <a:cs typeface="Segoe UI" pitchFamily="34" charset="0"/>
+              </a:rPr>
+              <a:t>：</a:t>
+            </a:r>
+            <a:r>
+              <a:rPr kumimoji="1" lang="en-US" altLang="ja-JP" sz="2400" dirty="0">
+                <a:gradFill>
+                  <a:gsLst>
+                    <a:gs pos="0">
+                      <a:srgbClr val="FFFFFF"/>
+                    </a:gs>
+                    <a:gs pos="100000">
+                      <a:srgbClr val="FFFFFF"/>
+                    </a:gs>
+                  </a:gsLst>
+                  <a:lin ang="5400000" scaled="0"/>
+                </a:gradFill>
+                <a:ea typeface="Segoe UI" pitchFamily="34" charset="0"/>
+                <a:cs typeface="Segoe UI" pitchFamily="34" charset="0"/>
+              </a:rPr>
+              <a:t>DI</a:t>
+            </a:r>
+            <a:endParaRPr kumimoji="1" lang="ja-JP" altLang="en-US" sz="2400" dirty="0" err="1">
+              <a:gradFill>
+                <a:gsLst>
+                  <a:gs pos="0">
+                    <a:srgbClr val="FFFFFF"/>
+                  </a:gs>
+                  <a:gs pos="100000">
+                    <a:srgbClr val="FFFFFF"/>
+                  </a:gs>
+                </a:gsLst>
+                <a:lin ang="5400000" scaled="0"/>
+              </a:gradFill>
+              <a:ea typeface="Segoe UI" pitchFamily="34" charset="0"/>
+              <a:cs typeface="Segoe UI" pitchFamily="34" charset="0"/>
+            </a:endParaRPr>
+          </a:p>
+        </p:txBody>
+      </p:sp>
+      <p:sp>
+        <p:nvSpPr>
+          <p:cNvPr id="16" name="正方形/長方形 15"/>
+          <p:cNvSpPr/>
+          <p:nvPr/>
+        </p:nvSpPr>
+        <p:spPr bwMode="auto">
+          <a:xfrm>
+            <a:off x="1321693" y="4724184"/>
+            <a:ext cx="3600400" cy="1224136"/>
+          </a:xfrm>
+          <a:prstGeom prst="rect">
+            <a:avLst/>
+          </a:prstGeom>
+          <a:solidFill>
+            <a:schemeClr val="accent1"/>
+          </a:solidFill>
+          <a:ln>
+            <a:noFill/>
+            <a:headEnd type="none" w="med" len="med"/>
+            <a:tailEnd type="none" w="med" len="med"/>
+          </a:ln>
+          <a:effectLst/>
+        </p:spPr>
+        <p:style>
+          <a:lnRef idx="1">
+            <a:schemeClr val="accent2"/>
+          </a:lnRef>
+          <a:fillRef idx="3">
+            <a:schemeClr val="accent2"/>
+          </a:fillRef>
+          <a:effectRef idx="2">
+            <a:schemeClr val="accent2"/>
+          </a:effectRef>
+          <a:fontRef idx="minor">
+            <a:schemeClr val="lt1"/>
+          </a:fontRef>
+        </p:style>
+        <p:txBody>
+          <a:bodyPr rot="0" spcFirstLastPara="0" vertOverflow="overflow" horzOverflow="overflow" vert="horz" wrap="square" lIns="182880" tIns="146304" rIns="182880" bIns="146304" numCol="1" spcCol="0" rtlCol="0" fromWordArt="0" anchor="ctr" anchorCtr="0" forceAA="0" compatLnSpc="1">
+            <a:prstTxWarp prst="textNoShape">
+              <a:avLst/>
+            </a:prstTxWarp>
+            <a:noAutofit/>
+          </a:bodyPr>
+          <a:lstStyle/>
+          <a:p>
+            <a:pPr algn="ctr" defTabSz="932472" fontAlgn="base">
+              <a:lnSpc>
+                <a:spcPct val="90000"/>
+              </a:lnSpc>
+              <a:spcBef>
+                <a:spcPct val="0"/>
+              </a:spcBef>
+              <a:spcAft>
+                <a:spcPct val="0"/>
+              </a:spcAft>
+            </a:pPr>
+            <a:r>
+              <a:rPr kumimoji="1" lang="en-US" altLang="ja-JP" sz="2400" dirty="0">
+                <a:gradFill>
+                  <a:gsLst>
+                    <a:gs pos="0">
+                      <a:srgbClr val="FFFFFF"/>
+                    </a:gs>
+                    <a:gs pos="100000">
+                      <a:srgbClr val="FFFFFF"/>
+                    </a:gs>
+                  </a:gsLst>
+                  <a:lin ang="5400000" scaled="0"/>
+                </a:gradFill>
+                <a:ea typeface="Segoe UI" pitchFamily="34" charset="0"/>
+                <a:cs typeface="Segoe UI" pitchFamily="34" charset="0"/>
+              </a:rPr>
+              <a:t>Service Locator</a:t>
+            </a:r>
+          </a:p>
+          <a:p>
+            <a:pPr algn="ctr" defTabSz="932472" fontAlgn="base">
+              <a:lnSpc>
+                <a:spcPct val="90000"/>
+              </a:lnSpc>
+              <a:spcBef>
+                <a:spcPct val="0"/>
+              </a:spcBef>
+              <a:spcAft>
+                <a:spcPct val="0"/>
+              </a:spcAft>
+            </a:pPr>
+            <a:r>
+              <a:rPr kumimoji="1" lang="ja-JP" altLang="en-US" sz="2400" dirty="0">
+                <a:gradFill>
+                  <a:gsLst>
+                    <a:gs pos="0">
+                      <a:srgbClr val="FFFFFF"/>
+                    </a:gs>
+                    <a:gs pos="100000">
+                      <a:srgbClr val="FFFFFF"/>
+                    </a:gs>
+                  </a:gsLst>
+                  <a:lin ang="5400000" scaled="0"/>
+                </a:gradFill>
+                <a:ea typeface="Segoe UI" pitchFamily="34" charset="0"/>
+                <a:cs typeface="Segoe UI" pitchFamily="34" charset="0"/>
+              </a:rPr>
               <a:t>（</a:t>
             </a:r>
             <a:r>
-              <a:rPr lang="en-US" altLang="ja-JP" dirty="0"/>
-              <a:t>Test First</a:t>
-            </a:r>
-            <a:r>
-              <a:rPr lang="ja-JP" altLang="en-US" dirty="0"/>
-              <a:t>）でいきます</a:t>
-            </a:r>
-            <a:endParaRPr lang="en-US" altLang="ja-JP" dirty="0"/>
-          </a:p>
-          <a:p>
-            <a:r>
-              <a:rPr kumimoji="1" lang="en-US" altLang="ja-JP" dirty="0"/>
-              <a:t>Test</a:t>
-            </a:r>
-            <a:r>
-              <a:rPr kumimoji="1" lang="ja-JP" altLang="en-US" dirty="0"/>
-              <a:t>では</a:t>
-            </a:r>
-            <a:r>
-              <a:rPr kumimoji="1" lang="en-US" altLang="ja-JP" dirty="0"/>
-              <a:t>Moq</a:t>
-            </a:r>
-            <a:r>
-              <a:rPr kumimoji="1" lang="ja-JP" altLang="en-US" dirty="0"/>
-              <a:t>を利用します</a:t>
-            </a:r>
-            <a:endParaRPr kumimoji="1" lang="en-US" altLang="ja-JP" dirty="0"/>
-          </a:p>
-          <a:p>
-            <a:r>
-              <a:rPr kumimoji="1" lang="en-US" altLang="ja-JP" dirty="0"/>
-              <a:t>ReSharper</a:t>
-            </a:r>
-            <a:r>
-              <a:rPr lang="ja-JP" altLang="en-US" dirty="0"/>
-              <a:t>先生最高！</a:t>
-            </a:r>
-            <a:endParaRPr kumimoji="1" lang="ja-JP" altLang="en-US" dirty="0"/>
-          </a:p>
-        </p:txBody>
-      </p:sp>
-      <p:sp>
-        <p:nvSpPr>
-          <p:cNvPr id="3" name="タイトル 2"/>
-          <p:cNvSpPr>
-            <a:spLocks noGrp="1"/>
-          </p:cNvSpPr>
-          <p:nvPr>
-            <p:ph type="title"/>
-          </p:nvPr>
-        </p:nvSpPr>
-        <p:spPr/>
-        <p:txBody>
-          <a:bodyPr/>
-          <a:lstStyle/>
-          <a:p>
-            <a:r>
-              <a:rPr kumimoji="1" lang="ja-JP" altLang="en-US" dirty="0"/>
-              <a:t>デモ概要</a:t>
+              <a:rPr kumimoji="1" lang="en-US" altLang="ja-JP" sz="2400" dirty="0" err="1">
+                <a:gradFill>
+                  <a:gsLst>
+                    <a:gs pos="0">
+                      <a:srgbClr val="FFFFFF"/>
+                    </a:gs>
+                    <a:gs pos="100000">
+                      <a:srgbClr val="FFFFFF"/>
+                    </a:gs>
+                  </a:gsLst>
+                  <a:lin ang="5400000" scaled="0"/>
+                </a:gradFill>
+                <a:ea typeface="Segoe UI" pitchFamily="34" charset="0"/>
+                <a:cs typeface="Segoe UI" pitchFamily="34" charset="0"/>
+              </a:rPr>
+              <a:t>DependencyService</a:t>
+            </a:r>
+            <a:r>
+              <a:rPr kumimoji="1" lang="ja-JP" altLang="en-US" sz="2400" dirty="0">
+                <a:gradFill>
+                  <a:gsLst>
+                    <a:gs pos="0">
+                      <a:srgbClr val="FFFFFF"/>
+                    </a:gs>
+                    <a:gs pos="100000">
+                      <a:srgbClr val="FFFFFF"/>
+                    </a:gs>
+                  </a:gsLst>
+                  <a:lin ang="5400000" scaled="0"/>
+                </a:gradFill>
+                <a:ea typeface="Segoe UI" pitchFamily="34" charset="0"/>
+                <a:cs typeface="Segoe UI" pitchFamily="34" charset="0"/>
+              </a:rPr>
+              <a:t>）</a:t>
             </a:r>
           </a:p>
         </p:txBody>
@@ -12446,7 +15059,7 @@
     </p:spTree>
     <p:extLst>
       <p:ext uri="{BB962C8B-B14F-4D97-AF65-F5344CB8AC3E}">
-        <p14:creationId xmlns:p14="http://schemas.microsoft.com/office/powerpoint/2010/main" val="2573381646"/>
+        <p14:creationId xmlns:p14="http://schemas.microsoft.com/office/powerpoint/2010/main" val="1233906099"/>
       </p:ext>
     </p:extLst>
   </p:cSld>
@@ -12478,15 +15091,291 @@
       </p:grpSpPr>
       <p:sp>
         <p:nvSpPr>
+          <p:cNvPr id="5" name="テキスト プレースホルダー 4"/>
+          <p:cNvSpPr>
+            <a:spLocks noGrp="1"/>
+          </p:cNvSpPr>
+          <p:nvPr>
+            <p:ph type="body" sz="quarter" idx="10"/>
+          </p:nvPr>
+        </p:nvSpPr>
+        <p:spPr/>
+        <p:txBody>
+          <a:bodyPr>
+            <a:normAutofit/>
+          </a:bodyPr>
+          <a:lstStyle/>
+          <a:p>
+            <a:pPr marL="571500" indent="-571500"/>
+            <a:r>
+              <a:rPr lang="en-US" altLang="ja-JP" dirty="0"/>
+              <a:t>Prism</a:t>
+            </a:r>
+            <a:r>
+              <a:rPr lang="ja-JP" altLang="en-US" dirty="0"/>
+              <a:t>は</a:t>
+            </a:r>
+            <a:r>
+              <a:rPr lang="en-US" altLang="ja-JP" dirty="0"/>
+              <a:t>MVVM</a:t>
+            </a:r>
+            <a:r>
+              <a:rPr lang="ja-JP" altLang="en-US" dirty="0"/>
+              <a:t>の課題だけでなく、これらの課題に対しても、ガイダンスを提供します</a:t>
+            </a:r>
+            <a:endParaRPr lang="en-US" altLang="ja-JP" dirty="0"/>
+          </a:p>
+          <a:p>
+            <a:pPr marL="571500" indent="-571500"/>
+            <a:r>
+              <a:rPr lang="en-US" altLang="ja-JP" dirty="0"/>
+              <a:t>Prism</a:t>
+            </a:r>
+            <a:r>
+              <a:rPr lang="ja-JP" altLang="en-US" dirty="0"/>
+              <a:t>はアプリケーションを開発する上での、パターンとプラクティスの集合です</a:t>
+            </a:r>
+            <a:endParaRPr lang="en-US" altLang="ja-JP" dirty="0"/>
+          </a:p>
+          <a:p>
+            <a:pPr marL="571500" indent="-571500"/>
+            <a:r>
+              <a:rPr lang="ja-JP" altLang="en-US" dirty="0"/>
+              <a:t>そしてこれらは、テスト容易性と保守容易性を提供します</a:t>
+            </a:r>
+            <a:endParaRPr lang="en-US" altLang="ja-JP" dirty="0"/>
+          </a:p>
+        </p:txBody>
+      </p:sp>
+      <p:sp>
+        <p:nvSpPr>
+          <p:cNvPr id="4" name="タイトル 3"/>
+          <p:cNvSpPr>
+            <a:spLocks noGrp="1"/>
+          </p:cNvSpPr>
+          <p:nvPr>
+            <p:ph type="title"/>
+          </p:nvPr>
+        </p:nvSpPr>
+        <p:spPr/>
+        <p:txBody>
+          <a:bodyPr/>
+          <a:lstStyle/>
+          <a:p>
+            <a:r>
+              <a:rPr kumimoji="1" lang="en-US" altLang="ja-JP" dirty="0"/>
+              <a:t>Why</a:t>
+            </a:r>
+            <a:r>
+              <a:rPr kumimoji="1" lang="ja-JP" altLang="en-US" dirty="0"/>
+              <a:t> </a:t>
+            </a:r>
+            <a:r>
+              <a:rPr lang="en-US" altLang="ja-JP" dirty="0"/>
+              <a:t>Prism for </a:t>
+            </a:r>
+            <a:r>
+              <a:rPr lang="en-US" altLang="ja-JP" dirty="0" err="1"/>
+              <a:t>Xamarin.Forms</a:t>
+            </a:r>
+            <a:endParaRPr kumimoji="1" lang="ja-JP" altLang="en-US" dirty="0"/>
+          </a:p>
+        </p:txBody>
+      </p:sp>
+    </p:spTree>
+    <p:extLst>
+      <p:ext uri="{BB962C8B-B14F-4D97-AF65-F5344CB8AC3E}">
+        <p14:creationId xmlns:p14="http://schemas.microsoft.com/office/powerpoint/2010/main" val="2684657390"/>
+      </p:ext>
+    </p:extLst>
+  </p:cSld>
+  <p:clrMapOvr>
+    <a:masterClrMapping/>
+  </p:clrMapOvr>
+  <p:transition>
+    <p:fade/>
+  </p:transition>
+</p:sld>
+</file>
+
+<file path=ppt/slides/slide25.xml><?xml version="1.0" encoding="utf-8"?>
+<p:sld xmlns:a="http://schemas.openxmlformats.org/drawingml/2006/main" xmlns:r="http://schemas.openxmlformats.org/officeDocument/2006/relationships" xmlns:p="http://schemas.openxmlformats.org/presentationml/2006/main">
+  <p:cSld>
+    <p:spTree>
+      <p:nvGrpSpPr>
+        <p:cNvPr id="1" name=""/>
+        <p:cNvGrpSpPr/>
+        <p:nvPr/>
+      </p:nvGrpSpPr>
+      <p:grpSpPr>
+        <a:xfrm>
+          <a:off x="0" y="0"/>
+          <a:ext cx="0" cy="0"/>
+          <a:chOff x="0" y="0"/>
+          <a:chExt cx="0" cy="0"/>
+        </a:xfrm>
+      </p:grpSpPr>
+      <p:sp>
+        <p:nvSpPr>
+          <p:cNvPr id="5" name="テキスト プレースホルダー 4"/>
+          <p:cNvSpPr>
+            <a:spLocks noGrp="1"/>
+          </p:cNvSpPr>
+          <p:nvPr>
+            <p:ph type="body" sz="quarter" idx="10"/>
+          </p:nvPr>
+        </p:nvSpPr>
+        <p:spPr/>
+        <p:txBody>
+          <a:bodyPr lIns="147600">
+            <a:normAutofit/>
+          </a:bodyPr>
+          <a:lstStyle/>
+          <a:p>
+            <a:pPr marL="0" indent="0">
+              <a:buNone/>
+            </a:pPr>
+            <a:r>
+              <a:rPr lang="ja-JP" altLang="en-US" dirty="0"/>
+              <a:t>「</a:t>
+            </a:r>
+            <a:r>
+              <a:rPr lang="en-US" altLang="ja-JP" dirty="0"/>
+              <a:t>MVVM</a:t>
+            </a:r>
+            <a:r>
+              <a:rPr lang="ja-JP" altLang="en-US" dirty="0"/>
+              <a:t>初めてやるけど、</a:t>
+            </a:r>
+            <a:r>
+              <a:rPr lang="en-US" altLang="ja-JP" dirty="0"/>
+              <a:t>Prism</a:t>
+            </a:r>
+            <a:r>
+              <a:rPr lang="ja-JP" altLang="en-US" dirty="0" err="1"/>
+              <a:t>って</a:t>
+            </a:r>
+            <a:r>
+              <a:rPr lang="ja-JP" altLang="en-US" dirty="0"/>
+              <a:t>難しそう」</a:t>
+            </a:r>
+            <a:endParaRPr lang="en-US" altLang="ja-JP" dirty="0"/>
+          </a:p>
+          <a:p>
+            <a:pPr marL="0" indent="0">
+              <a:buNone/>
+            </a:pPr>
+            <a:r>
+              <a:rPr lang="ja-JP" altLang="en-US" dirty="0"/>
+              <a:t>という人ほど、使うべきです。</a:t>
+            </a:r>
+            <a:endParaRPr lang="en-US" altLang="ja-JP" dirty="0"/>
+          </a:p>
+        </p:txBody>
+      </p:sp>
+      <p:sp>
+        <p:nvSpPr>
+          <p:cNvPr id="4" name="タイトル 3"/>
+          <p:cNvSpPr>
+            <a:spLocks noGrp="1"/>
+          </p:cNvSpPr>
+          <p:nvPr>
+            <p:ph type="title"/>
+          </p:nvPr>
+        </p:nvSpPr>
+        <p:spPr/>
+        <p:txBody>
+          <a:bodyPr/>
+          <a:lstStyle/>
+          <a:p>
+            <a:r>
+              <a:rPr lang="ja-JP" altLang="en-US" dirty="0"/>
+              <a:t>だれが</a:t>
+            </a:r>
+            <a:r>
+              <a:rPr lang="en-US" altLang="ja-JP" dirty="0"/>
+              <a:t>Prism</a:t>
+            </a:r>
+            <a:r>
+              <a:rPr lang="ja-JP" altLang="en-US" dirty="0"/>
+              <a:t>を使うべきか？</a:t>
+            </a:r>
+            <a:endParaRPr kumimoji="1" lang="ja-JP" altLang="en-US" dirty="0"/>
+          </a:p>
+        </p:txBody>
+      </p:sp>
+    </p:spTree>
+    <p:extLst>
+      <p:ext uri="{BB962C8B-B14F-4D97-AF65-F5344CB8AC3E}">
+        <p14:creationId xmlns:p14="http://schemas.microsoft.com/office/powerpoint/2010/main" val="297195703"/>
+      </p:ext>
+    </p:extLst>
+  </p:cSld>
+  <p:clrMapOvr>
+    <a:masterClrMapping/>
+  </p:clrMapOvr>
+  <p:transition>
+    <p:fade/>
+  </p:transition>
+</p:sld>
+</file>
+
+<file path=ppt/slides/slide26.xml><?xml version="1.0" encoding="utf-8"?>
+<p:sld xmlns:a="http://schemas.openxmlformats.org/drawingml/2006/main" xmlns:r="http://schemas.openxmlformats.org/officeDocument/2006/relationships" xmlns:p="http://schemas.openxmlformats.org/presentationml/2006/main">
+  <p:cSld>
+    <p:spTree>
+      <p:nvGrpSpPr>
+        <p:cNvPr id="1" name=""/>
+        <p:cNvGrpSpPr/>
+        <p:nvPr/>
+      </p:nvGrpSpPr>
+      <p:grpSpPr>
+        <a:xfrm>
+          <a:off x="0" y="0"/>
+          <a:ext cx="0" cy="0"/>
+          <a:chOff x="0" y="0"/>
+          <a:chExt cx="0" cy="0"/>
+        </a:xfrm>
+      </p:grpSpPr>
+      <p:sp>
+        <p:nvSpPr>
+          <p:cNvPr id="10" name="タイトル 9"/>
+          <p:cNvSpPr>
+            <a:spLocks noGrp="1"/>
+          </p:cNvSpPr>
+          <p:nvPr>
+            <p:ph type="title"/>
+          </p:nvPr>
+        </p:nvSpPr>
+        <p:spPr/>
+        <p:txBody>
+          <a:bodyPr/>
+          <a:lstStyle/>
+          <a:p>
+            <a:r>
+              <a:rPr lang="en-US" altLang="ja-JP" dirty="0"/>
+              <a:t>#Hands-On</a:t>
+            </a:r>
+            <a:endParaRPr lang="ja-JP" altLang="en-US" dirty="0"/>
+          </a:p>
+        </p:txBody>
+      </p:sp>
+      <p:sp>
+        <p:nvSpPr>
           <p:cNvPr id="3" name="スライド番号プレースホルダー 2"/>
           <p:cNvSpPr>
             <a:spLocks noGrp="1"/>
           </p:cNvSpPr>
           <p:nvPr>
-            <p:ph type="sldNum" sz="quarter" idx="4"/>
-          </p:nvPr>
-        </p:nvSpPr>
-        <p:spPr/>
+            <p:ph type="sldNum" sz="quarter" idx="4294967295"/>
+          </p:nvPr>
+        </p:nvSpPr>
+        <p:spPr>
+          <a:xfrm>
+            <a:off x="10875963" y="6376988"/>
+            <a:ext cx="1560512" cy="371475"/>
+          </a:xfrm>
+        </p:spPr>
         <p:txBody>
           <a:bodyPr/>
           <a:lstStyle/>
@@ -12494,12 +15383,223 @@
             <a:fld id="{BA547519-0BEB-4367-A945-810145453CE0}" type="slidenum">
               <a:rPr kumimoji="1" lang="ja-JP" altLang="en-US" smtClean="0"/>
               <a:pPr/>
-              <a:t>24</a:t>
+              <a:t>26</a:t>
             </a:fld>
             <a:endParaRPr kumimoji="1" lang="ja-JP" altLang="en-US" dirty="0"/>
           </a:p>
         </p:txBody>
       </p:sp>
+    </p:spTree>
+    <p:extLst>
+      <p:ext uri="{BB962C8B-B14F-4D97-AF65-F5344CB8AC3E}">
+        <p14:creationId xmlns:p14="http://schemas.microsoft.com/office/powerpoint/2010/main" val="3635632334"/>
+      </p:ext>
+    </p:extLst>
+  </p:cSld>
+  <p:clrMapOvr>
+    <a:masterClrMapping/>
+  </p:clrMapOvr>
+  <p:transition>
+    <p:fade/>
+  </p:transition>
+</p:sld>
+</file>
+
+<file path=ppt/slides/slide27.xml><?xml version="1.0" encoding="utf-8"?>
+<p:sld xmlns:a="http://schemas.openxmlformats.org/drawingml/2006/main" xmlns:r="http://schemas.openxmlformats.org/officeDocument/2006/relationships" xmlns:p="http://schemas.openxmlformats.org/presentationml/2006/main">
+  <p:cSld>
+    <p:spTree>
+      <p:nvGrpSpPr>
+        <p:cNvPr id="1" name=""/>
+        <p:cNvGrpSpPr/>
+        <p:nvPr/>
+      </p:nvGrpSpPr>
+      <p:grpSpPr>
+        <a:xfrm>
+          <a:off x="0" y="0"/>
+          <a:ext cx="0" cy="0"/>
+          <a:chOff x="0" y="0"/>
+          <a:chExt cx="0" cy="0"/>
+        </a:xfrm>
+      </p:grpSpPr>
+      <p:sp>
+        <p:nvSpPr>
+          <p:cNvPr id="4" name="テキスト プレースホルダー 3"/>
+          <p:cNvSpPr>
+            <a:spLocks noGrp="1"/>
+          </p:cNvSpPr>
+          <p:nvPr>
+            <p:ph type="body" sz="quarter" idx="10"/>
+          </p:nvPr>
+        </p:nvSpPr>
+        <p:spPr/>
+        <p:txBody>
+          <a:bodyPr/>
+          <a:lstStyle/>
+          <a:p>
+            <a:r>
+              <a:rPr kumimoji="1" lang="ja-JP" altLang="en-US" dirty="0"/>
+              <a:t>素の</a:t>
+            </a:r>
+            <a:r>
+              <a:rPr kumimoji="1" lang="en-US" altLang="ja-JP" dirty="0" err="1"/>
+              <a:t>Xamarin.Forms</a:t>
+            </a:r>
+            <a:r>
+              <a:rPr kumimoji="1" lang="ja-JP" altLang="en-US" dirty="0"/>
+              <a:t>のみで作ったアプリを</a:t>
+            </a:r>
+            <a:br>
+              <a:rPr lang="en-US" altLang="ja-JP" dirty="0"/>
+            </a:br>
+            <a:r>
+              <a:rPr lang="ja-JP" altLang="en-US" dirty="0"/>
+              <a:t>  </a:t>
+            </a:r>
+            <a:r>
+              <a:rPr lang="en-US" altLang="ja-JP" dirty="0"/>
+              <a:t>Prism</a:t>
+            </a:r>
+            <a:r>
+              <a:rPr lang="ja-JP" altLang="en-US" dirty="0"/>
+              <a:t>を適用してリファクタリングします</a:t>
+            </a:r>
+            <a:endParaRPr lang="en-US" altLang="ja-JP" dirty="0"/>
+          </a:p>
+          <a:p>
+            <a:r>
+              <a:rPr lang="en-US" altLang="ja-JP" dirty="0"/>
+              <a:t>TDD</a:t>
+            </a:r>
+            <a:r>
+              <a:rPr lang="ja-JP" altLang="en-US" dirty="0"/>
+              <a:t>（</a:t>
+            </a:r>
+            <a:r>
+              <a:rPr lang="en-US" altLang="ja-JP" dirty="0"/>
+              <a:t>Test First</a:t>
+            </a:r>
+            <a:r>
+              <a:rPr lang="ja-JP" altLang="en-US" dirty="0"/>
+              <a:t>）でいきます</a:t>
+            </a:r>
+            <a:endParaRPr lang="en-US" altLang="ja-JP" dirty="0"/>
+          </a:p>
+          <a:p>
+            <a:r>
+              <a:rPr kumimoji="1" lang="en-US" altLang="ja-JP" dirty="0"/>
+              <a:t>Test</a:t>
+            </a:r>
+            <a:r>
+              <a:rPr kumimoji="1" lang="ja-JP" altLang="en-US" dirty="0"/>
+              <a:t>では</a:t>
+            </a:r>
+            <a:r>
+              <a:rPr kumimoji="1" lang="en-US" altLang="ja-JP" dirty="0"/>
+              <a:t>Moq</a:t>
+            </a:r>
+            <a:r>
+              <a:rPr kumimoji="1" lang="ja-JP" altLang="en-US" dirty="0"/>
+              <a:t>を利用します</a:t>
+            </a:r>
+            <a:endParaRPr kumimoji="1" lang="en-US" altLang="ja-JP" dirty="0"/>
+          </a:p>
+          <a:p>
+            <a:r>
+              <a:rPr kumimoji="1" lang="en-US" altLang="ja-JP" dirty="0"/>
+              <a:t>ReSharper</a:t>
+            </a:r>
+            <a:r>
+              <a:rPr lang="ja-JP" altLang="en-US" dirty="0"/>
+              <a:t>先生最高！</a:t>
+            </a:r>
+            <a:endParaRPr kumimoji="1" lang="ja-JP" altLang="en-US" dirty="0"/>
+          </a:p>
+        </p:txBody>
+      </p:sp>
+      <p:sp>
+        <p:nvSpPr>
+          <p:cNvPr id="3" name="タイトル 2"/>
+          <p:cNvSpPr>
+            <a:spLocks noGrp="1"/>
+          </p:cNvSpPr>
+          <p:nvPr>
+            <p:ph type="title"/>
+          </p:nvPr>
+        </p:nvSpPr>
+        <p:spPr/>
+        <p:txBody>
+          <a:bodyPr/>
+          <a:lstStyle/>
+          <a:p>
+            <a:r>
+              <a:rPr lang="ja-JP" altLang="en-US" dirty="0"/>
+              <a:t>ハンズオン</a:t>
+            </a:r>
+            <a:r>
+              <a:rPr kumimoji="1" lang="ja-JP" altLang="en-US" dirty="0"/>
+              <a:t>概要</a:t>
+            </a:r>
+          </a:p>
+        </p:txBody>
+      </p:sp>
+    </p:spTree>
+    <p:extLst>
+      <p:ext uri="{BB962C8B-B14F-4D97-AF65-F5344CB8AC3E}">
+        <p14:creationId xmlns:p14="http://schemas.microsoft.com/office/powerpoint/2010/main" val="2573381646"/>
+      </p:ext>
+    </p:extLst>
+  </p:cSld>
+  <p:clrMapOvr>
+    <a:masterClrMapping/>
+  </p:clrMapOvr>
+  <p:transition>
+    <p:fade/>
+  </p:transition>
+</p:sld>
+</file>
+
+<file path=ppt/slides/slide28.xml><?xml version="1.0" encoding="utf-8"?>
+<p:sld xmlns:a="http://schemas.openxmlformats.org/drawingml/2006/main" xmlns:r="http://schemas.openxmlformats.org/officeDocument/2006/relationships" xmlns:p="http://schemas.openxmlformats.org/presentationml/2006/main">
+  <p:cSld>
+    <p:spTree>
+      <p:nvGrpSpPr>
+        <p:cNvPr id="1" name=""/>
+        <p:cNvGrpSpPr/>
+        <p:nvPr/>
+      </p:nvGrpSpPr>
+      <p:grpSpPr>
+        <a:xfrm>
+          <a:off x="0" y="0"/>
+          <a:ext cx="0" cy="0"/>
+          <a:chOff x="0" y="0"/>
+          <a:chExt cx="0" cy="0"/>
+        </a:xfrm>
+      </p:grpSpPr>
+      <p:sp>
+        <p:nvSpPr>
+          <p:cNvPr id="3" name="スライド番号プレースホルダー 2"/>
+          <p:cNvSpPr>
+            <a:spLocks noGrp="1"/>
+          </p:cNvSpPr>
+          <p:nvPr>
+            <p:ph type="sldNum" sz="quarter" idx="4"/>
+          </p:nvPr>
+        </p:nvSpPr>
+        <p:spPr/>
+        <p:txBody>
+          <a:bodyPr/>
+          <a:lstStyle/>
+          <a:p>
+            <a:fld id="{BA547519-0BEB-4367-A945-810145453CE0}" type="slidenum">
+              <a:rPr kumimoji="1" lang="ja-JP" altLang="en-US" smtClean="0"/>
+              <a:pPr/>
+              <a:t>28</a:t>
+            </a:fld>
+            <a:endParaRPr kumimoji="1" lang="ja-JP" altLang="en-US" dirty="0"/>
+          </a:p>
+        </p:txBody>
+      </p:sp>
       <p:sp>
         <p:nvSpPr>
           <p:cNvPr id="4" name="タイトル 3"/>
@@ -12516,8 +15616,12 @@
           <a:lstStyle/>
           <a:p>
             <a:r>
-              <a:rPr kumimoji="1" lang="ja-JP" altLang="en-US" dirty="0"/>
-              <a:t>デモアプリクラス構成</a:t>
+              <a:rPr lang="ja-JP" altLang="en-US" dirty="0"/>
+              <a:t>ハンズオン</a:t>
+            </a:r>
+            <a:r>
+              <a:rPr kumimoji="1" lang="ja-JP" altLang="en-US" dirty="0"/>
+              <a:t>アプリクラス構成</a:t>
             </a:r>
           </a:p>
         </p:txBody>
@@ -12562,7 +15666,7 @@
 </p:sld>
 </file>
 
-<file path=ppt/slides/slide25.xml><?xml version="1.0" encoding="utf-8"?>
+<file path=ppt/slides/slide29.xml><?xml version="1.0" encoding="utf-8"?>
 <p:sld xmlns:a="http://schemas.openxmlformats.org/drawingml/2006/main" xmlns:r="http://schemas.openxmlformats.org/officeDocument/2006/relationships" xmlns:p="http://schemas.openxmlformats.org/presentationml/2006/main">
   <p:cSld>
     <p:spTree>
@@ -12596,7 +15700,7 @@
           <a:p>
             <a:r>
               <a:rPr lang="en-US" altLang="ja-JP" dirty="0"/>
-              <a:t>#DEMO</a:t>
+              <a:t>#Hands-On</a:t>
             </a:r>
             <a:endParaRPr lang="ja-JP" altLang="en-US" dirty="0"/>
           </a:p>
@@ -12625,7 +15729,7 @@
             <a:fld id="{BA547519-0BEB-4367-A945-810145453CE0}" type="slidenum">
               <a:rPr kumimoji="1" lang="ja-JP" altLang="en-US" smtClean="0"/>
               <a:pPr/>
-              <a:t>25</a:t>
+              <a:t>29</a:t>
             </a:fld>
             <a:endParaRPr kumimoji="1" lang="ja-JP" altLang="en-US" dirty="0"/>
           </a:p>
@@ -12634,7 +15738,7 @@
     </p:spTree>
     <p:extLst>
       <p:ext uri="{BB962C8B-B14F-4D97-AF65-F5344CB8AC3E}">
-        <p14:creationId xmlns:p14="http://schemas.microsoft.com/office/powerpoint/2010/main" val="3558269175"/>
+        <p14:creationId xmlns:p14="http://schemas.microsoft.com/office/powerpoint/2010/main" val="1319162436"/>
       </p:ext>
     </p:extLst>
   </p:cSld>
@@ -12647,7 +15751,7 @@
 </p:sld>
 </file>
 
-<file path=ppt/slides/slide26.xml><?xml version="1.0" encoding="utf-8"?>
+<file path=ppt/slides/slide3.xml><?xml version="1.0" encoding="utf-8"?>
 <p:sld xmlns:a="http://schemas.openxmlformats.org/drawingml/2006/main" xmlns:r="http://schemas.openxmlformats.org/officeDocument/2006/relationships" xmlns:p="http://schemas.openxmlformats.org/presentationml/2006/main">
   <p:cSld>
     <p:spTree>
@@ -12666,6 +15770,282 @@
       </p:grpSpPr>
       <p:sp>
         <p:nvSpPr>
+          <p:cNvPr id="2" name="タイトル 1"/>
+          <p:cNvSpPr>
+            <a:spLocks noGrp="1"/>
+          </p:cNvSpPr>
+          <p:nvPr>
+            <p:ph type="title"/>
+          </p:nvPr>
+        </p:nvSpPr>
+        <p:spPr/>
+        <p:txBody>
+          <a:bodyPr/>
+          <a:lstStyle/>
+          <a:p>
+            <a:r>
+              <a:rPr lang="en-US" altLang="ja-JP" dirty="0"/>
+              <a:t>Agenda</a:t>
+            </a:r>
+            <a:endParaRPr lang="ja-JP" altLang="en-US" dirty="0"/>
+          </a:p>
+        </p:txBody>
+      </p:sp>
+      <p:sp>
+        <p:nvSpPr>
+          <p:cNvPr id="3" name="コンテンツ プレースホルダー 2"/>
+          <p:cNvSpPr>
+            <a:spLocks noGrp="1"/>
+          </p:cNvSpPr>
+          <p:nvPr>
+            <p:ph sz="quarter" idx="10"/>
+          </p:nvPr>
+        </p:nvSpPr>
+        <p:spPr/>
+        <p:txBody>
+          <a:bodyPr>
+            <a:normAutofit lnSpcReduction="10000"/>
+          </a:bodyPr>
+          <a:lstStyle/>
+          <a:p>
+            <a:pPr marL="571500" indent="-571500">
+              <a:buFont typeface="Arial" panose="020B0604020202020204" pitchFamily="34" charset="0"/>
+              <a:buChar char="•"/>
+            </a:pPr>
+            <a:r>
+              <a:rPr lang="en-US" altLang="ja-JP" dirty="0">
+                <a:solidFill>
+                  <a:schemeClr val="bg2"/>
+                </a:solidFill>
+              </a:rPr>
+              <a:t>Introduction</a:t>
+            </a:r>
+          </a:p>
+          <a:p>
+            <a:pPr marL="571500" indent="-571500">
+              <a:buFont typeface="Arial" panose="020B0604020202020204" pitchFamily="34" charset="0"/>
+              <a:buChar char="•"/>
+            </a:pPr>
+            <a:r>
+              <a:rPr lang="en-US" altLang="ja-JP" dirty="0">
+                <a:solidFill>
+                  <a:schemeClr val="tx2">
+                    <a:lumMod val="40000"/>
+                    <a:lumOff val="60000"/>
+                  </a:schemeClr>
+                </a:solidFill>
+              </a:rPr>
+              <a:t>What is Prism? &amp; What do you get?</a:t>
+            </a:r>
+          </a:p>
+          <a:p>
+            <a:pPr marL="571500" indent="-571500">
+              <a:buFont typeface="Arial" panose="020B0604020202020204" pitchFamily="34" charset="0"/>
+              <a:buChar char="•"/>
+            </a:pPr>
+            <a:r>
+              <a:rPr lang="en-US" altLang="ja-JP" dirty="0">
+                <a:solidFill>
+                  <a:schemeClr val="tx2">
+                    <a:lumMod val="40000"/>
+                    <a:lumOff val="60000"/>
+                  </a:schemeClr>
+                </a:solidFill>
+              </a:rPr>
+              <a:t>Why Prism for </a:t>
+            </a:r>
+            <a:r>
+              <a:rPr lang="en-US" altLang="ja-JP" dirty="0" err="1">
+                <a:solidFill>
+                  <a:schemeClr val="tx2">
+                    <a:lumMod val="40000"/>
+                    <a:lumOff val="60000"/>
+                  </a:schemeClr>
+                </a:solidFill>
+              </a:rPr>
+              <a:t>Xamarin.Forms</a:t>
+            </a:r>
+            <a:r>
+              <a:rPr lang="en-US" altLang="ja-JP" dirty="0">
+                <a:solidFill>
+                  <a:schemeClr val="tx2">
+                    <a:lumMod val="40000"/>
+                    <a:lumOff val="60000"/>
+                  </a:schemeClr>
+                </a:solidFill>
+              </a:rPr>
+              <a:t>?</a:t>
+            </a:r>
+          </a:p>
+          <a:p>
+            <a:pPr marL="571500" indent="-571500">
+              <a:buFont typeface="Arial" panose="020B0604020202020204" pitchFamily="34" charset="0"/>
+              <a:buChar char="•"/>
+            </a:pPr>
+            <a:r>
+              <a:rPr lang="en-US" altLang="ja-JP" dirty="0">
+                <a:solidFill>
+                  <a:schemeClr val="tx2">
+                    <a:lumMod val="40000"/>
+                    <a:lumOff val="60000"/>
+                  </a:schemeClr>
+                </a:solidFill>
+              </a:rPr>
+              <a:t>DEMO</a:t>
+            </a:r>
+          </a:p>
+        </p:txBody>
+      </p:sp>
+      <p:sp>
+        <p:nvSpPr>
+          <p:cNvPr id="9" name="スライド番号プレースホルダー 8"/>
+          <p:cNvSpPr>
+            <a:spLocks noGrp="1"/>
+          </p:cNvSpPr>
+          <p:nvPr>
+            <p:ph type="sldNum" sz="quarter" idx="4294967295"/>
+          </p:nvPr>
+        </p:nvSpPr>
+        <p:spPr>
+          <a:xfrm>
+            <a:off x="10875963" y="6376988"/>
+            <a:ext cx="1560512" cy="371475"/>
+          </a:xfrm>
+        </p:spPr>
+        <p:txBody>
+          <a:bodyPr/>
+          <a:lstStyle/>
+          <a:p>
+            <a:fld id="{A18726F9-315A-4462-8997-3530727730AD}" type="slidenum">
+              <a:rPr lang="ja-JP" altLang="en-US" smtClean="0"/>
+              <a:pPr/>
+              <a:t>3</a:t>
+            </a:fld>
+            <a:endParaRPr lang="ja-JP" altLang="en-US" dirty="0"/>
+          </a:p>
+        </p:txBody>
+      </p:sp>
+    </p:spTree>
+    <p:extLst>
+      <p:ext uri="{BB962C8B-B14F-4D97-AF65-F5344CB8AC3E}">
+        <p14:creationId xmlns:p14="http://schemas.microsoft.com/office/powerpoint/2010/main" val="3267151989"/>
+      </p:ext>
+    </p:extLst>
+  </p:cSld>
+  <p:clrMapOvr>
+    <a:masterClrMapping/>
+  </p:clrMapOvr>
+  <p:transition>
+    <p:fade/>
+  </p:transition>
+</p:sld>
+</file>
+
+<file path=ppt/slides/slide30.xml><?xml version="1.0" encoding="utf-8"?>
+<p:sld xmlns:a="http://schemas.openxmlformats.org/drawingml/2006/main" xmlns:r="http://schemas.openxmlformats.org/officeDocument/2006/relationships" xmlns:p="http://schemas.openxmlformats.org/presentationml/2006/main">
+  <p:cSld>
+    <p:spTree>
+      <p:nvGrpSpPr>
+        <p:cNvPr id="1" name=""/>
+        <p:cNvGrpSpPr/>
+        <p:nvPr/>
+      </p:nvGrpSpPr>
+      <p:grpSpPr>
+        <a:xfrm>
+          <a:off x="0" y="0"/>
+          <a:ext cx="0" cy="0"/>
+          <a:chOff x="0" y="0"/>
+          <a:chExt cx="0" cy="0"/>
+        </a:xfrm>
+      </p:grpSpPr>
+      <p:sp>
+        <p:nvSpPr>
+          <p:cNvPr id="10" name="タイトル 9"/>
+          <p:cNvSpPr>
+            <a:spLocks noGrp="1"/>
+          </p:cNvSpPr>
+          <p:nvPr>
+            <p:ph type="title"/>
+          </p:nvPr>
+        </p:nvSpPr>
+        <p:spPr/>
+        <p:txBody>
+          <a:bodyPr/>
+          <a:lstStyle/>
+          <a:p>
+            <a:pPr algn="ctr"/>
+            <a:r>
+              <a:rPr lang="en-US" altLang="ja-JP" dirty="0"/>
+              <a:t>One more thing…</a:t>
+            </a:r>
+            <a:endParaRPr lang="ja-JP" altLang="en-US" dirty="0"/>
+          </a:p>
+        </p:txBody>
+      </p:sp>
+      <p:sp>
+        <p:nvSpPr>
+          <p:cNvPr id="3" name="スライド番号プレースホルダー 2"/>
+          <p:cNvSpPr>
+            <a:spLocks noGrp="1"/>
+          </p:cNvSpPr>
+          <p:nvPr>
+            <p:ph type="sldNum" sz="quarter" idx="4294967295"/>
+          </p:nvPr>
+        </p:nvSpPr>
+        <p:spPr>
+          <a:xfrm>
+            <a:off x="10875963" y="6376988"/>
+            <a:ext cx="1560512" cy="371475"/>
+          </a:xfrm>
+        </p:spPr>
+        <p:txBody>
+          <a:bodyPr/>
+          <a:lstStyle/>
+          <a:p>
+            <a:fld id="{BA547519-0BEB-4367-A945-810145453CE0}" type="slidenum">
+              <a:rPr kumimoji="1" lang="ja-JP" altLang="en-US" smtClean="0"/>
+              <a:pPr/>
+              <a:t>30</a:t>
+            </a:fld>
+            <a:endParaRPr kumimoji="1" lang="ja-JP" altLang="en-US" dirty="0"/>
+          </a:p>
+        </p:txBody>
+      </p:sp>
+    </p:spTree>
+    <p:extLst>
+      <p:ext uri="{BB962C8B-B14F-4D97-AF65-F5344CB8AC3E}">
+        <p14:creationId xmlns:p14="http://schemas.microsoft.com/office/powerpoint/2010/main" val="2019411780"/>
+      </p:ext>
+    </p:extLst>
+  </p:cSld>
+  <p:clrMapOvr>
+    <a:masterClrMapping/>
+  </p:clrMapOvr>
+  <p:transition>
+    <p:fade/>
+  </p:transition>
+</p:sld>
+</file>
+
+<file path=ppt/slides/slide31.xml><?xml version="1.0" encoding="utf-8"?>
+<p:sld xmlns:a="http://schemas.openxmlformats.org/drawingml/2006/main" xmlns:r="http://schemas.openxmlformats.org/officeDocument/2006/relationships" xmlns:p="http://schemas.openxmlformats.org/presentationml/2006/main">
+  <p:cSld>
+    <p:spTree>
+      <p:nvGrpSpPr>
+        <p:cNvPr id="1" name=""/>
+        <p:cNvGrpSpPr/>
+        <p:nvPr/>
+      </p:nvGrpSpPr>
+      <p:grpSpPr>
+        <a:xfrm>
+          <a:off x="0" y="0"/>
+          <a:ext cx="0" cy="0"/>
+          <a:chOff x="0" y="0"/>
+          <a:chExt cx="0" cy="0"/>
+        </a:xfrm>
+      </p:grpSpPr>
+      <p:sp>
+        <p:nvSpPr>
           <p:cNvPr id="4" name="テキスト プレースホルダー 3"/>
           <p:cNvSpPr>
             <a:spLocks noGrp="1"/>
@@ -12768,7 +16148,7 @@
 </p:sld>
 </file>
 
-<file path=ppt/slides/slide27.xml><?xml version="1.0" encoding="utf-8"?>
+<file path=ppt/slides/slide32.xml><?xml version="1.0" encoding="utf-8"?>
 <p:sld xmlns:a="http://schemas.openxmlformats.org/drawingml/2006/main" xmlns:r="http://schemas.openxmlformats.org/officeDocument/2006/relationships" xmlns:p="http://schemas.openxmlformats.org/presentationml/2006/main">
   <p:cSld>
     <p:spTree>
@@ -12921,7 +16301,7 @@
             <a:fld id="{BA547519-0BEB-4367-A945-810145453CE0}" type="slidenum">
               <a:rPr kumimoji="1" lang="ja-JP" altLang="en-US" smtClean="0"/>
               <a:pPr/>
-              <a:t>27</a:t>
+              <a:t>32</a:t>
             </a:fld>
             <a:endParaRPr kumimoji="1" lang="ja-JP" altLang="en-US" dirty="0"/>
           </a:p>
@@ -13014,7 +16394,7 @@
 </p:sld>
 </file>
 
-<file path=ppt/slides/slide28.xml><?xml version="1.0" encoding="utf-8"?>
+<file path=ppt/slides/slide33.xml><?xml version="1.0" encoding="utf-8"?>
 <p:sld xmlns:a="http://schemas.openxmlformats.org/drawingml/2006/main" xmlns:r="http://schemas.openxmlformats.org/officeDocument/2006/relationships" xmlns:p="http://schemas.openxmlformats.org/presentationml/2006/main">
   <p:cSld>
     <p:spTree>
@@ -13080,7 +16460,7 @@
             <a:fld id="{BA547519-0BEB-4367-A945-810145453CE0}" type="slidenum">
               <a:rPr kumimoji="1" lang="ja-JP" altLang="en-US" smtClean="0"/>
               <a:pPr/>
-              <a:t>28</a:t>
+              <a:t>33</a:t>
             </a:fld>
             <a:endParaRPr kumimoji="1" lang="ja-JP" altLang="en-US" dirty="0"/>
           </a:p>
@@ -13102,7 +16482,7 @@
 </p:sld>
 </file>
 
-<file path=ppt/slides/slide29.xml><?xml version="1.0" encoding="utf-8"?>
+<file path=ppt/slides/slide34.xml><?xml version="1.0" encoding="utf-8"?>
 <p:sld xmlns:a="http://schemas.openxmlformats.org/drawingml/2006/main" xmlns:r="http://schemas.openxmlformats.org/officeDocument/2006/relationships" xmlns:p="http://schemas.openxmlformats.org/presentationml/2006/main">
   <p:cSld>
     <p:spTree>
@@ -13173,7 +16553,7 @@
             <a:fld id="{BA547519-0BEB-4367-A945-810145453CE0}" type="slidenum">
               <a:rPr kumimoji="1" lang="ja-JP" altLang="en-US" smtClean="0"/>
               <a:pPr/>
-              <a:t>29</a:t>
+              <a:t>34</a:t>
             </a:fld>
             <a:endParaRPr kumimoji="1" lang="ja-JP" altLang="en-US" dirty="0"/>
           </a:p>
@@ -13183,196 +16563,6 @@
     <p:extLst>
       <p:ext uri="{BB962C8B-B14F-4D97-AF65-F5344CB8AC3E}">
         <p14:creationId xmlns:p14="http://schemas.microsoft.com/office/powerpoint/2010/main" val="319432160"/>
-      </p:ext>
-    </p:extLst>
-  </p:cSld>
-  <p:clrMapOvr>
-    <a:masterClrMapping/>
-  </p:clrMapOvr>
-  <p:transition>
-    <p:fade/>
-  </p:transition>
-</p:sld>
-</file>
-
-<file path=ppt/slides/slide3.xml><?xml version="1.0" encoding="utf-8"?>
-<p:sld xmlns:a="http://schemas.openxmlformats.org/drawingml/2006/main" xmlns:r="http://schemas.openxmlformats.org/officeDocument/2006/relationships" xmlns:p="http://schemas.openxmlformats.org/presentationml/2006/main">
-  <p:cSld>
-    <p:spTree>
-      <p:nvGrpSpPr>
-        <p:cNvPr id="1" name=""/>
-        <p:cNvGrpSpPr/>
-        <p:nvPr/>
-      </p:nvGrpSpPr>
-      <p:grpSpPr>
-        <a:xfrm>
-          <a:off x="0" y="0"/>
-          <a:ext cx="0" cy="0"/>
-          <a:chOff x="0" y="0"/>
-          <a:chExt cx="0" cy="0"/>
-        </a:xfrm>
-      </p:grpSpPr>
-      <p:sp>
-        <p:nvSpPr>
-          <p:cNvPr id="2" name="タイトル 1"/>
-          <p:cNvSpPr>
-            <a:spLocks noGrp="1"/>
-          </p:cNvSpPr>
-          <p:nvPr>
-            <p:ph type="title"/>
-          </p:nvPr>
-        </p:nvSpPr>
-        <p:spPr/>
-        <p:txBody>
-          <a:bodyPr/>
-          <a:lstStyle/>
-          <a:p>
-            <a:r>
-              <a:rPr lang="en-US" altLang="ja-JP" dirty="0"/>
-              <a:t>Agenda</a:t>
-            </a:r>
-            <a:endParaRPr lang="ja-JP" altLang="en-US" dirty="0"/>
-          </a:p>
-        </p:txBody>
-      </p:sp>
-      <p:sp>
-        <p:nvSpPr>
-          <p:cNvPr id="3" name="コンテンツ プレースホルダー 2"/>
-          <p:cNvSpPr>
-            <a:spLocks noGrp="1"/>
-          </p:cNvSpPr>
-          <p:nvPr>
-            <p:ph sz="quarter" idx="10"/>
-          </p:nvPr>
-        </p:nvSpPr>
-        <p:spPr/>
-        <p:txBody>
-          <a:bodyPr>
-            <a:normAutofit lnSpcReduction="10000"/>
-          </a:bodyPr>
-          <a:lstStyle/>
-          <a:p>
-            <a:pPr marL="571500" indent="-571500">
-              <a:buFont typeface="Arial" panose="020B0604020202020204" pitchFamily="34" charset="0"/>
-              <a:buChar char="•"/>
-            </a:pPr>
-            <a:r>
-              <a:rPr lang="en-US" altLang="ja-JP" dirty="0">
-                <a:solidFill>
-                  <a:schemeClr val="bg2"/>
-                </a:solidFill>
-              </a:rPr>
-              <a:t>Introduction</a:t>
-            </a:r>
-          </a:p>
-          <a:p>
-            <a:pPr marL="571500" indent="-571500">
-              <a:buFont typeface="Arial" panose="020B0604020202020204" pitchFamily="34" charset="0"/>
-              <a:buChar char="•"/>
-            </a:pPr>
-            <a:r>
-              <a:rPr lang="en-US" altLang="ja-JP" dirty="0">
-                <a:solidFill>
-                  <a:schemeClr val="tx2">
-                    <a:lumMod val="40000"/>
-                    <a:lumOff val="60000"/>
-                  </a:schemeClr>
-                </a:solidFill>
-              </a:rPr>
-              <a:t>What is Prism? &amp; What do you get?</a:t>
-            </a:r>
-          </a:p>
-          <a:p>
-            <a:pPr marL="571500" indent="-571500">
-              <a:buFont typeface="Arial" panose="020B0604020202020204" pitchFamily="34" charset="0"/>
-              <a:buChar char="•"/>
-            </a:pPr>
-            <a:r>
-              <a:rPr lang="en-US" altLang="ja-JP" dirty="0">
-                <a:solidFill>
-                  <a:schemeClr val="tx2">
-                    <a:lumMod val="40000"/>
-                    <a:lumOff val="60000"/>
-                  </a:schemeClr>
-                </a:solidFill>
-              </a:rPr>
-              <a:t>Why Prism for </a:t>
-            </a:r>
-            <a:r>
-              <a:rPr lang="en-US" altLang="ja-JP" dirty="0" err="1">
-                <a:solidFill>
-                  <a:schemeClr val="tx2">
-                    <a:lumMod val="40000"/>
-                    <a:lumOff val="60000"/>
-                  </a:schemeClr>
-                </a:solidFill>
-              </a:rPr>
-              <a:t>Xamarin.Forms</a:t>
-            </a:r>
-            <a:r>
-              <a:rPr lang="en-US" altLang="ja-JP" dirty="0">
-                <a:solidFill>
-                  <a:schemeClr val="tx2">
-                    <a:lumMod val="40000"/>
-                    <a:lumOff val="60000"/>
-                  </a:schemeClr>
-                </a:solidFill>
-              </a:rPr>
-              <a:t>?</a:t>
-            </a:r>
-          </a:p>
-          <a:p>
-            <a:pPr marL="571500" indent="-571500">
-              <a:buFont typeface="Arial" panose="020B0604020202020204" pitchFamily="34" charset="0"/>
-              <a:buChar char="•"/>
-            </a:pPr>
-            <a:r>
-              <a:rPr lang="en-US" altLang="ja-JP" dirty="0">
-                <a:solidFill>
-                  <a:schemeClr val="tx2">
-                    <a:lumMod val="40000"/>
-                    <a:lumOff val="60000"/>
-                  </a:schemeClr>
-                </a:solidFill>
-              </a:rPr>
-              <a:t>DEMO</a:t>
-            </a:r>
-          </a:p>
-        </p:txBody>
-      </p:sp>
-      <p:sp>
-        <p:nvSpPr>
-          <p:cNvPr id="9" name="スライド番号プレースホルダー 8"/>
-          <p:cNvSpPr>
-            <a:spLocks noGrp="1"/>
-          </p:cNvSpPr>
-          <p:nvPr>
-            <p:ph type="sldNum" sz="quarter" idx="4294967295"/>
-          </p:nvPr>
-        </p:nvSpPr>
-        <p:spPr>
-          <a:xfrm>
-            <a:off x="10875963" y="6376988"/>
-            <a:ext cx="1560512" cy="371475"/>
-          </a:xfrm>
-        </p:spPr>
-        <p:txBody>
-          <a:bodyPr/>
-          <a:lstStyle/>
-          <a:p>
-            <a:fld id="{A18726F9-315A-4462-8997-3530727730AD}" type="slidenum">
-              <a:rPr lang="ja-JP" altLang="en-US" smtClean="0"/>
-              <a:pPr/>
-              <a:t>3</a:t>
-            </a:fld>
-            <a:endParaRPr lang="ja-JP" altLang="en-US" dirty="0"/>
-          </a:p>
-        </p:txBody>
-      </p:sp>
-    </p:spTree>
-    <p:extLst>
-      <p:ext uri="{BB962C8B-B14F-4D97-AF65-F5344CB8AC3E}">
-        <p14:creationId xmlns:p14="http://schemas.microsoft.com/office/powerpoint/2010/main" val="3267151989"/>
       </p:ext>
     </p:extLst>
   </p:cSld>

--- a/docs/Why Prism for Xamarin.Forms.pptx
+++ b/docs/Why Prism for Xamarin.Forms.pptx
@@ -224,7 +224,7 @@
               <a:rPr lang="en-US" altLang="ja-JP" smtClean="0">
                 <a:latin typeface="Segoe UI" pitchFamily="34" charset="0"/>
               </a:rPr>
-              <a:t>11/4/2016 3:31 PM</a:t>
+              <a:t>11/6/2016 2:09 PM</a:t>
             </a:fld>
             <a:endParaRPr lang="en-US" dirty="0">
               <a:latin typeface="Segoe UI" pitchFamily="34" charset="0"/>
@@ -469,7 +469,7 @@
           <a:p>
             <a:fld id="{35F63945-09EF-4D56-AA6D-C1F6374BA98A}" type="datetime8">
               <a:rPr lang="en-US" altLang="ja-JP" smtClean="0"/>
-              <a:t>11/4/2016 3:31 PM</a:t>
+              <a:t>11/6/2016 2:09 PM</a:t>
             </a:fld>
             <a:endParaRPr lang="en-US" dirty="0"/>
           </a:p>
@@ -758,6 +758,49 @@
           <a:bodyPr/>
           <a:lstStyle/>
           <a:p>
+            <a:r>
+              <a:rPr kumimoji="1" lang="ja-JP" altLang="en-US" dirty="0" smtClean="0"/>
+              <a:t>本ハンズオンは</a:t>
+            </a:r>
+            <a:r>
+              <a:rPr kumimoji="1" lang="en-US" altLang="ja-JP" dirty="0" smtClean="0"/>
+              <a:t>2016.10.28</a:t>
+            </a:r>
+            <a:r>
+              <a:rPr kumimoji="1" lang="ja-JP" altLang="en-US" baseline="0" dirty="0" smtClean="0"/>
+              <a:t>に実施された「</a:t>
+            </a:r>
+            <a:r>
+              <a:rPr kumimoji="1" lang="en-US" altLang="ja-JP" baseline="0" dirty="0" smtClean="0"/>
+              <a:t>JXUGC #18 Xamarin.Forms </a:t>
+            </a:r>
+            <a:r>
+              <a:rPr kumimoji="1" lang="ja-JP" altLang="en-US" baseline="0" dirty="0" smtClean="0"/>
+              <a:t>＆ </a:t>
+            </a:r>
+            <a:r>
+              <a:rPr kumimoji="1" lang="en-US" altLang="ja-JP" baseline="0" dirty="0" smtClean="0"/>
+              <a:t>Prism </a:t>
+            </a:r>
+            <a:r>
+              <a:rPr kumimoji="1" lang="ja-JP" altLang="en-US" baseline="0" dirty="0" smtClean="0"/>
+              <a:t>＆ </a:t>
+            </a:r>
+            <a:r>
+              <a:rPr kumimoji="1" lang="en-US" altLang="ja-JP" baseline="0" dirty="0" smtClean="0"/>
+              <a:t>Azure Mobile Apps </a:t>
+            </a:r>
+            <a:r>
+              <a:rPr kumimoji="1" lang="ja-JP" altLang="en-US" baseline="0" dirty="0" smtClean="0"/>
+              <a:t>を使いこなそう」にて発表した資料と、ライブコーディングが元の資料となっています。</a:t>
+            </a:r>
+            <a:endParaRPr kumimoji="1" lang="en-US" altLang="ja-JP" baseline="0" dirty="0" smtClean="0"/>
+          </a:p>
+          <a:p>
+            <a:r>
+              <a:rPr kumimoji="1" lang="ja-JP" altLang="en-US" baseline="0" dirty="0" smtClean="0"/>
+              <a:t>まずはこの資料にざっと目を通したうえで、ハンズオンを進めてください。</a:t>
+            </a:r>
             <a:endParaRPr kumimoji="1" lang="ja-JP" altLang="en-US" dirty="0"/>
           </a:p>
         </p:txBody>
@@ -833,7 +876,7 @@
           <a:p>
             <a:fld id="{35F63945-09EF-4D56-AA6D-C1F6374BA98A}" type="datetime8">
               <a:rPr lang="en-US" altLang="ja-JP" smtClean="0"/>
-              <a:t>11/4/2016 3:31 PM</a:t>
+              <a:t>11/6/2016 2:13 PM</a:t>
             </a:fld>
             <a:endParaRPr lang="en-US" dirty="0"/>
           </a:p>
@@ -1110,7 +1153,7 @@
           <a:p>
             <a:fld id="{35F63945-09EF-4D56-AA6D-C1F6374BA98A}" type="datetime8">
               <a:rPr lang="en-US" altLang="ja-JP" smtClean="0"/>
-              <a:t>11/4/2016 3:31 PM</a:t>
+              <a:t>11/6/2016 2:09 PM</a:t>
             </a:fld>
             <a:endParaRPr lang="en-US" dirty="0"/>
           </a:p>
@@ -1247,30 +1290,15 @@
             </a:pPr>
             <a:r>
               <a:rPr kumimoji="1" lang="ja-JP" altLang="en-US" dirty="0"/>
-              <a:t>半分正しく</a:t>
-            </a:r>
-          </a:p>
-          <a:p>
-            <a:pPr marL="0" marR="0" lvl="0" indent="0" algn="l" defTabSz="932742" rtl="0" eaLnBrk="1" fontAlgn="auto" latinLnBrk="0" hangingPunct="1">
-              <a:lnSpc>
-                <a:spcPct val="90000"/>
-              </a:lnSpc>
-              <a:spcBef>
-                <a:spcPts val="0"/>
-              </a:spcBef>
-              <a:spcAft>
-                <a:spcPts val="340"/>
-              </a:spcAft>
-              <a:buClrTx/>
-              <a:buSzTx/>
-              <a:buFontTx/>
-              <a:buNone/>
-              <a:tabLst/>
-              <a:defRPr/>
-            </a:pPr>
+              <a:t>半分</a:t>
+            </a:r>
+            <a:r>
+              <a:rPr kumimoji="1" lang="ja-JP" altLang="en-US" dirty="0" smtClean="0"/>
+              <a:t>正しく、半分</a:t>
+            </a:r>
             <a:r>
               <a:rPr kumimoji="1" lang="ja-JP" altLang="en-US" dirty="0"/>
-              <a:t>半分誤りです</a:t>
+              <a:t>誤りです</a:t>
             </a:r>
           </a:p>
         </p:txBody>
@@ -1319,7 +1347,7 @@
           <a:p>
             <a:fld id="{D9D3C64A-CFB4-4980-8828-24F416B1C84A}" type="datetime1">
               <a:rPr kumimoji="1" lang="ja-JP" altLang="en-US" smtClean="0"/>
-              <a:t>2016/11/4</a:t>
+              <a:t>2016/11/6</a:t>
             </a:fld>
             <a:endParaRPr kumimoji="1" lang="ja-JP" altLang="en-US" dirty="0"/>
           </a:p>
@@ -1453,14 +1481,12 @@
           </a:p>
           <a:p>
             <a:r>
+              <a:rPr kumimoji="1" lang="ja-JP" altLang="en-US" dirty="0" smtClean="0"/>
+              <a:t>アーリーアダプターの方は</a:t>
+            </a:r>
+            <a:r>
               <a:rPr kumimoji="1" lang="ja-JP" altLang="en-US" dirty="0"/>
-              <a:t>そのため、この後のセッションで話される「かずきさん」みたいな</a:t>
-            </a:r>
-          </a:p>
-          <a:p>
-            <a:r>
-              <a:rPr kumimoji="1" lang="ja-JP" altLang="en-US" dirty="0"/>
-              <a:t>アーリーアダプターの人は大変苦労されたと思います。</a:t>
+              <a:t>大変苦労されたと思います。</a:t>
             </a:r>
             <a:endParaRPr kumimoji="1" lang="en-US" altLang="ja-JP" dirty="0"/>
           </a:p>
@@ -1475,14 +1501,12 @@
           </a:p>
           <a:p>
             <a:r>
+              <a:rPr kumimoji="1" lang="ja-JP" altLang="en-US" dirty="0" smtClean="0"/>
+              <a:t>現在は日本語</a:t>
+            </a:r>
+            <a:r>
               <a:rPr kumimoji="1" lang="ja-JP" altLang="en-US" dirty="0"/>
-              <a:t>かずきさん達、人柱のおかげで、</a:t>
-            </a:r>
-          </a:p>
-          <a:p>
-            <a:r>
-              <a:rPr kumimoji="1" lang="ja-JP" altLang="en-US" dirty="0"/>
-              <a:t>日本語の情報もだいぶ揃ってきています。</a:t>
+              <a:t>の情報もだいぶ揃ってきています。</a:t>
             </a:r>
             <a:endParaRPr kumimoji="1" lang="en-US" altLang="ja-JP" dirty="0"/>
           </a:p>
@@ -1565,7 +1589,7 @@
           <a:p>
             <a:fld id="{35F63945-09EF-4D56-AA6D-C1F6374BA98A}" type="datetime8">
               <a:rPr lang="en-US" altLang="ja-JP" smtClean="0"/>
-              <a:t>11/4/2016 3:31 PM</a:t>
+              <a:t>11/6/2016 2:09 PM</a:t>
             </a:fld>
             <a:endParaRPr lang="en-US" dirty="0"/>
           </a:p>
@@ -1654,47 +1678,82 @@
           <a:p>
             <a:r>
               <a:rPr kumimoji="1" lang="ja-JP" altLang="en-US" dirty="0"/>
-              <a:t>そして大切なのは</a:t>
-            </a:r>
-            <a:endParaRPr kumimoji="1" lang="en-US" altLang="ja-JP" dirty="0"/>
-          </a:p>
-          <a:p>
+              <a:t>そして大切なの</a:t>
+            </a:r>
+            <a:r>
+              <a:rPr kumimoji="1" lang="ja-JP" altLang="en-US" dirty="0" smtClean="0"/>
+              <a:t>は、</a:t>
+            </a:r>
+            <a:r>
+              <a:rPr kumimoji="1" lang="en-US" altLang="ja-JP" dirty="0" smtClean="0"/>
+              <a:t>MVVM </a:t>
+            </a:r>
             <a:r>
               <a:rPr kumimoji="1" lang="en-US" altLang="ja-JP" dirty="0"/>
-              <a:t>MVVM Light</a:t>
+              <a:t>Light</a:t>
             </a:r>
             <a:r>
               <a:rPr kumimoji="1" lang="ja-JP" altLang="en-US" dirty="0"/>
-              <a:t>には含まれていなくて</a:t>
-            </a:r>
-            <a:endParaRPr kumimoji="1" lang="en-US" altLang="ja-JP" dirty="0"/>
-          </a:p>
-          <a:p>
+              <a:t>には含まれて</a:t>
+            </a:r>
+            <a:r>
+              <a:rPr kumimoji="1" lang="ja-JP" altLang="en-US" dirty="0" smtClean="0"/>
+              <a:t>いなくて、実は</a:t>
+            </a:r>
             <a:r>
               <a:rPr kumimoji="1" lang="ja-JP" altLang="en-US" dirty="0"/>
-              <a:t>実は使うと幸せになれるという機能が</a:t>
-            </a:r>
-          </a:p>
-          <a:p>
-            <a:r>
-              <a:rPr kumimoji="1" lang="en-US" altLang="ja-JP" dirty="0"/>
+              <a:t>使うと幸せになれるという機能</a:t>
+            </a:r>
+            <a:r>
+              <a:rPr kumimoji="1" lang="ja-JP" altLang="en-US" dirty="0" smtClean="0"/>
+              <a:t>が</a:t>
+            </a:r>
+            <a:endParaRPr kumimoji="1" lang="en-US" altLang="ja-JP" dirty="0" smtClean="0"/>
+          </a:p>
+          <a:p>
+            <a:r>
+              <a:rPr kumimoji="1" lang="ja-JP" altLang="en-US" dirty="0" smtClean="0"/>
+              <a:t>特に</a:t>
+            </a:r>
+            <a:r>
+              <a:rPr kumimoji="1" lang="en-US" altLang="ja-JP" dirty="0" smtClean="0"/>
               <a:t>Xamarin</a:t>
             </a:r>
             <a:r>
+              <a:rPr kumimoji="1" lang="ja-JP" altLang="en-US" dirty="0" smtClean="0"/>
+              <a:t>向けの</a:t>
+            </a:r>
+            <a:r>
+              <a:rPr kumimoji="1" lang="en-US" altLang="ja-JP" dirty="0" smtClean="0"/>
+              <a:t>Prism</a:t>
+            </a:r>
+            <a:r>
+              <a:rPr kumimoji="1" lang="en-US" altLang="ja-JP" baseline="0" dirty="0" smtClean="0"/>
+              <a:t> for Xamarin.Forms</a:t>
+            </a:r>
+            <a:r>
+              <a:rPr kumimoji="1" lang="ja-JP" altLang="en-US" baseline="0" dirty="0" smtClean="0"/>
+              <a:t>に、</a:t>
+            </a:r>
+            <a:r>
+              <a:rPr kumimoji="1" lang="ja-JP" altLang="en-US" dirty="0" smtClean="0"/>
+              <a:t>特</a:t>
+            </a:r>
+            <a:r>
               <a:rPr kumimoji="1" lang="ja-JP" altLang="en-US" dirty="0"/>
-              <a:t>の場合は</a:t>
-            </a:r>
-          </a:p>
-          <a:p>
+              <a:t>に多く</a:t>
+            </a:r>
+            <a:r>
+              <a:rPr kumimoji="1" lang="ja-JP" altLang="en-US" dirty="0" smtClean="0"/>
+              <a:t>あると</a:t>
+            </a:r>
             <a:r>
               <a:rPr kumimoji="1" lang="ja-JP" altLang="en-US" dirty="0"/>
-              <a:t>特に多くある</a:t>
-            </a:r>
-          </a:p>
-          <a:p>
-            <a:r>
-              <a:rPr kumimoji="1" lang="ja-JP" altLang="en-US" dirty="0"/>
-              <a:t>ということです</a:t>
+              <a:t>いうこと</a:t>
+            </a:r>
+            <a:r>
+              <a:rPr kumimoji="1" lang="ja-JP" altLang="en-US" dirty="0" smtClean="0"/>
+              <a:t>です。</a:t>
             </a:r>
             <a:endParaRPr kumimoji="1" lang="en-US" altLang="ja-JP" dirty="0"/>
           </a:p>
@@ -1771,7 +1830,7 @@
           <a:p>
             <a:fld id="{35F63945-09EF-4D56-AA6D-C1F6374BA98A}" type="datetime8">
               <a:rPr lang="en-US" altLang="ja-JP" smtClean="0"/>
-              <a:t>11/4/2016 3:31 PM</a:t>
+              <a:t>11/6/2016 2:09 PM</a:t>
             </a:fld>
             <a:endParaRPr lang="en-US" dirty="0"/>
           </a:p>
@@ -1963,53 +2022,19 @@
               <a:defRPr/>
             </a:pPr>
             <a:r>
+              <a:rPr kumimoji="1" lang="ja-JP" altLang="en-US" dirty="0" smtClean="0"/>
+              <a:t>ただ私は、こう</a:t>
+            </a:r>
+            <a:r>
               <a:rPr kumimoji="1" lang="ja-JP" altLang="en-US" dirty="0"/>
-              <a:t>ただ、私は、</a:t>
-            </a:r>
-          </a:p>
-          <a:p>
-            <a:pPr marL="0" marR="0" lvl="0" indent="0" algn="l" defTabSz="932742" rtl="0" eaLnBrk="1" fontAlgn="auto" latinLnBrk="0" hangingPunct="1">
-              <a:lnSpc>
-                <a:spcPct val="90000"/>
-              </a:lnSpc>
-              <a:spcBef>
-                <a:spcPts val="0"/>
-              </a:spcBef>
-              <a:spcAft>
-                <a:spcPts val="340"/>
-              </a:spcAft>
-              <a:buClrTx/>
-              <a:buSzTx/>
-              <a:buFontTx/>
-              <a:buNone/>
-              <a:tabLst/>
-              <a:defRPr/>
-            </a:pPr>
-            <a:r>
-              <a:rPr kumimoji="1" lang="ja-JP" altLang="en-US" dirty="0"/>
-              <a:t>こういった個別の機能よりも大切なものが</a:t>
-            </a:r>
-          </a:p>
-          <a:p>
-            <a:pPr marL="0" marR="0" lvl="0" indent="0" algn="l" defTabSz="932742" rtl="0" eaLnBrk="1" fontAlgn="auto" latinLnBrk="0" hangingPunct="1">
-              <a:lnSpc>
-                <a:spcPct val="90000"/>
-              </a:lnSpc>
-              <a:spcBef>
-                <a:spcPts val="0"/>
-              </a:spcBef>
-              <a:spcAft>
-                <a:spcPts val="340"/>
-              </a:spcAft>
-              <a:buClrTx/>
-              <a:buSzTx/>
-              <a:buFontTx/>
-              <a:buNone/>
-              <a:tabLst/>
-              <a:defRPr/>
-            </a:pPr>
-            <a:r>
-              <a:rPr kumimoji="1" lang="en-US" altLang="ja-JP" dirty="0"/>
+              <a:t>いった個別の機能よりも大切なもの</a:t>
+            </a:r>
+            <a:r>
+              <a:rPr kumimoji="1" lang="ja-JP" altLang="en-US" dirty="0" smtClean="0"/>
+              <a:t>が</a:t>
+            </a:r>
+            <a:r>
+              <a:rPr kumimoji="1" lang="en-US" altLang="ja-JP" dirty="0" smtClean="0"/>
               <a:t>Prism</a:t>
             </a:r>
             <a:r>
@@ -2090,7 +2115,7 @@
           <a:p>
             <a:fld id="{35F63945-09EF-4D56-AA6D-C1F6374BA98A}" type="datetime8">
               <a:rPr lang="en-US" altLang="ja-JP" smtClean="0"/>
-              <a:t>11/4/2016 3:31 PM</a:t>
+              <a:t>11/6/2016 2:09 PM</a:t>
             </a:fld>
             <a:endParaRPr lang="en-US" dirty="0"/>
           </a:p>
@@ -2214,13 +2239,15 @@
           <a:p>
             <a:r>
               <a:rPr kumimoji="1" lang="ja-JP" altLang="en-US" dirty="0"/>
-              <a:t>そしてそれらが、みなさんのアプリに</a:t>
-            </a:r>
-          </a:p>
-          <a:p>
+              <a:t>そしてそれらが、みなさんのアプリ</a:t>
+            </a:r>
+            <a:r>
+              <a:rPr kumimoji="1" lang="ja-JP" altLang="en-US" dirty="0" smtClean="0"/>
+              <a:t>にテスタビリティ</a:t>
+            </a:r>
             <a:r>
               <a:rPr kumimoji="1" lang="ja-JP" altLang="en-US" dirty="0"/>
-              <a:t>テスタビリティやメンテナンスビリティをあたえてくれる</a:t>
+              <a:t>やメンテナンスビリティをあたえてくれる</a:t>
             </a:r>
           </a:p>
           <a:p>
@@ -2317,7 +2344,7 @@
           <a:p>
             <a:fld id="{35F63945-09EF-4D56-AA6D-C1F6374BA98A}" type="datetime8">
               <a:rPr lang="en-US" altLang="ja-JP" smtClean="0"/>
-              <a:t>11/4/2016 3:31 PM</a:t>
+              <a:t>11/6/2016 2:09 PM</a:t>
             </a:fld>
             <a:endParaRPr lang="en-US" dirty="0"/>
           </a:p>
@@ -2526,7 +2553,7 @@
           <a:p>
             <a:fld id="{35F63945-09EF-4D56-AA6D-C1F6374BA98A}" type="datetime8">
               <a:rPr lang="en-US" altLang="ja-JP" smtClean="0"/>
-              <a:t>11/4/2016 3:31 PM</a:t>
+              <a:t>11/6/2016 2:09 PM</a:t>
             </a:fld>
             <a:endParaRPr lang="en-US" dirty="0"/>
           </a:p>
@@ -2768,13 +2795,14 @@
             </a:r>
             <a:r>
               <a:rPr kumimoji="1" lang="ja-JP" altLang="en-US" dirty="0"/>
-              <a:t>というのは可能な限り薄くして</a:t>
-            </a:r>
-            <a:endParaRPr kumimoji="1" lang="en-US" altLang="ja-JP" dirty="0"/>
-          </a:p>
-          <a:p>
-            <a:r>
-              <a:rPr kumimoji="1" lang="en-US" altLang="ja-JP" dirty="0"/>
+              <a:t>というのは可能な限り薄く</a:t>
+            </a:r>
+            <a:r>
+              <a:rPr kumimoji="1" lang="ja-JP" altLang="en-US" dirty="0" smtClean="0"/>
+              <a:t>して</a:t>
+            </a:r>
+            <a:r>
+              <a:rPr kumimoji="1" lang="en-US" altLang="ja-JP" dirty="0" smtClean="0"/>
               <a:t>Model</a:t>
             </a:r>
             <a:r>
@@ -2870,7 +2898,7 @@
           <a:p>
             <a:fld id="{35F63945-09EF-4D56-AA6D-C1F6374BA98A}" type="datetime8">
               <a:rPr lang="en-US" altLang="ja-JP" smtClean="0"/>
-              <a:t>11/4/2016 3:31 PM</a:t>
+              <a:t>11/6/2016 2:09 PM</a:t>
             </a:fld>
             <a:endParaRPr lang="en-US" dirty="0"/>
           </a:p>
@@ -2966,22 +2994,24 @@
               <a:t>Xamarin</a:t>
             </a:r>
             <a:r>
-              <a:rPr kumimoji="1" lang="ja-JP" altLang="en-US" dirty="0" err="1"/>
+              <a:rPr kumimoji="1" lang="ja-JP" altLang="en-US" dirty="0" err="1" smtClean="0"/>
               <a:t>のような</a:t>
             </a:r>
-            <a:endParaRPr kumimoji="1" lang="en-US" altLang="ja-JP" dirty="0"/>
-          </a:p>
-          <a:p>
+            <a:r>
+              <a:rPr kumimoji="1" lang="ja-JP" altLang="en-US" dirty="0" smtClean="0"/>
+              <a:t>モバイル</a:t>
+            </a:r>
             <a:r>
               <a:rPr kumimoji="1" lang="ja-JP" altLang="en-US" dirty="0"/>
-              <a:t>モバイルでかつクロスプラットフォームの場合</a:t>
-            </a:r>
-            <a:endParaRPr kumimoji="1" lang="en-US" altLang="ja-JP" dirty="0"/>
-          </a:p>
-          <a:p>
+              <a:t>でかつクロスプラットフォームの</a:t>
+            </a:r>
+            <a:r>
+              <a:rPr kumimoji="1" lang="ja-JP" altLang="en-US" dirty="0" smtClean="0"/>
+              <a:t>場合、実は</a:t>
+            </a:r>
             <a:r>
               <a:rPr kumimoji="1" lang="ja-JP" altLang="en-US" dirty="0"/>
-              <a:t>実はモデルの中にも</a:t>
+              <a:t>モデルの中にも</a:t>
             </a:r>
             <a:endParaRPr kumimoji="1" lang="en-US" altLang="ja-JP" dirty="0"/>
           </a:p>
@@ -3079,7 +3109,7 @@
           <a:p>
             <a:fld id="{35F63945-09EF-4D56-AA6D-C1F6374BA98A}" type="datetime8">
               <a:rPr lang="en-US" altLang="ja-JP" smtClean="0"/>
-              <a:t>11/4/2016 3:31 PM</a:t>
+              <a:t>11/6/2016 2:09 PM</a:t>
             </a:fld>
             <a:endParaRPr lang="en-US" dirty="0"/>
           </a:p>
@@ -3182,7 +3212,15 @@
             </a:pPr>
             <a:r>
               <a:rPr lang="ja-JP" altLang="en-US" dirty="0"/>
-              <a:t>プラットフォーム依存領域や</a:t>
+              <a:t>プラットフォーム依存領域</a:t>
+            </a:r>
+            <a:r>
+              <a:rPr lang="ja-JP" altLang="en-US" dirty="0" smtClean="0"/>
+              <a:t>や、時間、非同期処理、プッシュ</a:t>
+            </a:r>
+            <a:r>
+              <a:rPr lang="ja-JP" altLang="en-US" dirty="0"/>
+              <a:t>通知</a:t>
             </a:r>
             <a:endParaRPr lang="en-US" altLang="ja-JP" dirty="0"/>
           </a:p>
@@ -3193,40 +3231,11 @@
             </a:pPr>
             <a:r>
               <a:rPr lang="ja-JP" altLang="en-US" dirty="0"/>
-              <a:t>時間</a:t>
-            </a:r>
-            <a:endParaRPr lang="en-US" altLang="ja-JP" dirty="0"/>
-          </a:p>
-          <a:p>
-            <a:pPr marL="0" indent="0">
-              <a:buFont typeface="Arial" panose="020B0604020202020204" pitchFamily="34" charset="0"/>
-              <a:buNone/>
-            </a:pPr>
-            <a:r>
-              <a:rPr lang="ja-JP" altLang="en-US" dirty="0"/>
-              <a:t>非同期処理</a:t>
-            </a:r>
-            <a:endParaRPr lang="en-US" altLang="ja-JP" dirty="0"/>
-          </a:p>
-          <a:p>
-            <a:pPr marL="0" indent="0">
-              <a:buFont typeface="Arial" panose="020B0604020202020204" pitchFamily="34" charset="0"/>
-              <a:buNone/>
-            </a:pPr>
-            <a:r>
-              <a:rPr lang="ja-JP" altLang="en-US" dirty="0"/>
-              <a:t>プッシュ通知</a:t>
-            </a:r>
-            <a:endParaRPr lang="en-US" altLang="ja-JP" dirty="0"/>
-          </a:p>
-          <a:p>
-            <a:pPr marL="0" indent="0">
-              <a:buFont typeface="Arial" panose="020B0604020202020204" pitchFamily="34" charset="0"/>
-              <a:buNone/>
-            </a:pPr>
-            <a:r>
-              <a:rPr lang="ja-JP" altLang="en-US" dirty="0"/>
-              <a:t>位置情報や加速度、カメラといったデバイスやセンサー類です</a:t>
+              <a:t>位置情報や加速度、カメラといったデバイスやセンサー類</a:t>
+            </a:r>
+            <a:r>
+              <a:rPr lang="ja-JP" altLang="en-US" dirty="0" smtClean="0"/>
+              <a:t>です。</a:t>
             </a:r>
             <a:endParaRPr lang="en-US" altLang="ja-JP" dirty="0"/>
           </a:p>
@@ -3324,7 +3333,7 @@
           <a:p>
             <a:fld id="{35F63945-09EF-4D56-AA6D-C1F6374BA98A}" type="datetime8">
               <a:rPr lang="en-US" altLang="ja-JP" smtClean="0"/>
-              <a:t>11/4/2016 3:31 PM</a:t>
+              <a:t>11/6/2016 2:09 PM</a:t>
             </a:fld>
             <a:endParaRPr lang="en-US" dirty="0"/>
           </a:p>
@@ -3413,20 +3422,30 @@
           <a:p>
             <a:r>
               <a:rPr kumimoji="1" lang="ja-JP" altLang="en-US" dirty="0"/>
-              <a:t>さて、今日は次の二つについて</a:t>
-            </a:r>
-          </a:p>
-          <a:p>
+              <a:t>さて</a:t>
+            </a:r>
+            <a:r>
+              <a:rPr kumimoji="1" lang="ja-JP" altLang="en-US" dirty="0" smtClean="0"/>
+              <a:t>、本資料でお伝えしたい内容は次の</a:t>
+            </a:r>
+            <a:r>
+              <a:rPr kumimoji="1" lang="en-US" altLang="ja-JP" dirty="0" smtClean="0"/>
+              <a:t>2</a:t>
+            </a:r>
+            <a:r>
+              <a:rPr kumimoji="1" lang="ja-JP" altLang="en-US" dirty="0" smtClean="0"/>
+              <a:t>点です。</a:t>
+            </a:r>
+            <a:endParaRPr kumimoji="1" lang="en-US" altLang="ja-JP" dirty="0" smtClean="0"/>
+          </a:p>
+          <a:p>
+            <a:r>
+              <a:rPr kumimoji="1" lang="ja-JP" altLang="en-US" dirty="0" smtClean="0"/>
+              <a:t>・</a:t>
+            </a:r>
             <a:r>
               <a:rPr kumimoji="1" lang="ja-JP" altLang="en-US" dirty="0"/>
-              <a:t>お話したいと思っています。</a:t>
-            </a:r>
-            <a:endParaRPr kumimoji="1" lang="en-US" altLang="ja-JP" dirty="0"/>
-          </a:p>
-          <a:p>
-            <a:r>
-              <a:rPr kumimoji="1" lang="ja-JP" altLang="en-US" dirty="0"/>
-              <a:t>・なぜ</a:t>
+              <a:t>なぜ</a:t>
             </a:r>
             <a:r>
               <a:rPr kumimoji="1" lang="en-US" altLang="ja-JP" dirty="0"/>
@@ -3449,14 +3468,11 @@
             </a:r>
             <a:r>
               <a:rPr kumimoji="1" lang="ja-JP" altLang="en-US" dirty="0"/>
-              <a:t>を使うべきか？</a:t>
-            </a:r>
-            <a:endParaRPr kumimoji="1" lang="en-US" altLang="ja-JP" dirty="0"/>
-          </a:p>
-          <a:p>
-            <a:r>
-              <a:rPr kumimoji="1" lang="ja-JP" altLang="en-US" dirty="0"/>
-              <a:t>です。</a:t>
+              <a:t>を使うべきか</a:t>
+            </a:r>
+            <a:r>
+              <a:rPr kumimoji="1" lang="ja-JP" altLang="en-US" dirty="0" smtClean="0"/>
+              <a:t>？</a:t>
             </a:r>
             <a:endParaRPr kumimoji="1" lang="en-US" altLang="ja-JP" dirty="0"/>
           </a:p>
@@ -3533,7 +3549,7 @@
           <a:p>
             <a:fld id="{35F63945-09EF-4D56-AA6D-C1F6374BA98A}" type="datetime8">
               <a:rPr lang="en-US" altLang="ja-JP" smtClean="0"/>
-              <a:t>11/4/2016 3:31 PM</a:t>
+              <a:t>11/6/2016 2:09 PM</a:t>
             </a:fld>
             <a:endParaRPr lang="en-US" dirty="0"/>
           </a:p>
@@ -3645,19 +3661,13 @@
           <a:p>
             <a:r>
               <a:rPr kumimoji="1" lang="ja-JP" altLang="en-US" dirty="0"/>
-              <a:t>神器みたいに言われていますが</a:t>
-            </a:r>
-            <a:endParaRPr kumimoji="1" lang="en-US" altLang="ja-JP" dirty="0"/>
-          </a:p>
-          <a:p>
-            <a:r>
-              <a:rPr kumimoji="1" lang="en-US" altLang="ja-JP" dirty="0"/>
-              <a:t>MVVM</a:t>
-            </a:r>
-            <a:r>
-              <a:rPr kumimoji="1" lang="ja-JP" altLang="en-US" dirty="0"/>
-              <a:t>とはなんでしょう？</a:t>
-            </a:r>
+              <a:t>神器みたいに</a:t>
+            </a:r>
+            <a:r>
+              <a:rPr kumimoji="1" lang="ja-JP" altLang="en-US" dirty="0" smtClean="0"/>
+              <a:t>言われることが多いですが一体何なのでしょうか？</a:t>
+            </a:r>
+            <a:endParaRPr kumimoji="1" lang="ja-JP" altLang="en-US" dirty="0"/>
           </a:p>
         </p:txBody>
       </p:sp>
@@ -3732,7 +3742,7 @@
           <a:p>
             <a:fld id="{35F63945-09EF-4D56-AA6D-C1F6374BA98A}" type="datetime8">
               <a:rPr lang="en-US" altLang="ja-JP" smtClean="0"/>
-              <a:t>11/4/2016 3:49 PM</a:t>
+              <a:t>11/6/2016 2:09 PM</a:t>
             </a:fld>
             <a:endParaRPr lang="en-US" dirty="0"/>
           </a:p>
@@ -3819,6 +3829,83 @@
           <a:bodyPr/>
           <a:lstStyle/>
           <a:p>
+            <a:r>
+              <a:rPr kumimoji="1" lang="en-US" altLang="ja-JP" dirty="0" smtClean="0"/>
+              <a:t>MVVM</a:t>
+            </a:r>
+            <a:r>
+              <a:rPr kumimoji="1" lang="ja-JP" altLang="en-US" dirty="0" smtClean="0"/>
+              <a:t>というのは、</a:t>
+            </a:r>
+            <a:r>
+              <a:rPr kumimoji="1" lang="en-US" altLang="ja-JP" dirty="0" err="1" smtClean="0"/>
+              <a:t>Presentaion</a:t>
+            </a:r>
+            <a:r>
+              <a:rPr kumimoji="1" lang="en-US" altLang="ja-JP" dirty="0" smtClean="0"/>
+              <a:t> Domain</a:t>
+            </a:r>
+            <a:r>
+              <a:rPr kumimoji="1" lang="en-US" altLang="ja-JP" baseline="0" dirty="0" smtClean="0"/>
+              <a:t> Separation</a:t>
+            </a:r>
+            <a:r>
+              <a:rPr kumimoji="1" lang="ja-JP" altLang="en-US" baseline="0" dirty="0" smtClean="0"/>
+              <a:t>（</a:t>
+            </a:r>
+            <a:r>
+              <a:rPr kumimoji="1" lang="en-US" altLang="ja-JP" baseline="0" dirty="0" smtClean="0"/>
+              <a:t>PDS</a:t>
+            </a:r>
+            <a:r>
+              <a:rPr kumimoji="1" lang="ja-JP" altLang="en-US" baseline="0" dirty="0" smtClean="0"/>
+              <a:t>）と呼ばれる</a:t>
+            </a:r>
+            <a:endParaRPr kumimoji="1" lang="en-US" altLang="ja-JP" baseline="0" dirty="0" smtClean="0"/>
+          </a:p>
+          <a:p>
+            <a:r>
+              <a:rPr kumimoji="1" lang="ja-JP" altLang="en-US" baseline="0" dirty="0" smtClean="0"/>
+              <a:t>「プレゼンテーション層」と「それ以外」を分離するための仕組みの実現手段の一つです。  </a:t>
+            </a:r>
+            <a:endParaRPr kumimoji="1" lang="en-US" altLang="ja-JP" baseline="0" dirty="0" smtClean="0"/>
+          </a:p>
+          <a:p>
+            <a:r>
+              <a:rPr kumimoji="1" lang="en-US" altLang="ja-JP" baseline="0" dirty="0" smtClean="0"/>
+              <a:t>PDS</a:t>
+            </a:r>
+            <a:r>
+              <a:rPr kumimoji="1" lang="ja-JP" altLang="en-US" baseline="0" dirty="0" err="1" smtClean="0"/>
+              <a:t>には</a:t>
+            </a:r>
+            <a:r>
+              <a:rPr kumimoji="1" lang="en-US" altLang="ja-JP" baseline="0" dirty="0" smtClean="0"/>
+              <a:t>MVVM</a:t>
+            </a:r>
+            <a:r>
+              <a:rPr kumimoji="1" lang="ja-JP" altLang="en-US" baseline="0" dirty="0" smtClean="0"/>
+              <a:t>以外にも、</a:t>
+            </a:r>
+            <a:r>
+              <a:rPr kumimoji="1" lang="en-US" altLang="ja-JP" baseline="0" dirty="0" smtClean="0"/>
+              <a:t>MVPVM</a:t>
+            </a:r>
+            <a:r>
+              <a:rPr kumimoji="1" lang="ja-JP" altLang="en-US" baseline="0" dirty="0" smtClean="0"/>
+              <a:t>や</a:t>
+            </a:r>
+            <a:r>
+              <a:rPr kumimoji="1" lang="en-US" altLang="ja-JP" baseline="0" dirty="0" smtClean="0"/>
+              <a:t>MVC</a:t>
+            </a:r>
+            <a:r>
+              <a:rPr kumimoji="1" lang="ja-JP" altLang="en-US" baseline="0" dirty="0" smtClean="0"/>
+              <a:t>など多数の「手段」が存在します。  </a:t>
+            </a:r>
+            <a:endParaRPr kumimoji="1" lang="en-US" altLang="ja-JP" baseline="0" dirty="0" smtClean="0"/>
+          </a:p>
+          <a:p>
             <a:endParaRPr kumimoji="1" lang="ja-JP" altLang="en-US" dirty="0"/>
           </a:p>
         </p:txBody>
@@ -3894,7 +3981,7 @@
           <a:p>
             <a:fld id="{35F63945-09EF-4D56-AA6D-C1F6374BA98A}" type="datetime8">
               <a:rPr lang="en-US" altLang="ja-JP" smtClean="0"/>
-              <a:t>11/4/2016 3:49 PM</a:t>
+              <a:t>11/6/2016 2:09 PM</a:t>
             </a:fld>
             <a:endParaRPr lang="en-US" dirty="0"/>
           </a:p>
@@ -3981,6 +4068,155 @@
           <a:bodyPr/>
           <a:lstStyle/>
           <a:p>
+            <a:r>
+              <a:rPr kumimoji="1" lang="ja-JP" altLang="en-US" dirty="0" smtClean="0"/>
+              <a:t>そして実のところ、</a:t>
+            </a:r>
+            <a:r>
+              <a:rPr kumimoji="1" lang="en-US" altLang="ja-JP" dirty="0" smtClean="0"/>
+              <a:t>PDS</a:t>
+            </a:r>
+            <a:r>
+              <a:rPr kumimoji="1" lang="ja-JP" altLang="en-US" dirty="0" smtClean="0"/>
+              <a:t>自体もそれを包括する</a:t>
+            </a:r>
+            <a:r>
+              <a:rPr kumimoji="1" lang="en-US" altLang="ja-JP" dirty="0" err="1" smtClean="0"/>
+              <a:t>Separaiton</a:t>
+            </a:r>
+            <a:r>
+              <a:rPr kumimoji="1" lang="en-US" altLang="ja-JP" dirty="0" smtClean="0"/>
+              <a:t> of </a:t>
+            </a:r>
+            <a:r>
+              <a:rPr kumimoji="1" lang="en-US" altLang="ja-JP" dirty="0" err="1" smtClean="0"/>
+              <a:t>Conserns</a:t>
+            </a:r>
+            <a:r>
+              <a:rPr kumimoji="1" lang="ja-JP" altLang="en-US" dirty="0" smtClean="0"/>
+              <a:t>（</a:t>
+            </a:r>
+            <a:r>
+              <a:rPr kumimoji="1" lang="en-US" altLang="ja-JP" dirty="0" err="1" smtClean="0"/>
+              <a:t>SoC</a:t>
+            </a:r>
+            <a:r>
+              <a:rPr kumimoji="1" lang="ja-JP" altLang="en-US" dirty="0" smtClean="0"/>
+              <a:t>）の一つの手段でしかありません。  </a:t>
+            </a:r>
+            <a:endParaRPr kumimoji="1" lang="en-US" altLang="ja-JP" dirty="0" smtClean="0"/>
+          </a:p>
+          <a:p>
+            <a:r>
+              <a:rPr kumimoji="1" lang="ja-JP" altLang="en-US" dirty="0" smtClean="0"/>
+              <a:t>アプリケーションは一つの大きな塊で構築するより、小さく分けて開発して、それらを統合した方が良い。</a:t>
+            </a:r>
+            <a:endParaRPr kumimoji="1" lang="en-US" altLang="ja-JP" dirty="0" smtClean="0"/>
+          </a:p>
+          <a:p>
+            <a:r>
+              <a:rPr kumimoji="1" lang="ja-JP" altLang="en-US" dirty="0" smtClean="0"/>
+              <a:t>この考え方は多くの方と共有できるのではないでしょうか？  </a:t>
+            </a:r>
+            <a:endParaRPr kumimoji="1" lang="en-US" altLang="ja-JP" dirty="0" smtClean="0"/>
+          </a:p>
+          <a:p>
+            <a:r>
+              <a:rPr kumimoji="1" lang="ja-JP" altLang="en-US" dirty="0" smtClean="0"/>
+              <a:t>そして大雑把にいうと、</a:t>
+            </a:r>
+            <a:r>
+              <a:rPr kumimoji="1" lang="en-US" altLang="ja-JP" dirty="0" err="1" smtClean="0"/>
+              <a:t>SoC</a:t>
+            </a:r>
+            <a:r>
+              <a:rPr kumimoji="1" lang="ja-JP" altLang="en-US" dirty="0" smtClean="0"/>
+              <a:t>とは、その考え方の事です。</a:t>
+            </a:r>
+            <a:endParaRPr kumimoji="1" lang="en-US" altLang="ja-JP" dirty="0" smtClean="0"/>
+          </a:p>
+          <a:p>
+            <a:endParaRPr kumimoji="1" lang="en-US" altLang="ja-JP" dirty="0" smtClean="0"/>
+          </a:p>
+          <a:p>
+            <a:r>
+              <a:rPr kumimoji="1" lang="ja-JP" altLang="en-US" dirty="0" smtClean="0"/>
+              <a:t>つまり</a:t>
+            </a:r>
+            <a:endParaRPr kumimoji="1" lang="en-US" altLang="ja-JP" dirty="0" smtClean="0"/>
+          </a:p>
+          <a:p>
+            <a:r>
+              <a:rPr kumimoji="1" lang="ja-JP" altLang="en-US" dirty="0" smtClean="0"/>
+              <a:t>・アプリケーションを分割して構築しようという</a:t>
+            </a:r>
+            <a:r>
+              <a:rPr kumimoji="1" lang="en-US" altLang="ja-JP" dirty="0" err="1" smtClean="0"/>
+              <a:t>SoC</a:t>
+            </a:r>
+            <a:r>
+              <a:rPr kumimoji="1" lang="ja-JP" altLang="en-US" dirty="0" smtClean="0"/>
+              <a:t>の考え方の内</a:t>
+            </a:r>
+            <a:endParaRPr kumimoji="1" lang="en-US" altLang="ja-JP" dirty="0" smtClean="0"/>
+          </a:p>
+          <a:p>
+            <a:r>
+              <a:rPr kumimoji="1" lang="ja-JP" altLang="en-US" dirty="0" smtClean="0"/>
+              <a:t>・プレゼンテーション層のみに焦点を当</a:t>
+            </a:r>
+            <a:r>
+              <a:rPr kumimoji="1" lang="ja-JP" altLang="en-US" dirty="0" err="1" smtClean="0"/>
+              <a:t>た</a:t>
+            </a:r>
+            <a:r>
+              <a:rPr kumimoji="1" lang="en-US" altLang="ja-JP" dirty="0" smtClean="0"/>
+              <a:t>PDS</a:t>
+            </a:r>
+            <a:r>
+              <a:rPr kumimoji="1" lang="ja-JP" altLang="en-US" dirty="0" smtClean="0"/>
+              <a:t>という考え方の</a:t>
+            </a:r>
+            <a:endParaRPr kumimoji="1" lang="en-US" altLang="ja-JP" dirty="0" smtClean="0"/>
+          </a:p>
+          <a:p>
+            <a:r>
+              <a:rPr kumimoji="1" lang="ja-JP" altLang="en-US" dirty="0" smtClean="0"/>
+              <a:t>・一つの手段が</a:t>
+            </a:r>
+            <a:r>
+              <a:rPr kumimoji="1" lang="en-US" altLang="ja-JP" dirty="0" smtClean="0"/>
+              <a:t>MVVM</a:t>
+            </a:r>
+            <a:r>
+              <a:rPr kumimoji="1" lang="ja-JP" altLang="en-US" dirty="0" smtClean="0"/>
+              <a:t>である</a:t>
+            </a:r>
+            <a:endParaRPr kumimoji="1" lang="en-US" altLang="ja-JP" dirty="0" smtClean="0"/>
+          </a:p>
+          <a:p>
+            <a:endParaRPr kumimoji="1" lang="en-US" altLang="ja-JP" dirty="0" smtClean="0"/>
+          </a:p>
+          <a:p>
+            <a:r>
+              <a:rPr kumimoji="1" lang="ja-JP" altLang="en-US" dirty="0" smtClean="0"/>
+              <a:t>という事です。</a:t>
+            </a:r>
+            <a:endParaRPr kumimoji="1" lang="en-US" altLang="ja-JP" dirty="0" smtClean="0"/>
+          </a:p>
+          <a:p>
+            <a:r>
+              <a:rPr kumimoji="1" lang="ja-JP" altLang="en-US" dirty="0" smtClean="0"/>
+              <a:t>こういうと、</a:t>
+            </a:r>
+            <a:r>
+              <a:rPr kumimoji="1" lang="en-US" altLang="ja-JP" dirty="0" smtClean="0"/>
+              <a:t>MVVM</a:t>
+            </a:r>
+            <a:r>
+              <a:rPr kumimoji="1" lang="ja-JP" altLang="en-US" dirty="0" smtClean="0"/>
+              <a:t>というのはアプリやシステム構築のほんの一部分を解決する手段でしかないことが理解いただけるかと思います。</a:t>
+            </a:r>
             <a:endParaRPr kumimoji="1" lang="ja-JP" altLang="en-US" dirty="0"/>
           </a:p>
         </p:txBody>
@@ -4056,7 +4292,7 @@
           <a:p>
             <a:fld id="{35F63945-09EF-4D56-AA6D-C1F6374BA98A}" type="datetime8">
               <a:rPr lang="en-US" altLang="ja-JP" smtClean="0"/>
-              <a:t>11/4/2016 3:49 PM</a:t>
+              <a:t>11/6/2016 2:09 PM</a:t>
             </a:fld>
             <a:endParaRPr lang="en-US" dirty="0"/>
           </a:p>
@@ -4143,6 +4379,159 @@
           <a:bodyPr/>
           <a:lstStyle/>
           <a:p>
+            <a:r>
+              <a:rPr kumimoji="1" lang="ja-JP" altLang="en-US" dirty="0" smtClean="0"/>
+              <a:t>ちなみに</a:t>
+            </a:r>
+            <a:r>
+              <a:rPr kumimoji="1" lang="en-US" altLang="ja-JP" dirty="0" err="1" smtClean="0"/>
+              <a:t>SoC</a:t>
+            </a:r>
+            <a:r>
+              <a:rPr kumimoji="1" lang="ja-JP" altLang="en-US" dirty="0" smtClean="0"/>
+              <a:t>を実現する手段として有名な概念に</a:t>
+            </a:r>
+            <a:endParaRPr kumimoji="1" lang="en-US" altLang="ja-JP" dirty="0" smtClean="0"/>
+          </a:p>
+          <a:p>
+            <a:r>
+              <a:rPr kumimoji="1" lang="ja-JP" altLang="en-US" dirty="0" smtClean="0"/>
+              <a:t>・</a:t>
+            </a:r>
+            <a:r>
+              <a:rPr kumimoji="1" lang="en-US" altLang="ja-JP" dirty="0" smtClean="0"/>
+              <a:t>Inversion</a:t>
+            </a:r>
+            <a:r>
+              <a:rPr kumimoji="1" lang="ja-JP" altLang="en-US" dirty="0" smtClean="0"/>
+              <a:t> </a:t>
+            </a:r>
+            <a:r>
+              <a:rPr kumimoji="1" lang="en-US" altLang="ja-JP" dirty="0" smtClean="0"/>
+              <a:t>of Control</a:t>
+            </a:r>
+            <a:r>
+              <a:rPr kumimoji="1" lang="ja-JP" altLang="en-US" dirty="0" smtClean="0"/>
+              <a:t>（</a:t>
+            </a:r>
+            <a:r>
+              <a:rPr kumimoji="1" lang="en-US" altLang="ja-JP" dirty="0" err="1" smtClean="0"/>
+              <a:t>IoC</a:t>
+            </a:r>
+            <a:r>
+              <a:rPr kumimoji="1" lang="ja-JP" altLang="en-US" dirty="0" smtClean="0"/>
+              <a:t>）</a:t>
+            </a:r>
+            <a:endParaRPr kumimoji="1" lang="en-US" altLang="ja-JP" dirty="0" smtClean="0"/>
+          </a:p>
+          <a:p>
+            <a:r>
+              <a:rPr kumimoji="1" lang="ja-JP" altLang="en-US" dirty="0" smtClean="0"/>
+              <a:t>というものが存在し、その</a:t>
+            </a:r>
+            <a:r>
+              <a:rPr kumimoji="1" lang="en-US" altLang="ja-JP" dirty="0" err="1" smtClean="0"/>
+              <a:t>IoC</a:t>
+            </a:r>
+            <a:r>
+              <a:rPr kumimoji="1" lang="ja-JP" altLang="en-US" dirty="0" smtClean="0"/>
+              <a:t>の実現手段のとして特に有名なのが</a:t>
+            </a:r>
+            <a:endParaRPr kumimoji="1" lang="en-US" altLang="ja-JP" dirty="0" smtClean="0"/>
+          </a:p>
+          <a:p>
+            <a:r>
+              <a:rPr kumimoji="1" lang="ja-JP" altLang="en-US" dirty="0" smtClean="0"/>
+              <a:t>・</a:t>
+            </a:r>
+            <a:r>
+              <a:rPr kumimoji="1" lang="en-US" altLang="ja-JP" dirty="0" smtClean="0"/>
+              <a:t>Dependency</a:t>
+            </a:r>
+            <a:r>
+              <a:rPr kumimoji="1" lang="ja-JP" altLang="en-US" dirty="0" smtClean="0"/>
+              <a:t> </a:t>
+            </a:r>
+            <a:r>
+              <a:rPr kumimoji="1" lang="en-US" altLang="ja-JP" dirty="0" smtClean="0"/>
+              <a:t>Injection</a:t>
+            </a:r>
+            <a:r>
+              <a:rPr kumimoji="1" lang="ja-JP" altLang="en-US" dirty="0" smtClean="0"/>
+              <a:t>（</a:t>
+            </a:r>
+            <a:r>
+              <a:rPr kumimoji="1" lang="en-US" altLang="ja-JP" dirty="0" smtClean="0"/>
+              <a:t>DI</a:t>
+            </a:r>
+            <a:r>
+              <a:rPr kumimoji="1" lang="ja-JP" altLang="en-US" dirty="0" smtClean="0"/>
+              <a:t>）</a:t>
+            </a:r>
+            <a:endParaRPr kumimoji="1" lang="en-US" altLang="ja-JP" dirty="0" smtClean="0"/>
+          </a:p>
+          <a:p>
+            <a:r>
+              <a:rPr kumimoji="1" lang="ja-JP" altLang="en-US" dirty="0" smtClean="0"/>
+              <a:t>・</a:t>
+            </a:r>
+            <a:r>
+              <a:rPr kumimoji="1" lang="en-US" altLang="ja-JP" dirty="0" smtClean="0"/>
+              <a:t>Service</a:t>
+            </a:r>
+            <a:r>
+              <a:rPr kumimoji="1" lang="ja-JP" altLang="en-US" dirty="0" smtClean="0"/>
+              <a:t> </a:t>
+            </a:r>
+            <a:r>
+              <a:rPr kumimoji="1" lang="en-US" altLang="ja-JP" dirty="0" smtClean="0"/>
+              <a:t>Locator</a:t>
+            </a:r>
+          </a:p>
+          <a:p>
+            <a:r>
+              <a:rPr kumimoji="1" lang="ja-JP" altLang="en-US" dirty="0" smtClean="0"/>
+              <a:t>の</a:t>
+            </a:r>
+            <a:r>
+              <a:rPr kumimoji="1" lang="en-US" altLang="ja-JP" dirty="0" smtClean="0"/>
+              <a:t>2</a:t>
+            </a:r>
+            <a:r>
+              <a:rPr kumimoji="1" lang="ja-JP" altLang="en-US" dirty="0" smtClean="0"/>
+              <a:t>種類があります。  </a:t>
+            </a:r>
+            <a:endParaRPr kumimoji="1" lang="en-US" altLang="ja-JP" dirty="0" smtClean="0"/>
+          </a:p>
+          <a:p>
+            <a:r>
+              <a:rPr kumimoji="1" lang="ja-JP" altLang="en-US" dirty="0" smtClean="0"/>
+              <a:t>そして、</a:t>
+            </a:r>
+            <a:r>
+              <a:rPr kumimoji="1" lang="en-US" altLang="ja-JP" dirty="0" smtClean="0"/>
+              <a:t>Prism</a:t>
+            </a:r>
+            <a:r>
+              <a:rPr kumimoji="1" lang="ja-JP" altLang="en-US" dirty="0" smtClean="0"/>
+              <a:t>では</a:t>
+            </a:r>
+            <a:r>
+              <a:rPr kumimoji="1" lang="en-US" altLang="ja-JP" dirty="0" smtClean="0"/>
+              <a:t>DI</a:t>
+            </a:r>
+            <a:r>
+              <a:rPr kumimoji="1" lang="ja-JP" altLang="en-US" dirty="0" smtClean="0"/>
+              <a:t>を最大限に有効活用することで、</a:t>
+            </a:r>
+            <a:r>
+              <a:rPr kumimoji="1" lang="en-US" altLang="ja-JP" dirty="0" smtClean="0"/>
+              <a:t>MVVM</a:t>
+            </a:r>
+            <a:r>
+              <a:rPr kumimoji="1" lang="ja-JP" altLang="en-US" dirty="0" smtClean="0"/>
+              <a:t>にとどまらない、アプリケーション全体の課題解決に対するガイダンスを示してくれています。</a:t>
+            </a:r>
             <a:endParaRPr kumimoji="1" lang="ja-JP" altLang="en-US" dirty="0"/>
           </a:p>
         </p:txBody>
@@ -4218,7 +4607,7 @@
           <a:p>
             <a:fld id="{35F63945-09EF-4D56-AA6D-C1F6374BA98A}" type="datetime8">
               <a:rPr lang="en-US" altLang="ja-JP" smtClean="0"/>
-              <a:t>11/4/2016 3:49 PM</a:t>
+              <a:t>11/6/2016 2:09 PM</a:t>
             </a:fld>
             <a:endParaRPr lang="en-US" dirty="0"/>
           </a:p>
@@ -4306,7 +4695,11 @@
           <a:lstStyle/>
           <a:p>
             <a:r>
-              <a:rPr kumimoji="1" lang="en-US" altLang="ja-JP" dirty="0"/>
+              <a:rPr kumimoji="1" lang="ja-JP" altLang="en-US" dirty="0" smtClean="0"/>
+              <a:t>つまり</a:t>
+            </a:r>
+            <a:r>
+              <a:rPr kumimoji="1" lang="en-US" altLang="ja-JP" dirty="0" smtClean="0"/>
               <a:t>Prism</a:t>
             </a:r>
             <a:r>
@@ -4319,21 +4712,27 @@
             </a:r>
             <a:r>
               <a:rPr kumimoji="1" lang="ja-JP" altLang="en-US" dirty="0"/>
-              <a:t>をサポートするだけでなく</a:t>
-            </a:r>
-            <a:endParaRPr kumimoji="1" lang="en-US" altLang="ja-JP" dirty="0"/>
-          </a:p>
-          <a:p>
+              <a:t>をサポートするだけで</a:t>
+            </a:r>
+            <a:r>
+              <a:rPr kumimoji="1" lang="ja-JP" altLang="en-US" dirty="0" smtClean="0"/>
+              <a:t>なく、こう</a:t>
+            </a:r>
             <a:r>
               <a:rPr kumimoji="1" lang="ja-JP" altLang="en-US" dirty="0"/>
-              <a:t>こういった課題を解決する</a:t>
-            </a:r>
-            <a:endParaRPr kumimoji="1" lang="en-US" altLang="ja-JP" dirty="0"/>
-          </a:p>
-          <a:p>
+              <a:t>いった課題を解決</a:t>
+            </a:r>
+            <a:r>
+              <a:rPr kumimoji="1" lang="ja-JP" altLang="en-US" dirty="0" smtClean="0"/>
+              <a:t>するパターン</a:t>
+            </a:r>
             <a:r>
               <a:rPr kumimoji="1" lang="ja-JP" altLang="en-US" dirty="0"/>
-              <a:t>パターンやプラクティスが包含されています。</a:t>
+              <a:t>やプラクティスが包含されて</a:t>
+            </a:r>
+            <a:r>
+              <a:rPr kumimoji="1" lang="ja-JP" altLang="en-US" dirty="0" smtClean="0"/>
+              <a:t>いるわけです。</a:t>
             </a:r>
             <a:endParaRPr kumimoji="1" lang="en-US" altLang="ja-JP" dirty="0"/>
           </a:p>
@@ -4410,7 +4809,7 @@
           <a:p>
             <a:fld id="{35F63945-09EF-4D56-AA6D-C1F6374BA98A}" type="datetime8">
               <a:rPr lang="en-US" altLang="ja-JP" smtClean="0"/>
-              <a:t>11/4/2016 3:31 PM</a:t>
+              <a:t>11/6/2016 2:09 PM</a:t>
             </a:fld>
             <a:endParaRPr lang="en-US" dirty="0"/>
           </a:p>
@@ -4507,12 +4906,14 @@
             </a:r>
             <a:r>
               <a:rPr kumimoji="1" lang="ja-JP" altLang="en-US" dirty="0"/>
-              <a:t>初心者の方にこそ</a:t>
-            </a:r>
-          </a:p>
-          <a:p>
-            <a:r>
-              <a:rPr kumimoji="1" lang="en-US" altLang="ja-JP" dirty="0"/>
+              <a:t>初心者の方に</a:t>
+            </a:r>
+            <a:r>
+              <a:rPr kumimoji="1" lang="ja-JP" altLang="en-US" dirty="0" smtClean="0"/>
+              <a:t>こそ</a:t>
+            </a:r>
+            <a:r>
+              <a:rPr kumimoji="1" lang="en-US" altLang="ja-JP" dirty="0" smtClean="0"/>
               <a:t>Prism</a:t>
             </a:r>
             <a:r>
@@ -4544,18 +4945,24 @@
           </a:p>
           <a:p>
             <a:r>
-              <a:rPr kumimoji="1" lang="en-US" altLang="ja-JP" dirty="0"/>
-              <a:t>Forms</a:t>
+              <a:rPr kumimoji="1" lang="ja-JP" altLang="en-US" dirty="0" smtClean="0"/>
+              <a:t>まず</a:t>
+            </a:r>
+            <a:r>
+              <a:rPr kumimoji="1" lang="en-US" altLang="ja-JP" dirty="0" smtClean="0"/>
+              <a:t>Xamarin.Forms</a:t>
             </a:r>
             <a:r>
               <a:rPr kumimoji="1" lang="ja-JP" altLang="en-US" dirty="0"/>
-              <a:t>を触ってみて、感触を理解できたら</a:t>
-            </a:r>
-          </a:p>
-          <a:p>
+              <a:t>を触ってみて、感触を理解</a:t>
+            </a:r>
+            <a:r>
+              <a:rPr kumimoji="1" lang="ja-JP" altLang="en-US" dirty="0" smtClean="0"/>
+              <a:t>できたら次</a:t>
+            </a:r>
             <a:r>
               <a:rPr kumimoji="1" lang="ja-JP" altLang="en-US" dirty="0"/>
-              <a:t>次のステップとして、私は</a:t>
+              <a:t>のステップとして、私は</a:t>
             </a:r>
             <a:r>
               <a:rPr kumimoji="1" lang="en-US" altLang="ja-JP" dirty="0"/>
@@ -4639,7 +5046,7 @@
           <a:p>
             <a:fld id="{35F63945-09EF-4D56-AA6D-C1F6374BA98A}" type="datetime8">
               <a:rPr lang="en-US" altLang="ja-JP" smtClean="0"/>
-              <a:t>11/4/2016 3:31 PM</a:t>
+              <a:t>11/6/2016 2:09 PM</a:t>
             </a:fld>
             <a:endParaRPr lang="en-US" dirty="0"/>
           </a:p>
@@ -4727,12 +5134,9 @@
           <a:lstStyle/>
           <a:p>
             <a:r>
-              <a:rPr kumimoji="1" lang="ja-JP" altLang="en-US" dirty="0"/>
-              <a:t>というわけで、デモに行きます</a:t>
-            </a:r>
-            <a:endParaRPr kumimoji="1" lang="en-US" altLang="ja-JP" dirty="0"/>
-          </a:p>
-          <a:p>
+              <a:rPr kumimoji="1" lang="ja-JP" altLang="en-US" dirty="0" smtClean="0"/>
+              <a:t>それではハンズオンに進みましょう</a:t>
+            </a:r>
             <a:endParaRPr kumimoji="1" lang="ja-JP" altLang="en-US" dirty="0"/>
           </a:p>
         </p:txBody>
@@ -4808,7 +5212,7 @@
           <a:p>
             <a:fld id="{35F63945-09EF-4D56-AA6D-C1F6374BA98A}" type="datetime8">
               <a:rPr lang="en-US" altLang="ja-JP" smtClean="0"/>
-              <a:t>11/4/2016 3:31 PM</a:t>
+              <a:t>11/6/2016 2:09 PM</a:t>
             </a:fld>
             <a:endParaRPr lang="en-US" dirty="0"/>
           </a:p>
@@ -4896,14 +5300,12 @@
           <a:lstStyle/>
           <a:p>
             <a:r>
+              <a:rPr kumimoji="1" lang="ja-JP" altLang="en-US" dirty="0" smtClean="0"/>
+              <a:t>ハンズオンですが、素</a:t>
+            </a:r>
+            <a:r>
               <a:rPr kumimoji="1" lang="ja-JP" altLang="en-US" dirty="0"/>
-              <a:t>本日のデモですが</a:t>
-            </a:r>
-          </a:p>
-          <a:p>
-            <a:r>
-              <a:rPr kumimoji="1" lang="ja-JP" altLang="en-US" dirty="0"/>
-              <a:t>素の</a:t>
+              <a:t>の</a:t>
             </a:r>
             <a:r>
               <a:rPr kumimoji="1" lang="en-US" altLang="ja-JP" dirty="0" err="1"/>
@@ -4911,13 +5313,14 @@
             </a:r>
             <a:r>
               <a:rPr kumimoji="1" lang="ja-JP" altLang="en-US" dirty="0"/>
-              <a:t>のみで作ったアプリを</a:t>
-            </a:r>
-            <a:br>
-              <a:rPr lang="en-US" altLang="ja-JP" dirty="0"/>
-            </a:br>
-            <a:r>
-              <a:rPr lang="en-US" altLang="ja-JP" dirty="0"/>
+              <a:t>のみで作ったアプリ</a:t>
+            </a:r>
+            <a:r>
+              <a:rPr kumimoji="1" lang="ja-JP" altLang="en-US" dirty="0" smtClean="0"/>
+              <a:t>を</a:t>
+            </a:r>
+            <a:r>
+              <a:rPr lang="en-US" altLang="ja-JP" dirty="0" smtClean="0"/>
               <a:t>Prism</a:t>
             </a:r>
             <a:r>
@@ -4974,27 +5377,25 @@
           <a:p>
             <a:r>
               <a:rPr kumimoji="1" lang="ja-JP" altLang="en-US" dirty="0"/>
-              <a:t>これが非常に良くできたライブラリなので</a:t>
-            </a:r>
-          </a:p>
-          <a:p>
+              <a:t>これが非常に良くできたライブラリ</a:t>
+            </a:r>
+            <a:r>
+              <a:rPr kumimoji="1" lang="ja-JP" altLang="en-US" dirty="0" smtClean="0"/>
+              <a:t>なのでぜひ</a:t>
+            </a:r>
             <a:r>
               <a:rPr kumimoji="1" lang="ja-JP" altLang="en-US" dirty="0"/>
-              <a:t>ぜひ皆さんに紹介したいと思います。</a:t>
+              <a:t>皆さんに紹介したいと</a:t>
+            </a:r>
+            <a:r>
+              <a:rPr kumimoji="1" lang="ja-JP" altLang="en-US"/>
+              <a:t>思います</a:t>
+            </a:r>
+            <a:r>
+              <a:rPr kumimoji="1" lang="ja-JP" altLang="en-US" smtClean="0"/>
+              <a:t>。</a:t>
             </a:r>
             <a:endParaRPr kumimoji="1" lang="en-US" altLang="ja-JP" dirty="0"/>
-          </a:p>
-          <a:p>
-            <a:endParaRPr kumimoji="1" lang="en-US" altLang="ja-JP" dirty="0"/>
-          </a:p>
-          <a:p>
-            <a:endParaRPr kumimoji="1" lang="en-US" altLang="ja-JP" dirty="0"/>
-          </a:p>
-          <a:p>
-            <a:r>
-              <a:rPr kumimoji="1" lang="ja-JP" altLang="en-US" dirty="0"/>
-              <a:t>＜ここで軽くアプリの動作を見せて、もう一度スライドへ戻る＞</a:t>
-            </a:r>
           </a:p>
         </p:txBody>
       </p:sp>
@@ -5069,7 +5470,7 @@
           <a:p>
             <a:fld id="{35F63945-09EF-4D56-AA6D-C1F6374BA98A}" type="datetime8">
               <a:rPr lang="en-US" altLang="ja-JP" smtClean="0"/>
-              <a:t>11/4/2016 3:31 PM</a:t>
+              <a:t>11/6/2016 2:09 PM</a:t>
             </a:fld>
             <a:endParaRPr lang="en-US" dirty="0"/>
           </a:p>
@@ -5389,7 +5790,7 @@
           <a:p>
             <a:fld id="{35F63945-09EF-4D56-AA6D-C1F6374BA98A}" type="datetime8">
               <a:rPr lang="en-US" altLang="ja-JP" smtClean="0"/>
-              <a:t>11/4/2016 3:31 PM</a:t>
+              <a:t>11/6/2016 2:09 PM</a:t>
             </a:fld>
             <a:endParaRPr lang="en-US" dirty="0"/>
           </a:p>
@@ -5558,7 +5959,7 @@
           <a:p>
             <a:fld id="{35F63945-09EF-4D56-AA6D-C1F6374BA98A}" type="datetime8">
               <a:rPr lang="en-US" altLang="ja-JP" smtClean="0"/>
-              <a:t>11/4/2016 3:52 PM</a:t>
+              <a:t>11/6/2016 2:09 PM</a:t>
             </a:fld>
             <a:endParaRPr lang="en-US" dirty="0"/>
           </a:p>
@@ -5646,28 +6047,8 @@
           <a:lstStyle/>
           <a:p>
             <a:r>
-              <a:rPr kumimoji="1" lang="ja-JP" altLang="en-US" dirty="0"/>
-              <a:t>さて本日ですが</a:t>
-            </a:r>
-          </a:p>
-          <a:p>
-            <a:r>
-              <a:rPr kumimoji="1" lang="ja-JP" altLang="en-US" dirty="0"/>
-              <a:t>まずは少しお話しさせていただいたあと</a:t>
-            </a:r>
-          </a:p>
-          <a:p>
-            <a:r>
-              <a:rPr kumimoji="1" lang="ja-JP" altLang="en-US" dirty="0"/>
-              <a:t>デモを通して</a:t>
-            </a:r>
-            <a:r>
-              <a:rPr kumimoji="1" lang="en-US" altLang="ja-JP" dirty="0"/>
-              <a:t>Prism</a:t>
-            </a:r>
-            <a:r>
-              <a:rPr kumimoji="1" lang="ja-JP" altLang="en-US" dirty="0"/>
-              <a:t>を見てもらいたいと思います</a:t>
+              <a:rPr kumimoji="1" lang="ja-JP" altLang="en-US" dirty="0" smtClean="0"/>
+              <a:t>アジェンダはこちらの通りです。</a:t>
             </a:r>
             <a:endParaRPr kumimoji="1" lang="en-US" altLang="ja-JP" dirty="0"/>
           </a:p>
@@ -5717,7 +6098,7 @@
           <a:p>
             <a:fld id="{D9D3C64A-CFB4-4980-8828-24F416B1C84A}" type="datetime1">
               <a:rPr kumimoji="1" lang="ja-JP" altLang="en-US" smtClean="0"/>
-              <a:t>2016/11/4</a:t>
+              <a:t>2016/11/6</a:t>
             </a:fld>
             <a:endParaRPr kumimoji="1" lang="ja-JP" altLang="en-US" dirty="0"/>
           </a:p>
@@ -5907,7 +6288,7 @@
           <a:p>
             <a:fld id="{35F63945-09EF-4D56-AA6D-C1F6374BA98A}" type="datetime8">
               <a:rPr lang="en-US" altLang="ja-JP" smtClean="0"/>
-              <a:t>11/4/2016 3:52 PM</a:t>
+              <a:t>11/6/2016 2:09 PM</a:t>
             </a:fld>
             <a:endParaRPr lang="en-US" dirty="0"/>
           </a:p>
@@ -6069,7 +6450,7 @@
           <a:p>
             <a:fld id="{35F63945-09EF-4D56-AA6D-C1F6374BA98A}" type="datetime8">
               <a:rPr lang="en-US" altLang="ja-JP" smtClean="0"/>
-              <a:t>11/4/2016 3:31 PM</a:t>
+              <a:t>11/6/2016 2:09 PM</a:t>
             </a:fld>
             <a:endParaRPr lang="en-US" dirty="0"/>
           </a:p>
@@ -6161,24 +6542,31 @@
               <a:t>さて</a:t>
             </a:r>
             <a:r>
-              <a:rPr kumimoji="1" lang="en-US" altLang="ja-JP" dirty="0" err="1"/>
+              <a:rPr kumimoji="1" lang="en-US" altLang="ja-JP" dirty="0"/>
               <a:t>Xamarin.Forms</a:t>
             </a:r>
             <a:r>
+              <a:rPr kumimoji="1" lang="ja-JP" altLang="en-US" dirty="0" err="1" smtClean="0"/>
+              <a:t>で開</a:t>
+            </a:r>
+            <a:r>
               <a:rPr kumimoji="1" lang="ja-JP" altLang="en-US" dirty="0"/>
-              <a:t>で、開発しようとした場合</a:t>
-            </a:r>
-            <a:endParaRPr kumimoji="1" lang="en-US" altLang="ja-JP" dirty="0"/>
-          </a:p>
-          <a:p>
+              <a:t>発しようとした</a:t>
+            </a:r>
+            <a:r>
+              <a:rPr kumimoji="1" lang="ja-JP" altLang="en-US" dirty="0" smtClean="0"/>
+              <a:t>場合、特別</a:t>
+            </a:r>
             <a:r>
               <a:rPr kumimoji="1" lang="ja-JP" altLang="en-US" dirty="0"/>
-              <a:t>特別な理由がない限り</a:t>
-            </a:r>
-          </a:p>
-          <a:p>
-            <a:r>
-              <a:rPr kumimoji="1" lang="en-US" altLang="ja-JP" dirty="0"/>
+              <a:t>な理由がない</a:t>
+            </a:r>
+            <a:r>
+              <a:rPr kumimoji="1" lang="ja-JP" altLang="en-US" dirty="0" smtClean="0"/>
+              <a:t>限りは、</a:t>
+            </a:r>
+            <a:r>
+              <a:rPr kumimoji="1" lang="en-US" altLang="ja-JP" dirty="0" smtClean="0"/>
               <a:t>MVVM</a:t>
             </a:r>
             <a:r>
@@ -6188,17 +6576,49 @@
           </a:p>
           <a:p>
             <a:r>
+              <a:rPr kumimoji="1" lang="en-US" altLang="ja-JP" dirty="0" smtClean="0"/>
+              <a:t>MVVM</a:t>
+            </a:r>
+            <a:r>
+              <a:rPr kumimoji="1" lang="ja-JP" altLang="en-US" dirty="0" smtClean="0"/>
+              <a:t>の利用系を、</a:t>
+            </a:r>
+            <a:r>
+              <a:rPr kumimoji="1" lang="en-US" altLang="ja-JP" dirty="0" smtClean="0"/>
+              <a:t>Xamarin.Forms</a:t>
+            </a:r>
+            <a:r>
               <a:rPr kumimoji="1" lang="ja-JP" altLang="en-US" dirty="0"/>
-              <a:t>しかし</a:t>
-            </a:r>
-            <a:r>
-              <a:rPr kumimoji="1" lang="en-US" altLang="ja-JP" dirty="0"/>
-              <a:t>Forms</a:t>
+              <a:t>単独</a:t>
+            </a:r>
+            <a:r>
+              <a:rPr kumimoji="1" lang="ja-JP" altLang="en-US" dirty="0" smtClean="0"/>
+              <a:t>で実現するのはなかなか</a:t>
             </a:r>
             <a:r>
               <a:rPr kumimoji="1" lang="ja-JP" altLang="en-US" dirty="0"/>
-              <a:t>単独ではなかなか大変な話でもあります。</a:t>
-            </a:r>
+              <a:t>大変な話でもあります</a:t>
+            </a:r>
+            <a:r>
+              <a:rPr kumimoji="1" lang="ja-JP" altLang="en-US" dirty="0" smtClean="0"/>
+              <a:t>。</a:t>
+            </a:r>
+            <a:endParaRPr kumimoji="1" lang="en-US" altLang="ja-JP" dirty="0" smtClean="0"/>
+          </a:p>
+          <a:p>
+            <a:r>
+              <a:rPr kumimoji="1" lang="ja-JP" altLang="en-US" dirty="0" smtClean="0"/>
+              <a:t>これは</a:t>
+            </a:r>
+            <a:r>
+              <a:rPr kumimoji="1" lang="en-US" altLang="ja-JP" dirty="0" smtClean="0"/>
+              <a:t>Xamarin.Forms</a:t>
+            </a:r>
+            <a:r>
+              <a:rPr kumimoji="1" lang="ja-JP" altLang="en-US" dirty="0" smtClean="0"/>
+              <a:t>機能不足であるということではなく、担うレイヤーが異なることが要因です。</a:t>
+            </a:r>
+            <a:endParaRPr kumimoji="1" lang="ja-JP" altLang="en-US" dirty="0"/>
           </a:p>
         </p:txBody>
       </p:sp>
@@ -6273,7 +6693,7 @@
           <a:p>
             <a:fld id="{35F63945-09EF-4D56-AA6D-C1F6374BA98A}" type="datetime8">
               <a:rPr lang="en-US" altLang="ja-JP" smtClean="0"/>
-              <a:t>11/4/2016 3:31 PM</a:t>
+              <a:t>11/6/2016 2:09 PM</a:t>
             </a:fld>
             <a:endParaRPr lang="en-US" dirty="0"/>
           </a:p>
@@ -6461,7 +6881,7 @@
           <a:p>
             <a:fld id="{35F63945-09EF-4D56-AA6D-C1F6374BA98A}" type="datetime8">
               <a:rPr lang="en-US" altLang="ja-JP" smtClean="0"/>
-              <a:t>11/4/2016 3:31 PM</a:t>
+              <a:t>11/6/2016 2:09 PM</a:t>
             </a:fld>
             <a:endParaRPr lang="en-US" dirty="0"/>
           </a:p>
@@ -6561,19 +6981,25 @@
             </a:r>
             <a:r>
               <a:rPr kumimoji="1" lang="ja-JP" altLang="en-US" dirty="0"/>
-              <a:t>の場合は</a:t>
-            </a:r>
-          </a:p>
-          <a:p>
+              <a:t>の場合</a:t>
+            </a:r>
+            <a:r>
+              <a:rPr kumimoji="1" lang="ja-JP" altLang="en-US" dirty="0" smtClean="0"/>
+              <a:t>は代表的</a:t>
+            </a:r>
             <a:r>
               <a:rPr kumimoji="1" lang="ja-JP" altLang="en-US" dirty="0"/>
-              <a:t>代表的な選択肢として</a:t>
+              <a:t>な選択肢として</a:t>
             </a:r>
             <a:endParaRPr kumimoji="1" lang="en-US" altLang="ja-JP" dirty="0"/>
           </a:p>
           <a:p>
             <a:r>
-              <a:rPr kumimoji="1" lang="en-US" altLang="ja-JP" dirty="0"/>
+              <a:rPr kumimoji="1" lang="ja-JP" altLang="en-US" dirty="0" smtClean="0"/>
+              <a:t>・</a:t>
+            </a:r>
+            <a:r>
+              <a:rPr kumimoji="1" lang="en-US" altLang="ja-JP" dirty="0" smtClean="0"/>
               <a:t>Prism</a:t>
             </a:r>
             <a:r>
@@ -6584,57 +7010,34 @@
           </a:p>
           <a:p>
             <a:r>
-              <a:rPr kumimoji="1" lang="en-US" altLang="ja-JP" dirty="0"/>
+              <a:rPr kumimoji="1" lang="ja-JP" altLang="en-US" dirty="0" smtClean="0"/>
+              <a:t>・</a:t>
+            </a:r>
+            <a:r>
+              <a:rPr kumimoji="1" lang="en-US" altLang="ja-JP" dirty="0" smtClean="0"/>
               <a:t>MVVM Light</a:t>
             </a:r>
+          </a:p>
+          <a:p>
+            <a:r>
+              <a:rPr kumimoji="1" lang="ja-JP" altLang="en-US" dirty="0" smtClean="0"/>
+              <a:t>の</a:t>
+            </a:r>
             <a:r>
               <a:rPr kumimoji="1" lang="ja-JP" altLang="en-US" dirty="0"/>
-              <a:t>の何れかが多いと思います。</a:t>
+              <a:t>何れかが多いと思います。</a:t>
             </a:r>
             <a:endParaRPr kumimoji="1" lang="en-US" altLang="ja-JP" dirty="0"/>
           </a:p>
           <a:p>
             <a:r>
               <a:rPr kumimoji="1" lang="ja-JP" altLang="en-US" dirty="0"/>
-              <a:t>ではどちらを利用すべきでしょうか？</a:t>
-            </a:r>
-            <a:endParaRPr kumimoji="1" lang="en-US" altLang="ja-JP" dirty="0"/>
-          </a:p>
-          <a:p>
-            <a:r>
-              <a:rPr kumimoji="1" lang="ja-JP" altLang="en-US" dirty="0"/>
-              <a:t>実はこれは、非常に簡単な選択肢です。</a:t>
-            </a:r>
-            <a:endParaRPr kumimoji="1" lang="en-US" altLang="ja-JP" dirty="0"/>
-          </a:p>
-          <a:p>
-            <a:endParaRPr kumimoji="1" lang="en-US" altLang="ja-JP" dirty="0"/>
-          </a:p>
-          <a:p>
-            <a:pPr marL="0" marR="0" lvl="0" indent="0" algn="l" defTabSz="932742" rtl="0" eaLnBrk="1" fontAlgn="auto" latinLnBrk="0" hangingPunct="1">
-              <a:lnSpc>
-                <a:spcPct val="90000"/>
-              </a:lnSpc>
-              <a:spcBef>
-                <a:spcPts val="0"/>
-              </a:spcBef>
-              <a:spcAft>
-                <a:spcPts val="340"/>
-              </a:spcAft>
-              <a:buClrTx/>
-              <a:buSzTx/>
-              <a:buFontTx/>
-              <a:buNone/>
-              <a:tabLst/>
-              <a:defRPr/>
-            </a:pPr>
-            <a:r>
-              <a:rPr kumimoji="1" lang="ja-JP" altLang="en-US" dirty="0"/>
-              <a:t>ところで皆さん、この方をご存知でしょうか？</a:t>
-            </a:r>
-            <a:endParaRPr kumimoji="1" lang="en-US" altLang="ja-JP" dirty="0"/>
-          </a:p>
-          <a:p>
+              <a:t>ではどちらを利用すべきでしょうか</a:t>
+            </a:r>
+            <a:r>
+              <a:rPr kumimoji="1" lang="ja-JP" altLang="en-US" dirty="0" smtClean="0"/>
+              <a:t>？</a:t>
+            </a:r>
             <a:endParaRPr kumimoji="1" lang="en-US" altLang="ja-JP" dirty="0"/>
           </a:p>
         </p:txBody>
@@ -6710,7 +7113,7 @@
           <a:p>
             <a:fld id="{35F63945-09EF-4D56-AA6D-C1F6374BA98A}" type="datetime8">
               <a:rPr lang="en-US" altLang="ja-JP" smtClean="0"/>
-              <a:t>11/4/2016 3:31 PM</a:t>
+              <a:t>11/6/2016 2:09 PM</a:t>
             </a:fld>
             <a:endParaRPr lang="en-US" dirty="0"/>
           </a:p>
@@ -6836,30 +7239,15 @@
             </a:r>
             <a:r>
               <a:rPr kumimoji="1" lang="ja-JP" altLang="en-US" dirty="0"/>
-              <a:t>を比較した場合</a:t>
-            </a:r>
-          </a:p>
-          <a:p>
-            <a:pPr marL="0" marR="0" lvl="0" indent="0" algn="l" defTabSz="932742" rtl="0" eaLnBrk="1" fontAlgn="auto" latinLnBrk="0" hangingPunct="1">
-              <a:lnSpc>
-                <a:spcPct val="90000"/>
-              </a:lnSpc>
-              <a:spcBef>
-                <a:spcPts val="0"/>
-              </a:spcBef>
-              <a:spcAft>
-                <a:spcPts val="340"/>
-              </a:spcAft>
-              <a:buClrTx/>
-              <a:buSzTx/>
-              <a:buFontTx/>
-              <a:buNone/>
-              <a:tabLst/>
-              <a:defRPr/>
-            </a:pPr>
+              <a:t>を比較した</a:t>
+            </a:r>
+            <a:r>
+              <a:rPr kumimoji="1" lang="ja-JP" altLang="en-US" dirty="0" smtClean="0"/>
+              <a:t>場合、多く</a:t>
+            </a:r>
             <a:r>
               <a:rPr kumimoji="1" lang="ja-JP" altLang="en-US" dirty="0"/>
-              <a:t>多くの方はこう思っているのではないでしょうか？</a:t>
+              <a:t>の方はこう思っているのではないでしょうか？</a:t>
             </a:r>
           </a:p>
           <a:p>
@@ -6901,7 +7289,11 @@
               <a:defRPr/>
             </a:pPr>
             <a:r>
-              <a:rPr kumimoji="1" lang="en-US" altLang="ja-JP" dirty="0"/>
+              <a:rPr kumimoji="1" lang="ja-JP" altLang="en-US" dirty="0" smtClean="0"/>
+              <a:t>・</a:t>
+            </a:r>
+            <a:r>
+              <a:rPr kumimoji="1" lang="en-US" altLang="ja-JP" dirty="0" smtClean="0"/>
               <a:t>Prism</a:t>
             </a:r>
             <a:r>
@@ -6929,11 +7321,15 @@
               <a:defRPr/>
             </a:pPr>
             <a:r>
-              <a:rPr kumimoji="1" lang="en-US" altLang="ja-JP" dirty="0"/>
+              <a:rPr kumimoji="1" lang="ja-JP" altLang="en-US" dirty="0" smtClean="0"/>
+              <a:t>・</a:t>
+            </a:r>
+            <a:r>
+              <a:rPr kumimoji="1" lang="en-US" altLang="ja-JP" dirty="0" smtClean="0"/>
               <a:t>MVVM</a:t>
             </a:r>
             <a:r>
-              <a:rPr kumimoji="1" lang="ja-JP" altLang="en-US" dirty="0"/>
+              <a:rPr kumimoji="1" lang="ja-JP" altLang="en-US" dirty="0" smtClean="0"/>
               <a:t> </a:t>
             </a:r>
             <a:r>
@@ -6942,30 +7338,15 @@
             </a:r>
             <a:r>
               <a:rPr kumimoji="1" lang="ja-JP" altLang="en-US" dirty="0"/>
-              <a:t>の方が簡単そうだ</a:t>
-            </a:r>
-          </a:p>
-          <a:p>
-            <a:pPr marL="0" marR="0" lvl="0" indent="0" algn="l" defTabSz="932742" rtl="0" eaLnBrk="1" fontAlgn="auto" latinLnBrk="0" hangingPunct="1">
-              <a:lnSpc>
-                <a:spcPct val="90000"/>
-              </a:lnSpc>
-              <a:spcBef>
-                <a:spcPts val="0"/>
-              </a:spcBef>
-              <a:spcAft>
-                <a:spcPts val="340"/>
-              </a:spcAft>
-              <a:buClrTx/>
-              <a:buSzTx/>
-              <a:buFontTx/>
-              <a:buNone/>
-              <a:tabLst/>
-              <a:defRPr/>
-            </a:pPr>
+              <a:t>の方が簡単</a:t>
+            </a:r>
+            <a:r>
+              <a:rPr kumimoji="1" lang="ja-JP" altLang="en-US" dirty="0" smtClean="0"/>
+              <a:t>そうだ、ライト</a:t>
+            </a:r>
             <a:r>
               <a:rPr kumimoji="1" lang="ja-JP" altLang="en-US" dirty="0"/>
-              <a:t>ライトっていうし</a:t>
+              <a:t>っていうし</a:t>
             </a:r>
             <a:endParaRPr kumimoji="1" lang="en-US" altLang="ja-JP" dirty="0"/>
           </a:p>
@@ -7009,30 +7390,15 @@
             </a:pPr>
             <a:r>
               <a:rPr kumimoji="1" lang="ja-JP" altLang="en-US" dirty="0"/>
-              <a:t>実は私も</a:t>
-            </a:r>
-          </a:p>
-          <a:p>
-            <a:pPr marL="0" marR="0" lvl="0" indent="0" algn="l" defTabSz="932742" rtl="0" eaLnBrk="1" fontAlgn="auto" latinLnBrk="0" hangingPunct="1">
-              <a:lnSpc>
-                <a:spcPct val="90000"/>
-              </a:lnSpc>
-              <a:spcBef>
-                <a:spcPts val="0"/>
-              </a:spcBef>
-              <a:spcAft>
-                <a:spcPts val="340"/>
-              </a:spcAft>
-              <a:buClrTx/>
-              <a:buSzTx/>
-              <a:buFontTx/>
-              <a:buNone/>
-              <a:tabLst/>
-              <a:defRPr/>
-            </a:pPr>
+              <a:t>実は私</a:t>
+            </a:r>
+            <a:r>
+              <a:rPr kumimoji="1" lang="ja-JP" altLang="en-US" dirty="0" smtClean="0"/>
+              <a:t>も、昔</a:t>
+            </a:r>
             <a:r>
               <a:rPr kumimoji="1" lang="ja-JP" altLang="en-US" dirty="0"/>
-              <a:t>昔全く同じ勘違いをしていました。</a:t>
+              <a:t>全く同じ勘違いをしていました。</a:t>
             </a:r>
             <a:endParaRPr kumimoji="1" lang="en-US" altLang="ja-JP" dirty="0"/>
           </a:p>
@@ -7109,7 +7475,7 @@
           <a:p>
             <a:fld id="{35F63945-09EF-4D56-AA6D-C1F6374BA98A}" type="datetime8">
               <a:rPr lang="en-US" altLang="ja-JP" smtClean="0"/>
-              <a:t>11/4/2016 3:31 PM</a:t>
+              <a:t>11/6/2016 2:09 PM</a:t>
             </a:fld>
             <a:endParaRPr lang="en-US" dirty="0"/>
           </a:p>
@@ -7204,8 +7570,12 @@
           </a:p>
           <a:p>
             <a:r>
+              <a:rPr kumimoji="1" lang="ja-JP" altLang="en-US" dirty="0" smtClean="0"/>
+              <a:t>そこ理解していただくためにまず</a:t>
+            </a:r>
+            <a:r>
               <a:rPr kumimoji="1" lang="ja-JP" altLang="en-US" dirty="0"/>
-              <a:t>そこでまずは、</a:t>
+              <a:t>は、</a:t>
             </a:r>
             <a:r>
               <a:rPr kumimoji="1" lang="en-US" altLang="ja-JP" dirty="0"/>
@@ -7213,7 +7583,15 @@
             </a:r>
             <a:r>
               <a:rPr kumimoji="1" lang="ja-JP" altLang="en-US" dirty="0"/>
-              <a:t>とは何かお話ししたいと思います。</a:t>
+              <a:t>とは何</a:t>
+            </a:r>
+            <a:r>
+              <a:rPr kumimoji="1" lang="ja-JP" altLang="en-US" dirty="0" smtClean="0"/>
+              <a:t>か、簡単にお話し</a:t>
+            </a:r>
+            <a:r>
+              <a:rPr kumimoji="1" lang="ja-JP" altLang="en-US" dirty="0"/>
+              <a:t>したいと思います。</a:t>
             </a:r>
           </a:p>
         </p:txBody>
@@ -7262,7 +7640,7 @@
           <a:p>
             <a:fld id="{D9D3C64A-CFB4-4980-8828-24F416B1C84A}" type="datetime1">
               <a:rPr kumimoji="1" lang="ja-JP" altLang="en-US" smtClean="0"/>
-              <a:t>2016/11/4</a:t>
+              <a:t>2016/11/6</a:t>
             </a:fld>
             <a:endParaRPr kumimoji="1" lang="ja-JP" altLang="en-US" dirty="0"/>
           </a:p>
@@ -7417,13 +7795,15 @@
           <a:p>
             <a:r>
               <a:rPr kumimoji="1" lang="ja-JP" altLang="en-US" dirty="0"/>
-              <a:t>プリズムを使うと、アプリケーションは自然と</a:t>
-            </a:r>
-          </a:p>
-          <a:p>
+              <a:t>プリズムを使うと、アプリケーションは自然</a:t>
+            </a:r>
+            <a:r>
+              <a:rPr kumimoji="1" lang="ja-JP" altLang="en-US" dirty="0" smtClean="0"/>
+              <a:t>とテスト</a:t>
+            </a:r>
             <a:r>
               <a:rPr kumimoji="1" lang="ja-JP" altLang="en-US" dirty="0"/>
-              <a:t>テストしやすく、変更も容易になります。</a:t>
+              <a:t>しやすく、変更も容易になります。</a:t>
             </a:r>
           </a:p>
         </p:txBody>
@@ -7499,7 +7879,7 @@
           <a:p>
             <a:fld id="{35F63945-09EF-4D56-AA6D-C1F6374BA98A}" type="datetime8">
               <a:rPr lang="en-US" altLang="ja-JP" smtClean="0"/>
-              <a:t>11/4/2016 3:31 PM</a:t>
+              <a:t>11/6/2016 2:09 PM</a:t>
             </a:fld>
             <a:endParaRPr lang="en-US" dirty="0"/>
           </a:p>
@@ -14145,13 +14525,14 @@
           <a:lstStyle/>
           <a:p>
             <a:r>
-              <a:rPr kumimoji="1" lang="en-US" altLang="ja-JP" dirty="0"/>
-              <a:t>MVVM is </a:t>
-            </a:r>
-            <a:r>
-              <a:rPr kumimoji="1" lang="ja-JP" altLang="en-US" dirty="0"/>
-              <a:t>何？</a:t>
-            </a:r>
+              <a:rPr kumimoji="1" lang="en-US" altLang="ja-JP" dirty="0" err="1" smtClean="0"/>
+              <a:t>SoC</a:t>
+            </a:r>
+            <a:r>
+              <a:rPr kumimoji="1" lang="en-US" altLang="ja-JP" dirty="0" smtClean="0"/>
+              <a:t> Overview</a:t>
+            </a:r>
+            <a:endParaRPr kumimoji="1" lang="ja-JP" altLang="en-US" dirty="0"/>
           </a:p>
         </p:txBody>
       </p:sp>
@@ -15448,6 +15829,10 @@
             <a:r>
               <a:rPr kumimoji="1" lang="ja-JP" altLang="en-US" dirty="0"/>
               <a:t>のみで作ったアプリを</a:t>
+            </a:r>
+            <a:r>
+              <a:rPr lang="en-US" altLang="ja-JP" dirty="0"/>
+              <a:t/>
             </a:r>
             <a:br>
               <a:rPr lang="en-US" altLang="ja-JP" dirty="0"/>
@@ -17630,6 +18015,10 @@
             <a:r>
               <a:rPr kumimoji="1" lang="ja-JP" altLang="en-US" dirty="0"/>
               <a:t>支援ライブラリつかいたい！</a:t>
+            </a:r>
+            <a:r>
+              <a:rPr kumimoji="1" lang="en-US" altLang="ja-JP" dirty="0"/>
+              <a:t/>
             </a:r>
             <a:br>
               <a:rPr kumimoji="1" lang="en-US" altLang="ja-JP" dirty="0"/>

--- a/docs/Why Prism for Xamarin.Forms.pptx
+++ b/docs/Why Prism for Xamarin.Forms.pptx
@@ -5,23 +5,23 @@
     <p:sldMasterId id="2147484339" r:id="rId1"/>
   </p:sldMasterIdLst>
   <p:notesMasterIdLst>
-    <p:notesMasterId r:id="rId36"/>
+    <p:notesMasterId r:id="rId35"/>
   </p:notesMasterIdLst>
   <p:handoutMasterIdLst>
-    <p:handoutMasterId r:id="rId37"/>
+    <p:handoutMasterId r:id="rId36"/>
   </p:handoutMasterIdLst>
   <p:sldIdLst>
     <p:sldId id="1508" r:id="rId2"/>
     <p:sldId id="1637" r:id="rId3"/>
-    <p:sldId id="1607" r:id="rId4"/>
+    <p:sldId id="1680" r:id="rId4"/>
     <p:sldId id="1608" r:id="rId5"/>
     <p:sldId id="1651" r:id="rId6"/>
     <p:sldId id="1652" r:id="rId7"/>
     <p:sldId id="1653" r:id="rId8"/>
-    <p:sldId id="1665" r:id="rId9"/>
+    <p:sldId id="1682" r:id="rId9"/>
     <p:sldId id="1649" r:id="rId10"/>
     <p:sldId id="1650" r:id="rId11"/>
-    <p:sldId id="1666" r:id="rId12"/>
+    <p:sldId id="1683" r:id="rId12"/>
     <p:sldId id="1626" r:id="rId13"/>
     <p:sldId id="1627" r:id="rId14"/>
     <p:sldId id="1619" r:id="rId15"/>
@@ -38,16 +38,15 @@
     <p:sldId id="1664" r:id="rId26"/>
     <p:sldId id="1645" r:id="rId27"/>
     <p:sldId id="1673" r:id="rId28"/>
-    <p:sldId id="1671" r:id="rId29"/>
-    <p:sldId id="1679" r:id="rId30"/>
-    <p:sldId id="1680" r:id="rId31"/>
-    <p:sldId id="1674" r:id="rId32"/>
-    <p:sldId id="1647" r:id="rId33"/>
-    <p:sldId id="1525" r:id="rId34"/>
-    <p:sldId id="1648" r:id="rId35"/>
+    <p:sldId id="1684" r:id="rId29"/>
+    <p:sldId id="1671" r:id="rId30"/>
+    <p:sldId id="1679" r:id="rId31"/>
+    <p:sldId id="1647" r:id="rId32"/>
+    <p:sldId id="1525" r:id="rId33"/>
+    <p:sldId id="1648" r:id="rId34"/>
   </p:sldIdLst>
   <p:sldSz cx="12436475" cy="6994525"/>
-  <p:notesSz cx="6858000" cy="9144000"/>
+  <p:notesSz cx="7104063" cy="10234613"/>
   <p:defaultTextStyle>
     <a:defPPr>
       <a:defRPr lang="en-US"/>
@@ -149,12 +148,12 @@
     </p:ext>
     <p:ext uri="{2D200454-40CA-4A62-9FC3-DE9A4176ACB9}">
       <p15:notesGuideLst xmlns:p15="http://schemas.microsoft.com/office/powerpoint/2012/main">
-        <p15:guide id="1" orient="horz" pos="2880">
+        <p15:guide id="1" orient="horz" pos="3224" userDrawn="1">
           <p15:clr>
             <a:srgbClr val="A4A3A4"/>
           </p15:clr>
         </p15:guide>
-        <p15:guide id="2" pos="2160">
+        <p15:guide id="2" pos="2238" userDrawn="1">
           <p15:clr>
             <a:srgbClr val="A4A3A4"/>
           </p15:clr>
@@ -205,18 +204,18 @@
         </p:nvSpPr>
         <p:spPr>
           <a:xfrm>
-            <a:off x="3884613" y="0"/>
-            <a:ext cx="2971800" cy="457200"/>
+            <a:off x="4023993" y="2"/>
+            <a:ext cx="3078427" cy="511731"/>
           </a:xfrm>
           <a:prstGeom prst="rect">
             <a:avLst/>
           </a:prstGeom>
         </p:spPr>
         <p:txBody>
-          <a:bodyPr vert="horz" lIns="91440" tIns="45720" rIns="91440" bIns="45720" rtlCol="0"/>
+          <a:bodyPr vert="horz" lIns="99075" tIns="49538" rIns="99075" bIns="49538" rtlCol="0"/>
           <a:lstStyle>
             <a:lvl1pPr algn="r">
-              <a:defRPr sz="1200"/>
+              <a:defRPr sz="1300"/>
             </a:lvl1pPr>
           </a:lstStyle>
           <a:p>
@@ -244,22 +243,22 @@
         </p:nvSpPr>
         <p:spPr>
           <a:xfrm>
-            <a:off x="0" y="8685213"/>
-            <a:ext cx="5795010" cy="332434"/>
+            <a:off x="1" y="9721106"/>
+            <a:ext cx="6002933" cy="372084"/>
           </a:xfrm>
           <a:prstGeom prst="rect">
             <a:avLst/>
           </a:prstGeom>
         </p:spPr>
         <p:txBody>
-          <a:bodyPr vert="horz" lIns="91440" tIns="45720" rIns="91440" bIns="45720" rtlCol="0" anchor="b"/>
+          <a:bodyPr vert="horz" lIns="99075" tIns="49538" rIns="99075" bIns="49538" rtlCol="0" anchor="b"/>
           <a:lstStyle>
             <a:lvl1pPr algn="l">
-              <a:defRPr sz="1200"/>
+              <a:defRPr sz="1300"/>
             </a:lvl1pPr>
           </a:lstStyle>
           <a:p>
-            <a:pPr marL="398463" defTabSz="914099" eaLnBrk="0" hangingPunct="0"/>
+            <a:pPr marL="431735" defTabSz="990426" eaLnBrk="0" hangingPunct="0"/>
             <a:r>
               <a:rPr lang="en-US" sz="400" dirty="0">
                 <a:gradFill>
@@ -294,18 +293,18 @@
         </p:nvSpPr>
         <p:spPr>
           <a:xfrm>
-            <a:off x="5783579" y="8685213"/>
-            <a:ext cx="1072833" cy="457200"/>
+            <a:off x="5991093" y="9721108"/>
+            <a:ext cx="1111326" cy="511731"/>
           </a:xfrm>
           <a:prstGeom prst="rect">
             <a:avLst/>
           </a:prstGeom>
         </p:spPr>
         <p:txBody>
-          <a:bodyPr vert="horz" lIns="91440" tIns="45720" rIns="91440" bIns="45720" rtlCol="0" anchor="b"/>
+          <a:bodyPr vert="horz" lIns="99075" tIns="49538" rIns="99075" bIns="49538" rtlCol="0" anchor="b"/>
           <a:lstStyle>
             <a:lvl1pPr algn="r">
-              <a:defRPr sz="1200"/>
+              <a:defRPr sz="1300"/>
             </a:lvl1pPr>
           </a:lstStyle>
           <a:p>
@@ -367,8 +366,8 @@
         </p:nvSpPr>
         <p:spPr>
           <a:xfrm>
-            <a:off x="381000" y="685800"/>
-            <a:ext cx="6096000" cy="3429000"/>
+            <a:off x="141288" y="768350"/>
+            <a:ext cx="6821487" cy="3836988"/>
           </a:xfrm>
           <a:prstGeom prst="rect">
             <a:avLst/>
@@ -381,7 +380,7 @@
           </a:ln>
         </p:spPr>
         <p:txBody>
-          <a:bodyPr vert="horz" lIns="91440" tIns="45720" rIns="91440" bIns="45720" rtlCol="0" anchor="ctr"/>
+          <a:bodyPr vert="horz" lIns="99075" tIns="49538" rIns="99075" bIns="49538" rtlCol="0" anchor="ctr"/>
           <a:lstStyle/>
           <a:p>
             <a:endParaRPr lang="en-US" dirty="0"/>
@@ -400,24 +399,24 @@
         </p:nvSpPr>
         <p:spPr>
           <a:xfrm>
-            <a:off x="0" y="8686800"/>
-            <a:ext cx="5920740" cy="355964"/>
+            <a:off x="0" y="9722882"/>
+            <a:ext cx="6133174" cy="398420"/>
           </a:xfrm>
           <a:prstGeom prst="rect">
             <a:avLst/>
           </a:prstGeom>
         </p:spPr>
         <p:txBody>
-          <a:bodyPr vert="horz" lIns="91440" tIns="45720" rIns="91440" bIns="45720" rtlCol="0" anchor="b"/>
+          <a:bodyPr vert="horz" lIns="99075" tIns="49538" rIns="99075" bIns="49538" rtlCol="0" anchor="b"/>
           <a:lstStyle>
-            <a:lvl1pPr marL="571500" indent="0" algn="l">
-              <a:defRPr sz="1200"/>
+            <a:lvl1pPr marL="619220" indent="0" algn="l">
+              <a:defRPr sz="1300"/>
             </a:lvl1pPr>
           </a:lstStyle>
           <a:p>
-            <a:pPr defTabSz="914099" eaLnBrk="0" hangingPunct="0"/>
-            <a:r>
-              <a:rPr lang="en-US" sz="400" dirty="0">
+            <a:pPr defTabSz="990426" eaLnBrk="0" hangingPunct="0"/>
+            <a:r>
+              <a:rPr lang="en-US" sz="400" smtClean="0">
                 <a:gradFill>
                   <a:gsLst>
                     <a:gs pos="0">
@@ -435,6 +434,22 @@
               </a:rPr>
               <a:t>© 2016 Microsoft Corporation. All rights reserved. MICROSOFT MAKES NO WARRANTIES, EXPRESS, IMPLIED OR STATUTORY, AS TO THE INFORMATION IN THIS PRESENTATION.</a:t>
             </a:r>
+            <a:endParaRPr lang="en-US" sz="400" dirty="0">
+              <a:gradFill>
+                <a:gsLst>
+                  <a:gs pos="0">
+                    <a:prstClr val="black"/>
+                  </a:gs>
+                  <a:gs pos="100000">
+                    <a:prstClr val="black"/>
+                  </a:gs>
+                </a:gsLst>
+                <a:lin ang="5400000" scaled="0"/>
+              </a:gradFill>
+              <a:latin typeface="Segoe UI" pitchFamily="34" charset="0"/>
+              <a:ea typeface="Segoe UI" pitchFamily="34" charset="0"/>
+              <a:cs typeface="Segoe UI" pitchFamily="34" charset="0"/>
+            </a:endParaRPr>
           </a:p>
         </p:txBody>
       </p:sp>
@@ -450,18 +465,18 @@
         </p:nvSpPr>
         <p:spPr>
           <a:xfrm>
-            <a:off x="3884613" y="0"/>
-            <a:ext cx="2971800" cy="457200"/>
+            <a:off x="4023993" y="2"/>
+            <a:ext cx="3078427" cy="511731"/>
           </a:xfrm>
           <a:prstGeom prst="rect">
             <a:avLst/>
           </a:prstGeom>
         </p:spPr>
         <p:txBody>
-          <a:bodyPr vert="horz" lIns="91440" tIns="45720" rIns="91440" bIns="45720" rtlCol="0"/>
+          <a:bodyPr vert="horz" lIns="99075" tIns="49538" rIns="99075" bIns="49538" rtlCol="0"/>
           <a:lstStyle>
             <a:lvl1pPr algn="r">
-              <a:defRPr sz="1200">
+              <a:defRPr sz="1300">
                 <a:latin typeface="Segoe UI" pitchFamily="34" charset="0"/>
               </a:defRPr>
             </a:lvl1pPr>
@@ -487,15 +502,15 @@
         </p:nvSpPr>
         <p:spPr>
           <a:xfrm>
-            <a:off x="685800" y="4343400"/>
-            <a:ext cx="5486400" cy="4114800"/>
+            <a:off x="710407" y="4861441"/>
+            <a:ext cx="5683250" cy="4605576"/>
           </a:xfrm>
           <a:prstGeom prst="rect">
             <a:avLst/>
           </a:prstGeom>
         </p:spPr>
         <p:txBody>
-          <a:bodyPr vert="horz" lIns="91440" tIns="45720" rIns="91440" bIns="45720" rtlCol="0"/>
+          <a:bodyPr vert="horz" lIns="99075" tIns="49538" rIns="99075" bIns="49538" rtlCol="0"/>
           <a:lstStyle/>
           <a:p>
             <a:pPr lvl="0"/>
@@ -546,18 +561,18 @@
         </p:nvSpPr>
         <p:spPr>
           <a:xfrm>
-            <a:off x="5909309" y="8685213"/>
-            <a:ext cx="947103" cy="457200"/>
+            <a:off x="6121335" y="9721108"/>
+            <a:ext cx="981085" cy="511731"/>
           </a:xfrm>
           <a:prstGeom prst="rect">
             <a:avLst/>
           </a:prstGeom>
         </p:spPr>
         <p:txBody>
-          <a:bodyPr vert="horz" lIns="91440" tIns="45720" rIns="91440" bIns="45720" rtlCol="0" anchor="b"/>
+          <a:bodyPr vert="horz" lIns="99075" tIns="49538" rIns="99075" bIns="49538" rtlCol="0" anchor="b"/>
           <a:lstStyle>
             <a:lvl1pPr algn="r">
-              <a:defRPr sz="1200">
+              <a:defRPr sz="1300">
                 <a:latin typeface="Segoe UI" pitchFamily="34" charset="0"/>
               </a:defRPr>
             </a:lvl1pPr>
@@ -820,7 +835,7 @@
           <a:bodyPr/>
           <a:lstStyle/>
           <a:p>
-            <a:pPr defTabSz="914099" eaLnBrk="0" hangingPunct="0"/>
+            <a:pPr defTabSz="990426" eaLnBrk="0" hangingPunct="0"/>
             <a:r>
               <a:rPr lang="en-US" sz="400">
                 <a:gradFill>
@@ -1097,7 +1112,7 @@
           <a:bodyPr/>
           <a:lstStyle/>
           <a:p>
-            <a:pPr defTabSz="914099" eaLnBrk="0" hangingPunct="0"/>
+            <a:pPr defTabSz="990426" eaLnBrk="0" hangingPunct="0"/>
             <a:r>
               <a:rPr lang="en-US" sz="400">
                 <a:gradFill>
@@ -1240,98 +1255,98 @@
           <a:bodyPr/>
           <a:lstStyle/>
           <a:p>
-            <a:pPr marL="0" marR="0" lvl="0" indent="0" algn="l" defTabSz="932742" rtl="0" eaLnBrk="1" fontAlgn="auto" latinLnBrk="0" hangingPunct="1">
-              <a:lnSpc>
-                <a:spcPct val="90000"/>
-              </a:lnSpc>
-              <a:spcBef>
-                <a:spcPts val="0"/>
-              </a:spcBef>
+            <a:pPr defTabSz="1010626">
               <a:spcAft>
-                <a:spcPts val="340"/>
+                <a:spcPts val="368"/>
               </a:spcAft>
-              <a:buClrTx/>
-              <a:buSzTx/>
-              <a:buFontTx/>
-              <a:buNone/>
-              <a:tabLst/>
               <a:defRPr/>
             </a:pPr>
             <a:r>
-              <a:rPr kumimoji="1" lang="ja-JP" altLang="en-US" dirty="0"/>
+              <a:rPr kumimoji="1" lang="ja-JP" altLang="en-US" dirty="0" smtClean="0"/>
               <a:t>さて、実のところ</a:t>
             </a:r>
             <a:r>
-              <a:rPr kumimoji="1" lang="en-US" altLang="ja-JP" dirty="0"/>
+              <a:rPr kumimoji="1" lang="en-US" altLang="ja-JP" dirty="0" smtClean="0"/>
               <a:t>Prism</a:t>
             </a:r>
             <a:r>
-              <a:rPr kumimoji="1" lang="ja-JP" altLang="en-US" dirty="0"/>
+              <a:rPr kumimoji="1" lang="ja-JP" altLang="en-US" dirty="0" smtClean="0"/>
               <a:t>が難しそうというのは</a:t>
             </a:r>
           </a:p>
           <a:p>
-            <a:pPr marL="0" marR="0" lvl="0" indent="0" algn="l" defTabSz="932742" rtl="0" eaLnBrk="1" fontAlgn="auto" latinLnBrk="0" hangingPunct="1">
-              <a:lnSpc>
-                <a:spcPct val="90000"/>
-              </a:lnSpc>
-              <a:spcBef>
-                <a:spcPts val="0"/>
-              </a:spcBef>
+            <a:pPr defTabSz="1010626">
               <a:spcAft>
-                <a:spcPts val="340"/>
+                <a:spcPts val="368"/>
               </a:spcAft>
-              <a:buClrTx/>
-              <a:buSzTx/>
-              <a:buFontTx/>
-              <a:buNone/>
-              <a:tabLst/>
               <a:defRPr/>
             </a:pPr>
             <a:r>
-              <a:rPr kumimoji="1" lang="ja-JP" altLang="en-US" dirty="0"/>
-              <a:t>半分</a:t>
-            </a:r>
-            <a:r>
               <a:rPr kumimoji="1" lang="ja-JP" altLang="en-US" dirty="0" smtClean="0"/>
-              <a:t>正しく、半分</a:t>
-            </a:r>
-            <a:r>
-              <a:rPr kumimoji="1" lang="ja-JP" altLang="en-US" dirty="0"/>
-              <a:t>誤りです</a:t>
-            </a:r>
-          </a:p>
-        </p:txBody>
-      </p:sp>
-      <p:sp>
-        <p:nvSpPr>
-          <p:cNvPr id="4" name="ヘッダー プレースホルダー 3"/>
-          <p:cNvSpPr>
-            <a:spLocks noGrp="1"/>
-          </p:cNvSpPr>
-          <p:nvPr>
-            <p:ph type="hdr" sz="quarter" idx="10"/>
-          </p:nvPr>
-        </p:nvSpPr>
-        <p:spPr/>
-        <p:txBody>
-          <a:bodyPr/>
-          <a:lstStyle/>
-          <a:p>
-            <a:r>
-              <a:rPr kumimoji="1" lang="ja-JP" altLang="en-US" dirty="0"/>
-              <a:t>はじめての </a:t>
-            </a:r>
-            <a:r>
-              <a:rPr kumimoji="1" lang="en-US" altLang="ja-JP" dirty="0"/>
-              <a:t>Xamarin</a:t>
-            </a:r>
+              <a:t>半分正しく、半分誤りです</a:t>
+            </a:r>
+          </a:p>
+          <a:p>
             <a:endParaRPr kumimoji="1" lang="ja-JP" altLang="en-US" dirty="0"/>
           </a:p>
         </p:txBody>
       </p:sp>
       <p:sp>
         <p:nvSpPr>
+          <p:cNvPr id="4" name="フッター プレースホルダー 3"/>
+          <p:cNvSpPr>
+            <a:spLocks noGrp="1"/>
+          </p:cNvSpPr>
+          <p:nvPr>
+            <p:ph type="ftr" sz="quarter" idx="10"/>
+          </p:nvPr>
+        </p:nvSpPr>
+        <p:spPr/>
+        <p:txBody>
+          <a:bodyPr/>
+          <a:lstStyle/>
+          <a:p>
+            <a:pPr defTabSz="990426" eaLnBrk="0" hangingPunct="0"/>
+            <a:r>
+              <a:rPr lang="en-US" sz="400" smtClean="0">
+                <a:gradFill>
+                  <a:gsLst>
+                    <a:gs pos="0">
+                      <a:prstClr val="black"/>
+                    </a:gs>
+                    <a:gs pos="100000">
+                      <a:prstClr val="black"/>
+                    </a:gs>
+                  </a:gsLst>
+                  <a:lin ang="5400000" scaled="0"/>
+                </a:gradFill>
+                <a:latin typeface="Segoe UI" pitchFamily="34" charset="0"/>
+                <a:ea typeface="Segoe UI" pitchFamily="34" charset="0"/>
+                <a:cs typeface="Segoe UI" pitchFamily="34" charset="0"/>
+              </a:rPr>
+              <a:t>© 2016 Microsoft Corporation. All rights reserved. MICROSOFT MAKES NO WARRANTIES, EXPRESS, IMPLIED OR STATUTORY, AS TO THE INFORMATION IN THIS PRESENTATION.</a:t>
+            </a:r>
+            <a:endParaRPr lang="en-US" sz="400" dirty="0">
+              <a:gradFill>
+                <a:gsLst>
+                  <a:gs pos="0">
+                    <a:prstClr val="black"/>
+                  </a:gs>
+                  <a:gs pos="100000">
+                    <a:prstClr val="black"/>
+                  </a:gs>
+                </a:gsLst>
+                <a:lin ang="5400000" scaled="0"/>
+              </a:gradFill>
+              <a:latin typeface="Segoe UI" pitchFamily="34" charset="0"/>
+              <a:ea typeface="Segoe UI" pitchFamily="34" charset="0"/>
+              <a:cs typeface="Segoe UI" pitchFamily="34" charset="0"/>
+            </a:endParaRPr>
+          </a:p>
+        </p:txBody>
+      </p:sp>
+      <p:sp>
+        <p:nvSpPr>
           <p:cNvPr id="5" name="日付プレースホルダー 4"/>
           <p:cNvSpPr>
             <a:spLocks noGrp="1"/>
@@ -1345,63 +1360,42 @@
           <a:bodyPr/>
           <a:lstStyle/>
           <a:p>
-            <a:fld id="{D9D3C64A-CFB4-4980-8828-24F416B1C84A}" type="datetime1">
-              <a:rPr kumimoji="1" lang="ja-JP" altLang="en-US" smtClean="0"/>
-              <a:t>2016/11/6</a:t>
+            <a:fld id="{35F63945-09EF-4D56-AA6D-C1F6374BA98A}" type="datetime8">
+              <a:rPr lang="en-US" altLang="ja-JP" smtClean="0"/>
+              <a:t>11/6/2016 3:28 PM</a:t>
             </a:fld>
-            <a:endParaRPr kumimoji="1" lang="ja-JP" altLang="en-US" dirty="0"/>
-          </a:p>
-        </p:txBody>
-      </p:sp>
-      <p:sp>
-        <p:nvSpPr>
-          <p:cNvPr id="6" name="フッター プレースホルダー 5"/>
-          <p:cNvSpPr>
-            <a:spLocks noGrp="1"/>
-          </p:cNvSpPr>
-          <p:nvPr>
-            <p:ph type="ftr" sz="quarter" idx="12"/>
-          </p:nvPr>
-        </p:nvSpPr>
-        <p:spPr/>
-        <p:txBody>
-          <a:bodyPr/>
-          <a:lstStyle/>
-          <a:p>
-            <a:r>
-              <a:rPr kumimoji="1" lang="ja-JP" altLang="en-US" dirty="0"/>
-              <a:t>エクセルソフト株式会社</a:t>
-            </a:r>
-          </a:p>
-        </p:txBody>
-      </p:sp>
-      <p:sp>
-        <p:nvSpPr>
-          <p:cNvPr id="7" name="スライド番号プレースホルダー 6"/>
-          <p:cNvSpPr>
-            <a:spLocks noGrp="1"/>
-          </p:cNvSpPr>
-          <p:nvPr>
-            <p:ph type="sldNum" sz="quarter" idx="13"/>
-          </p:nvPr>
-        </p:nvSpPr>
-        <p:spPr/>
-        <p:txBody>
-          <a:bodyPr/>
-          <a:lstStyle/>
-          <a:p>
-            <a:fld id="{94D19C99-4FBD-4E6B-A194-7A4D7A7D8678}" type="slidenum">
-              <a:rPr kumimoji="1" lang="ja-JP" altLang="en-US" smtClean="0"/>
+            <a:endParaRPr lang="en-US" dirty="0"/>
+          </a:p>
+        </p:txBody>
+      </p:sp>
+      <p:sp>
+        <p:nvSpPr>
+          <p:cNvPr id="6" name="スライド番号プレースホルダー 5"/>
+          <p:cNvSpPr>
+            <a:spLocks noGrp="1"/>
+          </p:cNvSpPr>
+          <p:nvPr>
+            <p:ph type="sldNum" sz="quarter" idx="12"/>
+          </p:nvPr>
+        </p:nvSpPr>
+        <p:spPr/>
+        <p:txBody>
+          <a:bodyPr/>
+          <a:lstStyle/>
+          <a:p>
+            <a:fld id="{B4008EB6-D09E-4580-8CD6-DDB14511944F}" type="slidenum">
+              <a:rPr lang="en-US" smtClean="0"/>
+              <a:pPr/>
               <a:t>11</a:t>
             </a:fld>
-            <a:endParaRPr kumimoji="1" lang="ja-JP" altLang="en-US" dirty="0"/>
+            <a:endParaRPr lang="en-US" dirty="0"/>
           </a:p>
         </p:txBody>
       </p:sp>
     </p:spTree>
     <p:extLst>
       <p:ext uri="{BB962C8B-B14F-4D97-AF65-F5344CB8AC3E}">
-        <p14:creationId xmlns:p14="http://schemas.microsoft.com/office/powerpoint/2010/main" val="4011445635"/>
+        <p14:creationId xmlns:p14="http://schemas.microsoft.com/office/powerpoint/2010/main" val="213413675"/>
       </p:ext>
     </p:extLst>
   </p:cSld>
@@ -1533,7 +1527,7 @@
           <a:bodyPr/>
           <a:lstStyle/>
           <a:p>
-            <a:pPr defTabSz="914099" eaLnBrk="0" hangingPunct="0"/>
+            <a:pPr defTabSz="990426" eaLnBrk="0" hangingPunct="0"/>
             <a:r>
               <a:rPr lang="en-US" sz="400">
                 <a:gradFill>
@@ -1774,7 +1768,7 @@
           <a:bodyPr/>
           <a:lstStyle/>
           <a:p>
-            <a:pPr defTabSz="914099" eaLnBrk="0" hangingPunct="0"/>
+            <a:pPr defTabSz="990426" eaLnBrk="0" hangingPunct="0"/>
             <a:r>
               <a:rPr lang="en-US" sz="400">
                 <a:gradFill>
@@ -1984,41 +1978,19 @@
             </a:r>
           </a:p>
           <a:p>
-            <a:pPr marL="0" marR="0" lvl="0" indent="0" algn="l" defTabSz="932742" rtl="0" eaLnBrk="1" fontAlgn="auto" latinLnBrk="0" hangingPunct="1">
-              <a:lnSpc>
-                <a:spcPct val="90000"/>
-              </a:lnSpc>
-              <a:spcBef>
-                <a:spcPts val="0"/>
-              </a:spcBef>
+            <a:pPr defTabSz="1010626">
               <a:spcAft>
-                <a:spcPts val="340"/>
+                <a:spcPts val="368"/>
               </a:spcAft>
-              <a:buClrTx/>
-              <a:buSzTx/>
-              <a:buFontTx/>
-              <a:buNone/>
-              <a:tabLst/>
               <a:defRPr/>
             </a:pPr>
             <a:endParaRPr kumimoji="1" lang="ja-JP" altLang="en-US" dirty="0"/>
           </a:p>
           <a:p>
-            <a:pPr marL="0" marR="0" lvl="0" indent="0" algn="l" defTabSz="932742" rtl="0" eaLnBrk="1" fontAlgn="auto" latinLnBrk="0" hangingPunct="1">
-              <a:lnSpc>
-                <a:spcPct val="90000"/>
-              </a:lnSpc>
-              <a:spcBef>
-                <a:spcPts val="0"/>
-              </a:spcBef>
+            <a:pPr defTabSz="1010626">
               <a:spcAft>
-                <a:spcPts val="340"/>
+                <a:spcPts val="368"/>
               </a:spcAft>
-              <a:buClrTx/>
-              <a:buSzTx/>
-              <a:buFontTx/>
-              <a:buNone/>
-              <a:tabLst/>
               <a:defRPr/>
             </a:pPr>
             <a:r>
@@ -2059,7 +2031,7 @@
           <a:bodyPr/>
           <a:lstStyle/>
           <a:p>
-            <a:pPr defTabSz="914099" eaLnBrk="0" hangingPunct="0"/>
+            <a:pPr defTabSz="990426" eaLnBrk="0" hangingPunct="0"/>
             <a:r>
               <a:rPr lang="en-US" sz="400">
                 <a:gradFill>
@@ -2288,7 +2260,7 @@
           <a:bodyPr/>
           <a:lstStyle/>
           <a:p>
-            <a:pPr defTabSz="914099" eaLnBrk="0" hangingPunct="0"/>
+            <a:pPr defTabSz="990426" eaLnBrk="0" hangingPunct="0"/>
             <a:r>
               <a:rPr lang="en-US" sz="400">
                 <a:gradFill>
@@ -2497,7 +2469,7 @@
           <a:bodyPr/>
           <a:lstStyle/>
           <a:p>
-            <a:pPr defTabSz="914099" eaLnBrk="0" hangingPunct="0"/>
+            <a:pPr defTabSz="990426" eaLnBrk="0" hangingPunct="0"/>
             <a:r>
               <a:rPr lang="en-US" sz="400">
                 <a:gradFill>
@@ -2647,21 +2619,10 @@
             <a:endParaRPr kumimoji="1" lang="en-US" altLang="ja-JP" dirty="0"/>
           </a:p>
           <a:p>
-            <a:pPr marL="0" marR="0" lvl="0" indent="0" algn="l" defTabSz="932742" rtl="0" eaLnBrk="1" fontAlgn="auto" latinLnBrk="0" hangingPunct="1">
-              <a:lnSpc>
-                <a:spcPct val="90000"/>
-              </a:lnSpc>
-              <a:spcBef>
-                <a:spcPts val="0"/>
-              </a:spcBef>
+            <a:pPr defTabSz="1010626">
               <a:spcAft>
-                <a:spcPts val="340"/>
+                <a:spcPts val="368"/>
               </a:spcAft>
-              <a:buClrTx/>
-              <a:buSzTx/>
-              <a:buFontTx/>
-              <a:buNone/>
-              <a:tabLst/>
               <a:defRPr/>
             </a:pPr>
             <a:r>
@@ -2695,21 +2656,10 @@
             <a:endParaRPr kumimoji="1" lang="en-US" altLang="ja-JP" dirty="0"/>
           </a:p>
           <a:p>
-            <a:pPr marL="0" marR="0" lvl="0" indent="0" algn="l" defTabSz="932742" rtl="0" eaLnBrk="1" fontAlgn="auto" latinLnBrk="0" hangingPunct="1">
-              <a:lnSpc>
-                <a:spcPct val="90000"/>
-              </a:lnSpc>
-              <a:spcBef>
-                <a:spcPts val="0"/>
-              </a:spcBef>
+            <a:pPr defTabSz="1010626">
               <a:spcAft>
-                <a:spcPts val="340"/>
+                <a:spcPts val="368"/>
               </a:spcAft>
-              <a:buClrTx/>
-              <a:buSzTx/>
-              <a:buFontTx/>
-              <a:buNone/>
-              <a:tabLst/>
               <a:defRPr/>
             </a:pPr>
             <a:r>
@@ -2722,41 +2672,19 @@
             </a:r>
           </a:p>
           <a:p>
-            <a:pPr marL="0" marR="0" lvl="0" indent="0" algn="l" defTabSz="932742" rtl="0" eaLnBrk="1" fontAlgn="auto" latinLnBrk="0" hangingPunct="1">
-              <a:lnSpc>
-                <a:spcPct val="90000"/>
-              </a:lnSpc>
-              <a:spcBef>
-                <a:spcPts val="0"/>
-              </a:spcBef>
+            <a:pPr defTabSz="1010626">
               <a:spcAft>
-                <a:spcPts val="340"/>
+                <a:spcPts val="368"/>
               </a:spcAft>
-              <a:buClrTx/>
-              <a:buSzTx/>
-              <a:buFontTx/>
-              <a:buNone/>
-              <a:tabLst/>
               <a:defRPr/>
             </a:pPr>
             <a:endParaRPr kumimoji="1" lang="ja-JP" altLang="en-US" dirty="0"/>
           </a:p>
           <a:p>
-            <a:pPr marL="0" marR="0" lvl="0" indent="0" algn="l" defTabSz="932742" rtl="0" eaLnBrk="1" fontAlgn="auto" latinLnBrk="0" hangingPunct="1">
-              <a:lnSpc>
-                <a:spcPct val="90000"/>
-              </a:lnSpc>
-              <a:spcBef>
-                <a:spcPts val="0"/>
-              </a:spcBef>
+            <a:pPr defTabSz="1010626">
               <a:spcAft>
-                <a:spcPts val="340"/>
+                <a:spcPts val="368"/>
               </a:spcAft>
-              <a:buClrTx/>
-              <a:buSzTx/>
-              <a:buFontTx/>
-              <a:buNone/>
-              <a:tabLst/>
               <a:defRPr/>
             </a:pPr>
             <a:r>
@@ -2842,7 +2770,7 @@
           <a:bodyPr/>
           <a:lstStyle/>
           <a:p>
-            <a:pPr defTabSz="914099" eaLnBrk="0" hangingPunct="0"/>
+            <a:pPr defTabSz="990426" eaLnBrk="0" hangingPunct="0"/>
             <a:r>
               <a:rPr lang="en-US" sz="400">
                 <a:gradFill>
@@ -3053,7 +2981,7 @@
           <a:bodyPr/>
           <a:lstStyle/>
           <a:p>
-            <a:pPr defTabSz="914099" eaLnBrk="0" hangingPunct="0"/>
+            <a:pPr defTabSz="990426" eaLnBrk="0" hangingPunct="0"/>
             <a:r>
               <a:rPr lang="en-US" sz="400">
                 <a:gradFill>
@@ -3196,20 +3124,12 @@
           <a:bodyPr/>
           <a:lstStyle/>
           <a:p>
-            <a:pPr marL="0" indent="0">
-              <a:buFont typeface="Arial" panose="020B0604020202020204" pitchFamily="34" charset="0"/>
-              <a:buNone/>
-            </a:pPr>
             <a:r>
               <a:rPr lang="ja-JP" altLang="en-US" dirty="0"/>
               <a:t>例えば</a:t>
             </a:r>
           </a:p>
           <a:p>
-            <a:pPr marL="0" indent="0">
-              <a:buFont typeface="Arial" panose="020B0604020202020204" pitchFamily="34" charset="0"/>
-              <a:buNone/>
-            </a:pPr>
             <a:r>
               <a:rPr lang="ja-JP" altLang="en-US" dirty="0"/>
               <a:t>プラットフォーム依存領域</a:t>
@@ -3225,10 +3145,6 @@
             <a:endParaRPr lang="en-US" altLang="ja-JP" dirty="0"/>
           </a:p>
           <a:p>
-            <a:pPr marL="0" indent="0">
-              <a:buFont typeface="Arial" panose="020B0604020202020204" pitchFamily="34" charset="0"/>
-              <a:buNone/>
-            </a:pPr>
             <a:r>
               <a:rPr lang="ja-JP" altLang="en-US" dirty="0"/>
               <a:t>位置情報や加速度、カメラといったデバイスやセンサー類</a:t>
@@ -3240,10 +3156,6 @@
             <a:endParaRPr lang="en-US" altLang="ja-JP" dirty="0"/>
           </a:p>
           <a:p>
-            <a:pPr marL="0" indent="0">
-              <a:buFont typeface="Arial" panose="020B0604020202020204" pitchFamily="34" charset="0"/>
-              <a:buNone/>
-            </a:pPr>
             <a:endParaRPr lang="en-US" altLang="ja-JP" dirty="0"/>
           </a:p>
           <a:p>
@@ -3277,7 +3189,7 @@
           <a:bodyPr/>
           <a:lstStyle/>
           <a:p>
-            <a:pPr defTabSz="914099" eaLnBrk="0" hangingPunct="0"/>
+            <a:pPr defTabSz="990426" eaLnBrk="0" hangingPunct="0"/>
             <a:r>
               <a:rPr lang="en-US" sz="400">
                 <a:gradFill>
@@ -3493,7 +3405,7 @@
           <a:bodyPr/>
           <a:lstStyle/>
           <a:p>
-            <a:pPr defTabSz="914099" eaLnBrk="0" hangingPunct="0"/>
+            <a:pPr defTabSz="990426" eaLnBrk="0" hangingPunct="0"/>
             <a:r>
               <a:rPr lang="en-US" sz="400">
                 <a:gradFill>
@@ -3686,7 +3598,7 @@
           <a:bodyPr/>
           <a:lstStyle/>
           <a:p>
-            <a:pPr defTabSz="914099" eaLnBrk="0" hangingPunct="0"/>
+            <a:pPr defTabSz="990426" eaLnBrk="0" hangingPunct="0"/>
             <a:r>
               <a:rPr lang="en-US" sz="400">
                 <a:gradFill>
@@ -3925,7 +3837,7 @@
           <a:bodyPr/>
           <a:lstStyle/>
           <a:p>
-            <a:pPr defTabSz="914099" eaLnBrk="0" hangingPunct="0"/>
+            <a:pPr defTabSz="990426" eaLnBrk="0" hangingPunct="0"/>
             <a:r>
               <a:rPr lang="en-US" sz="400">
                 <a:gradFill>
@@ -4236,7 +4148,7 @@
           <a:bodyPr/>
           <a:lstStyle/>
           <a:p>
-            <a:pPr defTabSz="914099" eaLnBrk="0" hangingPunct="0"/>
+            <a:pPr defTabSz="990426" eaLnBrk="0" hangingPunct="0"/>
             <a:r>
               <a:rPr lang="en-US" sz="400">
                 <a:gradFill>
@@ -4551,7 +4463,7 @@
           <a:bodyPr/>
           <a:lstStyle/>
           <a:p>
-            <a:pPr defTabSz="914099" eaLnBrk="0" hangingPunct="0"/>
+            <a:pPr defTabSz="990426" eaLnBrk="0" hangingPunct="0"/>
             <a:r>
               <a:rPr lang="en-US" sz="400">
                 <a:gradFill>
@@ -4753,7 +4665,7 @@
           <a:bodyPr/>
           <a:lstStyle/>
           <a:p>
-            <a:pPr defTabSz="914099" eaLnBrk="0" hangingPunct="0"/>
+            <a:pPr defTabSz="990426" eaLnBrk="0" hangingPunct="0"/>
             <a:r>
               <a:rPr lang="en-US" sz="400">
                 <a:gradFill>
@@ -4990,7 +4902,7 @@
           <a:bodyPr/>
           <a:lstStyle/>
           <a:p>
-            <a:pPr defTabSz="914099" eaLnBrk="0" hangingPunct="0"/>
+            <a:pPr defTabSz="990426" eaLnBrk="0" hangingPunct="0"/>
             <a:r>
               <a:rPr lang="en-US" sz="400">
                 <a:gradFill>
@@ -5156,7 +5068,7 @@
           <a:bodyPr/>
           <a:lstStyle/>
           <a:p>
-            <a:pPr defTabSz="914099" eaLnBrk="0" hangingPunct="0"/>
+            <a:pPr defTabSz="990426" eaLnBrk="0" hangingPunct="0"/>
             <a:r>
               <a:rPr lang="en-US" sz="400">
                 <a:gradFill>
@@ -5385,14 +5297,10 @@
             </a:r>
             <a:r>
               <a:rPr kumimoji="1" lang="ja-JP" altLang="en-US" dirty="0"/>
-              <a:t>皆さんに紹介したいと</a:t>
-            </a:r>
-            <a:r>
-              <a:rPr kumimoji="1" lang="ja-JP" altLang="en-US"/>
-              <a:t>思います</a:t>
-            </a:r>
-            <a:r>
-              <a:rPr kumimoji="1" lang="ja-JP" altLang="en-US" smtClean="0"/>
+              <a:t>皆さんに紹介したいと思います</a:t>
+            </a:r>
+            <a:r>
+              <a:rPr kumimoji="1" lang="ja-JP" altLang="en-US" dirty="0" smtClean="0"/>
               <a:t>。</a:t>
             </a:r>
             <a:endParaRPr kumimoji="1" lang="en-US" altLang="ja-JP" dirty="0"/>
@@ -5414,7 +5322,7 @@
           <a:bodyPr/>
           <a:lstStyle/>
           <a:p>
-            <a:pPr defTabSz="914099" eaLnBrk="0" hangingPunct="0"/>
+            <a:pPr defTabSz="990426" eaLnBrk="0" hangingPunct="0"/>
             <a:r>
               <a:rPr lang="en-US" sz="400">
                 <a:gradFill>
@@ -5558,164 +5466,62 @@
           <a:lstStyle/>
           <a:p>
             <a:r>
-              <a:rPr kumimoji="1" lang="ja-JP" altLang="en-US" dirty="0"/>
-              <a:t>まずアプリケーションには３つの</a:t>
-            </a:r>
-            <a:r>
-              <a:rPr kumimoji="1" lang="en-US" altLang="ja-JP" dirty="0"/>
+              <a:rPr kumimoji="1" lang="ja-JP" altLang="en-US" dirty="0" smtClean="0"/>
+              <a:t>さて、アプリケーション構成としては単純です。</a:t>
+            </a:r>
+            <a:endParaRPr kumimoji="1" lang="en-US" altLang="ja-JP" dirty="0" smtClean="0"/>
+          </a:p>
+          <a:p>
+            <a:r>
+              <a:rPr kumimoji="1" lang="ja-JP" altLang="en-US" dirty="0" smtClean="0"/>
+              <a:t>アプリケーションを起動するとメニュー画面が表示されます。</a:t>
+            </a:r>
+            <a:endParaRPr kumimoji="1" lang="en-US" altLang="ja-JP" dirty="0" smtClean="0"/>
+          </a:p>
+          <a:p>
+            <a:r>
+              <a:rPr kumimoji="1" lang="ja-JP" altLang="en-US" dirty="0" smtClean="0"/>
+              <a:t>メニューでボタンを押下すると、確認ダイアログが表示され、</a:t>
+            </a:r>
+            <a:r>
+              <a:rPr kumimoji="1" lang="en-US" altLang="ja-JP" dirty="0" smtClean="0"/>
+              <a:t>OK</a:t>
+            </a:r>
+            <a:r>
+              <a:rPr kumimoji="1" lang="ja-JP" altLang="en-US" dirty="0" smtClean="0"/>
+              <a:t>を押すと次画面へ遷移します。</a:t>
+            </a:r>
+            <a:endParaRPr kumimoji="1" lang="en-US" altLang="ja-JP" dirty="0" smtClean="0"/>
+          </a:p>
+          <a:p>
+            <a:r>
+              <a:rPr kumimoji="1" lang="ja-JP" altLang="en-US" dirty="0" smtClean="0"/>
+              <a:t>次画面ではボタンを押下すると、テキストボックスに入力された文字列が音声として読み上げられるというアプリケーションです。</a:t>
+            </a:r>
+            <a:endParaRPr kumimoji="1" lang="en-US" altLang="ja-JP" dirty="0" smtClean="0"/>
+          </a:p>
+          <a:p>
+            <a:r>
+              <a:rPr kumimoji="1" lang="ja-JP" altLang="en-US" dirty="0" smtClean="0"/>
+              <a:t>画面遷移には</a:t>
+            </a:r>
+            <a:r>
+              <a:rPr kumimoji="1" lang="en-US" altLang="ja-JP" dirty="0" err="1" smtClean="0"/>
+              <a:t>NavigationPage</a:t>
+            </a:r>
+            <a:r>
+              <a:rPr kumimoji="1" lang="ja-JP" altLang="en-US" dirty="0" smtClean="0"/>
+              <a:t>を利用しているため、実装上</a:t>
+            </a:r>
+            <a:r>
+              <a:rPr kumimoji="1" lang="en-US" altLang="ja-JP" dirty="0" smtClean="0"/>
               <a:t>View</a:t>
             </a:r>
             <a:r>
-              <a:rPr kumimoji="1" lang="ja-JP" altLang="en-US" dirty="0"/>
-              <a:t>があります。</a:t>
-            </a:r>
-            <a:endParaRPr kumimoji="1" lang="en-US" altLang="ja-JP" dirty="0"/>
-          </a:p>
-          <a:p>
-            <a:r>
-              <a:rPr kumimoji="1" lang="ja-JP" altLang="en-US" dirty="0"/>
-              <a:t>画面遷移に</a:t>
-            </a:r>
-            <a:r>
-              <a:rPr kumimoji="1" lang="en-US" altLang="ja-JP" dirty="0" err="1"/>
-              <a:t>NavigationPage</a:t>
-            </a:r>
-            <a:r>
-              <a:rPr kumimoji="1" lang="ja-JP" altLang="en-US" dirty="0"/>
-              <a:t>を利用するため、</a:t>
-            </a:r>
-            <a:r>
-              <a:rPr kumimoji="1" lang="en-US" altLang="ja-JP" dirty="0" err="1"/>
-              <a:t>Xamarin.Forms</a:t>
-            </a:r>
-            <a:r>
-              <a:rPr kumimoji="1" lang="ja-JP" altLang="en-US" dirty="0" err="1"/>
-              <a:t>の提</a:t>
-            </a:r>
-            <a:r>
-              <a:rPr kumimoji="1" lang="ja-JP" altLang="en-US" dirty="0"/>
-              <a:t>供する</a:t>
-            </a:r>
-            <a:r>
-              <a:rPr kumimoji="1" lang="en-US" altLang="ja-JP" dirty="0" err="1"/>
-              <a:t>NavigationPage</a:t>
-            </a:r>
-            <a:r>
-              <a:rPr kumimoji="1" lang="ja-JP" altLang="en-US" dirty="0"/>
-              <a:t>が一つ。</a:t>
-            </a:r>
-            <a:endParaRPr kumimoji="1" lang="en-US" altLang="ja-JP" dirty="0"/>
-          </a:p>
-          <a:p>
-            <a:r>
-              <a:rPr kumimoji="1" lang="ja-JP" altLang="en-US" dirty="0"/>
-              <a:t>さらにメニューに該当する</a:t>
-            </a:r>
-            <a:r>
-              <a:rPr kumimoji="1" lang="en-US" altLang="ja-JP" dirty="0" err="1"/>
-              <a:t>MainPage</a:t>
-            </a:r>
-            <a:r>
-              <a:rPr kumimoji="1" lang="ja-JP" altLang="en-US" dirty="0"/>
-              <a:t>と、</a:t>
-            </a:r>
-            <a:r>
-              <a:rPr kumimoji="1" lang="en-US" altLang="ja-JP" dirty="0" err="1"/>
-              <a:t>TextSpeechPage</a:t>
-            </a:r>
-            <a:r>
-              <a:rPr kumimoji="1" lang="ja-JP" altLang="en-US" dirty="0"/>
-              <a:t>です。</a:t>
-            </a:r>
-            <a:endParaRPr kumimoji="1" lang="en-US" altLang="ja-JP" dirty="0"/>
-          </a:p>
-          <a:p>
-            <a:r>
-              <a:rPr kumimoji="1" lang="ja-JP" altLang="en-US" dirty="0"/>
-              <a:t>そしてそれぞれに該当する</a:t>
-            </a:r>
-            <a:r>
-              <a:rPr kumimoji="1" lang="en-US" altLang="ja-JP" dirty="0" err="1"/>
-              <a:t>ViewModel</a:t>
-            </a:r>
-            <a:r>
-              <a:rPr kumimoji="1" lang="ja-JP" altLang="en-US" dirty="0" err="1"/>
-              <a:t>が存</a:t>
-            </a:r>
-            <a:r>
-              <a:rPr kumimoji="1" lang="ja-JP" altLang="en-US" dirty="0"/>
-              <a:t>在し、</a:t>
-            </a:r>
-            <a:r>
-              <a:rPr kumimoji="1" lang="en-US" altLang="ja-JP" dirty="0" err="1"/>
-              <a:t>TextSpeechPage</a:t>
-            </a:r>
-            <a:r>
-              <a:rPr kumimoji="1" lang="ja-JP" altLang="en-US" dirty="0"/>
-              <a:t>からは</a:t>
-            </a:r>
-            <a:r>
-              <a:rPr kumimoji="1" lang="en-US" altLang="ja-JP" dirty="0" err="1"/>
-              <a:t>ITextSpeechService</a:t>
-            </a:r>
-            <a:r>
-              <a:rPr kumimoji="1" lang="ja-JP" altLang="en-US" dirty="0"/>
-              <a:t>を通して</a:t>
-            </a:r>
-            <a:endParaRPr kumimoji="1" lang="en-US" altLang="ja-JP" dirty="0"/>
-          </a:p>
-          <a:p>
-            <a:r>
-              <a:rPr kumimoji="1" lang="ja-JP" altLang="en-US" dirty="0"/>
-              <a:t>文字列から音声に変換します。</a:t>
-            </a:r>
-            <a:endParaRPr kumimoji="1" lang="en-US" altLang="ja-JP" dirty="0"/>
-          </a:p>
-          <a:p>
-            <a:r>
-              <a:rPr kumimoji="1" lang="en-US" altLang="ja-JP" dirty="0" err="1"/>
-              <a:t>ITextSpeechService</a:t>
-            </a:r>
-            <a:r>
-              <a:rPr kumimoji="1" lang="ja-JP" altLang="en-US" dirty="0"/>
-              <a:t>の実態は、個々のプラットフォーム別に実装されており、</a:t>
-            </a:r>
-            <a:r>
-              <a:rPr kumimoji="1" lang="en-US" altLang="ja-JP" dirty="0" err="1"/>
-              <a:t>ViewModel</a:t>
-            </a:r>
-            <a:r>
-              <a:rPr kumimoji="1" lang="ja-JP" altLang="en-US" dirty="0"/>
-              <a:t>から</a:t>
-            </a:r>
-            <a:endParaRPr kumimoji="1" lang="en-US" altLang="ja-JP" dirty="0"/>
-          </a:p>
-          <a:p>
-            <a:r>
-              <a:rPr kumimoji="1" lang="en-US" altLang="ja-JP" dirty="0" err="1"/>
-              <a:t>DependencyService</a:t>
-            </a:r>
-            <a:r>
-              <a:rPr kumimoji="1" lang="ja-JP" altLang="en-US" dirty="0"/>
-              <a:t>を通して利用しています。</a:t>
-            </a:r>
-            <a:endParaRPr kumimoji="1" lang="en-US" altLang="ja-JP" dirty="0"/>
-          </a:p>
-          <a:p>
-            <a:endParaRPr kumimoji="1" lang="en-US" altLang="ja-JP" dirty="0"/>
-          </a:p>
-          <a:p>
-            <a:r>
-              <a:rPr kumimoji="1" lang="ja-JP" altLang="en-US" dirty="0"/>
-              <a:t>一見、問題ないように見えますが、二つの設計上の課題があります。</a:t>
-            </a:r>
-            <a:endParaRPr kumimoji="1" lang="en-US" altLang="ja-JP" dirty="0"/>
-          </a:p>
-          <a:p>
-            <a:r>
-              <a:rPr kumimoji="1" lang="ja-JP" altLang="en-US" dirty="0"/>
-              <a:t>それでは実際にコードを見ていきましょう。</a:t>
-            </a:r>
+              <a:rPr kumimoji="1" lang="ja-JP" altLang="en-US" smtClean="0"/>
+              <a:t>は３つ存在します。</a:t>
+            </a:r>
+            <a:endParaRPr kumimoji="1" lang="ja-JP" altLang="en-US" dirty="0"/>
           </a:p>
         </p:txBody>
       </p:sp>
@@ -5734,9 +5540,9 @@
           <a:bodyPr/>
           <a:lstStyle/>
           <a:p>
-            <a:pPr defTabSz="914099" eaLnBrk="0" hangingPunct="0"/>
-            <a:r>
-              <a:rPr lang="en-US" sz="400">
+            <a:pPr defTabSz="990426" eaLnBrk="0" hangingPunct="0"/>
+            <a:r>
+              <a:rPr lang="en-US" sz="400" smtClean="0">
                 <a:gradFill>
                   <a:gsLst>
                     <a:gs pos="0">
@@ -5790,7 +5596,7 @@
           <a:p>
             <a:fld id="{35F63945-09EF-4D56-AA6D-C1F6374BA98A}" type="datetime8">
               <a:rPr lang="en-US" altLang="ja-JP" smtClean="0"/>
-              <a:t>11/6/2016 2:09 PM</a:t>
+              <a:t>11/6/2016 3:37 PM</a:t>
             </a:fld>
             <a:endParaRPr lang="en-US" dirty="0"/>
           </a:p>
@@ -5823,7 +5629,7 @@
     </p:spTree>
     <p:extLst>
       <p:ext uri="{BB962C8B-B14F-4D97-AF65-F5344CB8AC3E}">
-        <p14:creationId xmlns:p14="http://schemas.microsoft.com/office/powerpoint/2010/main" val="574317740"/>
+        <p14:creationId xmlns:p14="http://schemas.microsoft.com/office/powerpoint/2010/main" val="2486556925"/>
       </p:ext>
     </p:extLst>
   </p:cSld>
@@ -5879,11 +5685,174 @@
           <a:p>
             <a:r>
               <a:rPr kumimoji="1" lang="ja-JP" altLang="en-US" dirty="0"/>
-              <a:t>というわけで、デモに行きます</a:t>
+              <a:t>まずアプリケーションには３つの</a:t>
+            </a:r>
+            <a:r>
+              <a:rPr kumimoji="1" lang="en-US" altLang="ja-JP" dirty="0"/>
+              <a:t>View</a:t>
+            </a:r>
+            <a:r>
+              <a:rPr kumimoji="1" lang="ja-JP" altLang="en-US" dirty="0"/>
+              <a:t>があります。</a:t>
             </a:r>
             <a:endParaRPr kumimoji="1" lang="en-US" altLang="ja-JP" dirty="0"/>
           </a:p>
           <a:p>
+            <a:r>
+              <a:rPr kumimoji="1" lang="ja-JP" altLang="en-US" dirty="0"/>
+              <a:t>画面遷移に</a:t>
+            </a:r>
+            <a:r>
+              <a:rPr kumimoji="1" lang="en-US" altLang="ja-JP" dirty="0" err="1"/>
+              <a:t>NavigationPage</a:t>
+            </a:r>
+            <a:r>
+              <a:rPr kumimoji="1" lang="ja-JP" altLang="en-US" dirty="0"/>
+              <a:t>を利用するため、</a:t>
+            </a:r>
+            <a:r>
+              <a:rPr kumimoji="1" lang="en-US" altLang="ja-JP" dirty="0" err="1"/>
+              <a:t>Xamarin.Forms</a:t>
+            </a:r>
+            <a:r>
+              <a:rPr kumimoji="1" lang="ja-JP" altLang="en-US" dirty="0" err="1"/>
+              <a:t>の提</a:t>
+            </a:r>
+            <a:r>
+              <a:rPr kumimoji="1" lang="ja-JP" altLang="en-US" dirty="0"/>
+              <a:t>供する</a:t>
+            </a:r>
+            <a:r>
+              <a:rPr kumimoji="1" lang="en-US" altLang="ja-JP" dirty="0" err="1"/>
+              <a:t>NavigationPage</a:t>
+            </a:r>
+            <a:r>
+              <a:rPr kumimoji="1" lang="ja-JP" altLang="en-US" dirty="0"/>
+              <a:t>が一つ。</a:t>
+            </a:r>
+            <a:endParaRPr kumimoji="1" lang="en-US" altLang="ja-JP" dirty="0"/>
+          </a:p>
+          <a:p>
+            <a:r>
+              <a:rPr kumimoji="1" lang="ja-JP" altLang="en-US" dirty="0"/>
+              <a:t>さらにメニューに該当する</a:t>
+            </a:r>
+            <a:r>
+              <a:rPr kumimoji="1" lang="en-US" altLang="ja-JP" dirty="0" err="1"/>
+              <a:t>MainPage</a:t>
+            </a:r>
+            <a:r>
+              <a:rPr kumimoji="1" lang="ja-JP" altLang="en-US" dirty="0"/>
+              <a:t>と、</a:t>
+            </a:r>
+            <a:r>
+              <a:rPr kumimoji="1" lang="en-US" altLang="ja-JP" dirty="0" err="1"/>
+              <a:t>TextSpeechPage</a:t>
+            </a:r>
+            <a:r>
+              <a:rPr kumimoji="1" lang="ja-JP" altLang="en-US" dirty="0"/>
+              <a:t>です。</a:t>
+            </a:r>
+            <a:endParaRPr kumimoji="1" lang="en-US" altLang="ja-JP" dirty="0"/>
+          </a:p>
+          <a:p>
+            <a:r>
+              <a:rPr kumimoji="1" lang="ja-JP" altLang="en-US" dirty="0"/>
+              <a:t>そしてそれぞれに該当する</a:t>
+            </a:r>
+            <a:r>
+              <a:rPr kumimoji="1" lang="en-US" altLang="ja-JP" dirty="0" err="1"/>
+              <a:t>ViewModel</a:t>
+            </a:r>
+            <a:r>
+              <a:rPr kumimoji="1" lang="ja-JP" altLang="en-US" dirty="0" err="1"/>
+              <a:t>が存</a:t>
+            </a:r>
+            <a:r>
+              <a:rPr kumimoji="1" lang="ja-JP" altLang="en-US" dirty="0"/>
+              <a:t>在し、</a:t>
+            </a:r>
+            <a:r>
+              <a:rPr kumimoji="1" lang="en-US" altLang="ja-JP" dirty="0" err="1"/>
+              <a:t>TextSpeechPage</a:t>
+            </a:r>
+            <a:r>
+              <a:rPr kumimoji="1" lang="ja-JP" altLang="en-US" dirty="0"/>
+              <a:t>からは</a:t>
+            </a:r>
+            <a:r>
+              <a:rPr kumimoji="1" lang="en-US" altLang="ja-JP" dirty="0" err="1"/>
+              <a:t>ITextSpeechService</a:t>
+            </a:r>
+            <a:r>
+              <a:rPr kumimoji="1" lang="ja-JP" altLang="en-US" dirty="0"/>
+              <a:t>を通して</a:t>
+            </a:r>
+            <a:endParaRPr kumimoji="1" lang="en-US" altLang="ja-JP" dirty="0"/>
+          </a:p>
+          <a:p>
+            <a:r>
+              <a:rPr kumimoji="1" lang="ja-JP" altLang="en-US" dirty="0"/>
+              <a:t>文字列から音声に変換します。</a:t>
+            </a:r>
+            <a:endParaRPr kumimoji="1" lang="en-US" altLang="ja-JP" dirty="0"/>
+          </a:p>
+          <a:p>
+            <a:r>
+              <a:rPr kumimoji="1" lang="en-US" altLang="ja-JP" dirty="0" err="1"/>
+              <a:t>ITextSpeechService</a:t>
+            </a:r>
+            <a:r>
+              <a:rPr kumimoji="1" lang="ja-JP" altLang="en-US" dirty="0"/>
+              <a:t>の実態は、個々のプラットフォーム別に実装されており、</a:t>
+            </a:r>
+            <a:r>
+              <a:rPr kumimoji="1" lang="en-US" altLang="ja-JP" dirty="0" err="1"/>
+              <a:t>ViewModel</a:t>
+            </a:r>
+            <a:r>
+              <a:rPr kumimoji="1" lang="ja-JP" altLang="en-US" dirty="0"/>
+              <a:t>から</a:t>
+            </a:r>
+            <a:endParaRPr kumimoji="1" lang="en-US" altLang="ja-JP" dirty="0"/>
+          </a:p>
+          <a:p>
+            <a:r>
+              <a:rPr kumimoji="1" lang="en-US" altLang="ja-JP" dirty="0" err="1"/>
+              <a:t>DependencyService</a:t>
+            </a:r>
+            <a:r>
+              <a:rPr kumimoji="1" lang="ja-JP" altLang="en-US" dirty="0"/>
+              <a:t>を通して利用しています。</a:t>
+            </a:r>
+            <a:endParaRPr kumimoji="1" lang="en-US" altLang="ja-JP" dirty="0"/>
+          </a:p>
+          <a:p>
+            <a:endParaRPr kumimoji="1" lang="en-US" altLang="ja-JP" dirty="0"/>
+          </a:p>
+          <a:p>
+            <a:r>
+              <a:rPr kumimoji="1" lang="ja-JP" altLang="en-US" dirty="0"/>
+              <a:t>一見、問題ないように見えますが、二つの設計上の課題があります。</a:t>
+            </a:r>
+            <a:endParaRPr kumimoji="1" lang="en-US" altLang="ja-JP" dirty="0"/>
+          </a:p>
+          <a:p>
+            <a:r>
+              <a:rPr kumimoji="1" lang="ja-JP" altLang="en-US" dirty="0"/>
+              <a:t>それでは</a:t>
+            </a:r>
+            <a:r>
+              <a:rPr kumimoji="1" lang="ja-JP" altLang="en-US" dirty="0" smtClean="0"/>
+              <a:t>実際いよいよハンズオンに移動しましょう。  </a:t>
+            </a:r>
+            <a:endParaRPr kumimoji="1" lang="en-US" altLang="ja-JP" dirty="0" smtClean="0"/>
+          </a:p>
+          <a:p>
+            <a:r>
+              <a:rPr kumimoji="1" lang="en-US" altLang="ja-JP" dirty="0" smtClean="0"/>
+              <a:t>https://github.com/jxug/PrismAndMoqHansOn/blob/master/docs/01.HandsOn-Overview.md</a:t>
+            </a:r>
             <a:endParaRPr kumimoji="1" lang="ja-JP" altLang="en-US" dirty="0"/>
           </a:p>
         </p:txBody>
@@ -5903,7 +5872,7 @@
           <a:bodyPr/>
           <a:lstStyle/>
           <a:p>
-            <a:pPr defTabSz="914099" eaLnBrk="0" hangingPunct="0"/>
+            <a:pPr defTabSz="990426" eaLnBrk="0" hangingPunct="0"/>
             <a:r>
               <a:rPr lang="en-US" sz="400">
                 <a:gradFill>
@@ -5959,7 +5928,7 @@
           <a:p>
             <a:fld id="{35F63945-09EF-4D56-AA6D-C1F6374BA98A}" type="datetime8">
               <a:rPr lang="en-US" altLang="ja-JP" smtClean="0"/>
-              <a:t>11/6/2016 2:09 PM</a:t>
+              <a:t>11/6/2016 2:54 PM</a:t>
             </a:fld>
             <a:endParaRPr lang="en-US" dirty="0"/>
           </a:p>
@@ -5992,7 +5961,7 @@
     </p:spTree>
     <p:extLst>
       <p:ext uri="{BB962C8B-B14F-4D97-AF65-F5344CB8AC3E}">
-        <p14:creationId xmlns:p14="http://schemas.microsoft.com/office/powerpoint/2010/main" val="1699318393"/>
+        <p14:creationId xmlns:p14="http://schemas.microsoft.com/office/powerpoint/2010/main" val="574317740"/>
       </p:ext>
     </p:extLst>
   </p:cSld>
@@ -6050,39 +6019,66 @@
               <a:rPr kumimoji="1" lang="ja-JP" altLang="en-US" dirty="0" smtClean="0"/>
               <a:t>アジェンダはこちらの通りです。</a:t>
             </a:r>
-            <a:endParaRPr kumimoji="1" lang="en-US" altLang="ja-JP" dirty="0"/>
-          </a:p>
-        </p:txBody>
-      </p:sp>
-      <p:sp>
-        <p:nvSpPr>
-          <p:cNvPr id="4" name="ヘッダー プレースホルダー 3"/>
-          <p:cNvSpPr>
-            <a:spLocks noGrp="1"/>
-          </p:cNvSpPr>
-          <p:nvPr>
-            <p:ph type="hdr" sz="quarter" idx="10"/>
-          </p:nvPr>
-        </p:nvSpPr>
-        <p:spPr/>
-        <p:txBody>
-          <a:bodyPr/>
-          <a:lstStyle/>
-          <a:p>
-            <a:r>
-              <a:rPr kumimoji="1" lang="ja-JP" altLang="en-US" dirty="0"/>
-              <a:t>はじめての </a:t>
-            </a:r>
-            <a:r>
-              <a:rPr kumimoji="1" lang="en-US" altLang="ja-JP" dirty="0"/>
-              <a:t>Xamarin</a:t>
-            </a:r>
             <a:endParaRPr kumimoji="1" lang="ja-JP" altLang="en-US" dirty="0"/>
           </a:p>
         </p:txBody>
       </p:sp>
       <p:sp>
         <p:nvSpPr>
+          <p:cNvPr id="4" name="フッター プレースホルダー 3"/>
+          <p:cNvSpPr>
+            <a:spLocks noGrp="1"/>
+          </p:cNvSpPr>
+          <p:nvPr>
+            <p:ph type="ftr" sz="quarter" idx="10"/>
+          </p:nvPr>
+        </p:nvSpPr>
+        <p:spPr/>
+        <p:txBody>
+          <a:bodyPr/>
+          <a:lstStyle/>
+          <a:p>
+            <a:pPr defTabSz="990426" eaLnBrk="0" hangingPunct="0"/>
+            <a:r>
+              <a:rPr lang="en-US" sz="400" smtClean="0">
+                <a:gradFill>
+                  <a:gsLst>
+                    <a:gs pos="0">
+                      <a:prstClr val="black"/>
+                    </a:gs>
+                    <a:gs pos="100000">
+                      <a:prstClr val="black"/>
+                    </a:gs>
+                  </a:gsLst>
+                  <a:lin ang="5400000" scaled="0"/>
+                </a:gradFill>
+                <a:latin typeface="Segoe UI" pitchFamily="34" charset="0"/>
+                <a:ea typeface="Segoe UI" pitchFamily="34" charset="0"/>
+                <a:cs typeface="Segoe UI" pitchFamily="34" charset="0"/>
+              </a:rPr>
+              <a:t>© 2016 Microsoft Corporation. All rights reserved. MICROSOFT MAKES NO WARRANTIES, EXPRESS, IMPLIED OR STATUTORY, AS TO THE INFORMATION IN THIS PRESENTATION.</a:t>
+            </a:r>
+            <a:endParaRPr lang="en-US" sz="400" dirty="0">
+              <a:gradFill>
+                <a:gsLst>
+                  <a:gs pos="0">
+                    <a:prstClr val="black"/>
+                  </a:gs>
+                  <a:gs pos="100000">
+                    <a:prstClr val="black"/>
+                  </a:gs>
+                </a:gsLst>
+                <a:lin ang="5400000" scaled="0"/>
+              </a:gradFill>
+              <a:latin typeface="Segoe UI" pitchFamily="34" charset="0"/>
+              <a:ea typeface="Segoe UI" pitchFamily="34" charset="0"/>
+              <a:cs typeface="Segoe UI" pitchFamily="34" charset="0"/>
+            </a:endParaRPr>
+          </a:p>
+        </p:txBody>
+      </p:sp>
+      <p:sp>
+        <p:nvSpPr>
           <p:cNvPr id="5" name="日付プレースホルダー 4"/>
           <p:cNvSpPr>
             <a:spLocks noGrp="1"/>
@@ -6096,63 +6092,42 @@
           <a:bodyPr/>
           <a:lstStyle/>
           <a:p>
-            <a:fld id="{D9D3C64A-CFB4-4980-8828-24F416B1C84A}" type="datetime1">
-              <a:rPr kumimoji="1" lang="ja-JP" altLang="en-US" smtClean="0"/>
-              <a:t>2016/11/6</a:t>
+            <a:fld id="{35F63945-09EF-4D56-AA6D-C1F6374BA98A}" type="datetime8">
+              <a:rPr lang="en-US" altLang="ja-JP" smtClean="0"/>
+              <a:t>11/6/2016 3:20 PM</a:t>
             </a:fld>
-            <a:endParaRPr kumimoji="1" lang="ja-JP" altLang="en-US" dirty="0"/>
-          </a:p>
-        </p:txBody>
-      </p:sp>
-      <p:sp>
-        <p:nvSpPr>
-          <p:cNvPr id="6" name="フッター プレースホルダー 5"/>
-          <p:cNvSpPr>
-            <a:spLocks noGrp="1"/>
-          </p:cNvSpPr>
-          <p:nvPr>
-            <p:ph type="ftr" sz="quarter" idx="12"/>
-          </p:nvPr>
-        </p:nvSpPr>
-        <p:spPr/>
-        <p:txBody>
-          <a:bodyPr/>
-          <a:lstStyle/>
-          <a:p>
-            <a:r>
-              <a:rPr kumimoji="1" lang="ja-JP" altLang="en-US" dirty="0"/>
-              <a:t>エクセルソフト株式会社</a:t>
-            </a:r>
-          </a:p>
-        </p:txBody>
-      </p:sp>
-      <p:sp>
-        <p:nvSpPr>
-          <p:cNvPr id="7" name="スライド番号プレースホルダー 6"/>
-          <p:cNvSpPr>
-            <a:spLocks noGrp="1"/>
-          </p:cNvSpPr>
-          <p:nvPr>
-            <p:ph type="sldNum" sz="quarter" idx="13"/>
-          </p:nvPr>
-        </p:nvSpPr>
-        <p:spPr/>
-        <p:txBody>
-          <a:bodyPr/>
-          <a:lstStyle/>
-          <a:p>
-            <a:fld id="{94D19C99-4FBD-4E6B-A194-7A4D7A7D8678}" type="slidenum">
-              <a:rPr kumimoji="1" lang="ja-JP" altLang="en-US" smtClean="0"/>
+            <a:endParaRPr lang="en-US" dirty="0"/>
+          </a:p>
+        </p:txBody>
+      </p:sp>
+      <p:sp>
+        <p:nvSpPr>
+          <p:cNvPr id="6" name="スライド番号プレースホルダー 5"/>
+          <p:cNvSpPr>
+            <a:spLocks noGrp="1"/>
+          </p:cNvSpPr>
+          <p:nvPr>
+            <p:ph type="sldNum" sz="quarter" idx="12"/>
+          </p:nvPr>
+        </p:nvSpPr>
+        <p:spPr/>
+        <p:txBody>
+          <a:bodyPr/>
+          <a:lstStyle/>
+          <a:p>
+            <a:fld id="{B4008EB6-D09E-4580-8CD6-DDB14511944F}" type="slidenum">
+              <a:rPr lang="en-US" smtClean="0"/>
+              <a:pPr/>
               <a:t>3</a:t>
             </a:fld>
-            <a:endParaRPr kumimoji="1" lang="ja-JP" altLang="en-US" dirty="0"/>
+            <a:endParaRPr lang="en-US" dirty="0"/>
           </a:p>
         </p:txBody>
       </p:sp>
     </p:spTree>
     <p:extLst>
       <p:ext uri="{BB962C8B-B14F-4D97-AF65-F5344CB8AC3E}">
-        <p14:creationId xmlns:p14="http://schemas.microsoft.com/office/powerpoint/2010/main" val="3726365878"/>
+        <p14:creationId xmlns:p14="http://schemas.microsoft.com/office/powerpoint/2010/main" val="2726748140"/>
       </p:ext>
     </p:extLst>
   </p:cSld>
@@ -6232,7 +6207,7 @@
           <a:bodyPr/>
           <a:lstStyle/>
           <a:p>
-            <a:pPr defTabSz="914099" eaLnBrk="0" hangingPunct="0"/>
+            <a:pPr defTabSz="990426" eaLnBrk="0" hangingPunct="0"/>
             <a:r>
               <a:rPr lang="en-US" sz="400">
                 <a:gradFill>
@@ -6321,7 +6296,7 @@
     </p:spTree>
     <p:extLst>
       <p:ext uri="{BB962C8B-B14F-4D97-AF65-F5344CB8AC3E}">
-        <p14:creationId xmlns:p14="http://schemas.microsoft.com/office/powerpoint/2010/main" val="67219607"/>
+        <p14:creationId xmlns:p14="http://schemas.microsoft.com/office/powerpoint/2010/main" val="1699318393"/>
       </p:ext>
     </p:extLst>
   </p:cSld>
@@ -6394,7 +6369,7 @@
           <a:bodyPr/>
           <a:lstStyle/>
           <a:p>
-            <a:pPr defTabSz="914099" eaLnBrk="0" hangingPunct="0"/>
+            <a:pPr defTabSz="990426" eaLnBrk="0" hangingPunct="0"/>
             <a:r>
               <a:rPr lang="en-US" sz="400">
                 <a:gradFill>
@@ -6474,7 +6449,7 @@
             <a:fld id="{B4008EB6-D09E-4580-8CD6-DDB14511944F}" type="slidenum">
               <a:rPr lang="en-US" smtClean="0"/>
               <a:pPr/>
-              <a:t>32</a:t>
+              <a:t>31</a:t>
             </a:fld>
             <a:endParaRPr lang="en-US" dirty="0"/>
           </a:p>
@@ -6484,6 +6459,330 @@
     <p:extLst>
       <p:ext uri="{BB962C8B-B14F-4D97-AF65-F5344CB8AC3E}">
         <p14:creationId xmlns:p14="http://schemas.microsoft.com/office/powerpoint/2010/main" val="1107105000"/>
+      </p:ext>
+    </p:extLst>
+  </p:cSld>
+  <p:clrMapOvr>
+    <a:masterClrMapping/>
+  </p:clrMapOvr>
+</p:notes>
+</file>
+
+<file path=ppt/notesSlides/notesSlide32.xml><?xml version="1.0" encoding="utf-8"?>
+<p:notes xmlns:a="http://schemas.openxmlformats.org/drawingml/2006/main" xmlns:r="http://schemas.openxmlformats.org/officeDocument/2006/relationships" xmlns:p="http://schemas.openxmlformats.org/presentationml/2006/main">
+  <p:cSld>
+    <p:spTree>
+      <p:nvGrpSpPr>
+        <p:cNvPr id="1" name=""/>
+        <p:cNvGrpSpPr/>
+        <p:nvPr/>
+      </p:nvGrpSpPr>
+      <p:grpSpPr>
+        <a:xfrm>
+          <a:off x="0" y="0"/>
+          <a:ext cx="0" cy="0"/>
+          <a:chOff x="0" y="0"/>
+          <a:chExt cx="0" cy="0"/>
+        </a:xfrm>
+      </p:grpSpPr>
+      <p:sp>
+        <p:nvSpPr>
+          <p:cNvPr id="2" name="スライド イメージ プレースホルダー 1"/>
+          <p:cNvSpPr>
+            <a:spLocks noGrp="1" noRot="1" noChangeAspect="1"/>
+          </p:cNvSpPr>
+          <p:nvPr>
+            <p:ph type="sldImg"/>
+          </p:nvPr>
+        </p:nvSpPr>
+        <p:spPr/>
+      </p:sp>
+      <p:sp>
+        <p:nvSpPr>
+          <p:cNvPr id="3" name="ノート プレースホルダー 2"/>
+          <p:cNvSpPr>
+            <a:spLocks noGrp="1"/>
+          </p:cNvSpPr>
+          <p:nvPr>
+            <p:ph type="body" idx="1"/>
+          </p:nvPr>
+        </p:nvSpPr>
+        <p:spPr/>
+        <p:txBody>
+          <a:bodyPr/>
+          <a:lstStyle/>
+          <a:p>
+            <a:endParaRPr kumimoji="1" lang="ja-JP" altLang="en-US"/>
+          </a:p>
+        </p:txBody>
+      </p:sp>
+      <p:sp>
+        <p:nvSpPr>
+          <p:cNvPr id="4" name="フッター プレースホルダー 3"/>
+          <p:cNvSpPr>
+            <a:spLocks noGrp="1"/>
+          </p:cNvSpPr>
+          <p:nvPr>
+            <p:ph type="ftr" sz="quarter" idx="10"/>
+          </p:nvPr>
+        </p:nvSpPr>
+        <p:spPr/>
+        <p:txBody>
+          <a:bodyPr/>
+          <a:lstStyle/>
+          <a:p>
+            <a:pPr defTabSz="990426" eaLnBrk="0" hangingPunct="0"/>
+            <a:r>
+              <a:rPr lang="en-US" sz="400">
+                <a:gradFill>
+                  <a:gsLst>
+                    <a:gs pos="0">
+                      <a:prstClr val="black"/>
+                    </a:gs>
+                    <a:gs pos="100000">
+                      <a:prstClr val="black"/>
+                    </a:gs>
+                  </a:gsLst>
+                  <a:lin ang="5400000" scaled="0"/>
+                </a:gradFill>
+                <a:latin typeface="Segoe UI" pitchFamily="34" charset="0"/>
+                <a:ea typeface="Segoe UI" pitchFamily="34" charset="0"/>
+                <a:cs typeface="Segoe UI" pitchFamily="34" charset="0"/>
+              </a:rPr>
+              <a:t>© 2016 Microsoft Corporation. All rights reserved. MICROSOFT MAKES NO WARRANTIES, EXPRESS, IMPLIED OR STATUTORY, AS TO THE INFORMATION IN THIS PRESENTATION.</a:t>
+            </a:r>
+            <a:endParaRPr lang="en-US" sz="400" dirty="0">
+              <a:gradFill>
+                <a:gsLst>
+                  <a:gs pos="0">
+                    <a:prstClr val="black"/>
+                  </a:gs>
+                  <a:gs pos="100000">
+                    <a:prstClr val="black"/>
+                  </a:gs>
+                </a:gsLst>
+                <a:lin ang="5400000" scaled="0"/>
+              </a:gradFill>
+              <a:latin typeface="Segoe UI" pitchFamily="34" charset="0"/>
+              <a:ea typeface="Segoe UI" pitchFamily="34" charset="0"/>
+              <a:cs typeface="Segoe UI" pitchFamily="34" charset="0"/>
+            </a:endParaRPr>
+          </a:p>
+        </p:txBody>
+      </p:sp>
+      <p:sp>
+        <p:nvSpPr>
+          <p:cNvPr id="5" name="日付プレースホルダー 4"/>
+          <p:cNvSpPr>
+            <a:spLocks noGrp="1"/>
+          </p:cNvSpPr>
+          <p:nvPr>
+            <p:ph type="dt" idx="11"/>
+          </p:nvPr>
+        </p:nvSpPr>
+        <p:spPr/>
+        <p:txBody>
+          <a:bodyPr/>
+          <a:lstStyle/>
+          <a:p>
+            <a:fld id="{35F63945-09EF-4D56-AA6D-C1F6374BA98A}" type="datetime8">
+              <a:rPr lang="en-US" altLang="ja-JP" smtClean="0"/>
+              <a:t>11/6/2016 2:54 PM</a:t>
+            </a:fld>
+            <a:endParaRPr lang="en-US" dirty="0"/>
+          </a:p>
+        </p:txBody>
+      </p:sp>
+      <p:sp>
+        <p:nvSpPr>
+          <p:cNvPr id="6" name="スライド番号プレースホルダー 5"/>
+          <p:cNvSpPr>
+            <a:spLocks noGrp="1"/>
+          </p:cNvSpPr>
+          <p:nvPr>
+            <p:ph type="sldNum" sz="quarter" idx="12"/>
+          </p:nvPr>
+        </p:nvSpPr>
+        <p:spPr/>
+        <p:txBody>
+          <a:bodyPr/>
+          <a:lstStyle/>
+          <a:p>
+            <a:fld id="{B4008EB6-D09E-4580-8CD6-DDB14511944F}" type="slidenum">
+              <a:rPr lang="en-US" smtClean="0"/>
+              <a:pPr/>
+              <a:t>32</a:t>
+            </a:fld>
+            <a:endParaRPr lang="en-US" dirty="0"/>
+          </a:p>
+        </p:txBody>
+      </p:sp>
+    </p:spTree>
+    <p:extLst>
+      <p:ext uri="{BB962C8B-B14F-4D97-AF65-F5344CB8AC3E}">
+        <p14:creationId xmlns:p14="http://schemas.microsoft.com/office/powerpoint/2010/main" val="3615369312"/>
+      </p:ext>
+    </p:extLst>
+  </p:cSld>
+  <p:clrMapOvr>
+    <a:masterClrMapping/>
+  </p:clrMapOvr>
+</p:notes>
+</file>
+
+<file path=ppt/notesSlides/notesSlide33.xml><?xml version="1.0" encoding="utf-8"?>
+<p:notes xmlns:a="http://schemas.openxmlformats.org/drawingml/2006/main" xmlns:r="http://schemas.openxmlformats.org/officeDocument/2006/relationships" xmlns:p="http://schemas.openxmlformats.org/presentationml/2006/main">
+  <p:cSld>
+    <p:spTree>
+      <p:nvGrpSpPr>
+        <p:cNvPr id="1" name=""/>
+        <p:cNvGrpSpPr/>
+        <p:nvPr/>
+      </p:nvGrpSpPr>
+      <p:grpSpPr>
+        <a:xfrm>
+          <a:off x="0" y="0"/>
+          <a:ext cx="0" cy="0"/>
+          <a:chOff x="0" y="0"/>
+          <a:chExt cx="0" cy="0"/>
+        </a:xfrm>
+      </p:grpSpPr>
+      <p:sp>
+        <p:nvSpPr>
+          <p:cNvPr id="2" name="スライド イメージ プレースホルダー 1"/>
+          <p:cNvSpPr>
+            <a:spLocks noGrp="1" noRot="1" noChangeAspect="1"/>
+          </p:cNvSpPr>
+          <p:nvPr>
+            <p:ph type="sldImg"/>
+          </p:nvPr>
+        </p:nvSpPr>
+        <p:spPr/>
+      </p:sp>
+      <p:sp>
+        <p:nvSpPr>
+          <p:cNvPr id="3" name="ノート プレースホルダー 2"/>
+          <p:cNvSpPr>
+            <a:spLocks noGrp="1"/>
+          </p:cNvSpPr>
+          <p:nvPr>
+            <p:ph type="body" idx="1"/>
+          </p:nvPr>
+        </p:nvSpPr>
+        <p:spPr/>
+        <p:txBody>
+          <a:bodyPr/>
+          <a:lstStyle/>
+          <a:p>
+            <a:endParaRPr kumimoji="1" lang="ja-JP" altLang="en-US"/>
+          </a:p>
+        </p:txBody>
+      </p:sp>
+      <p:sp>
+        <p:nvSpPr>
+          <p:cNvPr id="4" name="フッター プレースホルダー 3"/>
+          <p:cNvSpPr>
+            <a:spLocks noGrp="1"/>
+          </p:cNvSpPr>
+          <p:nvPr>
+            <p:ph type="ftr" sz="quarter" idx="10"/>
+          </p:nvPr>
+        </p:nvSpPr>
+        <p:spPr/>
+        <p:txBody>
+          <a:bodyPr/>
+          <a:lstStyle/>
+          <a:p>
+            <a:pPr defTabSz="990426" eaLnBrk="0" hangingPunct="0"/>
+            <a:r>
+              <a:rPr lang="en-US" sz="400">
+                <a:gradFill>
+                  <a:gsLst>
+                    <a:gs pos="0">
+                      <a:prstClr val="black"/>
+                    </a:gs>
+                    <a:gs pos="100000">
+                      <a:prstClr val="black"/>
+                    </a:gs>
+                  </a:gsLst>
+                  <a:lin ang="5400000" scaled="0"/>
+                </a:gradFill>
+                <a:latin typeface="Segoe UI" pitchFamily="34" charset="0"/>
+                <a:ea typeface="Segoe UI" pitchFamily="34" charset="0"/>
+                <a:cs typeface="Segoe UI" pitchFamily="34" charset="0"/>
+              </a:rPr>
+              <a:t>© 2016 Microsoft Corporation. All rights reserved. MICROSOFT MAKES NO WARRANTIES, EXPRESS, IMPLIED OR STATUTORY, AS TO THE INFORMATION IN THIS PRESENTATION.</a:t>
+            </a:r>
+            <a:endParaRPr lang="en-US" sz="400" dirty="0">
+              <a:gradFill>
+                <a:gsLst>
+                  <a:gs pos="0">
+                    <a:prstClr val="black"/>
+                  </a:gs>
+                  <a:gs pos="100000">
+                    <a:prstClr val="black"/>
+                  </a:gs>
+                </a:gsLst>
+                <a:lin ang="5400000" scaled="0"/>
+              </a:gradFill>
+              <a:latin typeface="Segoe UI" pitchFamily="34" charset="0"/>
+              <a:ea typeface="Segoe UI" pitchFamily="34" charset="0"/>
+              <a:cs typeface="Segoe UI" pitchFamily="34" charset="0"/>
+            </a:endParaRPr>
+          </a:p>
+        </p:txBody>
+      </p:sp>
+      <p:sp>
+        <p:nvSpPr>
+          <p:cNvPr id="5" name="日付プレースホルダー 4"/>
+          <p:cNvSpPr>
+            <a:spLocks noGrp="1"/>
+          </p:cNvSpPr>
+          <p:nvPr>
+            <p:ph type="dt" idx="11"/>
+          </p:nvPr>
+        </p:nvSpPr>
+        <p:spPr/>
+        <p:txBody>
+          <a:bodyPr/>
+          <a:lstStyle/>
+          <a:p>
+            <a:fld id="{35F63945-09EF-4D56-AA6D-C1F6374BA98A}" type="datetime8">
+              <a:rPr lang="en-US" altLang="ja-JP" smtClean="0"/>
+              <a:t>11/6/2016 2:54 PM</a:t>
+            </a:fld>
+            <a:endParaRPr lang="en-US" dirty="0"/>
+          </a:p>
+        </p:txBody>
+      </p:sp>
+      <p:sp>
+        <p:nvSpPr>
+          <p:cNvPr id="6" name="スライド番号プレースホルダー 5"/>
+          <p:cNvSpPr>
+            <a:spLocks noGrp="1"/>
+          </p:cNvSpPr>
+          <p:nvPr>
+            <p:ph type="sldNum" sz="quarter" idx="12"/>
+          </p:nvPr>
+        </p:nvSpPr>
+        <p:spPr/>
+        <p:txBody>
+          <a:bodyPr/>
+          <a:lstStyle/>
+          <a:p>
+            <a:fld id="{B4008EB6-D09E-4580-8CD6-DDB14511944F}" type="slidenum">
+              <a:rPr lang="en-US" smtClean="0"/>
+              <a:pPr/>
+              <a:t>33</a:t>
+            </a:fld>
+            <a:endParaRPr lang="en-US" dirty="0"/>
+          </a:p>
+        </p:txBody>
+      </p:sp>
+    </p:spTree>
+    <p:extLst>
+      <p:ext uri="{BB962C8B-B14F-4D97-AF65-F5344CB8AC3E}">
+        <p14:creationId xmlns:p14="http://schemas.microsoft.com/office/powerpoint/2010/main" val="720019735"/>
       </p:ext>
     </p:extLst>
   </p:cSld>
@@ -6637,7 +6936,7 @@
           <a:bodyPr/>
           <a:lstStyle/>
           <a:p>
-            <a:pPr defTabSz="914099" eaLnBrk="0" hangingPunct="0"/>
+            <a:pPr defTabSz="990426" eaLnBrk="0" hangingPunct="0"/>
             <a:r>
               <a:rPr lang="en-US" sz="400">
                 <a:gradFill>
@@ -6825,7 +7124,7 @@
           <a:bodyPr/>
           <a:lstStyle/>
           <a:p>
-            <a:pPr defTabSz="914099" eaLnBrk="0" hangingPunct="0"/>
+            <a:pPr defTabSz="990426" eaLnBrk="0" hangingPunct="0"/>
             <a:r>
               <a:rPr lang="en-US" sz="400">
                 <a:gradFill>
@@ -7057,7 +7356,7 @@
           <a:bodyPr/>
           <a:lstStyle/>
           <a:p>
-            <a:pPr defTabSz="914099" eaLnBrk="0" hangingPunct="0"/>
+            <a:pPr defTabSz="990426" eaLnBrk="0" hangingPunct="0"/>
             <a:r>
               <a:rPr lang="en-US" sz="400">
                 <a:gradFill>
@@ -7200,21 +7499,10 @@
           <a:bodyPr/>
           <a:lstStyle/>
           <a:p>
-            <a:pPr marL="0" marR="0" lvl="0" indent="0" algn="l" defTabSz="932742" rtl="0" eaLnBrk="1" fontAlgn="auto" latinLnBrk="0" hangingPunct="1">
-              <a:lnSpc>
-                <a:spcPct val="90000"/>
-              </a:lnSpc>
-              <a:spcBef>
-                <a:spcPts val="0"/>
-              </a:spcBef>
+            <a:pPr defTabSz="1010626">
               <a:spcAft>
-                <a:spcPts val="340"/>
+                <a:spcPts val="368"/>
               </a:spcAft>
-              <a:buClrTx/>
-              <a:buSzTx/>
-              <a:buFontTx/>
-              <a:buNone/>
-              <a:tabLst/>
               <a:defRPr/>
             </a:pPr>
             <a:r>
@@ -7251,41 +7539,19 @@
             </a:r>
           </a:p>
           <a:p>
-            <a:pPr marL="0" marR="0" lvl="0" indent="0" algn="l" defTabSz="932742" rtl="0" eaLnBrk="1" fontAlgn="auto" latinLnBrk="0" hangingPunct="1">
-              <a:lnSpc>
-                <a:spcPct val="90000"/>
-              </a:lnSpc>
-              <a:spcBef>
-                <a:spcPts val="0"/>
-              </a:spcBef>
+            <a:pPr defTabSz="1010626">
               <a:spcAft>
-                <a:spcPts val="340"/>
+                <a:spcPts val="368"/>
               </a:spcAft>
-              <a:buClrTx/>
-              <a:buSzTx/>
-              <a:buFontTx/>
-              <a:buNone/>
-              <a:tabLst/>
               <a:defRPr/>
             </a:pPr>
             <a:endParaRPr kumimoji="1" lang="ja-JP" altLang="en-US" dirty="0"/>
           </a:p>
           <a:p>
-            <a:pPr marL="0" marR="0" lvl="0" indent="0" algn="l" defTabSz="932742" rtl="0" eaLnBrk="1" fontAlgn="auto" latinLnBrk="0" hangingPunct="1">
-              <a:lnSpc>
-                <a:spcPct val="90000"/>
-              </a:lnSpc>
-              <a:spcBef>
-                <a:spcPts val="0"/>
-              </a:spcBef>
+            <a:pPr defTabSz="1010626">
               <a:spcAft>
-                <a:spcPts val="340"/>
+                <a:spcPts val="368"/>
               </a:spcAft>
-              <a:buClrTx/>
-              <a:buSzTx/>
-              <a:buFontTx/>
-              <a:buNone/>
-              <a:tabLst/>
               <a:defRPr/>
             </a:pPr>
             <a:r>
@@ -7303,21 +7569,10 @@
             <a:endParaRPr kumimoji="1" lang="en-US" altLang="ja-JP" dirty="0"/>
           </a:p>
           <a:p>
-            <a:pPr marL="0" marR="0" lvl="0" indent="0" algn="l" defTabSz="932742" rtl="0" eaLnBrk="1" fontAlgn="auto" latinLnBrk="0" hangingPunct="1">
-              <a:lnSpc>
-                <a:spcPct val="90000"/>
-              </a:lnSpc>
-              <a:spcBef>
-                <a:spcPts val="0"/>
-              </a:spcBef>
+            <a:pPr defTabSz="1010626">
               <a:spcAft>
-                <a:spcPts val="340"/>
+                <a:spcPts val="368"/>
               </a:spcAft>
-              <a:buClrTx/>
-              <a:buSzTx/>
-              <a:buFontTx/>
-              <a:buNone/>
-              <a:tabLst/>
               <a:defRPr/>
             </a:pPr>
             <a:r>
@@ -7351,41 +7606,19 @@
             <a:endParaRPr kumimoji="1" lang="en-US" altLang="ja-JP" dirty="0"/>
           </a:p>
           <a:p>
-            <a:pPr marL="0" marR="0" lvl="0" indent="0" algn="l" defTabSz="932742" rtl="0" eaLnBrk="1" fontAlgn="auto" latinLnBrk="0" hangingPunct="1">
-              <a:lnSpc>
-                <a:spcPct val="90000"/>
-              </a:lnSpc>
-              <a:spcBef>
-                <a:spcPts val="0"/>
-              </a:spcBef>
+            <a:pPr defTabSz="1010626">
               <a:spcAft>
-                <a:spcPts val="340"/>
+                <a:spcPts val="368"/>
               </a:spcAft>
-              <a:buClrTx/>
-              <a:buSzTx/>
-              <a:buFontTx/>
-              <a:buNone/>
-              <a:tabLst/>
               <a:defRPr/>
             </a:pPr>
             <a:endParaRPr kumimoji="1" lang="en-US" altLang="ja-JP" dirty="0"/>
           </a:p>
           <a:p>
-            <a:pPr marL="0" marR="0" lvl="0" indent="0" algn="l" defTabSz="932742" rtl="0" eaLnBrk="1" fontAlgn="auto" latinLnBrk="0" hangingPunct="1">
-              <a:lnSpc>
-                <a:spcPct val="90000"/>
-              </a:lnSpc>
-              <a:spcBef>
-                <a:spcPts val="0"/>
-              </a:spcBef>
+            <a:pPr defTabSz="1010626">
               <a:spcAft>
-                <a:spcPts val="340"/>
+                <a:spcPts val="368"/>
               </a:spcAft>
-              <a:buClrTx/>
-              <a:buSzTx/>
-              <a:buFontTx/>
-              <a:buNone/>
-              <a:tabLst/>
               <a:defRPr/>
             </a:pPr>
             <a:r>
@@ -7419,7 +7652,7 @@
           <a:bodyPr/>
           <a:lstStyle/>
           <a:p>
-            <a:pPr defTabSz="914099" eaLnBrk="0" hangingPunct="0"/>
+            <a:pPr defTabSz="990426" eaLnBrk="0" hangingPunct="0"/>
             <a:r>
               <a:rPr lang="en-US" sz="400">
                 <a:gradFill>
@@ -7563,68 +7796,86 @@
           <a:lstStyle/>
           <a:p>
             <a:r>
-              <a:rPr kumimoji="1" lang="ja-JP" altLang="en-US" dirty="0"/>
+              <a:rPr kumimoji="1" lang="ja-JP" altLang="en-US" dirty="0" smtClean="0"/>
               <a:t>では何が勘違いなのか？</a:t>
             </a:r>
-            <a:endParaRPr kumimoji="1" lang="en-US" altLang="ja-JP" dirty="0"/>
+            <a:endParaRPr kumimoji="1" lang="en-US" altLang="ja-JP" dirty="0" smtClean="0"/>
           </a:p>
           <a:p>
             <a:r>
               <a:rPr kumimoji="1" lang="ja-JP" altLang="en-US" dirty="0" smtClean="0"/>
-              <a:t>そこ理解していただくためにまず</a:t>
-            </a:r>
-            <a:r>
-              <a:rPr kumimoji="1" lang="ja-JP" altLang="en-US" dirty="0"/>
-              <a:t>は、</a:t>
-            </a:r>
-            <a:r>
-              <a:rPr kumimoji="1" lang="en-US" altLang="ja-JP" dirty="0"/>
+              <a:t>そこ理解していただくためにまずは、</a:t>
+            </a:r>
+            <a:r>
+              <a:rPr kumimoji="1" lang="en-US" altLang="ja-JP" dirty="0" smtClean="0"/>
               <a:t>Prism</a:t>
             </a:r>
             <a:r>
-              <a:rPr kumimoji="1" lang="ja-JP" altLang="en-US" dirty="0"/>
-              <a:t>とは何</a:t>
-            </a:r>
-            <a:r>
               <a:rPr kumimoji="1" lang="ja-JP" altLang="en-US" dirty="0" smtClean="0"/>
-              <a:t>か、簡単にお話し</a:t>
-            </a:r>
-            <a:r>
-              <a:rPr kumimoji="1" lang="ja-JP" altLang="en-US" dirty="0"/>
-              <a:t>したいと思います。</a:t>
-            </a:r>
-          </a:p>
-        </p:txBody>
-      </p:sp>
-      <p:sp>
-        <p:nvSpPr>
-          <p:cNvPr id="4" name="ヘッダー プレースホルダー 3"/>
-          <p:cNvSpPr>
-            <a:spLocks noGrp="1"/>
-          </p:cNvSpPr>
-          <p:nvPr>
-            <p:ph type="hdr" sz="quarter" idx="10"/>
-          </p:nvPr>
-        </p:nvSpPr>
-        <p:spPr/>
-        <p:txBody>
-          <a:bodyPr/>
-          <a:lstStyle/>
-          <a:p>
-            <a:r>
-              <a:rPr kumimoji="1" lang="ja-JP" altLang="en-US" dirty="0"/>
-              <a:t>はじめての </a:t>
-            </a:r>
-            <a:r>
-              <a:rPr kumimoji="1" lang="en-US" altLang="ja-JP" dirty="0"/>
-              <a:t>Xamarin</a:t>
-            </a:r>
+              <a:t>とは何か、簡単にお話ししたいと思います。</a:t>
+            </a:r>
+          </a:p>
+          <a:p>
             <a:endParaRPr kumimoji="1" lang="ja-JP" altLang="en-US" dirty="0"/>
           </a:p>
         </p:txBody>
       </p:sp>
       <p:sp>
         <p:nvSpPr>
+          <p:cNvPr id="4" name="フッター プレースホルダー 3"/>
+          <p:cNvSpPr>
+            <a:spLocks noGrp="1"/>
+          </p:cNvSpPr>
+          <p:nvPr>
+            <p:ph type="ftr" sz="quarter" idx="10"/>
+          </p:nvPr>
+        </p:nvSpPr>
+        <p:spPr/>
+        <p:txBody>
+          <a:bodyPr/>
+          <a:lstStyle/>
+          <a:p>
+            <a:pPr defTabSz="990426" eaLnBrk="0" hangingPunct="0"/>
+            <a:r>
+              <a:rPr lang="en-US" sz="400" smtClean="0">
+                <a:gradFill>
+                  <a:gsLst>
+                    <a:gs pos="0">
+                      <a:prstClr val="black"/>
+                    </a:gs>
+                    <a:gs pos="100000">
+                      <a:prstClr val="black"/>
+                    </a:gs>
+                  </a:gsLst>
+                  <a:lin ang="5400000" scaled="0"/>
+                </a:gradFill>
+                <a:latin typeface="Segoe UI" pitchFamily="34" charset="0"/>
+                <a:ea typeface="Segoe UI" pitchFamily="34" charset="0"/>
+                <a:cs typeface="Segoe UI" pitchFamily="34" charset="0"/>
+              </a:rPr>
+              <a:t>© 2016 Microsoft Corporation. All rights reserved. MICROSOFT MAKES NO WARRANTIES, EXPRESS, IMPLIED OR STATUTORY, AS TO THE INFORMATION IN THIS PRESENTATION.</a:t>
+            </a:r>
+            <a:endParaRPr lang="en-US" sz="400" dirty="0">
+              <a:gradFill>
+                <a:gsLst>
+                  <a:gs pos="0">
+                    <a:prstClr val="black"/>
+                  </a:gs>
+                  <a:gs pos="100000">
+                    <a:prstClr val="black"/>
+                  </a:gs>
+                </a:gsLst>
+                <a:lin ang="5400000" scaled="0"/>
+              </a:gradFill>
+              <a:latin typeface="Segoe UI" pitchFamily="34" charset="0"/>
+              <a:ea typeface="Segoe UI" pitchFamily="34" charset="0"/>
+              <a:cs typeface="Segoe UI" pitchFamily="34" charset="0"/>
+            </a:endParaRPr>
+          </a:p>
+        </p:txBody>
+      </p:sp>
+      <p:sp>
+        <p:nvSpPr>
           <p:cNvPr id="5" name="日付プレースホルダー 4"/>
           <p:cNvSpPr>
             <a:spLocks noGrp="1"/>
@@ -7638,63 +7889,42 @@
           <a:bodyPr/>
           <a:lstStyle/>
           <a:p>
-            <a:fld id="{D9D3C64A-CFB4-4980-8828-24F416B1C84A}" type="datetime1">
-              <a:rPr kumimoji="1" lang="ja-JP" altLang="en-US" smtClean="0"/>
-              <a:t>2016/11/6</a:t>
+            <a:fld id="{35F63945-09EF-4D56-AA6D-C1F6374BA98A}" type="datetime8">
+              <a:rPr lang="en-US" altLang="ja-JP" smtClean="0"/>
+              <a:t>11/6/2016 3:25 PM</a:t>
             </a:fld>
-            <a:endParaRPr kumimoji="1" lang="ja-JP" altLang="en-US" dirty="0"/>
-          </a:p>
-        </p:txBody>
-      </p:sp>
-      <p:sp>
-        <p:nvSpPr>
-          <p:cNvPr id="6" name="フッター プレースホルダー 5"/>
-          <p:cNvSpPr>
-            <a:spLocks noGrp="1"/>
-          </p:cNvSpPr>
-          <p:nvPr>
-            <p:ph type="ftr" sz="quarter" idx="12"/>
-          </p:nvPr>
-        </p:nvSpPr>
-        <p:spPr/>
-        <p:txBody>
-          <a:bodyPr/>
-          <a:lstStyle/>
-          <a:p>
-            <a:r>
-              <a:rPr kumimoji="1" lang="ja-JP" altLang="en-US" dirty="0"/>
-              <a:t>エクセルソフト株式会社</a:t>
-            </a:r>
-          </a:p>
-        </p:txBody>
-      </p:sp>
-      <p:sp>
-        <p:nvSpPr>
-          <p:cNvPr id="7" name="スライド番号プレースホルダー 6"/>
-          <p:cNvSpPr>
-            <a:spLocks noGrp="1"/>
-          </p:cNvSpPr>
-          <p:nvPr>
-            <p:ph type="sldNum" sz="quarter" idx="13"/>
-          </p:nvPr>
-        </p:nvSpPr>
-        <p:spPr/>
-        <p:txBody>
-          <a:bodyPr/>
-          <a:lstStyle/>
-          <a:p>
-            <a:fld id="{94D19C99-4FBD-4E6B-A194-7A4D7A7D8678}" type="slidenum">
-              <a:rPr kumimoji="1" lang="ja-JP" altLang="en-US" smtClean="0"/>
+            <a:endParaRPr lang="en-US" dirty="0"/>
+          </a:p>
+        </p:txBody>
+      </p:sp>
+      <p:sp>
+        <p:nvSpPr>
+          <p:cNvPr id="6" name="スライド番号プレースホルダー 5"/>
+          <p:cNvSpPr>
+            <a:spLocks noGrp="1"/>
+          </p:cNvSpPr>
+          <p:nvPr>
+            <p:ph type="sldNum" sz="quarter" idx="12"/>
+          </p:nvPr>
+        </p:nvSpPr>
+        <p:spPr/>
+        <p:txBody>
+          <a:bodyPr/>
+          <a:lstStyle/>
+          <a:p>
+            <a:fld id="{B4008EB6-D09E-4580-8CD6-DDB14511944F}" type="slidenum">
+              <a:rPr lang="en-US" smtClean="0"/>
+              <a:pPr/>
               <a:t>8</a:t>
             </a:fld>
-            <a:endParaRPr kumimoji="1" lang="ja-JP" altLang="en-US" dirty="0"/>
+            <a:endParaRPr lang="en-US" dirty="0"/>
           </a:p>
         </p:txBody>
       </p:sp>
     </p:spTree>
     <p:extLst>
       <p:ext uri="{BB962C8B-B14F-4D97-AF65-F5344CB8AC3E}">
-        <p14:creationId xmlns:p14="http://schemas.microsoft.com/office/powerpoint/2010/main" val="3822889478"/>
+        <p14:creationId xmlns:p14="http://schemas.microsoft.com/office/powerpoint/2010/main" val="2995791748"/>
       </p:ext>
     </p:extLst>
   </p:cSld>
@@ -7823,7 +8053,7 @@
           <a:bodyPr/>
           <a:lstStyle/>
           <a:p>
-            <a:pPr defTabSz="914099" eaLnBrk="0" hangingPunct="0"/>
+            <a:pPr defTabSz="990426" eaLnBrk="0" hangingPunct="0"/>
             <a:r>
               <a:rPr lang="en-US" sz="400">
                 <a:gradFill>
@@ -8952,12 +9182,106 @@
   <p:transition>
     <p:fade/>
   </p:transition>
+  <p:timing>
+    <p:tnLst>
+      <p:par>
+        <p:cTn id="1" dur="indefinite" restart="never" nodeType="tmRoot"/>
+      </p:par>
+    </p:tnLst>
+  </p:timing>
 </p:sldLayout>
 </file>
 
 <file path=ppt/slideLayouts/slideLayout5.xml><?xml version="1.0" encoding="utf-8"?>
 <p:sldLayout xmlns:a="http://schemas.openxmlformats.org/drawingml/2006/main" xmlns:r="http://schemas.openxmlformats.org/officeDocument/2006/relationships" xmlns:p="http://schemas.openxmlformats.org/presentationml/2006/main" preserve="1" userDrawn="1">
-  <p:cSld name="Quote slide">
+  <p:cSld name="1_ユーザー設定レイアウト">
+    <p:spTree>
+      <p:nvGrpSpPr>
+        <p:cNvPr id="1" name=""/>
+        <p:cNvGrpSpPr/>
+        <p:nvPr/>
+      </p:nvGrpSpPr>
+      <p:grpSpPr>
+        <a:xfrm>
+          <a:off x="0" y="0"/>
+          <a:ext cx="0" cy="0"/>
+          <a:chOff x="0" y="0"/>
+          <a:chExt cx="0" cy="0"/>
+        </a:xfrm>
+      </p:grpSpPr>
+      <p:sp>
+        <p:nvSpPr>
+          <p:cNvPr id="2" name="タイトル 1"/>
+          <p:cNvSpPr>
+            <a:spLocks noGrp="1"/>
+          </p:cNvSpPr>
+          <p:nvPr>
+            <p:ph type="title"/>
+          </p:nvPr>
+        </p:nvSpPr>
+        <p:spPr/>
+        <p:txBody>
+          <a:bodyPr/>
+          <a:lstStyle/>
+          <a:p>
+            <a:r>
+              <a:rPr kumimoji="1" lang="ja-JP" altLang="en-US" smtClean="0"/>
+              <a:t>マスター タイトルの書式設定</a:t>
+            </a:r>
+            <a:endParaRPr kumimoji="1" lang="ja-JP" altLang="en-US"/>
+          </a:p>
+        </p:txBody>
+      </p:sp>
+      <p:sp>
+        <p:nvSpPr>
+          <p:cNvPr id="3" name="スライド番号プレースホルダー 2"/>
+          <p:cNvSpPr>
+            <a:spLocks noGrp="1"/>
+          </p:cNvSpPr>
+          <p:nvPr>
+            <p:ph type="sldNum" sz="quarter" idx="10"/>
+          </p:nvPr>
+        </p:nvSpPr>
+        <p:spPr/>
+        <p:txBody>
+          <a:bodyPr/>
+          <a:lstStyle/>
+          <a:p>
+            <a:fld id="{BA547519-0BEB-4367-A945-810145453CE0}" type="slidenum">
+              <a:rPr kumimoji="1" lang="ja-JP" altLang="en-US" smtClean="0"/>
+              <a:pPr/>
+              <a:t>‹#›</a:t>
+            </a:fld>
+            <a:endParaRPr kumimoji="1" lang="ja-JP" altLang="en-US" dirty="0"/>
+          </a:p>
+        </p:txBody>
+      </p:sp>
+    </p:spTree>
+    <p:extLst>
+      <p:ext uri="{BB962C8B-B14F-4D97-AF65-F5344CB8AC3E}">
+        <p14:creationId xmlns:p14="http://schemas.microsoft.com/office/powerpoint/2010/main" val="3222991301"/>
+      </p:ext>
+    </p:extLst>
+  </p:cSld>
+  <p:clrMapOvr>
+    <a:masterClrMapping/>
+  </p:clrMapOvr>
+  <p:transition>
+    <p:fade/>
+  </p:transition>
+  <p:timing>
+    <p:tnLst>
+      <p:par>
+        <p:cTn id="1" dur="indefinite" restart="never" nodeType="tmRoot"/>
+      </p:par>
+    </p:tnLst>
+  </p:timing>
+</p:sldLayout>
+</file>
+
+<file path=ppt/slideLayouts/slideLayout6.xml><?xml version="1.0" encoding="utf-8"?>
+<p:sldLayout xmlns:a="http://schemas.openxmlformats.org/drawingml/2006/main" xmlns:r="http://schemas.openxmlformats.org/officeDocument/2006/relationships" xmlns:p="http://schemas.openxmlformats.org/presentationml/2006/main" preserve="1" userDrawn="1">
+  <p:cSld name="ユーザー設定レイアウト">
     <p:bg>
       <p:bgPr>
         <a:solidFill>
@@ -8982,7 +9306,31 @@
       </p:grpSpPr>
       <p:sp>
         <p:nvSpPr>
-          <p:cNvPr id="5" name="Title 4"/>
+          <p:cNvPr id="3" name="スライド番号プレースホルダー 2"/>
+          <p:cNvSpPr>
+            <a:spLocks noGrp="1"/>
+          </p:cNvSpPr>
+          <p:nvPr>
+            <p:ph type="sldNum" sz="quarter" idx="10"/>
+          </p:nvPr>
+        </p:nvSpPr>
+        <p:spPr/>
+        <p:txBody>
+          <a:bodyPr/>
+          <a:lstStyle/>
+          <a:p>
+            <a:fld id="{BA547519-0BEB-4367-A945-810145453CE0}" type="slidenum">
+              <a:rPr kumimoji="1" lang="ja-JP" altLang="en-US" smtClean="0"/>
+              <a:pPr/>
+              <a:t>‹#›</a:t>
+            </a:fld>
+            <a:endParaRPr kumimoji="1" lang="ja-JP" altLang="en-US" dirty="0"/>
+          </a:p>
+        </p:txBody>
+      </p:sp>
+      <p:sp>
+        <p:nvSpPr>
+          <p:cNvPr id="4" name="Title 4"/>
           <p:cNvSpPr>
             <a:spLocks noGrp="1"/>
           </p:cNvSpPr>
@@ -9020,12 +9368,12 @@
       </p:sp>
       <p:sp>
         <p:nvSpPr>
-          <p:cNvPr id="6" name="コンテンツ プレースホルダー 5"/>
-          <p:cNvSpPr>
-            <a:spLocks noGrp="1"/>
-          </p:cNvSpPr>
-          <p:nvPr>
-            <p:ph sz="quarter" idx="10"/>
+          <p:cNvPr id="5" name="コンテンツ プレースホルダー 5"/>
+          <p:cNvSpPr>
+            <a:spLocks noGrp="1"/>
+          </p:cNvSpPr>
+          <p:nvPr>
+            <p:ph sz="quarter" idx="11"/>
           </p:nvPr>
         </p:nvSpPr>
         <p:spPr>
@@ -9077,7 +9425,7 @@
     </p:spTree>
     <p:extLst>
       <p:ext uri="{BB962C8B-B14F-4D97-AF65-F5344CB8AC3E}">
-        <p14:creationId xmlns:p14="http://schemas.microsoft.com/office/powerpoint/2010/main" val="2272815898"/>
+        <p14:creationId xmlns:p14="http://schemas.microsoft.com/office/powerpoint/2010/main" val="3353451640"/>
       </p:ext>
     </p:extLst>
   </p:cSld>
@@ -9087,10 +9435,17 @@
   <p:transition>
     <p:fade/>
   </p:transition>
+  <p:timing>
+    <p:tnLst>
+      <p:par>
+        <p:cTn id="1" dur="indefinite" restart="never" nodeType="tmRoot"/>
+      </p:par>
+    </p:tnLst>
+  </p:timing>
 </p:sldLayout>
 </file>
 
-<file path=ppt/slideLayouts/slideLayout6.xml><?xml version="1.0" encoding="utf-8"?>
+<file path=ppt/slideLayouts/slideLayout7.xml><?xml version="1.0" encoding="utf-8"?>
 <p:sldLayout xmlns:a="http://schemas.openxmlformats.org/drawingml/2006/main" xmlns:r="http://schemas.openxmlformats.org/officeDocument/2006/relationships" xmlns:p="http://schemas.openxmlformats.org/presentationml/2006/main" preserve="1" userDrawn="1">
   <p:cSld name="Blank Accent Color 2">
     <p:bg>
@@ -9166,6 +9521,13 @@
   <p:transition>
     <p:fade/>
   </p:transition>
+  <p:timing>
+    <p:tnLst>
+      <p:par>
+        <p:cTn id="1" dur="indefinite" restart="never" nodeType="tmRoot"/>
+      </p:par>
+    </p:tnLst>
+  </p:timing>
 </p:sldLayout>
 </file>
 
@@ -9439,8 +9801,9 @@
     <p:sldLayoutId id="2147484345" r:id="rId2"/>
     <p:sldLayoutId id="2147484342" r:id="rId3"/>
     <p:sldLayoutId id="2147484343" r:id="rId4"/>
-    <p:sldLayoutId id="2147484344" r:id="rId5"/>
-    <p:sldLayoutId id="2147484348" r:id="rId6"/>
+    <p:sldLayoutId id="2147484350" r:id="rId5"/>
+    <p:sldLayoutId id="2147484349" r:id="rId6"/>
+    <p:sldLayoutId id="2147484348" r:id="rId7"/>
   </p:sldLayoutIdLst>
   <p:transition>
     <p:fade/>
@@ -10184,6 +10547,13 @@
   <p:transition>
     <p:fade/>
   </p:transition>
+  <p:timing>
+    <p:tnLst>
+      <p:par>
+        <p:cTn id="1" dur="indefinite" restart="never" nodeType="tmRoot"/>
+      </p:par>
+    </p:tnLst>
+  </p:timing>
 </p:sld>
 </file>
 
@@ -10206,7 +10576,31 @@
       </p:grpSpPr>
       <p:sp>
         <p:nvSpPr>
-          <p:cNvPr id="2" name="タイトル 1"/>
+          <p:cNvPr id="3" name="スライド番号プレースホルダー 2"/>
+          <p:cNvSpPr>
+            <a:spLocks noGrp="1"/>
+          </p:cNvSpPr>
+          <p:nvPr>
+            <p:ph type="sldNum" sz="quarter" idx="10"/>
+          </p:nvPr>
+        </p:nvSpPr>
+        <p:spPr/>
+        <p:txBody>
+          <a:bodyPr/>
+          <a:lstStyle/>
+          <a:p>
+            <a:fld id="{BA547519-0BEB-4367-A945-810145453CE0}" type="slidenum">
+              <a:rPr kumimoji="1" lang="ja-JP" altLang="en-US" smtClean="0"/>
+              <a:pPr/>
+              <a:t>11</a:t>
+            </a:fld>
+            <a:endParaRPr kumimoji="1" lang="ja-JP" altLang="en-US" dirty="0"/>
+          </a:p>
+        </p:txBody>
+      </p:sp>
+      <p:sp>
+        <p:nvSpPr>
+          <p:cNvPr id="5" name="タイトル 4"/>
           <p:cNvSpPr>
             <a:spLocks noGrp="1"/>
           </p:cNvSpPr>
@@ -10220,35 +10614,21 @@
           <a:lstStyle/>
           <a:p>
             <a:r>
-              <a:rPr lang="en-US" altLang="ja-JP" dirty="0">
-                <a:solidFill>
-                  <a:schemeClr val="tx2">
-                    <a:lumMod val="40000"/>
-                    <a:lumOff val="60000"/>
-                  </a:schemeClr>
-                </a:solidFill>
-              </a:rPr>
+              <a:rPr kumimoji="1" lang="en-US" altLang="ja-JP" dirty="0" smtClean="0"/>
               <a:t>Agenda</a:t>
             </a:r>
-            <a:endParaRPr lang="ja-JP" altLang="en-US" dirty="0">
-              <a:solidFill>
-                <a:schemeClr val="tx2">
-                  <a:lumMod val="40000"/>
-                  <a:lumOff val="60000"/>
-                </a:schemeClr>
-              </a:solidFill>
-            </a:endParaRPr>
-          </a:p>
-        </p:txBody>
-      </p:sp>
-      <p:sp>
-        <p:nvSpPr>
-          <p:cNvPr id="3" name="コンテンツ プレースホルダー 2"/>
-          <p:cNvSpPr>
-            <a:spLocks noGrp="1"/>
-          </p:cNvSpPr>
-          <p:nvPr>
-            <p:ph sz="quarter" idx="10"/>
+            <a:endParaRPr kumimoji="1" lang="ja-JP" altLang="en-US" dirty="0"/>
+          </a:p>
+        </p:txBody>
+      </p:sp>
+      <p:sp>
+        <p:nvSpPr>
+          <p:cNvPr id="6" name="コンテンツ プレースホルダー 5"/>
+          <p:cNvSpPr>
+            <a:spLocks noGrp="1"/>
+          </p:cNvSpPr>
+          <p:nvPr>
+            <p:ph sz="quarter" idx="11"/>
           </p:nvPr>
         </p:nvSpPr>
         <p:spPr/>
@@ -10263,11 +10643,7 @@
               <a:buChar char="•"/>
             </a:pPr>
             <a:r>
-              <a:rPr lang="en-US" altLang="ja-JP" dirty="0">
-                <a:solidFill>
-                  <a:srgbClr val="8EB4E3"/>
-                </a:solidFill>
-              </a:rPr>
+              <a:rPr lang="en-US" altLang="ja-JP" dirty="0"/>
               <a:t>Introduction</a:t>
             </a:r>
           </a:p>
@@ -10277,11 +10653,7 @@
               <a:buChar char="•"/>
             </a:pPr>
             <a:r>
-              <a:rPr lang="en-US" altLang="ja-JP" dirty="0">
-                <a:solidFill>
-                  <a:srgbClr val="8EB4E3"/>
-                </a:solidFill>
-              </a:rPr>
+              <a:rPr lang="en-US" altLang="ja-JP" dirty="0"/>
               <a:t>What is Prism? &amp; What do you get?</a:t>
             </a:r>
           </a:p>
@@ -10296,23 +10668,7 @@
                   <a:schemeClr val="bg1"/>
                 </a:solidFill>
               </a:rPr>
-              <a:t>Why Prism for </a:t>
-            </a:r>
-            <a:r>
-              <a:rPr lang="en-US" altLang="ja-JP" dirty="0" err="1">
-                <a:solidFill>
-                  <a:schemeClr val="bg1"/>
-                </a:solidFill>
-              </a:rPr>
-              <a:t>Xamarin.Forms</a:t>
-            </a:r>
-            <a:r>
-              <a:rPr lang="en-US" altLang="ja-JP" dirty="0">
-                <a:solidFill>
-                  <a:schemeClr val="bg1"/>
-                </a:solidFill>
-              </a:rPr>
-              <a:t>?</a:t>
+              <a:t>Why Prism for Xamarin.Forms?</a:t>
             </a:r>
           </a:p>
           <a:p>
@@ -10321,52 +10677,17 @@
               <a:buChar char="•"/>
             </a:pPr>
             <a:r>
-              <a:rPr lang="en-US" altLang="ja-JP" dirty="0">
-                <a:solidFill>
-                  <a:schemeClr val="tx2">
-                    <a:lumMod val="40000"/>
-                    <a:lumOff val="60000"/>
-                  </a:schemeClr>
-                </a:solidFill>
-              </a:rPr>
-              <a:t>DEMO</a:t>
-            </a:r>
-          </a:p>
-        </p:txBody>
-      </p:sp>
-      <p:sp>
-        <p:nvSpPr>
-          <p:cNvPr id="9" name="スライド番号プレースホルダー 8"/>
-          <p:cNvSpPr>
-            <a:spLocks noGrp="1"/>
-          </p:cNvSpPr>
-          <p:nvPr>
-            <p:ph type="sldNum" sz="quarter" idx="4294967295"/>
-          </p:nvPr>
-        </p:nvSpPr>
-        <p:spPr>
-          <a:xfrm>
-            <a:off x="10875963" y="6376988"/>
-            <a:ext cx="1560512" cy="371475"/>
-          </a:xfrm>
-        </p:spPr>
-        <p:txBody>
-          <a:bodyPr/>
-          <a:lstStyle/>
-          <a:p>
-            <a:fld id="{A18726F9-315A-4462-8997-3530727730AD}" type="slidenum">
-              <a:rPr lang="ja-JP" altLang="en-US" smtClean="0"/>
-              <a:pPr/>
-              <a:t>11</a:t>
-            </a:fld>
-            <a:endParaRPr lang="ja-JP" altLang="en-US" dirty="0"/>
+              <a:rPr kumimoji="1" lang="en-US" altLang="ja-JP" dirty="0" smtClean="0"/>
+              <a:t>Hands-On</a:t>
+            </a:r>
+            <a:endParaRPr kumimoji="1" lang="ja-JP" altLang="en-US" dirty="0"/>
           </a:p>
         </p:txBody>
       </p:sp>
     </p:spTree>
     <p:extLst>
       <p:ext uri="{BB962C8B-B14F-4D97-AF65-F5344CB8AC3E}">
-        <p14:creationId xmlns:p14="http://schemas.microsoft.com/office/powerpoint/2010/main" val="2054408603"/>
+        <p14:creationId xmlns:p14="http://schemas.microsoft.com/office/powerpoint/2010/main" val="2121906864"/>
       </p:ext>
     </p:extLst>
   </p:cSld>
@@ -10376,6 +10697,13 @@
   <p:transition>
     <p:fade/>
   </p:transition>
+  <p:timing>
+    <p:tnLst>
+      <p:par>
+        <p:cTn id="1" dur="indefinite" restart="never" nodeType="tmRoot"/>
+      </p:par>
+    </p:tnLst>
+  </p:timing>
 </p:sld>
 </file>
 
@@ -10499,6 +10827,13 @@
   <p:transition>
     <p:fade/>
   </p:transition>
+  <p:timing>
+    <p:tnLst>
+      <p:par>
+        <p:cTn id="1" dur="indefinite" restart="never" nodeType="tmRoot"/>
+      </p:par>
+    </p:tnLst>
+  </p:timing>
 </p:sld>
 </file>
 
@@ -13190,6 +13525,13 @@
   <p:transition>
     <p:fade/>
   </p:transition>
+  <p:timing>
+    <p:tnLst>
+      <p:par>
+        <p:cTn id="1" dur="indefinite" restart="never" nodeType="tmRoot"/>
+      </p:par>
+    </p:tnLst>
+  </p:timing>
 </p:sld>
 </file>
 
@@ -15941,6 +16283,13 @@
   <p:transition>
     <p:fade/>
   </p:transition>
+  <p:timing>
+    <p:tnLst>
+      <p:par>
+        <p:cTn id="1" dur="indefinite" restart="never" nodeType="tmRoot"/>
+      </p:par>
+    </p:tnLst>
+  </p:timing>
 </p:sld>
 </file>
 
@@ -15980,6 +16329,343 @@
               <a:rPr kumimoji="1" lang="ja-JP" altLang="en-US" smtClean="0"/>
               <a:pPr/>
               <a:t>28</a:t>
+            </a:fld>
+            <a:endParaRPr kumimoji="1" lang="ja-JP" altLang="en-US" dirty="0"/>
+          </a:p>
+        </p:txBody>
+      </p:sp>
+      <p:sp>
+        <p:nvSpPr>
+          <p:cNvPr id="4" name="タイトル 3"/>
+          <p:cNvSpPr>
+            <a:spLocks noGrp="1"/>
+          </p:cNvSpPr>
+          <p:nvPr>
+            <p:ph type="title"/>
+          </p:nvPr>
+        </p:nvSpPr>
+        <p:spPr/>
+        <p:txBody>
+          <a:bodyPr/>
+          <a:lstStyle/>
+          <a:p>
+            <a:r>
+              <a:rPr kumimoji="1" lang="en-US" altLang="ja-JP" dirty="0" smtClean="0"/>
+              <a:t>Hands-On</a:t>
+            </a:r>
+            <a:r>
+              <a:rPr lang="ja-JP" altLang="en-US" dirty="0" smtClean="0"/>
+              <a:t>アプリケーション</a:t>
+            </a:r>
+            <a:r>
+              <a:rPr lang="ja-JP" altLang="en-US" dirty="0"/>
+              <a:t>概要</a:t>
+            </a:r>
+            <a:endParaRPr kumimoji="1" lang="ja-JP" altLang="en-US" dirty="0"/>
+          </a:p>
+        </p:txBody>
+      </p:sp>
+      <p:pic>
+        <p:nvPicPr>
+          <p:cNvPr id="5" name="図 4"/>
+          <p:cNvPicPr>
+            <a:picLocks noChangeAspect="1"/>
+          </p:cNvPicPr>
+          <p:nvPr/>
+        </p:nvPicPr>
+        <p:blipFill>
+          <a:blip r:embed="rId3">
+            <a:extLst>
+              <a:ext uri="{28A0092B-C50C-407E-A947-70E740481C1C}">
+                <a14:useLocalDpi xmlns:a14="http://schemas.microsoft.com/office/drawing/2010/main" val="0"/>
+              </a:ext>
+            </a:extLst>
+          </a:blip>
+          <a:stretch>
+            <a:fillRect/>
+          </a:stretch>
+        </p:blipFill>
+        <p:spPr>
+          <a:xfrm>
+            <a:off x="1753741" y="1625054"/>
+            <a:ext cx="2314324" cy="4661359"/>
+          </a:xfrm>
+          <a:prstGeom prst="rect">
+            <a:avLst/>
+          </a:prstGeom>
+        </p:spPr>
+      </p:pic>
+      <p:pic>
+        <p:nvPicPr>
+          <p:cNvPr id="6" name="図 5"/>
+          <p:cNvPicPr>
+            <a:picLocks noChangeAspect="1"/>
+          </p:cNvPicPr>
+          <p:nvPr/>
+        </p:nvPicPr>
+        <p:blipFill>
+          <a:blip r:embed="rId4">
+            <a:extLst>
+              <a:ext uri="{28A0092B-C50C-407E-A947-70E740481C1C}">
+                <a14:useLocalDpi xmlns:a14="http://schemas.microsoft.com/office/drawing/2010/main" val="0"/>
+              </a:ext>
+            </a:extLst>
+          </a:blip>
+          <a:stretch>
+            <a:fillRect/>
+          </a:stretch>
+        </p:blipFill>
+        <p:spPr>
+          <a:xfrm>
+            <a:off x="4922093" y="1625054"/>
+            <a:ext cx="2314324" cy="4661359"/>
+          </a:xfrm>
+          <a:prstGeom prst="rect">
+            <a:avLst/>
+          </a:prstGeom>
+        </p:spPr>
+      </p:pic>
+      <p:pic>
+        <p:nvPicPr>
+          <p:cNvPr id="7" name="図 6"/>
+          <p:cNvPicPr>
+            <a:picLocks noChangeAspect="1"/>
+          </p:cNvPicPr>
+          <p:nvPr/>
+        </p:nvPicPr>
+        <p:blipFill>
+          <a:blip r:embed="rId5">
+            <a:extLst>
+              <a:ext uri="{28A0092B-C50C-407E-A947-70E740481C1C}">
+                <a14:useLocalDpi xmlns:a14="http://schemas.microsoft.com/office/drawing/2010/main" val="0"/>
+              </a:ext>
+            </a:extLst>
+          </a:blip>
+          <a:stretch>
+            <a:fillRect/>
+          </a:stretch>
+        </p:blipFill>
+        <p:spPr>
+          <a:xfrm>
+            <a:off x="8090445" y="1621642"/>
+            <a:ext cx="2314324" cy="4661359"/>
+          </a:xfrm>
+          <a:prstGeom prst="rect">
+            <a:avLst/>
+          </a:prstGeom>
+        </p:spPr>
+      </p:pic>
+      <p:sp>
+        <p:nvSpPr>
+          <p:cNvPr id="8" name="二等辺三角形 7"/>
+          <p:cNvSpPr/>
+          <p:nvPr/>
+        </p:nvSpPr>
+        <p:spPr bwMode="auto">
+          <a:xfrm rot="5400000">
+            <a:off x="4171043" y="3700293"/>
+            <a:ext cx="648072" cy="504056"/>
+          </a:xfrm>
+          <a:prstGeom prst="triangle">
+            <a:avLst/>
+          </a:prstGeom>
+          <a:solidFill>
+            <a:schemeClr val="accent1"/>
+          </a:solidFill>
+          <a:ln>
+            <a:noFill/>
+            <a:headEnd type="none" w="med" len="med"/>
+            <a:tailEnd type="none" w="med" len="med"/>
+          </a:ln>
+          <a:effectLst/>
+        </p:spPr>
+        <p:style>
+          <a:lnRef idx="1">
+            <a:schemeClr val="accent2"/>
+          </a:lnRef>
+          <a:fillRef idx="3">
+            <a:schemeClr val="accent2"/>
+          </a:fillRef>
+          <a:effectRef idx="2">
+            <a:schemeClr val="accent2"/>
+          </a:effectRef>
+          <a:fontRef idx="minor">
+            <a:schemeClr val="lt1"/>
+          </a:fontRef>
+        </p:style>
+        <p:txBody>
+          <a:bodyPr rot="0" spcFirstLastPara="0" vertOverflow="overflow" horzOverflow="overflow" vert="horz" wrap="square" lIns="182880" tIns="146304" rIns="182880" bIns="146304" numCol="1" spcCol="0" rtlCol="0" fromWordArt="0" anchor="t" anchorCtr="0" forceAA="0" compatLnSpc="1">
+            <a:prstTxWarp prst="textNoShape">
+              <a:avLst/>
+            </a:prstTxWarp>
+            <a:noAutofit/>
+          </a:bodyPr>
+          <a:lstStyle/>
+          <a:p>
+            <a:pPr algn="ctr" defTabSz="932472" fontAlgn="base">
+              <a:lnSpc>
+                <a:spcPct val="90000"/>
+              </a:lnSpc>
+              <a:spcBef>
+                <a:spcPct val="0"/>
+              </a:spcBef>
+              <a:spcAft>
+                <a:spcPct val="0"/>
+              </a:spcAft>
+            </a:pPr>
+            <a:endParaRPr kumimoji="1" lang="ja-JP" altLang="en-US" sz="2400" dirty="0" err="1" smtClean="0">
+              <a:gradFill>
+                <a:gsLst>
+                  <a:gs pos="0">
+                    <a:srgbClr val="FFFFFF"/>
+                  </a:gs>
+                  <a:gs pos="100000">
+                    <a:srgbClr val="FFFFFF"/>
+                  </a:gs>
+                </a:gsLst>
+                <a:lin ang="5400000" scaled="0"/>
+              </a:gradFill>
+              <a:ea typeface="Segoe UI" pitchFamily="34" charset="0"/>
+              <a:cs typeface="Segoe UI" pitchFamily="34" charset="0"/>
+            </a:endParaRPr>
+          </a:p>
+        </p:txBody>
+      </p:sp>
+      <p:sp>
+        <p:nvSpPr>
+          <p:cNvPr id="9" name="二等辺三角形 8"/>
+          <p:cNvSpPr/>
+          <p:nvPr/>
+        </p:nvSpPr>
+        <p:spPr bwMode="auto">
+          <a:xfrm rot="5400000">
+            <a:off x="7339395" y="3700293"/>
+            <a:ext cx="648072" cy="504056"/>
+          </a:xfrm>
+          <a:prstGeom prst="triangle">
+            <a:avLst/>
+          </a:prstGeom>
+          <a:solidFill>
+            <a:schemeClr val="accent1"/>
+          </a:solidFill>
+          <a:ln>
+            <a:noFill/>
+            <a:headEnd type="none" w="med" len="med"/>
+            <a:tailEnd type="none" w="med" len="med"/>
+          </a:ln>
+          <a:effectLst/>
+        </p:spPr>
+        <p:style>
+          <a:lnRef idx="1">
+            <a:schemeClr val="accent2"/>
+          </a:lnRef>
+          <a:fillRef idx="3">
+            <a:schemeClr val="accent2"/>
+          </a:fillRef>
+          <a:effectRef idx="2">
+            <a:schemeClr val="accent2"/>
+          </a:effectRef>
+          <a:fontRef idx="minor">
+            <a:schemeClr val="lt1"/>
+          </a:fontRef>
+        </p:style>
+        <p:txBody>
+          <a:bodyPr rot="0" spcFirstLastPara="0" vertOverflow="overflow" horzOverflow="overflow" vert="horz" wrap="square" lIns="182880" tIns="146304" rIns="182880" bIns="146304" numCol="1" spcCol="0" rtlCol="0" fromWordArt="0" anchor="t" anchorCtr="0" forceAA="0" compatLnSpc="1">
+            <a:prstTxWarp prst="textNoShape">
+              <a:avLst/>
+            </a:prstTxWarp>
+            <a:noAutofit/>
+          </a:bodyPr>
+          <a:lstStyle/>
+          <a:p>
+            <a:pPr algn="ctr" defTabSz="932472" fontAlgn="base">
+              <a:lnSpc>
+                <a:spcPct val="90000"/>
+              </a:lnSpc>
+              <a:spcBef>
+                <a:spcPct val="0"/>
+              </a:spcBef>
+              <a:spcAft>
+                <a:spcPct val="0"/>
+              </a:spcAft>
+            </a:pPr>
+            <a:endParaRPr kumimoji="1" lang="ja-JP" altLang="en-US" sz="2400" dirty="0" err="1" smtClean="0">
+              <a:gradFill>
+                <a:gsLst>
+                  <a:gs pos="0">
+                    <a:srgbClr val="FFFFFF"/>
+                  </a:gs>
+                  <a:gs pos="100000">
+                    <a:srgbClr val="FFFFFF"/>
+                  </a:gs>
+                </a:gsLst>
+                <a:lin ang="5400000" scaled="0"/>
+              </a:gradFill>
+              <a:ea typeface="Segoe UI" pitchFamily="34" charset="0"/>
+              <a:cs typeface="Segoe UI" pitchFamily="34" charset="0"/>
+            </a:endParaRPr>
+          </a:p>
+        </p:txBody>
+      </p:sp>
+    </p:spTree>
+    <p:extLst>
+      <p:ext uri="{BB962C8B-B14F-4D97-AF65-F5344CB8AC3E}">
+        <p14:creationId xmlns:p14="http://schemas.microsoft.com/office/powerpoint/2010/main" val="877942954"/>
+      </p:ext>
+    </p:extLst>
+  </p:cSld>
+  <p:clrMapOvr>
+    <a:masterClrMapping/>
+  </p:clrMapOvr>
+  <p:transition>
+    <p:fade/>
+  </p:transition>
+  <p:timing>
+    <p:tnLst>
+      <p:par>
+        <p:cTn id="1" dur="indefinite" restart="never" nodeType="tmRoot"/>
+      </p:par>
+    </p:tnLst>
+  </p:timing>
+</p:sld>
+</file>
+
+<file path=ppt/slides/slide29.xml><?xml version="1.0" encoding="utf-8"?>
+<p:sld xmlns:a="http://schemas.openxmlformats.org/drawingml/2006/main" xmlns:r="http://schemas.openxmlformats.org/officeDocument/2006/relationships" xmlns:p="http://schemas.openxmlformats.org/presentationml/2006/main">
+  <p:cSld>
+    <p:spTree>
+      <p:nvGrpSpPr>
+        <p:cNvPr id="1" name=""/>
+        <p:cNvGrpSpPr/>
+        <p:nvPr/>
+      </p:nvGrpSpPr>
+      <p:grpSpPr>
+        <a:xfrm>
+          <a:off x="0" y="0"/>
+          <a:ext cx="0" cy="0"/>
+          <a:chOff x="0" y="0"/>
+          <a:chExt cx="0" cy="0"/>
+        </a:xfrm>
+      </p:grpSpPr>
+      <p:sp>
+        <p:nvSpPr>
+          <p:cNvPr id="3" name="スライド番号プレースホルダー 2"/>
+          <p:cNvSpPr>
+            <a:spLocks noGrp="1"/>
+          </p:cNvSpPr>
+          <p:nvPr>
+            <p:ph type="sldNum" sz="quarter" idx="4"/>
+          </p:nvPr>
+        </p:nvSpPr>
+        <p:spPr/>
+        <p:txBody>
+          <a:bodyPr/>
+          <a:lstStyle/>
+          <a:p>
+            <a:fld id="{BA547519-0BEB-4367-A945-810145453CE0}" type="slidenum">
+              <a:rPr kumimoji="1" lang="ja-JP" altLang="en-US" smtClean="0"/>
+              <a:pPr/>
+              <a:t>29</a:t>
             </a:fld>
             <a:endParaRPr kumimoji="1" lang="ja-JP" altLang="en-US" dirty="0"/>
           </a:p>
@@ -16051,91 +16737,6 @@
 </p:sld>
 </file>
 
-<file path=ppt/slides/slide29.xml><?xml version="1.0" encoding="utf-8"?>
-<p:sld xmlns:a="http://schemas.openxmlformats.org/drawingml/2006/main" xmlns:r="http://schemas.openxmlformats.org/officeDocument/2006/relationships" xmlns:p="http://schemas.openxmlformats.org/presentationml/2006/main">
-  <p:cSld>
-    <p:spTree>
-      <p:nvGrpSpPr>
-        <p:cNvPr id="1" name=""/>
-        <p:cNvGrpSpPr/>
-        <p:nvPr/>
-      </p:nvGrpSpPr>
-      <p:grpSpPr>
-        <a:xfrm>
-          <a:off x="0" y="0"/>
-          <a:ext cx="0" cy="0"/>
-          <a:chOff x="0" y="0"/>
-          <a:chExt cx="0" cy="0"/>
-        </a:xfrm>
-      </p:grpSpPr>
-      <p:sp>
-        <p:nvSpPr>
-          <p:cNvPr id="10" name="タイトル 9"/>
-          <p:cNvSpPr>
-            <a:spLocks noGrp="1"/>
-          </p:cNvSpPr>
-          <p:nvPr>
-            <p:ph type="title"/>
-          </p:nvPr>
-        </p:nvSpPr>
-        <p:spPr/>
-        <p:txBody>
-          <a:bodyPr/>
-          <a:lstStyle/>
-          <a:p>
-            <a:r>
-              <a:rPr lang="en-US" altLang="ja-JP" dirty="0"/>
-              <a:t>#Hands-On</a:t>
-            </a:r>
-            <a:endParaRPr lang="ja-JP" altLang="en-US" dirty="0"/>
-          </a:p>
-        </p:txBody>
-      </p:sp>
-      <p:sp>
-        <p:nvSpPr>
-          <p:cNvPr id="3" name="スライド番号プレースホルダー 2"/>
-          <p:cNvSpPr>
-            <a:spLocks noGrp="1"/>
-          </p:cNvSpPr>
-          <p:nvPr>
-            <p:ph type="sldNum" sz="quarter" idx="4294967295"/>
-          </p:nvPr>
-        </p:nvSpPr>
-        <p:spPr>
-          <a:xfrm>
-            <a:off x="10875963" y="6376988"/>
-            <a:ext cx="1560512" cy="371475"/>
-          </a:xfrm>
-        </p:spPr>
-        <p:txBody>
-          <a:bodyPr/>
-          <a:lstStyle/>
-          <a:p>
-            <a:fld id="{BA547519-0BEB-4367-A945-810145453CE0}" type="slidenum">
-              <a:rPr kumimoji="1" lang="ja-JP" altLang="en-US" smtClean="0"/>
-              <a:pPr/>
-              <a:t>29</a:t>
-            </a:fld>
-            <a:endParaRPr kumimoji="1" lang="ja-JP" altLang="en-US" dirty="0"/>
-          </a:p>
-        </p:txBody>
-      </p:sp>
-    </p:spTree>
-    <p:extLst>
-      <p:ext uri="{BB962C8B-B14F-4D97-AF65-F5344CB8AC3E}">
-        <p14:creationId xmlns:p14="http://schemas.microsoft.com/office/powerpoint/2010/main" val="1319162436"/>
-      </p:ext>
-    </p:extLst>
-  </p:cSld>
-  <p:clrMapOvr>
-    <a:masterClrMapping/>
-  </p:clrMapOvr>
-  <p:transition>
-    <p:fade/>
-  </p:transition>
-</p:sld>
-</file>
-
 <file path=ppt/slides/slide3.xml><?xml version="1.0" encoding="utf-8"?>
 <p:sld xmlns:a="http://schemas.openxmlformats.org/drawingml/2006/main" xmlns:r="http://schemas.openxmlformats.org/officeDocument/2006/relationships" xmlns:p="http://schemas.openxmlformats.org/presentationml/2006/main">
   <p:cSld>
@@ -16155,7 +16756,31 @@
       </p:grpSpPr>
       <p:sp>
         <p:nvSpPr>
-          <p:cNvPr id="2" name="タイトル 1"/>
+          <p:cNvPr id="3" name="スライド番号プレースホルダー 2"/>
+          <p:cNvSpPr>
+            <a:spLocks noGrp="1"/>
+          </p:cNvSpPr>
+          <p:nvPr>
+            <p:ph type="sldNum" sz="quarter" idx="10"/>
+          </p:nvPr>
+        </p:nvSpPr>
+        <p:spPr/>
+        <p:txBody>
+          <a:bodyPr/>
+          <a:lstStyle/>
+          <a:p>
+            <a:fld id="{BA547519-0BEB-4367-A945-810145453CE0}" type="slidenum">
+              <a:rPr kumimoji="1" lang="ja-JP" altLang="en-US" smtClean="0"/>
+              <a:pPr/>
+              <a:t>3</a:t>
+            </a:fld>
+            <a:endParaRPr kumimoji="1" lang="ja-JP" altLang="en-US" dirty="0"/>
+          </a:p>
+        </p:txBody>
+      </p:sp>
+      <p:sp>
+        <p:nvSpPr>
+          <p:cNvPr id="5" name="タイトル 4"/>
           <p:cNvSpPr>
             <a:spLocks noGrp="1"/>
           </p:cNvSpPr>
@@ -16169,21 +16794,21 @@
           <a:lstStyle/>
           <a:p>
             <a:r>
-              <a:rPr lang="en-US" altLang="ja-JP" dirty="0"/>
+              <a:rPr kumimoji="1" lang="en-US" altLang="ja-JP" dirty="0" smtClean="0"/>
               <a:t>Agenda</a:t>
             </a:r>
-            <a:endParaRPr lang="ja-JP" altLang="en-US" dirty="0"/>
-          </a:p>
-        </p:txBody>
-      </p:sp>
-      <p:sp>
-        <p:nvSpPr>
-          <p:cNvPr id="3" name="コンテンツ プレースホルダー 2"/>
-          <p:cNvSpPr>
-            <a:spLocks noGrp="1"/>
-          </p:cNvSpPr>
-          <p:nvPr>
-            <p:ph sz="quarter" idx="10"/>
+            <a:endParaRPr kumimoji="1" lang="ja-JP" altLang="en-US" dirty="0"/>
+          </a:p>
+        </p:txBody>
+      </p:sp>
+      <p:sp>
+        <p:nvSpPr>
+          <p:cNvPr id="6" name="コンテンツ プレースホルダー 5"/>
+          <p:cNvSpPr>
+            <a:spLocks noGrp="1"/>
+          </p:cNvSpPr>
+          <p:nvPr>
+            <p:ph sz="quarter" idx="11"/>
           </p:nvPr>
         </p:nvSpPr>
         <p:spPr/>
@@ -16200,7 +16825,7 @@
             <a:r>
               <a:rPr lang="en-US" altLang="ja-JP" dirty="0">
                 <a:solidFill>
-                  <a:schemeClr val="bg2"/>
+                  <a:schemeClr val="bg1"/>
                 </a:solidFill>
               </a:rPr>
               <a:t>Introduction</a:t>
@@ -16212,14 +16837,7 @@
               <a:buChar char="•"/>
             </a:pPr>
             <a:r>
-              <a:rPr lang="en-US" altLang="ja-JP" dirty="0">
-                <a:solidFill>
-                  <a:schemeClr val="tx2">
-                    <a:lumMod val="40000"/>
-                    <a:lumOff val="60000"/>
-                  </a:schemeClr>
-                </a:solidFill>
-              </a:rPr>
+              <a:rPr lang="en-US" altLang="ja-JP" dirty="0"/>
               <a:t>What is Prism? &amp; What do you get?</a:t>
             </a:r>
           </a:p>
@@ -16229,37 +16847,8 @@
               <a:buChar char="•"/>
             </a:pPr>
             <a:r>
-              <a:rPr lang="en-US" altLang="ja-JP" dirty="0">
-                <a:solidFill>
-                  <a:schemeClr val="tx2">
-                    <a:lumMod val="40000"/>
-                    <a:lumOff val="60000"/>
-                  </a:schemeClr>
-                </a:solidFill>
-              </a:rPr>
-              <a:t>Why Prism for </a:t>
-            </a:r>
-            <a:r>
-              <a:rPr lang="en-US" altLang="ja-JP" dirty="0" err="1">
-                <a:solidFill>
-                  <a:schemeClr val="tx2">
-                    <a:lumMod val="40000"/>
-                    <a:lumOff val="60000"/>
-                  </a:schemeClr>
-                </a:solidFill>
-              </a:rPr>
-              <a:t>Xamarin.Forms</a:t>
-            </a:r>
-            <a:r>
-              <a:rPr lang="en-US" altLang="ja-JP" dirty="0">
-                <a:solidFill>
-                  <a:schemeClr val="tx2">
-                    <a:lumMod val="40000"/>
-                    <a:lumOff val="60000"/>
-                  </a:schemeClr>
-                </a:solidFill>
-              </a:rPr>
-              <a:t>?</a:t>
+              <a:rPr lang="en-US" altLang="ja-JP" dirty="0"/>
+              <a:t>Why Prism for Xamarin.Forms?</a:t>
             </a:r>
           </a:p>
           <a:p>
@@ -16268,52 +16857,17 @@
               <a:buChar char="•"/>
             </a:pPr>
             <a:r>
-              <a:rPr lang="en-US" altLang="ja-JP" dirty="0">
-                <a:solidFill>
-                  <a:schemeClr val="tx2">
-                    <a:lumMod val="40000"/>
-                    <a:lumOff val="60000"/>
-                  </a:schemeClr>
-                </a:solidFill>
-              </a:rPr>
-              <a:t>DEMO</a:t>
-            </a:r>
-          </a:p>
-        </p:txBody>
-      </p:sp>
-      <p:sp>
-        <p:nvSpPr>
-          <p:cNvPr id="9" name="スライド番号プレースホルダー 8"/>
-          <p:cNvSpPr>
-            <a:spLocks noGrp="1"/>
-          </p:cNvSpPr>
-          <p:nvPr>
-            <p:ph type="sldNum" sz="quarter" idx="4294967295"/>
-          </p:nvPr>
-        </p:nvSpPr>
-        <p:spPr>
-          <a:xfrm>
-            <a:off x="10875963" y="6376988"/>
-            <a:ext cx="1560512" cy="371475"/>
-          </a:xfrm>
-        </p:spPr>
-        <p:txBody>
-          <a:bodyPr/>
-          <a:lstStyle/>
-          <a:p>
-            <a:fld id="{A18726F9-315A-4462-8997-3530727730AD}" type="slidenum">
-              <a:rPr lang="ja-JP" altLang="en-US" smtClean="0"/>
-              <a:pPr/>
-              <a:t>3</a:t>
-            </a:fld>
-            <a:endParaRPr lang="ja-JP" altLang="en-US" dirty="0"/>
+              <a:rPr kumimoji="1" lang="en-US" altLang="ja-JP" dirty="0" smtClean="0"/>
+              <a:t>Hands-On</a:t>
+            </a:r>
+            <a:endParaRPr kumimoji="1" lang="ja-JP" altLang="en-US" dirty="0"/>
           </a:p>
         </p:txBody>
       </p:sp>
     </p:spTree>
     <p:extLst>
       <p:ext uri="{BB962C8B-B14F-4D97-AF65-F5344CB8AC3E}">
-        <p14:creationId xmlns:p14="http://schemas.microsoft.com/office/powerpoint/2010/main" val="3267151989"/>
+        <p14:creationId xmlns:p14="http://schemas.microsoft.com/office/powerpoint/2010/main" val="1608918785"/>
       </p:ext>
     </p:extLst>
   </p:cSld>
@@ -16323,6 +16877,13 @@
   <p:transition>
     <p:fade/>
   </p:transition>
+  <p:timing>
+    <p:tnLst>
+      <p:par>
+        <p:cTn id="1" dur="indefinite" restart="never" nodeType="tmRoot"/>
+      </p:par>
+    </p:tnLst>
+  </p:timing>
 </p:sld>
 </file>
 
@@ -16358,10 +16919,9 @@
           <a:bodyPr/>
           <a:lstStyle/>
           <a:p>
-            <a:pPr algn="ctr"/>
             <a:r>
               <a:rPr lang="en-US" altLang="ja-JP" dirty="0"/>
-              <a:t>One more thing…</a:t>
+              <a:t>#Hands-On</a:t>
             </a:r>
             <a:endParaRPr lang="ja-JP" altLang="en-US" dirty="0"/>
           </a:p>
@@ -16399,7 +16959,7 @@
     </p:spTree>
     <p:extLst>
       <p:ext uri="{BB962C8B-B14F-4D97-AF65-F5344CB8AC3E}">
-        <p14:creationId xmlns:p14="http://schemas.microsoft.com/office/powerpoint/2010/main" val="2019411780"/>
+        <p14:creationId xmlns:p14="http://schemas.microsoft.com/office/powerpoint/2010/main" val="1319162436"/>
       </p:ext>
     </p:extLst>
   </p:cSld>
@@ -16431,127 +16991,6 @@
       </p:grpSpPr>
       <p:sp>
         <p:nvSpPr>
-          <p:cNvPr id="4" name="テキスト プレースホルダー 3"/>
-          <p:cNvSpPr>
-            <a:spLocks noGrp="1"/>
-          </p:cNvSpPr>
-          <p:nvPr>
-            <p:ph type="body" sz="quarter" idx="10"/>
-          </p:nvPr>
-        </p:nvSpPr>
-        <p:spPr/>
-        <p:txBody>
-          <a:bodyPr/>
-          <a:lstStyle/>
-          <a:p>
-            <a:pPr marL="0" indent="0">
-              <a:buNone/>
-            </a:pPr>
-            <a:r>
-              <a:rPr lang="en-US" altLang="ja-JP" u="sng" dirty="0">
-                <a:hlinkClick r:id="rId2"/>
-              </a:rPr>
-              <a:t>https://github.com/jxug/PrismAndMoqHansOn</a:t>
-            </a:r>
-            <a:endParaRPr lang="en-US" altLang="ja-JP" u="sng" dirty="0"/>
-          </a:p>
-          <a:p>
-            <a:pPr marL="0" indent="0">
-              <a:buNone/>
-            </a:pPr>
-            <a:endParaRPr lang="en-US" altLang="ja-JP" dirty="0"/>
-          </a:p>
-          <a:p>
-            <a:pPr marL="0" indent="0">
-              <a:buNone/>
-            </a:pPr>
-            <a:r>
-              <a:rPr kumimoji="1" lang="ja-JP" altLang="en-US" dirty="0"/>
-              <a:t>このあとすぐ資料を</a:t>
-            </a:r>
-            <a:r>
-              <a:rPr kumimoji="1" lang="en-US" altLang="ja-JP" dirty="0"/>
-              <a:t>Twitter</a:t>
-            </a:r>
-            <a:r>
-              <a:rPr kumimoji="1" lang="ja-JP" altLang="en-US" dirty="0"/>
-              <a:t>に案内します。</a:t>
-            </a:r>
-            <a:endParaRPr kumimoji="1" lang="en-US" altLang="ja-JP" dirty="0"/>
-          </a:p>
-          <a:p>
-            <a:pPr marL="0" indent="0">
-              <a:buNone/>
-            </a:pPr>
-            <a:r>
-              <a:rPr lang="en-US" altLang="ja-JP" dirty="0"/>
-              <a:t>dots</a:t>
-            </a:r>
-            <a:r>
-              <a:rPr lang="ja-JP" altLang="en-US" dirty="0"/>
-              <a:t>のイベントページへの紐づけもしますので、何れかからご覧ください。</a:t>
-            </a:r>
-            <a:endParaRPr kumimoji="1" lang="ja-JP" altLang="en-US" dirty="0"/>
-          </a:p>
-        </p:txBody>
-      </p:sp>
-      <p:sp>
-        <p:nvSpPr>
-          <p:cNvPr id="3" name="タイトル 2"/>
-          <p:cNvSpPr>
-            <a:spLocks noGrp="1"/>
-          </p:cNvSpPr>
-          <p:nvPr>
-            <p:ph type="title"/>
-          </p:nvPr>
-        </p:nvSpPr>
-        <p:spPr/>
-        <p:txBody>
-          <a:bodyPr/>
-          <a:lstStyle/>
-          <a:p>
-            <a:r>
-              <a:rPr kumimoji="1" lang="ja-JP" altLang="en-US" dirty="0"/>
-              <a:t>デモコードのリポジトリ</a:t>
-            </a:r>
-          </a:p>
-        </p:txBody>
-      </p:sp>
-    </p:spTree>
-    <p:extLst>
-      <p:ext uri="{BB962C8B-B14F-4D97-AF65-F5344CB8AC3E}">
-        <p14:creationId xmlns:p14="http://schemas.microsoft.com/office/powerpoint/2010/main" val="2131989648"/>
-      </p:ext>
-    </p:extLst>
-  </p:cSld>
-  <p:clrMapOvr>
-    <a:masterClrMapping/>
-  </p:clrMapOvr>
-  <p:transition>
-    <p:fade/>
-  </p:transition>
-</p:sld>
-</file>
-
-<file path=ppt/slides/slide32.xml><?xml version="1.0" encoding="utf-8"?>
-<p:sld xmlns:a="http://schemas.openxmlformats.org/drawingml/2006/main" xmlns:r="http://schemas.openxmlformats.org/officeDocument/2006/relationships" xmlns:p="http://schemas.openxmlformats.org/presentationml/2006/main">
-  <p:cSld>
-    <p:spTree>
-      <p:nvGrpSpPr>
-        <p:cNvPr id="1" name=""/>
-        <p:cNvGrpSpPr/>
-        <p:nvPr/>
-      </p:nvGrpSpPr>
-      <p:grpSpPr>
-        <a:xfrm>
-          <a:off x="0" y="0"/>
-          <a:ext cx="0" cy="0"/>
-          <a:chOff x="0" y="0"/>
-          <a:chExt cx="0" cy="0"/>
-        </a:xfrm>
-      </p:grpSpPr>
-      <p:sp>
-        <p:nvSpPr>
           <p:cNvPr id="6" name="テキスト プレースホルダー 5"/>
           <p:cNvSpPr>
             <a:spLocks noGrp="1"/>
@@ -16686,7 +17125,7 @@
             <a:fld id="{BA547519-0BEB-4367-A945-810145453CE0}" type="slidenum">
               <a:rPr kumimoji="1" lang="ja-JP" altLang="en-US" smtClean="0"/>
               <a:pPr/>
-              <a:t>32</a:t>
+              <a:t>31</a:t>
             </a:fld>
             <a:endParaRPr kumimoji="1" lang="ja-JP" altLang="en-US" dirty="0"/>
           </a:p>
@@ -16779,6 +17218,94 @@
 </p:sld>
 </file>
 
+<file path=ppt/slides/slide32.xml><?xml version="1.0" encoding="utf-8"?>
+<p:sld xmlns:a="http://schemas.openxmlformats.org/drawingml/2006/main" xmlns:r="http://schemas.openxmlformats.org/officeDocument/2006/relationships" xmlns:p="http://schemas.openxmlformats.org/presentationml/2006/main">
+  <p:cSld>
+    <p:spTree>
+      <p:nvGrpSpPr>
+        <p:cNvPr id="1" name=""/>
+        <p:cNvGrpSpPr/>
+        <p:nvPr/>
+      </p:nvGrpSpPr>
+      <p:grpSpPr>
+        <a:xfrm>
+          <a:off x="0" y="0"/>
+          <a:ext cx="0" cy="0"/>
+          <a:chOff x="0" y="0"/>
+          <a:chExt cx="0" cy="0"/>
+        </a:xfrm>
+      </p:grpSpPr>
+      <p:sp>
+        <p:nvSpPr>
+          <p:cNvPr id="10" name="タイトル 9"/>
+          <p:cNvSpPr>
+            <a:spLocks noGrp="1"/>
+          </p:cNvSpPr>
+          <p:nvPr>
+            <p:ph type="title"/>
+          </p:nvPr>
+        </p:nvSpPr>
+        <p:spPr/>
+        <p:txBody>
+          <a:bodyPr/>
+          <a:lstStyle/>
+          <a:p>
+            <a:r>
+              <a:rPr lang="en-US" altLang="ja-JP" dirty="0"/>
+              <a:t>#Xamarin</a:t>
+            </a:r>
+            <a:r>
+              <a:rPr lang="ja-JP" altLang="en-US" dirty="0"/>
+              <a:t>はいいぞ</a:t>
+            </a:r>
+          </a:p>
+        </p:txBody>
+      </p:sp>
+      <p:sp>
+        <p:nvSpPr>
+          <p:cNvPr id="3" name="スライド番号プレースホルダー 2"/>
+          <p:cNvSpPr>
+            <a:spLocks noGrp="1"/>
+          </p:cNvSpPr>
+          <p:nvPr>
+            <p:ph type="sldNum" sz="quarter" idx="4294967295"/>
+          </p:nvPr>
+        </p:nvSpPr>
+        <p:spPr>
+          <a:xfrm>
+            <a:off x="10875963" y="6376988"/>
+            <a:ext cx="1560512" cy="371475"/>
+          </a:xfrm>
+        </p:spPr>
+        <p:txBody>
+          <a:bodyPr/>
+          <a:lstStyle/>
+          <a:p>
+            <a:fld id="{BA547519-0BEB-4367-A945-810145453CE0}" type="slidenum">
+              <a:rPr kumimoji="1" lang="ja-JP" altLang="en-US" smtClean="0"/>
+              <a:pPr/>
+              <a:t>32</a:t>
+            </a:fld>
+            <a:endParaRPr kumimoji="1" lang="ja-JP" altLang="en-US" dirty="0"/>
+          </a:p>
+        </p:txBody>
+      </p:sp>
+    </p:spTree>
+    <p:extLst>
+      <p:ext uri="{BB962C8B-B14F-4D97-AF65-F5344CB8AC3E}">
+        <p14:creationId xmlns:p14="http://schemas.microsoft.com/office/powerpoint/2010/main" val="482994246"/>
+      </p:ext>
+    </p:extLst>
+  </p:cSld>
+  <p:clrMapOvr>
+    <a:masterClrMapping/>
+  </p:clrMapOvr>
+  <p:transition>
+    <p:fade/>
+  </p:transition>
+</p:sld>
+</file>
+
 <file path=ppt/slides/slide33.xml><?xml version="1.0" encoding="utf-8"?>
 <p:sld xmlns:a="http://schemas.openxmlformats.org/drawingml/2006/main" xmlns:r="http://schemas.openxmlformats.org/officeDocument/2006/relationships" xmlns:p="http://schemas.openxmlformats.org/presentationml/2006/main">
   <p:cSld>
@@ -16806,18 +17333,23 @@
             <p:ph type="title"/>
           </p:nvPr>
         </p:nvSpPr>
-        <p:spPr/>
+        <p:spPr>
+          <a:xfrm>
+            <a:off x="1347243" y="658071"/>
+            <a:ext cx="11089232" cy="5904654"/>
+          </a:xfrm>
+        </p:spPr>
         <p:txBody>
           <a:bodyPr/>
           <a:lstStyle/>
           <a:p>
             <a:r>
               <a:rPr lang="en-US" altLang="ja-JP" dirty="0"/>
-              <a:t>#Xamarin</a:t>
+              <a:t>#Prism</a:t>
             </a:r>
             <a:r>
               <a:rPr lang="ja-JP" altLang="en-US" dirty="0"/>
-              <a:t>はいいぞ</a:t>
+              <a:t>もいいぞ</a:t>
             </a:r>
           </a:p>
         </p:txBody>
@@ -16846,99 +17378,6 @@
               <a:rPr kumimoji="1" lang="ja-JP" altLang="en-US" smtClean="0"/>
               <a:pPr/>
               <a:t>33</a:t>
-            </a:fld>
-            <a:endParaRPr kumimoji="1" lang="ja-JP" altLang="en-US" dirty="0"/>
-          </a:p>
-        </p:txBody>
-      </p:sp>
-    </p:spTree>
-    <p:extLst>
-      <p:ext uri="{BB962C8B-B14F-4D97-AF65-F5344CB8AC3E}">
-        <p14:creationId xmlns:p14="http://schemas.microsoft.com/office/powerpoint/2010/main" val="482994246"/>
-      </p:ext>
-    </p:extLst>
-  </p:cSld>
-  <p:clrMapOvr>
-    <a:masterClrMapping/>
-  </p:clrMapOvr>
-  <p:transition>
-    <p:fade/>
-  </p:transition>
-</p:sld>
-</file>
-
-<file path=ppt/slides/slide34.xml><?xml version="1.0" encoding="utf-8"?>
-<p:sld xmlns:a="http://schemas.openxmlformats.org/drawingml/2006/main" xmlns:r="http://schemas.openxmlformats.org/officeDocument/2006/relationships" xmlns:p="http://schemas.openxmlformats.org/presentationml/2006/main">
-  <p:cSld>
-    <p:spTree>
-      <p:nvGrpSpPr>
-        <p:cNvPr id="1" name=""/>
-        <p:cNvGrpSpPr/>
-        <p:nvPr/>
-      </p:nvGrpSpPr>
-      <p:grpSpPr>
-        <a:xfrm>
-          <a:off x="0" y="0"/>
-          <a:ext cx="0" cy="0"/>
-          <a:chOff x="0" y="0"/>
-          <a:chExt cx="0" cy="0"/>
-        </a:xfrm>
-      </p:grpSpPr>
-      <p:sp>
-        <p:nvSpPr>
-          <p:cNvPr id="10" name="タイトル 9"/>
-          <p:cNvSpPr>
-            <a:spLocks noGrp="1"/>
-          </p:cNvSpPr>
-          <p:nvPr>
-            <p:ph type="title"/>
-          </p:nvPr>
-        </p:nvSpPr>
-        <p:spPr>
-          <a:xfrm>
-            <a:off x="1347243" y="658071"/>
-            <a:ext cx="11089232" cy="5904654"/>
-          </a:xfrm>
-        </p:spPr>
-        <p:txBody>
-          <a:bodyPr/>
-          <a:lstStyle/>
-          <a:p>
-            <a:r>
-              <a:rPr lang="en-US" altLang="ja-JP" dirty="0"/>
-              <a:t>#Prism</a:t>
-            </a:r>
-            <a:r>
-              <a:rPr lang="ja-JP" altLang="en-US" dirty="0"/>
-              <a:t>もいいぞ</a:t>
-            </a:r>
-          </a:p>
-        </p:txBody>
-      </p:sp>
-      <p:sp>
-        <p:nvSpPr>
-          <p:cNvPr id="3" name="スライド番号プレースホルダー 2"/>
-          <p:cNvSpPr>
-            <a:spLocks noGrp="1"/>
-          </p:cNvSpPr>
-          <p:nvPr>
-            <p:ph type="sldNum" sz="quarter" idx="4294967295"/>
-          </p:nvPr>
-        </p:nvSpPr>
-        <p:spPr>
-          <a:xfrm>
-            <a:off x="10875963" y="6376988"/>
-            <a:ext cx="1560512" cy="371475"/>
-          </a:xfrm>
-        </p:spPr>
-        <p:txBody>
-          <a:bodyPr/>
-          <a:lstStyle/>
-          <a:p>
-            <a:fld id="{BA547519-0BEB-4367-A945-810145453CE0}" type="slidenum">
-              <a:rPr kumimoji="1" lang="ja-JP" altLang="en-US" smtClean="0"/>
-              <a:pPr/>
-              <a:t>34</a:t>
             </a:fld>
             <a:endParaRPr kumimoji="1" lang="ja-JP" altLang="en-US" dirty="0"/>
           </a:p>
@@ -17065,6 +17504,13 @@
   <p:transition>
     <p:fade/>
   </p:transition>
+  <p:timing>
+    <p:tnLst>
+      <p:par>
+        <p:cTn id="1" dur="indefinite" restart="never" nodeType="tmRoot"/>
+      </p:par>
+    </p:tnLst>
+  </p:timing>
 </p:sld>
 </file>
 
@@ -18494,6 +18940,13 @@
   <p:transition>
     <p:fade/>
   </p:transition>
+  <p:timing>
+    <p:tnLst>
+      <p:par>
+        <p:cTn id="1" dur="indefinite" restart="never" nodeType="tmRoot"/>
+      </p:par>
+    </p:tnLst>
+  </p:timing>
 </p:sld>
 </file>
 
@@ -18516,7 +18969,31 @@
       </p:grpSpPr>
       <p:sp>
         <p:nvSpPr>
-          <p:cNvPr id="2" name="タイトル 1"/>
+          <p:cNvPr id="2" name="スライド番号プレースホルダー 1"/>
+          <p:cNvSpPr>
+            <a:spLocks noGrp="1"/>
+          </p:cNvSpPr>
+          <p:nvPr>
+            <p:ph type="sldNum" sz="quarter" idx="10"/>
+          </p:nvPr>
+        </p:nvSpPr>
+        <p:spPr/>
+        <p:txBody>
+          <a:bodyPr/>
+          <a:lstStyle/>
+          <a:p>
+            <a:fld id="{BA547519-0BEB-4367-A945-810145453CE0}" type="slidenum">
+              <a:rPr kumimoji="1" lang="ja-JP" altLang="en-US" smtClean="0"/>
+              <a:pPr/>
+              <a:t>8</a:t>
+            </a:fld>
+            <a:endParaRPr kumimoji="1" lang="ja-JP" altLang="en-US" dirty="0"/>
+          </a:p>
+        </p:txBody>
+      </p:sp>
+      <p:sp>
+        <p:nvSpPr>
+          <p:cNvPr id="3" name="タイトル 2"/>
           <p:cNvSpPr>
             <a:spLocks noGrp="1"/>
           </p:cNvSpPr>
@@ -18530,35 +19007,21 @@
           <a:lstStyle/>
           <a:p>
             <a:r>
-              <a:rPr lang="en-US" altLang="ja-JP" dirty="0">
-                <a:solidFill>
-                  <a:schemeClr val="tx2">
-                    <a:lumMod val="40000"/>
-                    <a:lumOff val="60000"/>
-                  </a:schemeClr>
-                </a:solidFill>
-              </a:rPr>
+              <a:rPr lang="en-US" altLang="ja-JP" dirty="0"/>
               <a:t>Agenda</a:t>
             </a:r>
-            <a:endParaRPr lang="ja-JP" altLang="en-US" dirty="0">
-              <a:solidFill>
-                <a:schemeClr val="tx2">
-                  <a:lumMod val="40000"/>
-                  <a:lumOff val="60000"/>
-                </a:schemeClr>
-              </a:solidFill>
-            </a:endParaRPr>
-          </a:p>
-        </p:txBody>
-      </p:sp>
-      <p:sp>
-        <p:nvSpPr>
-          <p:cNvPr id="3" name="コンテンツ プレースホルダー 2"/>
-          <p:cNvSpPr>
-            <a:spLocks noGrp="1"/>
-          </p:cNvSpPr>
-          <p:nvPr>
-            <p:ph sz="quarter" idx="10"/>
+            <a:endParaRPr kumimoji="1" lang="ja-JP" altLang="en-US" dirty="0"/>
+          </a:p>
+        </p:txBody>
+      </p:sp>
+      <p:sp>
+        <p:nvSpPr>
+          <p:cNvPr id="4" name="コンテンツ プレースホルダー 3"/>
+          <p:cNvSpPr>
+            <a:spLocks noGrp="1"/>
+          </p:cNvSpPr>
+          <p:nvPr>
+            <p:ph sz="quarter" idx="11"/>
           </p:nvPr>
         </p:nvSpPr>
         <p:spPr/>
@@ -18573,11 +19036,7 @@
               <a:buChar char="•"/>
             </a:pPr>
             <a:r>
-              <a:rPr lang="en-US" altLang="ja-JP" dirty="0">
-                <a:solidFill>
-                  <a:srgbClr val="8EB4E3"/>
-                </a:solidFill>
-              </a:rPr>
+              <a:rPr lang="en-US" altLang="ja-JP" dirty="0"/>
               <a:t>Introduction</a:t>
             </a:r>
           </a:p>
@@ -18601,37 +19060,8 @@
               <a:buChar char="•"/>
             </a:pPr>
             <a:r>
-              <a:rPr lang="en-US" altLang="ja-JP" dirty="0">
-                <a:solidFill>
-                  <a:schemeClr val="tx2">
-                    <a:lumMod val="40000"/>
-                    <a:lumOff val="60000"/>
-                  </a:schemeClr>
-                </a:solidFill>
-              </a:rPr>
-              <a:t>Why Prism for </a:t>
-            </a:r>
-            <a:r>
-              <a:rPr lang="en-US" altLang="ja-JP" dirty="0" err="1">
-                <a:solidFill>
-                  <a:schemeClr val="tx2">
-                    <a:lumMod val="40000"/>
-                    <a:lumOff val="60000"/>
-                  </a:schemeClr>
-                </a:solidFill>
-              </a:rPr>
-              <a:t>Xamarin.Forms</a:t>
-            </a:r>
-            <a:r>
-              <a:rPr lang="en-US" altLang="ja-JP" dirty="0">
-                <a:solidFill>
-                  <a:schemeClr val="tx2">
-                    <a:lumMod val="40000"/>
-                    <a:lumOff val="60000"/>
-                  </a:schemeClr>
-                </a:solidFill>
-              </a:rPr>
-              <a:t>?</a:t>
+              <a:rPr lang="en-US" altLang="ja-JP" dirty="0"/>
+              <a:t>Why Prism for Xamarin.Forms?</a:t>
             </a:r>
           </a:p>
           <a:p>
@@ -18640,52 +19070,17 @@
               <a:buChar char="•"/>
             </a:pPr>
             <a:r>
-              <a:rPr lang="en-US" altLang="ja-JP" dirty="0">
-                <a:solidFill>
-                  <a:schemeClr val="tx2">
-                    <a:lumMod val="40000"/>
-                    <a:lumOff val="60000"/>
-                  </a:schemeClr>
-                </a:solidFill>
-              </a:rPr>
-              <a:t>DEMO</a:t>
-            </a:r>
-          </a:p>
-        </p:txBody>
-      </p:sp>
-      <p:sp>
-        <p:nvSpPr>
-          <p:cNvPr id="9" name="スライド番号プレースホルダー 8"/>
-          <p:cNvSpPr>
-            <a:spLocks noGrp="1"/>
-          </p:cNvSpPr>
-          <p:nvPr>
-            <p:ph type="sldNum" sz="quarter" idx="4294967295"/>
-          </p:nvPr>
-        </p:nvSpPr>
-        <p:spPr>
-          <a:xfrm>
-            <a:off x="10875963" y="6376988"/>
-            <a:ext cx="1560512" cy="371475"/>
-          </a:xfrm>
-        </p:spPr>
-        <p:txBody>
-          <a:bodyPr/>
-          <a:lstStyle/>
-          <a:p>
-            <a:fld id="{A18726F9-315A-4462-8997-3530727730AD}" type="slidenum">
-              <a:rPr lang="ja-JP" altLang="en-US" smtClean="0"/>
-              <a:pPr/>
-              <a:t>8</a:t>
-            </a:fld>
-            <a:endParaRPr lang="ja-JP" altLang="en-US" dirty="0"/>
+              <a:rPr kumimoji="1" lang="en-US" altLang="ja-JP" dirty="0" smtClean="0"/>
+              <a:t>Hands-On</a:t>
+            </a:r>
+            <a:endParaRPr kumimoji="1" lang="ja-JP" altLang="en-US" dirty="0"/>
           </a:p>
         </p:txBody>
       </p:sp>
     </p:spTree>
     <p:extLst>
       <p:ext uri="{BB962C8B-B14F-4D97-AF65-F5344CB8AC3E}">
-        <p14:creationId xmlns:p14="http://schemas.microsoft.com/office/powerpoint/2010/main" val="1271652542"/>
+        <p14:creationId xmlns:p14="http://schemas.microsoft.com/office/powerpoint/2010/main" val="3009564058"/>
       </p:ext>
     </p:extLst>
   </p:cSld>
@@ -18695,6 +19090,13 @@
   <p:transition>
     <p:fade/>
   </p:transition>
+  <p:timing>
+    <p:tnLst>
+      <p:par>
+        <p:cTn id="1" dur="indefinite" restart="never" nodeType="tmRoot"/>
+      </p:par>
+    </p:tnLst>
+  </p:timing>
 </p:sld>
 </file>
 
@@ -18838,6 +19240,13 @@
   <p:transition>
     <p:fade/>
   </p:transition>
+  <p:timing>
+    <p:tnLst>
+      <p:par>
+        <p:cTn id="1" dur="indefinite" restart="never" nodeType="tmRoot"/>
+      </p:par>
+    </p:tnLst>
+  </p:timing>
 </p:sld>
 </file>
 

--- a/docs/Why Prism for Xamarin.Forms.pptx
+++ b/docs/Why Prism for Xamarin.Forms.pptx
@@ -13,7 +13,7 @@
   <p:sldIdLst>
     <p:sldId id="1508" r:id="rId2"/>
     <p:sldId id="1637" r:id="rId3"/>
-    <p:sldId id="1680" r:id="rId4"/>
+    <p:sldId id="1685" r:id="rId4"/>
     <p:sldId id="1608" r:id="rId5"/>
     <p:sldId id="1651" r:id="rId6"/>
     <p:sldId id="1652" r:id="rId7"/>
@@ -223,7 +223,7 @@
               <a:rPr lang="en-US" altLang="ja-JP" smtClean="0">
                 <a:latin typeface="Segoe UI" pitchFamily="34" charset="0"/>
               </a:rPr>
-              <a:t>11/6/2016 2:09 PM</a:t>
+              <a:t>11/6/2016 3:43 PM</a:t>
             </a:fld>
             <a:endParaRPr lang="en-US" dirty="0">
               <a:latin typeface="Segoe UI" pitchFamily="34" charset="0"/>
@@ -484,7 +484,7 @@
           <a:p>
             <a:fld id="{35F63945-09EF-4D56-AA6D-C1F6374BA98A}" type="datetime8">
               <a:rPr lang="en-US" altLang="ja-JP" smtClean="0"/>
-              <a:t>11/6/2016 2:09 PM</a:t>
+              <a:t>11/6/2016 3:43 PM</a:t>
             </a:fld>
             <a:endParaRPr lang="en-US" dirty="0"/>
           </a:p>
@@ -891,7 +891,7 @@
           <a:p>
             <a:fld id="{35F63945-09EF-4D56-AA6D-C1F6374BA98A}" type="datetime8">
               <a:rPr lang="en-US" altLang="ja-JP" smtClean="0"/>
-              <a:t>11/6/2016 2:13 PM</a:t>
+              <a:t>11/6/2016 3:43 PM</a:t>
             </a:fld>
             <a:endParaRPr lang="en-US" dirty="0"/>
           </a:p>
@@ -1168,7 +1168,7 @@
           <a:p>
             <a:fld id="{35F63945-09EF-4D56-AA6D-C1F6374BA98A}" type="datetime8">
               <a:rPr lang="en-US" altLang="ja-JP" smtClean="0"/>
-              <a:t>11/6/2016 2:09 PM</a:t>
+              <a:t>11/6/2016 3:43 PM</a:t>
             </a:fld>
             <a:endParaRPr lang="en-US" dirty="0"/>
           </a:p>
@@ -1362,7 +1362,7 @@
           <a:p>
             <a:fld id="{35F63945-09EF-4D56-AA6D-C1F6374BA98A}" type="datetime8">
               <a:rPr lang="en-US" altLang="ja-JP" smtClean="0"/>
-              <a:t>11/6/2016 3:28 PM</a:t>
+              <a:t>11/6/2016 3:43 PM</a:t>
             </a:fld>
             <a:endParaRPr lang="en-US" dirty="0"/>
           </a:p>
@@ -1583,7 +1583,7 @@
           <a:p>
             <a:fld id="{35F63945-09EF-4D56-AA6D-C1F6374BA98A}" type="datetime8">
               <a:rPr lang="en-US" altLang="ja-JP" smtClean="0"/>
-              <a:t>11/6/2016 2:09 PM</a:t>
+              <a:t>11/6/2016 3:43 PM</a:t>
             </a:fld>
             <a:endParaRPr lang="en-US" dirty="0"/>
           </a:p>
@@ -1824,7 +1824,7 @@
           <a:p>
             <a:fld id="{35F63945-09EF-4D56-AA6D-C1F6374BA98A}" type="datetime8">
               <a:rPr lang="en-US" altLang="ja-JP" smtClean="0"/>
-              <a:t>11/6/2016 2:09 PM</a:t>
+              <a:t>11/6/2016 3:43 PM</a:t>
             </a:fld>
             <a:endParaRPr lang="en-US" dirty="0"/>
           </a:p>
@@ -2087,7 +2087,7 @@
           <a:p>
             <a:fld id="{35F63945-09EF-4D56-AA6D-C1F6374BA98A}" type="datetime8">
               <a:rPr lang="en-US" altLang="ja-JP" smtClean="0"/>
-              <a:t>11/6/2016 2:09 PM</a:t>
+              <a:t>11/6/2016 3:43 PM</a:t>
             </a:fld>
             <a:endParaRPr lang="en-US" dirty="0"/>
           </a:p>
@@ -2316,7 +2316,7 @@
           <a:p>
             <a:fld id="{35F63945-09EF-4D56-AA6D-C1F6374BA98A}" type="datetime8">
               <a:rPr lang="en-US" altLang="ja-JP" smtClean="0"/>
-              <a:t>11/6/2016 2:09 PM</a:t>
+              <a:t>11/6/2016 3:43 PM</a:t>
             </a:fld>
             <a:endParaRPr lang="en-US" dirty="0"/>
           </a:p>
@@ -2525,7 +2525,7 @@
           <a:p>
             <a:fld id="{35F63945-09EF-4D56-AA6D-C1F6374BA98A}" type="datetime8">
               <a:rPr lang="en-US" altLang="ja-JP" smtClean="0"/>
-              <a:t>11/6/2016 2:09 PM</a:t>
+              <a:t>11/6/2016 3:43 PM</a:t>
             </a:fld>
             <a:endParaRPr lang="en-US" dirty="0"/>
           </a:p>
@@ -2826,7 +2826,7 @@
           <a:p>
             <a:fld id="{35F63945-09EF-4D56-AA6D-C1F6374BA98A}" type="datetime8">
               <a:rPr lang="en-US" altLang="ja-JP" smtClean="0"/>
-              <a:t>11/6/2016 2:09 PM</a:t>
+              <a:t>11/6/2016 3:43 PM</a:t>
             </a:fld>
             <a:endParaRPr lang="en-US" dirty="0"/>
           </a:p>
@@ -3037,7 +3037,7 @@
           <a:p>
             <a:fld id="{35F63945-09EF-4D56-AA6D-C1F6374BA98A}" type="datetime8">
               <a:rPr lang="en-US" altLang="ja-JP" smtClean="0"/>
-              <a:t>11/6/2016 2:09 PM</a:t>
+              <a:t>11/6/2016 3:43 PM</a:t>
             </a:fld>
             <a:endParaRPr lang="en-US" dirty="0"/>
           </a:p>
@@ -3245,7 +3245,7 @@
           <a:p>
             <a:fld id="{35F63945-09EF-4D56-AA6D-C1F6374BA98A}" type="datetime8">
               <a:rPr lang="en-US" altLang="ja-JP" smtClean="0"/>
-              <a:t>11/6/2016 2:09 PM</a:t>
+              <a:t>11/6/2016 3:43 PM</a:t>
             </a:fld>
             <a:endParaRPr lang="en-US" dirty="0"/>
           </a:p>
@@ -3461,7 +3461,7 @@
           <a:p>
             <a:fld id="{35F63945-09EF-4D56-AA6D-C1F6374BA98A}" type="datetime8">
               <a:rPr lang="en-US" altLang="ja-JP" smtClean="0"/>
-              <a:t>11/6/2016 2:09 PM</a:t>
+              <a:t>11/6/2016 3:43 PM</a:t>
             </a:fld>
             <a:endParaRPr lang="en-US" dirty="0"/>
           </a:p>
@@ -3654,7 +3654,7 @@
           <a:p>
             <a:fld id="{35F63945-09EF-4D56-AA6D-C1F6374BA98A}" type="datetime8">
               <a:rPr lang="en-US" altLang="ja-JP" smtClean="0"/>
-              <a:t>11/6/2016 2:09 PM</a:t>
+              <a:t>11/6/2016 3:43 PM</a:t>
             </a:fld>
             <a:endParaRPr lang="en-US" dirty="0"/>
           </a:p>
@@ -3893,7 +3893,7 @@
           <a:p>
             <a:fld id="{35F63945-09EF-4D56-AA6D-C1F6374BA98A}" type="datetime8">
               <a:rPr lang="en-US" altLang="ja-JP" smtClean="0"/>
-              <a:t>11/6/2016 2:09 PM</a:t>
+              <a:t>11/6/2016 3:43 PM</a:t>
             </a:fld>
             <a:endParaRPr lang="en-US" dirty="0"/>
           </a:p>
@@ -4204,7 +4204,7 @@
           <a:p>
             <a:fld id="{35F63945-09EF-4D56-AA6D-C1F6374BA98A}" type="datetime8">
               <a:rPr lang="en-US" altLang="ja-JP" smtClean="0"/>
-              <a:t>11/6/2016 2:09 PM</a:t>
+              <a:t>11/6/2016 3:43 PM</a:t>
             </a:fld>
             <a:endParaRPr lang="en-US" dirty="0"/>
           </a:p>
@@ -4519,7 +4519,7 @@
           <a:p>
             <a:fld id="{35F63945-09EF-4D56-AA6D-C1F6374BA98A}" type="datetime8">
               <a:rPr lang="en-US" altLang="ja-JP" smtClean="0"/>
-              <a:t>11/6/2016 2:09 PM</a:t>
+              <a:t>11/6/2016 3:43 PM</a:t>
             </a:fld>
             <a:endParaRPr lang="en-US" dirty="0"/>
           </a:p>
@@ -4721,7 +4721,7 @@
           <a:p>
             <a:fld id="{35F63945-09EF-4D56-AA6D-C1F6374BA98A}" type="datetime8">
               <a:rPr lang="en-US" altLang="ja-JP" smtClean="0"/>
-              <a:t>11/6/2016 2:09 PM</a:t>
+              <a:t>11/6/2016 3:43 PM</a:t>
             </a:fld>
             <a:endParaRPr lang="en-US" dirty="0"/>
           </a:p>
@@ -4958,7 +4958,7 @@
           <a:p>
             <a:fld id="{35F63945-09EF-4D56-AA6D-C1F6374BA98A}" type="datetime8">
               <a:rPr lang="en-US" altLang="ja-JP" smtClean="0"/>
-              <a:t>11/6/2016 2:09 PM</a:t>
+              <a:t>11/6/2016 3:43 PM</a:t>
             </a:fld>
             <a:endParaRPr lang="en-US" dirty="0"/>
           </a:p>
@@ -5124,7 +5124,7 @@
           <a:p>
             <a:fld id="{35F63945-09EF-4D56-AA6D-C1F6374BA98A}" type="datetime8">
               <a:rPr lang="en-US" altLang="ja-JP" smtClean="0"/>
-              <a:t>11/6/2016 2:09 PM</a:t>
+              <a:t>11/6/2016 3:43 PM</a:t>
             </a:fld>
             <a:endParaRPr lang="en-US" dirty="0"/>
           </a:p>
@@ -5378,7 +5378,7 @@
           <a:p>
             <a:fld id="{35F63945-09EF-4D56-AA6D-C1F6374BA98A}" type="datetime8">
               <a:rPr lang="en-US" altLang="ja-JP" smtClean="0"/>
-              <a:t>11/6/2016 2:09 PM</a:t>
+              <a:t>11/6/2016 3:43 PM</a:t>
             </a:fld>
             <a:endParaRPr lang="en-US" dirty="0"/>
           </a:p>
@@ -5596,7 +5596,7 @@
           <a:p>
             <a:fld id="{35F63945-09EF-4D56-AA6D-C1F6374BA98A}" type="datetime8">
               <a:rPr lang="en-US" altLang="ja-JP" smtClean="0"/>
-              <a:t>11/6/2016 3:37 PM</a:t>
+              <a:t>11/6/2016 3:43 PM</a:t>
             </a:fld>
             <a:endParaRPr lang="en-US" dirty="0"/>
           </a:p>
@@ -5928,7 +5928,7 @@
           <a:p>
             <a:fld id="{35F63945-09EF-4D56-AA6D-C1F6374BA98A}" type="datetime8">
               <a:rPr lang="en-US" altLang="ja-JP" smtClean="0"/>
-              <a:t>11/6/2016 2:54 PM</a:t>
+              <a:t>11/6/2016 3:43 PM</a:t>
             </a:fld>
             <a:endParaRPr lang="en-US" dirty="0"/>
           </a:p>
@@ -6016,8 +6016,8 @@
           <a:lstStyle/>
           <a:p>
             <a:r>
-              <a:rPr kumimoji="1" lang="ja-JP" altLang="en-US" dirty="0" smtClean="0"/>
-              <a:t>アジェンダはこちらの通りです。</a:t>
+              <a:rPr kumimoji="1" lang="ja-JP" altLang="en-US" smtClean="0"/>
+              <a:t>アジェンダはこちらです。</a:t>
             </a:r>
             <a:endParaRPr kumimoji="1" lang="ja-JP" altLang="en-US" dirty="0"/>
           </a:p>
@@ -6094,7 +6094,7 @@
           <a:p>
             <a:fld id="{35F63945-09EF-4D56-AA6D-C1F6374BA98A}" type="datetime8">
               <a:rPr lang="en-US" altLang="ja-JP" smtClean="0"/>
-              <a:t>11/6/2016 3:20 PM</a:t>
+              <a:t>11/6/2016 3:46 PM</a:t>
             </a:fld>
             <a:endParaRPr lang="en-US" dirty="0"/>
           </a:p>
@@ -6127,7 +6127,7 @@
     </p:spTree>
     <p:extLst>
       <p:ext uri="{BB962C8B-B14F-4D97-AF65-F5344CB8AC3E}">
-        <p14:creationId xmlns:p14="http://schemas.microsoft.com/office/powerpoint/2010/main" val="2726748140"/>
+        <p14:creationId xmlns:p14="http://schemas.microsoft.com/office/powerpoint/2010/main" val="2792531775"/>
       </p:ext>
     </p:extLst>
   </p:cSld>
@@ -6263,7 +6263,7 @@
           <a:p>
             <a:fld id="{35F63945-09EF-4D56-AA6D-C1F6374BA98A}" type="datetime8">
               <a:rPr lang="en-US" altLang="ja-JP" smtClean="0"/>
-              <a:t>11/6/2016 2:09 PM</a:t>
+              <a:t>11/6/2016 3:43 PM</a:t>
             </a:fld>
             <a:endParaRPr lang="en-US" dirty="0"/>
           </a:p>
@@ -6425,7 +6425,7 @@
           <a:p>
             <a:fld id="{35F63945-09EF-4D56-AA6D-C1F6374BA98A}" type="datetime8">
               <a:rPr lang="en-US" altLang="ja-JP" smtClean="0"/>
-              <a:t>11/6/2016 2:09 PM</a:t>
+              <a:t>11/6/2016 3:43 PM</a:t>
             </a:fld>
             <a:endParaRPr lang="en-US" dirty="0"/>
           </a:p>
@@ -6587,7 +6587,7 @@
           <a:p>
             <a:fld id="{35F63945-09EF-4D56-AA6D-C1F6374BA98A}" type="datetime8">
               <a:rPr lang="en-US" altLang="ja-JP" smtClean="0"/>
-              <a:t>11/6/2016 2:54 PM</a:t>
+              <a:t>11/6/2016 3:43 PM</a:t>
             </a:fld>
             <a:endParaRPr lang="en-US" dirty="0"/>
           </a:p>
@@ -6749,7 +6749,7 @@
           <a:p>
             <a:fld id="{35F63945-09EF-4D56-AA6D-C1F6374BA98A}" type="datetime8">
               <a:rPr lang="en-US" altLang="ja-JP" smtClean="0"/>
-              <a:t>11/6/2016 2:54 PM</a:t>
+              <a:t>11/6/2016 3:43 PM</a:t>
             </a:fld>
             <a:endParaRPr lang="en-US" dirty="0"/>
           </a:p>
@@ -6992,7 +6992,7 @@
           <a:p>
             <a:fld id="{35F63945-09EF-4D56-AA6D-C1F6374BA98A}" type="datetime8">
               <a:rPr lang="en-US" altLang="ja-JP" smtClean="0"/>
-              <a:t>11/6/2016 2:09 PM</a:t>
+              <a:t>11/6/2016 3:43 PM</a:t>
             </a:fld>
             <a:endParaRPr lang="en-US" dirty="0"/>
           </a:p>
@@ -7180,7 +7180,7 @@
           <a:p>
             <a:fld id="{35F63945-09EF-4D56-AA6D-C1F6374BA98A}" type="datetime8">
               <a:rPr lang="en-US" altLang="ja-JP" smtClean="0"/>
-              <a:t>11/6/2016 2:09 PM</a:t>
+              <a:t>11/6/2016 3:43 PM</a:t>
             </a:fld>
             <a:endParaRPr lang="en-US" dirty="0"/>
           </a:p>
@@ -7412,7 +7412,7 @@
           <a:p>
             <a:fld id="{35F63945-09EF-4D56-AA6D-C1F6374BA98A}" type="datetime8">
               <a:rPr lang="en-US" altLang="ja-JP" smtClean="0"/>
-              <a:t>11/6/2016 2:09 PM</a:t>
+              <a:t>11/6/2016 3:43 PM</a:t>
             </a:fld>
             <a:endParaRPr lang="en-US" dirty="0"/>
           </a:p>
@@ -7708,7 +7708,7 @@
           <a:p>
             <a:fld id="{35F63945-09EF-4D56-AA6D-C1F6374BA98A}" type="datetime8">
               <a:rPr lang="en-US" altLang="ja-JP" smtClean="0"/>
-              <a:t>11/6/2016 2:09 PM</a:t>
+              <a:t>11/6/2016 3:43 PM</a:t>
             </a:fld>
             <a:endParaRPr lang="en-US" dirty="0"/>
           </a:p>
@@ -7891,7 +7891,7 @@
           <a:p>
             <a:fld id="{35F63945-09EF-4D56-AA6D-C1F6374BA98A}" type="datetime8">
               <a:rPr lang="en-US" altLang="ja-JP" smtClean="0"/>
-              <a:t>11/6/2016 3:25 PM</a:t>
+              <a:t>11/6/2016 3:43 PM</a:t>
             </a:fld>
             <a:endParaRPr lang="en-US" dirty="0"/>
           </a:p>
@@ -8109,7 +8109,7 @@
           <a:p>
             <a:fld id="{35F63945-09EF-4D56-AA6D-C1F6374BA98A}" type="datetime8">
               <a:rPr lang="en-US" altLang="ja-JP" smtClean="0"/>
-              <a:t>11/6/2016 2:09 PM</a:t>
+              <a:t>11/6/2016 3:43 PM</a:t>
             </a:fld>
             <a:endParaRPr lang="en-US" dirty="0"/>
           </a:p>
@@ -16857,8 +16857,8 @@
               <a:buChar char="•"/>
             </a:pPr>
             <a:r>
-              <a:rPr kumimoji="1" lang="en-US" altLang="ja-JP" dirty="0" smtClean="0"/>
-              <a:t>Hands-On</a:t>
+              <a:rPr lang="en-US" altLang="ja-JP" dirty="0"/>
+              <a:t>DEMO</a:t>
             </a:r>
             <a:endParaRPr kumimoji="1" lang="ja-JP" altLang="en-US" dirty="0"/>
           </a:p>
@@ -16867,7 +16867,7 @@
     </p:spTree>
     <p:extLst>
       <p:ext uri="{BB962C8B-B14F-4D97-AF65-F5344CB8AC3E}">
-        <p14:creationId xmlns:p14="http://schemas.microsoft.com/office/powerpoint/2010/main" val="1608918785"/>
+        <p14:creationId xmlns:p14="http://schemas.microsoft.com/office/powerpoint/2010/main" val="3943058269"/>
       </p:ext>
     </p:extLst>
   </p:cSld>
@@ -16877,13 +16877,6 @@
   <p:transition>
     <p:fade/>
   </p:transition>
-  <p:timing>
-    <p:tnLst>
-      <p:par>
-        <p:cTn id="1" dur="indefinite" restart="never" nodeType="tmRoot"/>
-      </p:par>
-    </p:tnLst>
-  </p:timing>
 </p:sld>
 </file>
 
